--- a/Whiteboard design session/WDS trainer presentation - Line-of-business application migration.pptx
+++ b/Whiteboard design session/WDS trainer presentation - Line-of-business application migration.pptx
@@ -6,7 +6,7 @@
     <p:sldMasterId id="2147483665" r:id="rId2"/>
   </p:sldMasterIdLst>
   <p:notesMasterIdLst>
-    <p:notesMasterId r:id="rId38"/>
+    <p:notesMasterId r:id="rId40"/>
   </p:notesMasterIdLst>
   <p:sldIdLst>
     <p:sldId id="300" r:id="rId3"/>
@@ -23,27 +23,29 @@
     <p:sldId id="1935" r:id="rId14"/>
     <p:sldId id="1945" r:id="rId15"/>
     <p:sldId id="320" r:id="rId16"/>
-    <p:sldId id="322" r:id="rId17"/>
-    <p:sldId id="321" r:id="rId18"/>
-    <p:sldId id="317" r:id="rId19"/>
-    <p:sldId id="316" r:id="rId20"/>
-    <p:sldId id="333" r:id="rId21"/>
-    <p:sldId id="1936" r:id="rId22"/>
-    <p:sldId id="1937" r:id="rId23"/>
-    <p:sldId id="1932" r:id="rId24"/>
-    <p:sldId id="1933" r:id="rId25"/>
-    <p:sldId id="1934" r:id="rId26"/>
-    <p:sldId id="1938" r:id="rId27"/>
-    <p:sldId id="1939" r:id="rId28"/>
-    <p:sldId id="1940" r:id="rId29"/>
-    <p:sldId id="1941" r:id="rId30"/>
-    <p:sldId id="329" r:id="rId31"/>
-    <p:sldId id="332" r:id="rId32"/>
-    <p:sldId id="331" r:id="rId33"/>
-    <p:sldId id="330" r:id="rId34"/>
-    <p:sldId id="1943" r:id="rId35"/>
-    <p:sldId id="318" r:id="rId36"/>
-    <p:sldId id="315" r:id="rId37"/>
+    <p:sldId id="1946" r:id="rId17"/>
+    <p:sldId id="322" r:id="rId18"/>
+    <p:sldId id="321" r:id="rId19"/>
+    <p:sldId id="317" r:id="rId20"/>
+    <p:sldId id="316" r:id="rId21"/>
+    <p:sldId id="333" r:id="rId22"/>
+    <p:sldId id="1936" r:id="rId23"/>
+    <p:sldId id="1937" r:id="rId24"/>
+    <p:sldId id="1932" r:id="rId25"/>
+    <p:sldId id="1933" r:id="rId26"/>
+    <p:sldId id="1934" r:id="rId27"/>
+    <p:sldId id="1938" r:id="rId28"/>
+    <p:sldId id="1939" r:id="rId29"/>
+    <p:sldId id="1940" r:id="rId30"/>
+    <p:sldId id="1941" r:id="rId31"/>
+    <p:sldId id="329" r:id="rId32"/>
+    <p:sldId id="332" r:id="rId33"/>
+    <p:sldId id="331" r:id="rId34"/>
+    <p:sldId id="330" r:id="rId35"/>
+    <p:sldId id="1943" r:id="rId36"/>
+    <p:sldId id="1947" r:id="rId37"/>
+    <p:sldId id="318" r:id="rId38"/>
+    <p:sldId id="315" r:id="rId39"/>
   </p:sldIdLst>
   <p:sldSz cx="12192000" cy="6858000"/>
   <p:notesSz cx="6858000" cy="9144000"/>
@@ -232,7 +234,7 @@
           <a:p>
             <a:fld id="{52A13B17-C506-4D51-BB37-16B365906619}" type="datetimeFigureOut">
               <a:rPr lang="en-US" smtClean="0"/>
-              <a:t>10/30/2020</a:t>
+              <a:t>9/9/2021</a:t>
             </a:fld>
             <a:endParaRPr lang="en-US" dirty="0"/>
           </a:p>
@@ -551,7 +553,7 @@
           <a:p>
             <a:r>
               <a:rPr lang="en-US" dirty="0"/>
-              <a:t>Last update March 2020</a:t>
+              <a:t>Last update September 2021</a:t>
             </a:r>
           </a:p>
         </p:txBody>
@@ -978,7 +980,7 @@
     </p:spTree>
     <p:extLst>
       <p:ext uri="{BB962C8B-B14F-4D97-AF65-F5344CB8AC3E}">
-        <p14:creationId xmlns:p14="http://schemas.microsoft.com/office/powerpoint/2010/main" val="251902611"/>
+        <p14:creationId xmlns:p14="http://schemas.microsoft.com/office/powerpoint/2010/main" val="1503293457"/>
       </p:ext>
     </p:extLst>
   </p:cSld>
@@ -1062,7 +1064,7 @@
     </p:spTree>
     <p:extLst>
       <p:ext uri="{BB962C8B-B14F-4D97-AF65-F5344CB8AC3E}">
-        <p14:creationId xmlns:p14="http://schemas.microsoft.com/office/powerpoint/2010/main" val="1579283386"/>
+        <p14:creationId xmlns:p14="http://schemas.microsoft.com/office/powerpoint/2010/main" val="251902611"/>
       </p:ext>
     </p:extLst>
   </p:cSld>
@@ -1146,7 +1148,7 @@
     </p:spTree>
     <p:extLst>
       <p:ext uri="{BB962C8B-B14F-4D97-AF65-F5344CB8AC3E}">
-        <p14:creationId xmlns:p14="http://schemas.microsoft.com/office/powerpoint/2010/main" val="647674203"/>
+        <p14:creationId xmlns:p14="http://schemas.microsoft.com/office/powerpoint/2010/main" val="1579283386"/>
       </p:ext>
     </p:extLst>
   </p:cSld>
@@ -1230,7 +1232,7 @@
     </p:spTree>
     <p:extLst>
       <p:ext uri="{BB962C8B-B14F-4D97-AF65-F5344CB8AC3E}">
-        <p14:creationId xmlns:p14="http://schemas.microsoft.com/office/powerpoint/2010/main" val="4179281765"/>
+        <p14:creationId xmlns:p14="http://schemas.microsoft.com/office/powerpoint/2010/main" val="647674203"/>
       </p:ext>
     </p:extLst>
   </p:cSld>
@@ -1314,7 +1316,7 @@
     </p:spTree>
     <p:extLst>
       <p:ext uri="{BB962C8B-B14F-4D97-AF65-F5344CB8AC3E}">
-        <p14:creationId xmlns:p14="http://schemas.microsoft.com/office/powerpoint/2010/main" val="2058578318"/>
+        <p14:creationId xmlns:p14="http://schemas.microsoft.com/office/powerpoint/2010/main" val="4179281765"/>
       </p:ext>
     </p:extLst>
   </p:cSld>
@@ -1368,15 +1370,6 @@
           <a:bodyPr/>
           <a:lstStyle/>
           <a:p>
-            <a:r>
-              <a:rPr lang="en-US" dirty="0"/>
-              <a:t>Agentless vs agent-based comparison for VMware: https://docs.microsoft.com/azure/migrate/server-migrate-overview</a:t>
-            </a:r>
-          </a:p>
-          <a:p>
-            <a:endParaRPr lang="en-US" dirty="0"/>
-          </a:p>
-          <a:p>
             <a:endParaRPr lang="en-US" dirty="0"/>
           </a:p>
         </p:txBody>
@@ -1407,7 +1400,7 @@
     </p:spTree>
     <p:extLst>
       <p:ext uri="{BB962C8B-B14F-4D97-AF65-F5344CB8AC3E}">
-        <p14:creationId xmlns:p14="http://schemas.microsoft.com/office/powerpoint/2010/main" val="1095388600"/>
+        <p14:creationId xmlns:p14="http://schemas.microsoft.com/office/powerpoint/2010/main" val="2058578318"/>
       </p:ext>
     </p:extLst>
   </p:cSld>
@@ -1461,21 +1454,27 @@
           <a:bodyPr/>
           <a:lstStyle/>
           <a:p>
-            <a:endParaRPr lang="en-IE" dirty="0"/>
-          </a:p>
-          <a:p>
-            <a:endParaRPr lang="en-IE" dirty="0"/>
+            <a:r>
+              <a:rPr lang="en-US" dirty="0"/>
+              <a:t>Agentless vs agent-based comparison for VMware: https://docs.microsoft.com/azure/migrate/server-migrate-overview</a:t>
+            </a:r>
+          </a:p>
+          <a:p>
+            <a:endParaRPr lang="en-US" dirty="0"/>
+          </a:p>
+          <a:p>
+            <a:endParaRPr lang="en-US" dirty="0"/>
           </a:p>
         </p:txBody>
       </p:sp>
       <p:sp>
         <p:nvSpPr>
-          <p:cNvPr id="4" name="Header Placeholder 3"/>
+          <p:cNvPr id="4" name="Slide Number Placeholder 3"/>
           <p:cNvSpPr>
             <a:spLocks noGrp="1"/>
           </p:cNvSpPr>
           <p:nvPr>
-            <p:ph type="hdr" sz="quarter"/>
+            <p:ph type="sldNum" sz="quarter" idx="10"/>
           </p:nvPr>
         </p:nvSpPr>
         <p:spPr/>
@@ -1483,90 +1482,9 @@
           <a:bodyPr/>
           <a:lstStyle/>
           <a:p>
-            <a:endParaRPr lang="en-US" dirty="0"/>
-          </a:p>
-        </p:txBody>
-      </p:sp>
-      <p:sp>
-        <p:nvSpPr>
-          <p:cNvPr id="5" name="Footer Placeholder 4"/>
-          <p:cNvSpPr>
-            <a:spLocks noGrp="1"/>
-          </p:cNvSpPr>
-          <p:nvPr>
-            <p:ph type="ftr" sz="quarter" idx="4"/>
-          </p:nvPr>
-        </p:nvSpPr>
-        <p:spPr/>
-        <p:txBody>
-          <a:bodyPr/>
-          <a:lstStyle/>
-          <a:p>
-            <a:pPr defTabSz="914099" eaLnBrk="0" hangingPunct="0"/>
-            <a:r>
-              <a:rPr lang="en-US" sz="400" dirty="0">
-                <a:gradFill>
-                  <a:gsLst>
-                    <a:gs pos="0">
-                      <a:prstClr val="black"/>
-                    </a:gs>
-                    <a:gs pos="100000">
-                      <a:prstClr val="black"/>
-                    </a:gs>
-                  </a:gsLst>
-                  <a:lin ang="5400000" scaled="0"/>
-                </a:gradFill>
-                <a:latin typeface="Segoe UI" pitchFamily="34" charset="0"/>
-                <a:ea typeface="Segoe UI" pitchFamily="34" charset="0"/>
-                <a:cs typeface="Segoe UI" pitchFamily="34" charset="0"/>
-              </a:rPr>
-              <a:t>© Microsoft Corporation. All rights reserved. MICROSOFT MAKES NO WARRANTIES, EXPRESS, IMPLIED OR STATUTORY, AS TO THE INFORMATION IN THIS PRESENTATION.</a:t>
-            </a:r>
-          </a:p>
-        </p:txBody>
-      </p:sp>
-      <p:sp>
-        <p:nvSpPr>
-          <p:cNvPr id="6" name="Date Placeholder 5"/>
-          <p:cNvSpPr>
-            <a:spLocks noGrp="1"/>
-          </p:cNvSpPr>
-          <p:nvPr>
-            <p:ph type="dt" idx="1"/>
-          </p:nvPr>
-        </p:nvSpPr>
-        <p:spPr/>
-        <p:txBody>
-          <a:bodyPr/>
-          <a:lstStyle/>
-          <a:p>
-            <a:fld id="{386CE63F-9E7F-4C04-9D0D-FCA25A8E9E86}" type="datetime8">
+            <a:fld id="{0998D5BB-B127-481F-BC0A-2F77C576BB34}" type="slidenum">
               <a:rPr lang="en-US" smtClean="0"/>
-              <a:t>10/30/2020 2:52 PM</a:t>
-            </a:fld>
-            <a:endParaRPr lang="en-US" dirty="0"/>
-          </a:p>
-        </p:txBody>
-      </p:sp>
-      <p:sp>
-        <p:nvSpPr>
-          <p:cNvPr id="7" name="Slide Number Placeholder 6"/>
-          <p:cNvSpPr>
-            <a:spLocks noGrp="1"/>
-          </p:cNvSpPr>
-          <p:nvPr>
-            <p:ph type="sldNum" sz="quarter" idx="5"/>
-          </p:nvPr>
-        </p:nvSpPr>
-        <p:spPr/>
-        <p:txBody>
-          <a:bodyPr/>
-          <a:lstStyle/>
-          <a:p>
-            <a:fld id="{B4008EB6-D09E-4580-8CD6-DDB14511944F}" type="slidenum">
-              <a:rPr lang="en-US" smtClean="0"/>
-              <a:pPr/>
-              <a:t>22</a:t>
+              <a:t>21</a:t>
             </a:fld>
             <a:endParaRPr lang="en-US" dirty="0"/>
           </a:p>
@@ -1575,7 +1493,7 @@
     </p:spTree>
     <p:extLst>
       <p:ext uri="{BB962C8B-B14F-4D97-AF65-F5344CB8AC3E}">
-        <p14:creationId xmlns:p14="http://schemas.microsoft.com/office/powerpoint/2010/main" val="3721556546"/>
+        <p14:creationId xmlns:p14="http://schemas.microsoft.com/office/powerpoint/2010/main" val="1095388600"/>
       </p:ext>
     </p:extLst>
   </p:cSld>
@@ -1794,7 +1712,7 @@
           <a:p>
             <a:fld id="{386CE63F-9E7F-4C04-9D0D-FCA25A8E9E86}" type="datetime8">
               <a:rPr lang="en-US" smtClean="0"/>
-              <a:t>10/30/2020 2:52 PM</a:t>
+              <a:t>9/9/2021 8:49 AM</a:t>
             </a:fld>
             <a:endParaRPr lang="en-US" dirty="0"/>
           </a:p>
@@ -1827,7 +1745,7 @@
     </p:spTree>
     <p:extLst>
       <p:ext uri="{BB962C8B-B14F-4D97-AF65-F5344CB8AC3E}">
-        <p14:creationId xmlns:p14="http://schemas.microsoft.com/office/powerpoint/2010/main" val="3838570697"/>
+        <p14:creationId xmlns:p14="http://schemas.microsoft.com/office/powerpoint/2010/main" val="3721556546"/>
       </p:ext>
     </p:extLst>
   </p:cSld>
@@ -1886,15 +1804,6 @@
           <a:p>
             <a:endParaRPr lang="en-IE" dirty="0"/>
           </a:p>
-          <a:p>
-            <a:endParaRPr lang="en-IE" dirty="0"/>
-          </a:p>
-          <a:p>
-            <a:r>
-              <a:rPr lang="en-IE" dirty="0"/>
-              <a:t>Free for 180 days. Must use a dedicated Log Analytics workspace. No solution other than Service Map may be used with this workspace.</a:t>
-            </a:r>
-          </a:p>
         </p:txBody>
       </p:sp>
       <p:sp>
@@ -1971,7 +1880,7 @@
           <a:p>
             <a:fld id="{386CE63F-9E7F-4C04-9D0D-FCA25A8E9E86}" type="datetime8">
               <a:rPr lang="en-US" smtClean="0"/>
-              <a:t>10/30/2020 2:52 PM</a:t>
+              <a:t>9/9/2021 8:49 AM</a:t>
             </a:fld>
             <a:endParaRPr lang="en-US" dirty="0"/>
           </a:p>
@@ -2004,7 +1913,7 @@
     </p:spTree>
     <p:extLst>
       <p:ext uri="{BB962C8B-B14F-4D97-AF65-F5344CB8AC3E}">
-        <p14:creationId xmlns:p14="http://schemas.microsoft.com/office/powerpoint/2010/main" val="3093921661"/>
+        <p14:creationId xmlns:p14="http://schemas.microsoft.com/office/powerpoint/2010/main" val="3838570697"/>
       </p:ext>
     </p:extLst>
   </p:cSld>
@@ -2063,6 +1972,15 @@
           <a:p>
             <a:endParaRPr lang="en-IE" dirty="0"/>
           </a:p>
+          <a:p>
+            <a:endParaRPr lang="en-IE" dirty="0"/>
+          </a:p>
+          <a:p>
+            <a:r>
+              <a:rPr lang="en-IE" dirty="0"/>
+              <a:t>Free for 180 days. Must use a dedicated Log Analytics workspace. No solution other than Service Map may be used with this workspace.</a:t>
+            </a:r>
+          </a:p>
         </p:txBody>
       </p:sp>
       <p:sp>
@@ -2139,7 +2057,7 @@
           <a:p>
             <a:fld id="{386CE63F-9E7F-4C04-9D0D-FCA25A8E9E86}" type="datetime8">
               <a:rPr lang="en-US" smtClean="0"/>
-              <a:t>10/30/2020 2:52 PM</a:t>
+              <a:t>9/9/2021 8:49 AM</a:t>
             </a:fld>
             <a:endParaRPr lang="en-US" dirty="0"/>
           </a:p>
@@ -2172,7 +2090,7 @@
     </p:spTree>
     <p:extLst>
       <p:ext uri="{BB962C8B-B14F-4D97-AF65-F5344CB8AC3E}">
-        <p14:creationId xmlns:p14="http://schemas.microsoft.com/office/powerpoint/2010/main" val="108880782"/>
+        <p14:creationId xmlns:p14="http://schemas.microsoft.com/office/powerpoint/2010/main" val="3093921661"/>
       </p:ext>
     </p:extLst>
   </p:cSld>
@@ -2231,15 +2149,6 @@
           <a:p>
             <a:endParaRPr lang="en-IE" dirty="0"/>
           </a:p>
-          <a:p>
-            <a:endParaRPr lang="en-IE" dirty="0"/>
-          </a:p>
-          <a:p>
-            <a:r>
-              <a:rPr lang="en-IE" dirty="0"/>
-              <a:t>Free for 180 days. Must use a dedicated Log Analytics workspace. No solution other than Service Map may be used with this workspace.</a:t>
-            </a:r>
-          </a:p>
         </p:txBody>
       </p:sp>
       <p:sp>
@@ -2316,7 +2225,7 @@
           <a:p>
             <a:fld id="{386CE63F-9E7F-4C04-9D0D-FCA25A8E9E86}" type="datetime8">
               <a:rPr lang="en-US" smtClean="0"/>
-              <a:t>10/30/2020 2:52 PM</a:t>
+              <a:t>9/9/2021 8:49 AM</a:t>
             </a:fld>
             <a:endParaRPr lang="en-US" dirty="0"/>
           </a:p>
@@ -2349,7 +2258,7 @@
     </p:spTree>
     <p:extLst>
       <p:ext uri="{BB962C8B-B14F-4D97-AF65-F5344CB8AC3E}">
-        <p14:creationId xmlns:p14="http://schemas.microsoft.com/office/powerpoint/2010/main" val="217885602"/>
+        <p14:creationId xmlns:p14="http://schemas.microsoft.com/office/powerpoint/2010/main" val="108880782"/>
       </p:ext>
     </p:extLst>
   </p:cSld>
@@ -2493,7 +2402,7 @@
           <a:p>
             <a:fld id="{386CE63F-9E7F-4C04-9D0D-FCA25A8E9E86}" type="datetime8">
               <a:rPr lang="en-US" smtClean="0"/>
-              <a:t>10/30/2020 2:52 PM</a:t>
+              <a:t>9/9/2021 8:49 AM</a:t>
             </a:fld>
             <a:endParaRPr lang="en-US" dirty="0"/>
           </a:p>
@@ -2526,7 +2435,7 @@
     </p:spTree>
     <p:extLst>
       <p:ext uri="{BB962C8B-B14F-4D97-AF65-F5344CB8AC3E}">
-        <p14:creationId xmlns:p14="http://schemas.microsoft.com/office/powerpoint/2010/main" val="4178015033"/>
+        <p14:creationId xmlns:p14="http://schemas.microsoft.com/office/powerpoint/2010/main" val="217885602"/>
       </p:ext>
     </p:extLst>
   </p:cSld>
@@ -2670,7 +2579,7 @@
           <a:p>
             <a:fld id="{386CE63F-9E7F-4C04-9D0D-FCA25A8E9E86}" type="datetime8">
               <a:rPr lang="en-US" smtClean="0"/>
-              <a:t>10/30/2020 2:52 PM</a:t>
+              <a:t>9/9/2021 8:49 AM</a:t>
             </a:fld>
             <a:endParaRPr lang="en-US" dirty="0"/>
           </a:p>
@@ -2703,7 +2612,7 @@
     </p:spTree>
     <p:extLst>
       <p:ext uri="{BB962C8B-B14F-4D97-AF65-F5344CB8AC3E}">
-        <p14:creationId xmlns:p14="http://schemas.microsoft.com/office/powerpoint/2010/main" val="3801014734"/>
+        <p14:creationId xmlns:p14="http://schemas.microsoft.com/office/powerpoint/2010/main" val="4178015033"/>
       </p:ext>
     </p:extLst>
   </p:cSld>
@@ -2757,128 +2666,30 @@
           <a:bodyPr/>
           <a:lstStyle/>
           <a:p>
-            <a:r>
-              <a:rPr lang="en-US" sz="1200" b="1" kern="1200" dirty="0">
-                <a:solidFill>
-                  <a:schemeClr val="tx1"/>
-                </a:solidFill>
-                <a:effectLst/>
-                <a:latin typeface="+mn-lt"/>
-                <a:ea typeface="+mn-ea"/>
-                <a:cs typeface="+mn-cs"/>
-              </a:rPr>
-              <a:t>**Objection:**</a:t>
-            </a:r>
-            <a:r>
-              <a:rPr lang="en-US" sz="1200" b="0" kern="1200" dirty="0">
-                <a:solidFill>
-                  <a:schemeClr val="tx1"/>
-                </a:solidFill>
-                <a:effectLst/>
-                <a:latin typeface="+mn-lt"/>
-                <a:ea typeface="+mn-ea"/>
-                <a:cs typeface="+mn-cs"/>
-              </a:rPr>
-              <a:t> Owners of each business application need to approve any substantial application change, including migration. Business owners have indicated that they will require evidence that migration will be successful before granting approval.</a:t>
-            </a:r>
-          </a:p>
-          <a:p>
-            <a:br>
-              <a:rPr lang="en-US" sz="1200" b="0" kern="1200" dirty="0">
-                <a:solidFill>
-                  <a:schemeClr val="tx1"/>
-                </a:solidFill>
-                <a:effectLst/>
-                <a:latin typeface="+mn-lt"/>
-                <a:ea typeface="+mn-ea"/>
-                <a:cs typeface="+mn-cs"/>
-              </a:rPr>
-            </a:br>
-            <a:r>
-              <a:rPr lang="en-US" sz="1200" b="1" kern="1200" dirty="0">
-                <a:solidFill>
-                  <a:schemeClr val="tx1"/>
-                </a:solidFill>
-                <a:effectLst/>
-                <a:latin typeface="+mn-lt"/>
-                <a:ea typeface="+mn-ea"/>
-                <a:cs typeface="+mn-cs"/>
-              </a:rPr>
-              <a:t>**Answer:**</a:t>
-            </a:r>
-            <a:r>
-              <a:rPr lang="en-US" sz="1200" b="0" kern="1200" dirty="0">
-                <a:solidFill>
-                  <a:schemeClr val="tx1"/>
-                </a:solidFill>
-                <a:effectLst/>
-                <a:latin typeface="+mn-lt"/>
-                <a:ea typeface="+mn-ea"/>
-                <a:cs typeface="+mn-cs"/>
-              </a:rPr>
-              <a:t> Migration projects should include creation of a proof of concept deployment, to validate the overall architecture and any assumptions, for example regarding the impact of changes to network latency between application components. This helps build confidence in Azure as a platform for hosting the application.</a:t>
-            </a:r>
-          </a:p>
-          <a:p>
-            <a:br>
-              <a:rPr lang="en-US" sz="1200" b="0" kern="1200" dirty="0">
-                <a:solidFill>
-                  <a:schemeClr val="tx1"/>
-                </a:solidFill>
-                <a:effectLst/>
-                <a:latin typeface="+mn-lt"/>
-                <a:ea typeface="+mn-ea"/>
-                <a:cs typeface="+mn-cs"/>
-              </a:rPr>
-            </a:br>
-            <a:r>
-              <a:rPr lang="en-US" sz="1200" b="0" kern="1200" dirty="0">
-                <a:solidFill>
-                  <a:schemeClr val="tx1"/>
-                </a:solidFill>
-                <a:effectLst/>
-                <a:latin typeface="+mn-lt"/>
-                <a:ea typeface="+mn-ea"/>
-                <a:cs typeface="+mn-cs"/>
-              </a:rPr>
-              <a:t>For the migration process itself, Azure Migrate supports a 'test failover'. This creates the Azure deployment in parallel with the existing deployment, allowing the migration process to be verified without risk of production impact. Likewise, database migration using DMS does not impact the existing production database.</a:t>
-            </a:r>
-          </a:p>
-          <a:p>
-            <a:br>
-              <a:rPr lang="en-US" sz="1200" b="0" kern="1200" dirty="0">
-                <a:solidFill>
-                  <a:schemeClr val="tx1"/>
-                </a:solidFill>
-                <a:effectLst/>
-                <a:latin typeface="+mn-lt"/>
-                <a:ea typeface="+mn-ea"/>
-                <a:cs typeface="+mn-cs"/>
-              </a:rPr>
-            </a:br>
-            <a:r>
-              <a:rPr lang="en-US" sz="1200" b="0" kern="1200" dirty="0">
-                <a:solidFill>
-                  <a:schemeClr val="tx1"/>
-                </a:solidFill>
-                <a:effectLst/>
-                <a:latin typeface="+mn-lt"/>
-                <a:ea typeface="+mn-ea"/>
-                <a:cs typeface="+mn-cs"/>
-              </a:rPr>
-              <a:t>Third-party migration tools used for migration of physical servers similarly support a validation step prior to committing the migration.</a:t>
+            <a:endParaRPr lang="en-IE" dirty="0"/>
+          </a:p>
+          <a:p>
+            <a:endParaRPr lang="en-IE" dirty="0"/>
+          </a:p>
+          <a:p>
+            <a:endParaRPr lang="en-IE" dirty="0"/>
+          </a:p>
+          <a:p>
+            <a:r>
+              <a:rPr lang="en-IE" dirty="0"/>
+              <a:t>Free for 180 days. Must use a dedicated Log Analytics workspace. No solution other than Service Map may be used with this workspace.</a:t>
             </a:r>
           </a:p>
         </p:txBody>
       </p:sp>
       <p:sp>
         <p:nvSpPr>
-          <p:cNvPr id="4" name="Slide Number Placeholder 3"/>
+          <p:cNvPr id="4" name="Header Placeholder 3"/>
           <p:cNvSpPr>
             <a:spLocks noGrp="1"/>
           </p:cNvSpPr>
           <p:nvPr>
-            <p:ph type="sldNum" sz="quarter" idx="10"/>
+            <p:ph type="hdr" sz="quarter"/>
           </p:nvPr>
         </p:nvSpPr>
         <p:spPr/>
@@ -2886,8 +2697,89 @@
           <a:bodyPr/>
           <a:lstStyle/>
           <a:p>
-            <a:fld id="{0998D5BB-B127-481F-BC0A-2F77C576BB34}" type="slidenum">
+            <a:endParaRPr lang="en-US" dirty="0"/>
+          </a:p>
+        </p:txBody>
+      </p:sp>
+      <p:sp>
+        <p:nvSpPr>
+          <p:cNvPr id="5" name="Footer Placeholder 4"/>
+          <p:cNvSpPr>
+            <a:spLocks noGrp="1"/>
+          </p:cNvSpPr>
+          <p:nvPr>
+            <p:ph type="ftr" sz="quarter" idx="4"/>
+          </p:nvPr>
+        </p:nvSpPr>
+        <p:spPr/>
+        <p:txBody>
+          <a:bodyPr/>
+          <a:lstStyle/>
+          <a:p>
+            <a:pPr defTabSz="914099" eaLnBrk="0" hangingPunct="0"/>
+            <a:r>
+              <a:rPr lang="en-US" sz="400" dirty="0">
+                <a:gradFill>
+                  <a:gsLst>
+                    <a:gs pos="0">
+                      <a:prstClr val="black"/>
+                    </a:gs>
+                    <a:gs pos="100000">
+                      <a:prstClr val="black"/>
+                    </a:gs>
+                  </a:gsLst>
+                  <a:lin ang="5400000" scaled="0"/>
+                </a:gradFill>
+                <a:latin typeface="Segoe UI" pitchFamily="34" charset="0"/>
+                <a:ea typeface="Segoe UI" pitchFamily="34" charset="0"/>
+                <a:cs typeface="Segoe UI" pitchFamily="34" charset="0"/>
+              </a:rPr>
+              <a:t>© Microsoft Corporation. All rights reserved. MICROSOFT MAKES NO WARRANTIES, EXPRESS, IMPLIED OR STATUTORY, AS TO THE INFORMATION IN THIS PRESENTATION.</a:t>
+            </a:r>
+          </a:p>
+        </p:txBody>
+      </p:sp>
+      <p:sp>
+        <p:nvSpPr>
+          <p:cNvPr id="6" name="Date Placeholder 5"/>
+          <p:cNvSpPr>
+            <a:spLocks noGrp="1"/>
+          </p:cNvSpPr>
+          <p:nvPr>
+            <p:ph type="dt" idx="1"/>
+          </p:nvPr>
+        </p:nvSpPr>
+        <p:spPr/>
+        <p:txBody>
+          <a:bodyPr/>
+          <a:lstStyle/>
+          <a:p>
+            <a:fld id="{386CE63F-9E7F-4C04-9D0D-FCA25A8E9E86}" type="datetime8">
               <a:rPr lang="en-US" smtClean="0"/>
+              <a:t>9/9/2021 8:49 AM</a:t>
+            </a:fld>
+            <a:endParaRPr lang="en-US" dirty="0"/>
+          </a:p>
+        </p:txBody>
+      </p:sp>
+      <p:sp>
+        <p:nvSpPr>
+          <p:cNvPr id="7" name="Slide Number Placeholder 6"/>
+          <p:cNvSpPr>
+            <a:spLocks noGrp="1"/>
+          </p:cNvSpPr>
+          <p:nvPr>
+            <p:ph type="sldNum" sz="quarter" idx="5"/>
+          </p:nvPr>
+        </p:nvSpPr>
+        <p:spPr/>
+        <p:txBody>
+          <a:bodyPr/>
+          <a:lstStyle/>
+          <a:p>
+            <a:fld id="{B4008EB6-D09E-4580-8CD6-DDB14511944F}" type="slidenum">
+              <a:rPr lang="en-US" smtClean="0"/>
+              <a:pPr/>
               <a:t>29</a:t>
             </a:fld>
             <a:endParaRPr lang="en-US" dirty="0"/>
@@ -2897,7 +2789,7 @@
     </p:spTree>
     <p:extLst>
       <p:ext uri="{BB962C8B-B14F-4D97-AF65-F5344CB8AC3E}">
-        <p14:creationId xmlns:p14="http://schemas.microsoft.com/office/powerpoint/2010/main" val="1440095304"/>
+        <p14:creationId xmlns:p14="http://schemas.microsoft.com/office/powerpoint/2010/main" val="3801014734"/>
       </p:ext>
     </p:extLst>
   </p:cSld>
@@ -2973,7 +2865,7 @@
                 <a:ea typeface="+mn-ea"/>
                 <a:cs typeface="+mn-cs"/>
               </a:rPr>
-              <a:t> Fabrikam have negotiated an Enterprise Agreement (EA) with Microsoft for their Azure consumption. Any cost estimates need to reflect their EA discount.</a:t>
+              <a:t> Owners of each business application need to approve any substantial application change, including migration. Business owners have indicated that they will require evidence that migration will be successful before granting approval.</a:t>
             </a:r>
           </a:p>
           <a:p>
@@ -3010,7 +2902,57 @@
                 <a:ea typeface="+mn-ea"/>
                 <a:cs typeface="+mn-cs"/>
               </a:rPr>
-              <a:t> Not a problem! Cost estimates from both Azure Migrate and the Azure Pricing Calculator can be tailored to reflect your EA discount.</a:t>
+              <a:t> Migration projects should include creation of a proof of concept deployment, to validate the overall architecture and any assumptions, for example regarding the impact of changes to network latency between application components. This helps build confidence in Azure as a platform for hosting the application.</a:t>
+            </a:r>
+          </a:p>
+          <a:p>
+            <a:br>
+              <a:rPr lang="en-US" sz="1200" b="0" kern="1200" dirty="0">
+                <a:solidFill>
+                  <a:schemeClr val="tx1"/>
+                </a:solidFill>
+                <a:effectLst/>
+                <a:latin typeface="+mn-lt"/>
+                <a:ea typeface="+mn-ea"/>
+                <a:cs typeface="+mn-cs"/>
+              </a:rPr>
+            </a:br>
+            <a:r>
+              <a:rPr lang="en-US" sz="1200" b="0" kern="1200" dirty="0">
+                <a:solidFill>
+                  <a:schemeClr val="tx1"/>
+                </a:solidFill>
+                <a:effectLst/>
+                <a:latin typeface="+mn-lt"/>
+                <a:ea typeface="+mn-ea"/>
+                <a:cs typeface="+mn-cs"/>
+              </a:rPr>
+              <a:t>For the migration process itself, Azure Migrate supports a 'test failover'. This creates the Azure deployment in parallel with the existing deployment, allowing the migration process to be verified without risk of production impact. Likewise, database migration using DMS does not impact the existing production database.</a:t>
+            </a:r>
+          </a:p>
+          <a:p>
+            <a:br>
+              <a:rPr lang="en-US" sz="1200" b="0" kern="1200" dirty="0">
+                <a:solidFill>
+                  <a:schemeClr val="tx1"/>
+                </a:solidFill>
+                <a:effectLst/>
+                <a:latin typeface="+mn-lt"/>
+                <a:ea typeface="+mn-ea"/>
+                <a:cs typeface="+mn-cs"/>
+              </a:rPr>
+            </a:br>
+            <a:r>
+              <a:rPr lang="en-US" sz="1200" b="0" kern="1200" dirty="0">
+                <a:solidFill>
+                  <a:schemeClr val="tx1"/>
+                </a:solidFill>
+                <a:effectLst/>
+                <a:latin typeface="+mn-lt"/>
+                <a:ea typeface="+mn-ea"/>
+                <a:cs typeface="+mn-cs"/>
+              </a:rPr>
+              <a:t>Third-party migration tools used for migration of physical servers similarly support a validation step prior to committing the migration.</a:t>
             </a:r>
           </a:p>
         </p:txBody>
@@ -3041,7 +2983,7 @@
     </p:spTree>
     <p:extLst>
       <p:ext uri="{BB962C8B-B14F-4D97-AF65-F5344CB8AC3E}">
-        <p14:creationId xmlns:p14="http://schemas.microsoft.com/office/powerpoint/2010/main" val="1807515612"/>
+        <p14:creationId xmlns:p14="http://schemas.microsoft.com/office/powerpoint/2010/main" val="1440095304"/>
       </p:ext>
     </p:extLst>
   </p:cSld>
@@ -3117,44 +3059,7 @@
                 <a:ea typeface="+mn-ea"/>
                 <a:cs typeface="+mn-cs"/>
               </a:rPr>
-              <a:t> Many applications comprise multiple components or tiers. How can you ensure that these migrations are appropriately orchestrated?</a:t>
-            </a:r>
-          </a:p>
-          <a:p>
-            <a:endParaRPr lang="en-US" sz="1200" b="0" kern="1200" dirty="0">
-              <a:solidFill>
-                <a:schemeClr val="tx1"/>
-              </a:solidFill>
-              <a:effectLst/>
-              <a:latin typeface="+mn-lt"/>
-              <a:ea typeface="+mn-ea"/>
-              <a:cs typeface="+mn-cs"/>
-            </a:endParaRPr>
-          </a:p>
-          <a:p>
-            <a:r>
-              <a:rPr lang="en-US" sz="1200" b="1" kern="1200" dirty="0">
-                <a:solidFill>
-                  <a:schemeClr val="tx1"/>
-                </a:solidFill>
-                <a:effectLst/>
-                <a:latin typeface="+mn-lt"/>
-                <a:ea typeface="+mn-ea"/>
-                <a:cs typeface="+mn-cs"/>
-              </a:rPr>
-              <a:t>**Answer:**</a:t>
-            </a:r>
-            <a:r>
-              <a:rPr lang="en-US" sz="1200" b="0" kern="1200" dirty="0">
-                <a:solidFill>
-                  <a:schemeClr val="tx1"/>
-                </a:solidFill>
-                <a:effectLst/>
-                <a:latin typeface="+mn-lt"/>
-                <a:ea typeface="+mn-ea"/>
-                <a:cs typeface="+mn-cs"/>
-              </a:rPr>
-              <a:t> Using Azure Migrate, VMs can be grouped to reflect the application architecture. The dependency visualization feature of Azure Migrate helps identify and configure these groupings.</a:t>
+              <a:t> Fabrikam have negotiated an Enterprise Agreement (EA) with Microsoft for their Azure consumption. Any cost estimates need to reflect their EA discount.</a:t>
             </a:r>
           </a:p>
           <a:p>
@@ -3170,6 +3075,18 @@
               </a:rPr>
             </a:br>
             <a:r>
+              <a:rPr lang="en-US" sz="1200" b="1" kern="1200" dirty="0">
+                <a:solidFill>
+                  <a:schemeClr val="tx1"/>
+                </a:solidFill>
+                <a:effectLst/>
+                <a:latin typeface="+mn-lt"/>
+                <a:ea typeface="+mn-ea"/>
+                <a:cs typeface="+mn-cs"/>
+              </a:rPr>
+              <a:t>**Answer:**</a:t>
+            </a:r>
+            <a:r>
               <a:rPr lang="en-US" sz="1200" b="0" kern="1200" dirty="0">
                 <a:solidFill>
                   <a:schemeClr val="tx1"/>
@@ -3179,36 +3096,8 @@
                 <a:ea typeface="+mn-ea"/>
                 <a:cs typeface="+mn-cs"/>
               </a:rPr>
-              <a:t>The migration process can then be staged to migrate different groups of VMs separately. Custom scripts can be used to perform custom pre- and post-migration operations.</a:t>
-            </a:r>
-          </a:p>
-          <a:p>
-            <a:br>
-              <a:rPr lang="en-US" sz="1200" b="0" kern="1200" dirty="0">
-                <a:solidFill>
-                  <a:schemeClr val="tx1"/>
-                </a:solidFill>
-                <a:effectLst/>
-                <a:latin typeface="+mn-lt"/>
-                <a:ea typeface="+mn-ea"/>
-                <a:cs typeface="+mn-cs"/>
-              </a:rPr>
-            </a:br>
-            <a:r>
-              <a:rPr lang="en-US" sz="1200" b="0" kern="1200" dirty="0">
-                <a:solidFill>
-                  <a:schemeClr val="tx1"/>
-                </a:solidFill>
-                <a:effectLst/>
-                <a:latin typeface="+mn-lt"/>
-                <a:ea typeface="+mn-ea"/>
-                <a:cs typeface="+mn-cs"/>
-              </a:rPr>
-              <a:t>Similar orchestration is also supported by third-party migration tools, used for physical servers.</a:t>
-            </a:r>
-          </a:p>
-          <a:p>
-            <a:endParaRPr lang="en-US" dirty="0"/>
+              <a:t> Not a problem! Cost estimates from both Azure Migrate and the Azure Pricing Calculator can be tailored to reflect your EA discount.</a:t>
+            </a:r>
           </a:p>
         </p:txBody>
       </p:sp>
@@ -3238,7 +3127,7 @@
     </p:spTree>
     <p:extLst>
       <p:ext uri="{BB962C8B-B14F-4D97-AF65-F5344CB8AC3E}">
-        <p14:creationId xmlns:p14="http://schemas.microsoft.com/office/powerpoint/2010/main" val="1536402107"/>
+        <p14:creationId xmlns:p14="http://schemas.microsoft.com/office/powerpoint/2010/main" val="1807515612"/>
       </p:ext>
     </p:extLst>
   </p:cSld>
@@ -3314,7 +3203,7 @@
                 <a:ea typeface="+mn-ea"/>
                 <a:cs typeface="+mn-cs"/>
               </a:rPr>
-              <a:t> To reduce business impact, each migration should be designed to minimize application downtime. In addition, to reduce risk, there must be an option to fail-back should the migration experience an unexpected problem.</a:t>
+              <a:t> Many applications comprise multiple components or tiers. How can you ensure that these migrations are appropriately orchestrated?</a:t>
             </a:r>
           </a:p>
           <a:p>
@@ -3351,7 +3240,7 @@
                 <a:ea typeface="+mn-ea"/>
                 <a:cs typeface="+mn-cs"/>
               </a:rPr>
-              <a:t> Migration will always be designed to create the new application deployment in parallel with the existing deployment. This applies to all application tiers, including the database.</a:t>
+              <a:t> Using Azure Migrate, VMs can be grouped to reflect the application architecture. The dependency visualization feature of Azure Migrate helps identify and configure these groupings.</a:t>
             </a:r>
           </a:p>
           <a:p>
@@ -3376,21 +3265,7 @@
                 <a:ea typeface="+mn-ea"/>
                 <a:cs typeface="+mn-cs"/>
               </a:rPr>
-              <a:t>To ensure data consistency during migration, a short application downtime may be required. For application servers migrated using Azure Migrate, incremental replication keeps the duration of this downtime to a minimum, since the initial data transfer can happen while the application is on-line so only deltas need be synchronized during the migration window.</a:t>
-            </a:r>
-          </a:p>
-          <a:p>
-            <a:r>
-              <a:rPr lang="en-US" sz="1200" b="0" kern="1200" dirty="0">
-                <a:solidFill>
-                  <a:schemeClr val="tx1"/>
-                </a:solidFill>
-                <a:effectLst/>
-                <a:latin typeface="+mn-lt"/>
-                <a:ea typeface="+mn-ea"/>
-                <a:cs typeface="+mn-cs"/>
-              </a:rPr>
-              <a:t>Similarly, data migration using DMS supports online migration, allowing you to keep your application online while data is synchronized, and to track the status of any pending changes. Only a short downtime window is required to cut over to the new database.</a:t>
+              <a:t>The migration process can then be staged to migrate different groups of VMs separately. Custom scripts can be used to perform custom pre- and post-migration operations.</a:t>
             </a:r>
           </a:p>
           <a:p>
@@ -3415,7 +3290,7 @@
                 <a:ea typeface="+mn-ea"/>
                 <a:cs typeface="+mn-cs"/>
               </a:rPr>
-              <a:t>In the event of an unexpected issue arising, the existing deployment remains available as a fail-back. If the issue is detected prior to cutting over production traffic to the new service, the on-premises server can immediately pick up where it left off. If the need to fail-back is identified only after the migrated service has received production traffic, then database changes may have occurred, which will need to be reverse-migrated to the on-premises system. This scenario is best avoided by ensuring the migration is properly tested. For critical applications the reverse-migration should be tested (in a test environment) in case it is required.</a:t>
+              <a:t>Similar orchestration is also supported by third-party migration tools, used for physical servers.</a:t>
             </a:r>
           </a:p>
           <a:p>
@@ -3449,7 +3324,7 @@
     </p:spTree>
     <p:extLst>
       <p:ext uri="{BB962C8B-B14F-4D97-AF65-F5344CB8AC3E}">
-        <p14:creationId xmlns:p14="http://schemas.microsoft.com/office/powerpoint/2010/main" val="1042991434"/>
+        <p14:creationId xmlns:p14="http://schemas.microsoft.com/office/powerpoint/2010/main" val="1536402107"/>
       </p:ext>
     </p:extLst>
   </p:cSld>
@@ -3609,7 +3484,44 @@
                 <a:ea typeface="+mn-ea"/>
                 <a:cs typeface="+mn-cs"/>
               </a:rPr>
-              <a:t> We are expecting to move all our existing infrastructure to Azure. Reducing our on-premises server costs should provide substantial cost savings. Can you confirm what savings we can expect?</a:t>
+              <a:t> To reduce business impact, each migration should be designed to minimize application downtime. In addition, to reduce risk, there must be an option to fail-back should the migration experience an unexpected problem.</a:t>
+            </a:r>
+          </a:p>
+          <a:p>
+            <a:endParaRPr lang="en-US" sz="1200" b="0" kern="1200" dirty="0">
+              <a:solidFill>
+                <a:schemeClr val="tx1"/>
+              </a:solidFill>
+              <a:effectLst/>
+              <a:latin typeface="+mn-lt"/>
+              <a:ea typeface="+mn-ea"/>
+              <a:cs typeface="+mn-cs"/>
+            </a:endParaRPr>
+          </a:p>
+          <a:p>
+            <a:r>
+              <a:rPr lang="en-US" sz="1200" b="1" kern="1200" dirty="0">
+                <a:solidFill>
+                  <a:schemeClr val="tx1"/>
+                </a:solidFill>
+                <a:effectLst/>
+                <a:latin typeface="+mn-lt"/>
+                <a:ea typeface="+mn-ea"/>
+                <a:cs typeface="+mn-cs"/>
+              </a:rPr>
+              <a:t>**Answer:**</a:t>
+            </a:r>
+            <a:r>
+              <a:rPr lang="en-US" sz="1200" b="0" kern="1200" dirty="0">
+                <a:solidFill>
+                  <a:schemeClr val="tx1"/>
+                </a:solidFill>
+                <a:effectLst/>
+                <a:latin typeface="+mn-lt"/>
+                <a:ea typeface="+mn-ea"/>
+                <a:cs typeface="+mn-cs"/>
+              </a:rPr>
+              <a:t> Migration will always be designed to create the new application deployment in parallel with the existing deployment. This applies to all application tiers, including the database.</a:t>
             </a:r>
           </a:p>
           <a:p>
@@ -3625,18 +3537,6 @@
               </a:rPr>
             </a:br>
             <a:r>
-              <a:rPr lang="en-US" sz="1200" b="1" kern="1200" dirty="0">
-                <a:solidFill>
-                  <a:schemeClr val="tx1"/>
-                </a:solidFill>
-                <a:effectLst/>
-                <a:latin typeface="+mn-lt"/>
-                <a:ea typeface="+mn-ea"/>
-                <a:cs typeface="+mn-cs"/>
-              </a:rPr>
-              <a:t>**Answer:**</a:t>
-            </a:r>
-            <a:r>
               <a:rPr lang="en-US" sz="1200" b="0" kern="1200" dirty="0">
                 <a:solidFill>
                   <a:schemeClr val="tx1"/>
@@ -3646,7 +3546,21 @@
                 <a:ea typeface="+mn-ea"/>
                 <a:cs typeface="+mn-cs"/>
               </a:rPr>
-              <a:t> It is a common myth that all workloads should move to the cloud, and that the cloud will automatically be cheaper. Careful planning will be required to optimize your Azure deployment, and a cost analysis performed to make sure the business case for migration is sound and fully understood.</a:t>
+              <a:t>To ensure data consistency during migration, a short application downtime may be required. For application servers migrated using Azure Migrate, incremental replication keeps the duration of this downtime to a minimum, since the initial data transfer can happen while the application is on-line so only deltas need be synchronized during the migration window.</a:t>
+            </a:r>
+          </a:p>
+          <a:p>
+            <a:r>
+              <a:rPr lang="en-US" sz="1200" b="0" kern="1200" dirty="0">
+                <a:solidFill>
+                  <a:schemeClr val="tx1"/>
+                </a:solidFill>
+                <a:effectLst/>
+                <a:latin typeface="+mn-lt"/>
+                <a:ea typeface="+mn-ea"/>
+                <a:cs typeface="+mn-cs"/>
+              </a:rPr>
+              <a:t>Similarly, data migration using DMS supports online migration, allowing you to keep your application online while data is synchronized, and to track the status of any pending changes. Only a short downtime window is required to cut over to the new database.</a:t>
             </a:r>
           </a:p>
           <a:p>
@@ -3671,32 +3585,11 @@
                 <a:ea typeface="+mn-ea"/>
                 <a:cs typeface="+mn-cs"/>
               </a:rPr>
-              <a:t>The [Build a business justification for cloud migration](</a:t>
-            </a:r>
-            <a:r>
-              <a:rPr lang="en-US" sz="1200" b="0" u="sng" kern="1200" dirty="0">
-                <a:solidFill>
-                  <a:schemeClr val="tx1"/>
-                </a:solidFill>
-                <a:effectLst/>
-                <a:latin typeface="+mn-lt"/>
-                <a:ea typeface="+mn-ea"/>
-                <a:cs typeface="+mn-cs"/>
-              </a:rPr>
-              <a:t>https://docs.microsoft.com/azure/architecture/cloud-adoption/business-strategy/cloud-migration-business-case</a:t>
-            </a:r>
-            <a:r>
-              <a:rPr lang="en-US" sz="1200" b="0" kern="1200" dirty="0">
-                <a:solidFill>
-                  <a:schemeClr val="tx1"/>
-                </a:solidFill>
-                <a:effectLst/>
-                <a:latin typeface="+mn-lt"/>
-                <a:ea typeface="+mn-ea"/>
-                <a:cs typeface="+mn-cs"/>
-              </a:rPr>
-              <a:t>) guide is a useful resource for dispelling cloud adoption myths and building a realistic business case.</a:t>
-            </a:r>
+              <a:t>In the event of an unexpected issue arising, the existing deployment remains available as a fail-back. If the issue is detected prior to cutting over production traffic to the new service, the on-premises server can immediately pick up where it left off. If the need to fail-back is identified only after the migrated service has received production traffic, then database changes may have occurred, which will need to be reverse-migrated to the on-premises system. This scenario is best avoided by ensuring the migration is properly tested. For critical applications the reverse-migration should be tested (in a test environment) in case it is required.</a:t>
+            </a:r>
+          </a:p>
+          <a:p>
+            <a:endParaRPr lang="en-US" dirty="0"/>
           </a:p>
         </p:txBody>
       </p:sp>
@@ -3726,7 +3619,7 @@
     </p:spTree>
     <p:extLst>
       <p:ext uri="{BB962C8B-B14F-4D97-AF65-F5344CB8AC3E}">
-        <p14:creationId xmlns:p14="http://schemas.microsoft.com/office/powerpoint/2010/main" val="2696973453"/>
+        <p14:creationId xmlns:p14="http://schemas.microsoft.com/office/powerpoint/2010/main" val="1042991434"/>
       </p:ext>
     </p:extLst>
   </p:cSld>
@@ -3780,7 +3673,116 @@
           <a:bodyPr/>
           <a:lstStyle/>
           <a:p>
-            <a:endParaRPr lang="en-US" dirty="0"/>
+            <a:r>
+              <a:rPr lang="en-US" sz="1200" b="1" kern="1200" dirty="0">
+                <a:solidFill>
+                  <a:schemeClr val="tx1"/>
+                </a:solidFill>
+                <a:effectLst/>
+                <a:latin typeface="+mn-lt"/>
+                <a:ea typeface="+mn-ea"/>
+                <a:cs typeface="+mn-cs"/>
+              </a:rPr>
+              <a:t>**Objection:**</a:t>
+            </a:r>
+            <a:r>
+              <a:rPr lang="en-US" sz="1200" b="0" kern="1200" dirty="0">
+                <a:solidFill>
+                  <a:schemeClr val="tx1"/>
+                </a:solidFill>
+                <a:effectLst/>
+                <a:latin typeface="+mn-lt"/>
+                <a:ea typeface="+mn-ea"/>
+                <a:cs typeface="+mn-cs"/>
+              </a:rPr>
+              <a:t> We are expecting to move all our existing infrastructure to Azure. Reducing our on-premises server costs should provide substantial cost savings. Can you confirm what savings we can expect?</a:t>
+            </a:r>
+          </a:p>
+          <a:p>
+            <a:br>
+              <a:rPr lang="en-US" sz="1200" b="0" kern="1200" dirty="0">
+                <a:solidFill>
+                  <a:schemeClr val="tx1"/>
+                </a:solidFill>
+                <a:effectLst/>
+                <a:latin typeface="+mn-lt"/>
+                <a:ea typeface="+mn-ea"/>
+                <a:cs typeface="+mn-cs"/>
+              </a:rPr>
+            </a:br>
+            <a:r>
+              <a:rPr lang="en-US" sz="1200" b="1" kern="1200" dirty="0">
+                <a:solidFill>
+                  <a:schemeClr val="tx1"/>
+                </a:solidFill>
+                <a:effectLst/>
+                <a:latin typeface="+mn-lt"/>
+                <a:ea typeface="+mn-ea"/>
+                <a:cs typeface="+mn-cs"/>
+              </a:rPr>
+              <a:t>**Answer:**</a:t>
+            </a:r>
+            <a:r>
+              <a:rPr lang="en-US" sz="1200" b="0" kern="1200" dirty="0">
+                <a:solidFill>
+                  <a:schemeClr val="tx1"/>
+                </a:solidFill>
+                <a:effectLst/>
+                <a:latin typeface="+mn-lt"/>
+                <a:ea typeface="+mn-ea"/>
+                <a:cs typeface="+mn-cs"/>
+              </a:rPr>
+              <a:t> It is a common myth that all workloads should move to the cloud, and that the cloud will automatically be cheaper. Careful planning will be required to optimize your Azure deployment, and a cost analysis performed to make sure the business case for migration is sound and fully understood.</a:t>
+            </a:r>
+          </a:p>
+          <a:p>
+            <a:br>
+              <a:rPr lang="en-US" sz="1200" b="0" kern="1200" dirty="0">
+                <a:solidFill>
+                  <a:schemeClr val="tx1"/>
+                </a:solidFill>
+                <a:effectLst/>
+                <a:latin typeface="+mn-lt"/>
+                <a:ea typeface="+mn-ea"/>
+                <a:cs typeface="+mn-cs"/>
+              </a:rPr>
+            </a:br>
+            <a:r>
+              <a:rPr lang="en-US" sz="1200" b="0" kern="1200" dirty="0">
+                <a:solidFill>
+                  <a:schemeClr val="tx1"/>
+                </a:solidFill>
+                <a:effectLst/>
+                <a:latin typeface="+mn-lt"/>
+                <a:ea typeface="+mn-ea"/>
+                <a:cs typeface="+mn-cs"/>
+              </a:rPr>
+              <a:t>The [Build a business justification for cloud migration](</a:t>
+            </a:r>
+            <a:r>
+              <a:rPr lang="en-US" sz="1200" b="0" u="sng" kern="1200" dirty="0">
+                <a:solidFill>
+                  <a:schemeClr val="tx1"/>
+                </a:solidFill>
+                <a:effectLst/>
+                <a:latin typeface="+mn-lt"/>
+                <a:ea typeface="+mn-ea"/>
+                <a:cs typeface="+mn-cs"/>
+              </a:rPr>
+              <a:t>https://docs.microsoft.com/azure/architecture/cloud-adoption/business-strategy/cloud-migration-business-case</a:t>
+            </a:r>
+            <a:r>
+              <a:rPr lang="en-US" sz="1200" b="0" kern="1200" dirty="0">
+                <a:solidFill>
+                  <a:schemeClr val="tx1"/>
+                </a:solidFill>
+                <a:effectLst/>
+                <a:latin typeface="+mn-lt"/>
+                <a:ea typeface="+mn-ea"/>
+                <a:cs typeface="+mn-cs"/>
+              </a:rPr>
+              <a:t>) guide is a useful resource for dispelling cloud adoption myths and building a realistic business case.</a:t>
+            </a:r>
           </a:p>
         </p:txBody>
       </p:sp>
@@ -3810,7 +3812,7 @@
     </p:spTree>
     <p:extLst>
       <p:ext uri="{BB962C8B-B14F-4D97-AF65-F5344CB8AC3E}">
-        <p14:creationId xmlns:p14="http://schemas.microsoft.com/office/powerpoint/2010/main" val="671285550"/>
+        <p14:creationId xmlns:p14="http://schemas.microsoft.com/office/powerpoint/2010/main" val="2696973453"/>
       </p:ext>
     </p:extLst>
   </p:cSld>
@@ -3847,6 +3849,255 @@
             <p:ph type="sldImg"/>
           </p:nvPr>
         </p:nvSpPr>
+        <p:spPr/>
+      </p:sp>
+      <p:sp>
+        <p:nvSpPr>
+          <p:cNvPr id="3" name="Notes Placeholder 2"/>
+          <p:cNvSpPr>
+            <a:spLocks noGrp="1"/>
+          </p:cNvSpPr>
+          <p:nvPr>
+            <p:ph type="body" idx="1"/>
+          </p:nvPr>
+        </p:nvSpPr>
+        <p:spPr/>
+        <p:txBody>
+          <a:bodyPr/>
+          <a:lstStyle/>
+          <a:p>
+            <a:r>
+              <a:rPr lang="en-US" sz="1200" b="0" kern="1200" dirty="0">
+                <a:solidFill>
+                  <a:schemeClr val="tx1"/>
+                </a:solidFill>
+                <a:effectLst/>
+                <a:latin typeface="+mn-lt"/>
+                <a:ea typeface="+mn-ea"/>
+                <a:cs typeface="+mn-cs"/>
+              </a:rPr>
+              <a:t>Often running generic use Virtual Machines in Azure, while reliable and easy to migrate, do not offer as many service, ease of use or scaling, or </a:t>
+            </a:r>
+            <a:r>
+              <a:rPr lang="en-US" sz="1200" b="0" kern="1200" dirty="0" err="1">
+                <a:solidFill>
+                  <a:schemeClr val="tx1"/>
+                </a:solidFill>
+                <a:effectLst/>
+                <a:latin typeface="+mn-lt"/>
+                <a:ea typeface="+mn-ea"/>
+                <a:cs typeface="+mn-cs"/>
+              </a:rPr>
+              <a:t>relabiliity</a:t>
+            </a:r>
+            <a:r>
+              <a:rPr lang="en-US" sz="1200" b="0" kern="1200" dirty="0">
+                <a:solidFill>
+                  <a:schemeClr val="tx1"/>
+                </a:solidFill>
+                <a:effectLst/>
+                <a:latin typeface="+mn-lt"/>
+                <a:ea typeface="+mn-ea"/>
+                <a:cs typeface="+mn-cs"/>
+              </a:rPr>
+              <a:t> as hosted PaaS services and often are less cost optimal as a general service then an optimized managed solution.  Therefore it is often helpful to identify services that could be augmented or replaced in future updates once those services are deployed in Azure.</a:t>
+            </a:r>
+          </a:p>
+          <a:p>
+            <a:endParaRPr lang="en-US" sz="1200" b="0" kern="1200" dirty="0">
+              <a:solidFill>
+                <a:schemeClr val="tx1"/>
+              </a:solidFill>
+              <a:effectLst/>
+              <a:latin typeface="+mn-lt"/>
+              <a:ea typeface="+mn-ea"/>
+              <a:cs typeface="+mn-cs"/>
+            </a:endParaRPr>
+          </a:p>
+          <a:p>
+            <a:r>
+              <a:rPr lang="en-US" sz="1200" b="0" kern="1200" dirty="0">
+                <a:solidFill>
+                  <a:schemeClr val="tx1"/>
+                </a:solidFill>
+                <a:effectLst/>
+                <a:latin typeface="+mn-lt"/>
+                <a:ea typeface="+mn-ea"/>
+                <a:cs typeface="+mn-cs"/>
+              </a:rPr>
+              <a:t>Some service such as Azure Monitor can be deployed easily but might require more setup &amp; tuning for the environment.  Other services such as moving to AKS may require a fair amount of application redesign or rewrite, but offer a host of dynamic &amp; reliability while providing a quick update and </a:t>
+            </a:r>
+            <a:r>
+              <a:rPr lang="en-US" sz="1200" b="0" kern="1200">
+                <a:solidFill>
+                  <a:schemeClr val="tx1"/>
+                </a:solidFill>
+                <a:effectLst/>
+                <a:latin typeface="+mn-lt"/>
+                <a:ea typeface="+mn-ea"/>
+                <a:cs typeface="+mn-cs"/>
+              </a:rPr>
+              <a:t>deployment solution.</a:t>
+            </a:r>
+            <a:endParaRPr lang="en-US" sz="1200" b="0" kern="1200" dirty="0">
+              <a:solidFill>
+                <a:schemeClr val="tx1"/>
+              </a:solidFill>
+              <a:effectLst/>
+              <a:latin typeface="+mn-lt"/>
+              <a:ea typeface="+mn-ea"/>
+              <a:cs typeface="+mn-cs"/>
+            </a:endParaRPr>
+          </a:p>
+        </p:txBody>
+      </p:sp>
+      <p:sp>
+        <p:nvSpPr>
+          <p:cNvPr id="4" name="Slide Number Placeholder 3"/>
+          <p:cNvSpPr>
+            <a:spLocks noGrp="1"/>
+          </p:cNvSpPr>
+          <p:nvPr>
+            <p:ph type="sldNum" sz="quarter" idx="10"/>
+          </p:nvPr>
+        </p:nvSpPr>
+        <p:spPr/>
+        <p:txBody>
+          <a:bodyPr/>
+          <a:lstStyle/>
+          <a:p>
+            <a:fld id="{0998D5BB-B127-481F-BC0A-2F77C576BB34}" type="slidenum">
+              <a:rPr lang="en-US" smtClean="0"/>
+              <a:t>35</a:t>
+            </a:fld>
+            <a:endParaRPr lang="en-US" dirty="0"/>
+          </a:p>
+        </p:txBody>
+      </p:sp>
+    </p:spTree>
+    <p:extLst>
+      <p:ext uri="{BB962C8B-B14F-4D97-AF65-F5344CB8AC3E}">
+        <p14:creationId xmlns:p14="http://schemas.microsoft.com/office/powerpoint/2010/main" val="3272936101"/>
+      </p:ext>
+    </p:extLst>
+  </p:cSld>
+  <p:clrMapOvr>
+    <a:masterClrMapping/>
+  </p:clrMapOvr>
+</p:notes>
+</file>
+
+<file path=ppt/notesSlides/notesSlide33.xml><?xml version="1.0" encoding="utf-8"?>
+<p:notes xmlns:a="http://schemas.openxmlformats.org/drawingml/2006/main" xmlns:r="http://schemas.openxmlformats.org/officeDocument/2006/relationships" xmlns:p="http://schemas.openxmlformats.org/presentationml/2006/main">
+  <p:cSld>
+    <p:spTree>
+      <p:nvGrpSpPr>
+        <p:cNvPr id="1" name=""/>
+        <p:cNvGrpSpPr/>
+        <p:nvPr/>
+      </p:nvGrpSpPr>
+      <p:grpSpPr>
+        <a:xfrm>
+          <a:off x="0" y="0"/>
+          <a:ext cx="0" cy="0"/>
+          <a:chOff x="0" y="0"/>
+          <a:chExt cx="0" cy="0"/>
+        </a:xfrm>
+      </p:grpSpPr>
+      <p:sp>
+        <p:nvSpPr>
+          <p:cNvPr id="2" name="Slide Image Placeholder 1"/>
+          <p:cNvSpPr>
+            <a:spLocks noGrp="1" noRot="1" noChangeAspect="1"/>
+          </p:cNvSpPr>
+          <p:nvPr>
+            <p:ph type="sldImg"/>
+          </p:nvPr>
+        </p:nvSpPr>
+        <p:spPr/>
+      </p:sp>
+      <p:sp>
+        <p:nvSpPr>
+          <p:cNvPr id="3" name="Notes Placeholder 2"/>
+          <p:cNvSpPr>
+            <a:spLocks noGrp="1"/>
+          </p:cNvSpPr>
+          <p:nvPr>
+            <p:ph type="body" idx="1"/>
+          </p:nvPr>
+        </p:nvSpPr>
+        <p:spPr/>
+        <p:txBody>
+          <a:bodyPr/>
+          <a:lstStyle/>
+          <a:p>
+            <a:endParaRPr lang="en-US" dirty="0"/>
+          </a:p>
+        </p:txBody>
+      </p:sp>
+      <p:sp>
+        <p:nvSpPr>
+          <p:cNvPr id="4" name="Slide Number Placeholder 3"/>
+          <p:cNvSpPr>
+            <a:spLocks noGrp="1"/>
+          </p:cNvSpPr>
+          <p:nvPr>
+            <p:ph type="sldNum" sz="quarter" idx="10"/>
+          </p:nvPr>
+        </p:nvSpPr>
+        <p:spPr/>
+        <p:txBody>
+          <a:bodyPr/>
+          <a:lstStyle/>
+          <a:p>
+            <a:fld id="{0998D5BB-B127-481F-BC0A-2F77C576BB34}" type="slidenum">
+              <a:rPr lang="en-US" smtClean="0"/>
+              <a:t>36</a:t>
+            </a:fld>
+            <a:endParaRPr lang="en-US" dirty="0"/>
+          </a:p>
+        </p:txBody>
+      </p:sp>
+    </p:spTree>
+    <p:extLst>
+      <p:ext uri="{BB962C8B-B14F-4D97-AF65-F5344CB8AC3E}">
+        <p14:creationId xmlns:p14="http://schemas.microsoft.com/office/powerpoint/2010/main" val="671285550"/>
+      </p:ext>
+    </p:extLst>
+  </p:cSld>
+  <p:clrMapOvr>
+    <a:masterClrMapping/>
+  </p:clrMapOvr>
+</p:notes>
+</file>
+
+<file path=ppt/notesSlides/notesSlide34.xml><?xml version="1.0" encoding="utf-8"?>
+<p:notes xmlns:a="http://schemas.openxmlformats.org/drawingml/2006/main" xmlns:r="http://schemas.openxmlformats.org/officeDocument/2006/relationships" xmlns:p="http://schemas.openxmlformats.org/presentationml/2006/main">
+  <p:cSld>
+    <p:spTree>
+      <p:nvGrpSpPr>
+        <p:cNvPr id="1" name=""/>
+        <p:cNvGrpSpPr/>
+        <p:nvPr/>
+      </p:nvGrpSpPr>
+      <p:grpSpPr>
+        <a:xfrm>
+          <a:off x="0" y="0"/>
+          <a:ext cx="0" cy="0"/>
+          <a:chOff x="0" y="0"/>
+          <a:chExt cx="0" cy="0"/>
+        </a:xfrm>
+      </p:grpSpPr>
+      <p:sp>
+        <p:nvSpPr>
+          <p:cNvPr id="2" name="Slide Image Placeholder 1"/>
+          <p:cNvSpPr>
+            <a:spLocks noGrp="1" noRot="1" noChangeAspect="1"/>
+          </p:cNvSpPr>
+          <p:nvPr>
+            <p:ph type="sldImg"/>
+          </p:nvPr>
+        </p:nvSpPr>
         <p:spPr>
           <a:xfrm>
             <a:off x="381000" y="685800"/>
@@ -3927,7 +4178,7 @@
                   <a:prstClr val="black"/>
                 </a:solidFill>
               </a:rPr>
-              <a:t>10/30/2020 2:52 PM</a:t>
+              <a:t>9/9/2021 8:49 AM</a:t>
             </a:fld>
             <a:endParaRPr lang="en-US" dirty="0">
               <a:solidFill>
@@ -3959,7 +4210,7 @@
                 </a:solidFill>
               </a:rPr>
               <a:pPr/>
-              <a:t>35</a:t>
+              <a:t>37</a:t>
             </a:fld>
             <a:endParaRPr lang="en-US" dirty="0">
               <a:solidFill>
@@ -18801,7 +19052,7 @@
                 <a:latin typeface="Segoe UI Semilight" panose="020B0402040204020203" pitchFamily="34" charset="0"/>
                 <a:cs typeface="Segoe UI Semilight" panose="020B0402040204020203" pitchFamily="34" charset="0"/>
               </a:rPr>
-              <a:t>60 minutes</a:t>
+              <a:t>45 minutes</a:t>
             </a:r>
           </a:p>
         </p:txBody>
@@ -18821,7 +19072,7 @@
           <p:nvPr>
             <p:extLst>
               <p:ext uri="{D42A27DB-BD31-4B8C-83A1-F6EECF244321}">
-                <p14:modId xmlns:p14="http://schemas.microsoft.com/office/powerpoint/2010/main" val="2701882102"/>
+                <p14:modId xmlns:p14="http://schemas.microsoft.com/office/powerpoint/2010/main" val="1406366829"/>
               </p:ext>
             </p:extLst>
           </p:nvPr>
@@ -18972,7 +19223,7 @@
                           <a:ea typeface="+mn-ea"/>
                           <a:cs typeface="Segoe UI" panose="020B0502040204020203" pitchFamily="34" charset="0"/>
                         </a:rPr>
-                        <a:t>(35 minutes)</a:t>
+                        <a:t>(20 minutes)</a:t>
                       </a:r>
                       <a:br>
                         <a:rPr lang="en-US" sz="1300" b="0" i="0" kern="1200" dirty="0">
@@ -19225,7 +19476,12 @@
             <p:ph type="title"/>
           </p:nvPr>
         </p:nvSpPr>
-        <p:spPr/>
+        <p:spPr>
+          <a:xfrm>
+            <a:off x="291012" y="289511"/>
+            <a:ext cx="11655840" cy="899665"/>
+          </a:xfrm>
+        </p:spPr>
         <p:txBody>
           <a:bodyPr>
             <a:normAutofit/>
@@ -19240,7 +19496,7 @@
                 <a:latin typeface="Segoe UI Light" panose="020B0502040204020203" pitchFamily="34" charset="0"/>
                 <a:cs typeface="Segoe UI Light" panose="020B0502040204020203" pitchFamily="34" charset="0"/>
               </a:rPr>
-              <a:t>Step 3: Present the solution</a:t>
+              <a:t>Step 3: Future Design Proposals</a:t>
             </a:r>
           </a:p>
         </p:txBody>
@@ -19259,8 +19515,8 @@
         </p:nvSpPr>
         <p:spPr>
           <a:xfrm>
-            <a:off x="340285" y="1062166"/>
-            <a:ext cx="10229103" cy="5838521"/>
+            <a:off x="362057" y="1741246"/>
+            <a:ext cx="10652686" cy="2930033"/>
           </a:xfrm>
           <a:prstGeom prst="rect">
             <a:avLst/>
@@ -19302,11 +19558,8 @@
                 <a:latin typeface="Segoe UI Semilight" panose="020B0402040204020203" pitchFamily="34" charset="0"/>
                 <a:cs typeface="Segoe UI Semilight" panose="020B0402040204020203" pitchFamily="34" charset="0"/>
               </a:rPr>
-              <a:t>Present a solution to the target customer in a 15-minute chalk-talk format. </a:t>
-            </a:r>
-            <a:endParaRPr lang="en-US" sz="3600" dirty="0">
-              <a:latin typeface="+mj-lt"/>
-            </a:endParaRPr>
+              <a:t>Design a solution and prepare to present the solution to the target customer audience in a 15-minute chalk-talk format. </a:t>
+            </a:r>
           </a:p>
           <a:p>
             <a:pPr>
@@ -19317,9 +19570,7 @@
                 <a:spcPts val="600"/>
               </a:spcAft>
             </a:pPr>
-            <a:endParaRPr lang="en-US" sz="2400" dirty="0">
-              <a:latin typeface="+mj-lt"/>
-            </a:endParaRPr>
+            <a:endParaRPr lang="en-US" sz="2400" dirty="0"/>
           </a:p>
           <a:p>
             <a:pPr>
@@ -19351,151 +19602,397 @@
                 <a:latin typeface="Segoe UI Semilight" panose="020B0402040204020203" pitchFamily="34" charset="0"/>
                 <a:cs typeface="Segoe UI Semilight" panose="020B0402040204020203" pitchFamily="34" charset="0"/>
               </a:rPr>
-              <a:t>30 minutes (15 minutes for each team to present and receive feedback) </a:t>
-            </a:r>
-          </a:p>
-          <a:p>
-            <a:pPr>
-              <a:lnSpc>
-                <a:spcPct val="90000"/>
-              </a:lnSpc>
-              <a:spcAft>
-                <a:spcPts val="600"/>
-              </a:spcAft>
-            </a:pPr>
-            <a:endParaRPr lang="en-US" sz="2400" dirty="0">
-              <a:latin typeface="+mj-lt"/>
-            </a:endParaRPr>
-          </a:p>
-          <a:p>
-            <a:pPr>
-              <a:lnSpc>
-                <a:spcPct val="90000"/>
-              </a:lnSpc>
-              <a:spcAft>
-                <a:spcPts val="600"/>
-              </a:spcAft>
-            </a:pPr>
-            <a:r>
-              <a:rPr lang="en-US" sz="3600" dirty="0">
-                <a:latin typeface="+mj-lt"/>
-              </a:rPr>
-              <a:t>Directions</a:t>
-            </a:r>
-          </a:p>
-          <a:p>
-            <a:pPr marL="342900" lvl="0" indent="-342900">
-              <a:buFont typeface="Arial" panose="020B0604020202020204" pitchFamily="34" charset="0"/>
-              <a:buChar char="•"/>
-            </a:pPr>
-            <a:r>
-              <a:rPr lang="en-US" sz="2000" dirty="0">
-                <a:latin typeface="Segoe UI Semilight" panose="020B0402040204020203" pitchFamily="34" charset="0"/>
-                <a:cs typeface="Segoe UI Semilight" panose="020B0402040204020203" pitchFamily="34" charset="0"/>
-              </a:rPr>
-              <a:t>Pair with another table.</a:t>
-            </a:r>
-          </a:p>
-          <a:p>
-            <a:pPr marL="342900" lvl="0" indent="-342900">
-              <a:buFont typeface="Arial" panose="020B0604020202020204" pitchFamily="34" charset="0"/>
-              <a:buChar char="•"/>
-            </a:pPr>
-            <a:r>
-              <a:rPr lang="en-US" sz="2000" dirty="0">
-                <a:latin typeface="Segoe UI Semilight" panose="020B0402040204020203" pitchFamily="34" charset="0"/>
-                <a:cs typeface="Segoe UI Semilight" panose="020B0402040204020203" pitchFamily="34" charset="0"/>
-              </a:rPr>
-              <a:t>One table is the Microsoft team and the other table is the customer.</a:t>
-            </a:r>
-          </a:p>
-          <a:p>
-            <a:pPr marL="342900" lvl="0" indent="-342900">
-              <a:buFont typeface="Arial" panose="020B0604020202020204" pitchFamily="34" charset="0"/>
-              <a:buChar char="•"/>
-            </a:pPr>
-            <a:r>
-              <a:rPr lang="en-US" sz="2000" dirty="0">
-                <a:latin typeface="Segoe UI Semilight" panose="020B0402040204020203" pitchFamily="34" charset="0"/>
-                <a:cs typeface="Segoe UI Semilight" panose="020B0402040204020203" pitchFamily="34" charset="0"/>
-              </a:rPr>
-              <a:t>The Microsoft team presents their proposed solution to the customer.</a:t>
-            </a:r>
-          </a:p>
-          <a:p>
-            <a:pPr marL="342900" lvl="0" indent="-342900">
-              <a:buFont typeface="Arial" panose="020B0604020202020204" pitchFamily="34" charset="0"/>
-              <a:buChar char="•"/>
-            </a:pPr>
-            <a:r>
-              <a:rPr lang="en-US" sz="2000" dirty="0">
-                <a:latin typeface="Segoe UI Semilight" panose="020B0402040204020203" pitchFamily="34" charset="0"/>
-                <a:cs typeface="Segoe UI Semilight" panose="020B0402040204020203" pitchFamily="34" charset="0"/>
-              </a:rPr>
-              <a:t>The customer asks one of the objections from the list of objections in the case study.</a:t>
-            </a:r>
-          </a:p>
-          <a:p>
-            <a:pPr marL="342900" lvl="0" indent="-342900">
-              <a:buFont typeface="Arial" panose="020B0604020202020204" pitchFamily="34" charset="0"/>
-              <a:buChar char="•"/>
-            </a:pPr>
-            <a:r>
-              <a:rPr lang="en-US" sz="2000" dirty="0">
-                <a:latin typeface="Segoe UI Semilight" panose="020B0402040204020203" pitchFamily="34" charset="0"/>
-                <a:cs typeface="Segoe UI Semilight" panose="020B0402040204020203" pitchFamily="34" charset="0"/>
-              </a:rPr>
-              <a:t>The Microsoft team responds to the objection.</a:t>
-            </a:r>
-          </a:p>
-          <a:p>
-            <a:pPr marL="342900" lvl="0" indent="-342900">
-              <a:buFont typeface="Arial" panose="020B0604020202020204" pitchFamily="34" charset="0"/>
-              <a:buChar char="•"/>
-            </a:pPr>
-            <a:r>
-              <a:rPr lang="en-US" sz="2000" dirty="0">
-                <a:latin typeface="Segoe UI Semilight" panose="020B0402040204020203" pitchFamily="34" charset="0"/>
-                <a:cs typeface="Segoe UI Semilight" panose="020B0402040204020203" pitchFamily="34" charset="0"/>
-              </a:rPr>
-              <a:t>The customer team gives feedback to the Microsoft team.</a:t>
-            </a:r>
-            <a:endParaRPr lang="en-US" sz="2000" strike="sngStrike" dirty="0">
-              <a:latin typeface="Segoe UI Semilight" panose="020B0402040204020203" pitchFamily="34" charset="0"/>
-              <a:cs typeface="Segoe UI Semilight" panose="020B0402040204020203" pitchFamily="34" charset="0"/>
-            </a:endParaRPr>
-          </a:p>
-          <a:p>
-            <a:pPr>
-              <a:lnSpc>
-                <a:spcPct val="90000"/>
-              </a:lnSpc>
-              <a:spcAft>
-                <a:spcPts val="600"/>
-              </a:spcAft>
-            </a:pPr>
-            <a:endParaRPr lang="en-US" sz="2400" dirty="0">
-              <a:latin typeface="Segoe UI Semilight" panose="020B0402040204020203" pitchFamily="34" charset="0"/>
-              <a:cs typeface="Segoe UI Semilight" panose="020B0402040204020203" pitchFamily="34" charset="0"/>
-            </a:endParaRPr>
+              <a:t>30 minutes</a:t>
+            </a:r>
           </a:p>
         </p:txBody>
       </p:sp>
+      <p:graphicFrame>
+        <p:nvGraphicFramePr>
+          <p:cNvPr id="4" name="Table 3">
+            <a:extLst>
+              <a:ext uri="{FF2B5EF4-FFF2-40B4-BE49-F238E27FC236}">
+                <a16:creationId xmlns:a16="http://schemas.microsoft.com/office/drawing/2014/main" id="{9FC7A5CD-D651-4072-A920-34F54BCBC3EF}"/>
+              </a:ext>
+            </a:extLst>
+          </p:cNvPr>
+          <p:cNvGraphicFramePr>
+            <a:graphicFrameLocks noGrp="1"/>
+          </p:cNvGraphicFramePr>
+          <p:nvPr>
+            <p:extLst>
+              <p:ext uri="{D42A27DB-BD31-4B8C-83A1-F6EECF244321}">
+                <p14:modId xmlns:p14="http://schemas.microsoft.com/office/powerpoint/2010/main" val="204715863"/>
+              </p:ext>
+            </p:extLst>
+          </p:nvPr>
+        </p:nvGraphicFramePr>
+        <p:xfrm>
+          <a:off x="3095545" y="3791921"/>
+          <a:ext cx="8040154" cy="2600650"/>
+        </p:xfrm>
+        <a:graphic>
+          <a:graphicData uri="http://schemas.openxmlformats.org/drawingml/2006/table">
+            <a:tbl>
+              <a:tblPr firstRow="1" bandRow="1">
+                <a:tableStyleId>{69CF1AB2-1976-4502-BF36-3FF5EA218861}</a:tableStyleId>
+              </a:tblPr>
+              <a:tblGrid>
+                <a:gridCol w="1758700">
+                  <a:extLst>
+                    <a:ext uri="{9D8B030D-6E8A-4147-A177-3AD203B41FA5}">
+                      <a16:colId xmlns:a16="http://schemas.microsoft.com/office/drawing/2014/main" val="20000"/>
+                    </a:ext>
+                  </a:extLst>
+                </a:gridCol>
+                <a:gridCol w="6281454">
+                  <a:extLst>
+                    <a:ext uri="{9D8B030D-6E8A-4147-A177-3AD203B41FA5}">
+                      <a16:colId xmlns:a16="http://schemas.microsoft.com/office/drawing/2014/main" val="20001"/>
+                    </a:ext>
+                  </a:extLst>
+                </a:gridCol>
+              </a:tblGrid>
+              <a:tr h="672348">
+                <a:tc>
+                  <a:txBody>
+                    <a:bodyPr/>
+                    <a:lstStyle/>
+                    <a:p>
+                      <a:r>
+                        <a:rPr lang="en-US" sz="1300" b="1" i="1" dirty="0">
+                          <a:latin typeface="Segoe UI" panose="020B0502040204020203" pitchFamily="34" charset="0"/>
+                          <a:cs typeface="Segoe UI" panose="020B0502040204020203" pitchFamily="34" charset="0"/>
+                        </a:rPr>
+                        <a:t>Business</a:t>
+                      </a:r>
+                      <a:r>
+                        <a:rPr lang="en-US" sz="1300" b="1" i="1" kern="1200" dirty="0">
+                          <a:solidFill>
+                            <a:schemeClr val="dk1"/>
+                          </a:solidFill>
+                          <a:latin typeface="Segoe UI" panose="020B0502040204020203" pitchFamily="34" charset="0"/>
+                          <a:ea typeface="+mn-ea"/>
+                          <a:cs typeface="Segoe UI" panose="020B0502040204020203" pitchFamily="34" charset="0"/>
+                        </a:rPr>
+                        <a:t> needs</a:t>
+                      </a:r>
+                    </a:p>
+                    <a:p>
+                      <a:r>
+                        <a:rPr lang="en-US" sz="1300" b="0" i="0" dirty="0">
+                          <a:latin typeface="Segoe UI" panose="020B0502040204020203" pitchFamily="34" charset="0"/>
+                          <a:cs typeface="Segoe UI" panose="020B0502040204020203" pitchFamily="34" charset="0"/>
+                        </a:rPr>
+                        <a:t>(5 minutes)</a:t>
+                      </a:r>
+                      <a:br>
+                        <a:rPr lang="en-US" sz="1300" b="0" i="0" dirty="0">
+                          <a:latin typeface="Segoe UI" panose="020B0502040204020203" pitchFamily="34" charset="0"/>
+                          <a:cs typeface="Segoe UI" panose="020B0502040204020203" pitchFamily="34" charset="0"/>
+                        </a:rPr>
+                      </a:br>
+                      <a:endParaRPr lang="en-US" sz="1300" b="0" i="0" dirty="0">
+                        <a:latin typeface="Segoe UI" panose="020B0502040204020203" pitchFamily="34" charset="0"/>
+                        <a:cs typeface="Segoe UI" panose="020B0502040204020203" pitchFamily="34" charset="0"/>
+                      </a:endParaRPr>
+                    </a:p>
+                  </a:txBody>
+                  <a:tcPr marL="67235" marR="67235" marT="33617" marB="33617"/>
+                </a:tc>
+                <a:tc>
+                  <a:txBody>
+                    <a:bodyPr/>
+                    <a:lstStyle/>
+                    <a:p>
+                      <a:pPr marL="285750" marR="0" indent="-285750" algn="l" defTabSz="932742" rtl="0" eaLnBrk="1" fontAlgn="auto" latinLnBrk="0" hangingPunct="1">
+                        <a:lnSpc>
+                          <a:spcPct val="100000"/>
+                        </a:lnSpc>
+                        <a:spcBef>
+                          <a:spcPts val="0"/>
+                        </a:spcBef>
+                        <a:spcAft>
+                          <a:spcPts val="0"/>
+                        </a:spcAft>
+                        <a:buClrTx/>
+                        <a:buSzTx/>
+                        <a:buFont typeface="Arial" panose="020B0604020202020204" pitchFamily="34" charset="0"/>
+                        <a:buChar char="•"/>
+                        <a:tabLst/>
+                        <a:defRPr/>
+                      </a:pPr>
+                      <a:r>
+                        <a:rPr lang="en-US" sz="1300" b="0" dirty="0">
+                          <a:solidFill>
+                            <a:schemeClr val="bg1"/>
+                          </a:solidFill>
+                          <a:latin typeface="Segoe UI" panose="020B0502040204020203" pitchFamily="34" charset="0"/>
+                          <a:cs typeface="Segoe UI" panose="020B0502040204020203" pitchFamily="34" charset="0"/>
+                        </a:rPr>
+                        <a:t>Identify future options for existing resources that are in use today that could be augmented or replaced.</a:t>
+                      </a:r>
+                    </a:p>
+                    <a:p>
+                      <a:endParaRPr lang="en-US" sz="1300" b="0" dirty="0">
+                        <a:latin typeface="Segoe UI" panose="020B0502040204020203" pitchFamily="34" charset="0"/>
+                        <a:cs typeface="Segoe UI" panose="020B0502040204020203" pitchFamily="34" charset="0"/>
+                      </a:endParaRPr>
+                    </a:p>
+                  </a:txBody>
+                  <a:tcPr marL="67235" marR="67235" marT="33617" marB="33617"/>
+                </a:tc>
+                <a:extLst>
+                  <a:ext uri="{0D108BD9-81ED-4DB2-BD59-A6C34878D82A}">
+                    <a16:rowId xmlns:a16="http://schemas.microsoft.com/office/drawing/2014/main" val="10000"/>
+                  </a:ext>
+                </a:extLst>
+              </a:tr>
+              <a:tr h="672348">
+                <a:tc>
+                  <a:txBody>
+                    <a:bodyPr/>
+                    <a:lstStyle/>
+                    <a:p>
+                      <a:r>
+                        <a:rPr lang="en-US" sz="1300" b="1" i="1" dirty="0">
+                          <a:latin typeface="Segoe UI" panose="020B0502040204020203" pitchFamily="34" charset="0"/>
+                          <a:cs typeface="Segoe UI" panose="020B0502040204020203" pitchFamily="34" charset="0"/>
+                        </a:rPr>
+                        <a:t>Design</a:t>
+                      </a:r>
+                    </a:p>
+                    <a:p>
+                      <a:pPr marL="0" algn="l" defTabSz="932742" rtl="0" eaLnBrk="1" latinLnBrk="0" hangingPunct="1"/>
+                      <a:r>
+                        <a:rPr lang="en-US" sz="1300" b="0" i="0" kern="1200" dirty="0">
+                          <a:solidFill>
+                            <a:schemeClr val="dk1"/>
+                          </a:solidFill>
+                          <a:latin typeface="Segoe UI" panose="020B0502040204020203" pitchFamily="34" charset="0"/>
+                          <a:ea typeface="+mn-ea"/>
+                          <a:cs typeface="Segoe UI" panose="020B0502040204020203" pitchFamily="34" charset="0"/>
+                        </a:rPr>
+                        <a:t>(15 minutes)</a:t>
+                      </a:r>
+                      <a:br>
+                        <a:rPr lang="en-US" sz="1300" b="0" i="0" kern="1200" dirty="0">
+                          <a:solidFill>
+                            <a:schemeClr val="dk1"/>
+                          </a:solidFill>
+                          <a:latin typeface="Segoe UI" panose="020B0502040204020203" pitchFamily="34" charset="0"/>
+                          <a:ea typeface="+mn-ea"/>
+                          <a:cs typeface="Segoe UI" panose="020B0502040204020203" pitchFamily="34" charset="0"/>
+                        </a:rPr>
+                      </a:br>
+                      <a:endParaRPr lang="en-US" sz="1300" b="0" i="0" kern="1200" dirty="0">
+                        <a:solidFill>
+                          <a:schemeClr val="dk1"/>
+                        </a:solidFill>
+                        <a:latin typeface="Segoe UI" panose="020B0502040204020203" pitchFamily="34" charset="0"/>
+                        <a:ea typeface="+mn-ea"/>
+                        <a:cs typeface="Segoe UI" panose="020B0502040204020203" pitchFamily="34" charset="0"/>
+                      </a:endParaRPr>
+                    </a:p>
+                  </a:txBody>
+                  <a:tcPr marL="67235" marR="67235" marT="33617" marB="33617"/>
+                </a:tc>
+                <a:tc>
+                  <a:txBody>
+                    <a:bodyPr/>
+                    <a:lstStyle/>
+                    <a:p>
+                      <a:pPr marL="285750" marR="0" indent="-285750" algn="l" defTabSz="932742" rtl="0" eaLnBrk="1" fontAlgn="auto" latinLnBrk="0" hangingPunct="1">
+                        <a:lnSpc>
+                          <a:spcPct val="100000"/>
+                        </a:lnSpc>
+                        <a:spcBef>
+                          <a:spcPts val="0"/>
+                        </a:spcBef>
+                        <a:spcAft>
+                          <a:spcPts val="0"/>
+                        </a:spcAft>
+                        <a:buClrTx/>
+                        <a:buSzTx/>
+                        <a:buFont typeface="Arial" panose="020B0604020202020204" pitchFamily="34" charset="0"/>
+                        <a:buChar char="•"/>
+                        <a:tabLst/>
+                        <a:defRPr/>
+                      </a:pPr>
+                      <a:r>
+                        <a:rPr lang="en-US" sz="1300" kern="1200" baseline="0" dirty="0">
+                          <a:solidFill>
+                            <a:schemeClr val="bg1"/>
+                          </a:solidFill>
+                          <a:latin typeface="Segoe UI" panose="020B0502040204020203" pitchFamily="34" charset="0"/>
+                          <a:ea typeface="+mn-ea"/>
+                          <a:cs typeface="Segoe UI" panose="020B0502040204020203" pitchFamily="34" charset="0"/>
+                        </a:rPr>
+                        <a:t>Design a solution for as many of the services as time allows. Show the solution on a flipchart</a:t>
+                      </a:r>
+                    </a:p>
+                    <a:p>
+                      <a:endParaRPr lang="en-US" sz="1300" dirty="0">
+                        <a:latin typeface="Segoe UI" panose="020B0502040204020203" pitchFamily="34" charset="0"/>
+                        <a:cs typeface="Segoe UI" panose="020B0502040204020203" pitchFamily="34" charset="0"/>
+                      </a:endParaRPr>
+                    </a:p>
+                  </a:txBody>
+                  <a:tcPr marL="67235" marR="67235" marT="33617" marB="33617"/>
+                </a:tc>
+                <a:extLst>
+                  <a:ext uri="{0D108BD9-81ED-4DB2-BD59-A6C34878D82A}">
+                    <a16:rowId xmlns:a16="http://schemas.microsoft.com/office/drawing/2014/main" val="10001"/>
+                  </a:ext>
+                </a:extLst>
+              </a:tr>
+              <a:tr h="1075756">
+                <a:tc>
+                  <a:txBody>
+                    <a:bodyPr/>
+                    <a:lstStyle/>
+                    <a:p>
+                      <a:r>
+                        <a:rPr lang="en-US" sz="1300" b="1" i="1" dirty="0">
+                          <a:latin typeface="Segoe UI" panose="020B0502040204020203" pitchFamily="34" charset="0"/>
+                          <a:cs typeface="Segoe UI" panose="020B0502040204020203" pitchFamily="34" charset="0"/>
+                        </a:rPr>
+                        <a:t>Prepare</a:t>
+                      </a:r>
+                    </a:p>
+                    <a:p>
+                      <a:pPr marL="0" marR="0" indent="0" algn="l" defTabSz="932742" rtl="0" eaLnBrk="1" fontAlgn="auto" latinLnBrk="0" hangingPunct="1">
+                        <a:lnSpc>
+                          <a:spcPct val="100000"/>
+                        </a:lnSpc>
+                        <a:spcBef>
+                          <a:spcPts val="0"/>
+                        </a:spcBef>
+                        <a:spcAft>
+                          <a:spcPts val="0"/>
+                        </a:spcAft>
+                        <a:buClrTx/>
+                        <a:buSzTx/>
+                        <a:buFontTx/>
+                        <a:buNone/>
+                        <a:tabLst/>
+                        <a:defRPr/>
+                      </a:pPr>
+                      <a:r>
+                        <a:rPr lang="en-US" sz="1300" b="0" i="0" kern="1200" dirty="0">
+                          <a:solidFill>
+                            <a:schemeClr val="dk1"/>
+                          </a:solidFill>
+                          <a:latin typeface="Segoe UI" panose="020B0502040204020203" pitchFamily="34" charset="0"/>
+                          <a:ea typeface="+mn-ea"/>
+                          <a:cs typeface="Segoe UI" panose="020B0502040204020203" pitchFamily="34" charset="0"/>
+                        </a:rPr>
+                        <a:t>(10 minutes)</a:t>
+                      </a:r>
+                    </a:p>
+                    <a:p>
+                      <a:endParaRPr lang="en-US" sz="1300" b="1" i="1" dirty="0">
+                        <a:latin typeface="Segoe UI" panose="020B0502040204020203" pitchFamily="34" charset="0"/>
+                        <a:cs typeface="Segoe UI" panose="020B0502040204020203" pitchFamily="34" charset="0"/>
+                      </a:endParaRPr>
+                    </a:p>
+                  </a:txBody>
+                  <a:tcPr marL="67235" marR="67235" marT="33617" marB="33617"/>
+                </a:tc>
+                <a:tc>
+                  <a:txBody>
+                    <a:bodyPr/>
+                    <a:lstStyle/>
+                    <a:p>
+                      <a:pPr marL="285750" lvl="0" indent="-285750">
+                        <a:buFont typeface="Arial" panose="020B0604020202020204" pitchFamily="34" charset="0"/>
+                        <a:buChar char="•"/>
+                      </a:pPr>
+                      <a:r>
+                        <a:rPr lang="en-US" sz="1300" dirty="0">
+                          <a:latin typeface="Segoe UI" panose="020B0502040204020203" pitchFamily="34" charset="0"/>
+                          <a:cs typeface="Segoe UI" panose="020B0502040204020203" pitchFamily="34" charset="0"/>
+                        </a:rPr>
+                        <a:t>Identify any customer services that are not addressed with the proposed solution</a:t>
+                      </a:r>
+                    </a:p>
+                    <a:p>
+                      <a:pPr marL="285750" lvl="0" indent="-285750">
+                        <a:buFont typeface="Arial" panose="020B0604020202020204" pitchFamily="34" charset="0"/>
+                        <a:buChar char="•"/>
+                      </a:pPr>
+                      <a:r>
+                        <a:rPr lang="en-US" sz="1300" dirty="0">
+                          <a:latin typeface="Segoe UI" panose="020B0502040204020203" pitchFamily="34" charset="0"/>
+                          <a:cs typeface="Segoe UI" panose="020B0502040204020203" pitchFamily="34" charset="0"/>
+                        </a:rPr>
+                        <a:t>Identify the benefits of your solution</a:t>
+                      </a:r>
+                    </a:p>
+                    <a:p>
+                      <a:pPr marL="285750" lvl="0" indent="-285750">
+                        <a:buFont typeface="Arial" panose="020B0604020202020204" pitchFamily="34" charset="0"/>
+                        <a:buChar char="•"/>
+                      </a:pPr>
+                      <a:r>
+                        <a:rPr lang="en-US" sz="1300" dirty="0">
+                          <a:latin typeface="Segoe UI" panose="020B0502040204020203" pitchFamily="34" charset="0"/>
+                          <a:cs typeface="Segoe UI" panose="020B0502040204020203" pitchFamily="34" charset="0"/>
+                        </a:rPr>
+                        <a:t>Determine how you will respond to the customer’s objections</a:t>
+                      </a:r>
+                    </a:p>
+                    <a:p>
+                      <a:pPr marL="285750" lvl="0" indent="-285750">
+                        <a:buFont typeface="Arial" panose="020B0604020202020204" pitchFamily="34" charset="0"/>
+                        <a:buChar char="•"/>
+                      </a:pPr>
+                      <a:r>
+                        <a:rPr lang="en-US" sz="1300" dirty="0">
+                          <a:latin typeface="Segoe UI" panose="020B0502040204020203" pitchFamily="34" charset="0"/>
+                          <a:cs typeface="Segoe UI" panose="020B0502040204020203" pitchFamily="34" charset="0"/>
+                        </a:rPr>
+                        <a:t>Prepare for a 15-minute presentation to the customer</a:t>
+                      </a:r>
+                      <a:br>
+                        <a:rPr lang="en-US" sz="1300" dirty="0">
+                          <a:latin typeface="Segoe UI" panose="020B0502040204020203" pitchFamily="34" charset="0"/>
+                          <a:cs typeface="Segoe UI" panose="020B0502040204020203" pitchFamily="34" charset="0"/>
+                        </a:rPr>
+                      </a:br>
+                      <a:endParaRPr lang="en-US" sz="1300" dirty="0">
+                        <a:latin typeface="Segoe UI" panose="020B0502040204020203" pitchFamily="34" charset="0"/>
+                        <a:cs typeface="Segoe UI" panose="020B0502040204020203" pitchFamily="34" charset="0"/>
+                      </a:endParaRPr>
+                    </a:p>
+                  </a:txBody>
+                  <a:tcPr marL="67235" marR="67235" marT="33617" marB="33617"/>
+                </a:tc>
+                <a:extLst>
+                  <a:ext uri="{0D108BD9-81ED-4DB2-BD59-A6C34878D82A}">
+                    <a16:rowId xmlns:a16="http://schemas.microsoft.com/office/drawing/2014/main" val="10002"/>
+                  </a:ext>
+                </a:extLst>
+              </a:tr>
+            </a:tbl>
+          </a:graphicData>
+        </a:graphic>
+      </p:graphicFrame>
     </p:spTree>
     <p:extLst>
       <p:ext uri="{BB962C8B-B14F-4D97-AF65-F5344CB8AC3E}">
-        <p14:creationId xmlns:p14="http://schemas.microsoft.com/office/powerpoint/2010/main" val="3717261927"/>
+        <p14:creationId xmlns:p14="http://schemas.microsoft.com/office/powerpoint/2010/main" val="1885082407"/>
       </p:ext>
     </p:extLst>
   </p:cSld>
   <p:clrMapOvr>
     <a:masterClrMapping/>
   </p:clrMapOvr>
-  <mc:AlternateContent xmlns:mc="http://schemas.openxmlformats.org/markup-compatibility/2006" xmlns:p14="http://schemas.microsoft.com/office/powerpoint/2010/main">
-    <mc:Choice Requires="p14">
+  <mc:AlternateContent xmlns:mc="http://schemas.openxmlformats.org/markup-compatibility/2006">
+    <mc:Choice xmlns:p14="http://schemas.microsoft.com/office/powerpoint/2010/main" Requires="p14">
       <p:transition p14:dur="0"/>
     </mc:Choice>
-    <mc:Fallback xmlns="">
+    <mc:Fallback>
       <p:transition/>
     </mc:Fallback>
   </mc:AlternateContent>
@@ -19544,6 +20041,310 @@
                 <a:latin typeface="Segoe UI Light" panose="020B0502040204020203" pitchFamily="34" charset="0"/>
                 <a:cs typeface="Segoe UI Light" panose="020B0502040204020203" pitchFamily="34" charset="0"/>
               </a:rPr>
+              <a:t>Step 4: Present the solution</a:t>
+            </a:r>
+          </a:p>
+        </p:txBody>
+      </p:sp>
+      <p:sp>
+        <p:nvSpPr>
+          <p:cNvPr id="9" name="TextBox 8">
+            <a:extLst>
+              <a:ext uri="{FF2B5EF4-FFF2-40B4-BE49-F238E27FC236}">
+                <a16:creationId xmlns:a16="http://schemas.microsoft.com/office/drawing/2014/main" id="{0F86F9F9-39B5-4CE6-AF48-9ADAE40EA728}"/>
+              </a:ext>
+            </a:extLst>
+          </p:cNvPr>
+          <p:cNvSpPr txBox="1"/>
+          <p:nvPr/>
+        </p:nvSpPr>
+        <p:spPr>
+          <a:xfrm>
+            <a:off x="340285" y="1062166"/>
+            <a:ext cx="10229103" cy="5838521"/>
+          </a:xfrm>
+          <a:prstGeom prst="rect">
+            <a:avLst/>
+          </a:prstGeom>
+          <a:noFill/>
+        </p:spPr>
+        <p:txBody>
+          <a:bodyPr wrap="square" lIns="182880" tIns="146304" rIns="182880" bIns="146304" rtlCol="0">
+            <a:spAutoFit/>
+          </a:bodyPr>
+          <a:lstStyle/>
+          <a:p>
+            <a:pPr>
+              <a:lnSpc>
+                <a:spcPct val="90000"/>
+              </a:lnSpc>
+              <a:spcAft>
+                <a:spcPts val="600"/>
+              </a:spcAft>
+            </a:pPr>
+            <a:r>
+              <a:rPr lang="en-US" sz="3600" dirty="0">
+                <a:latin typeface="+mj-lt"/>
+              </a:rPr>
+              <a:t>Outcome</a:t>
+            </a:r>
+          </a:p>
+          <a:p>
+            <a:pPr>
+              <a:lnSpc>
+                <a:spcPct val="90000"/>
+              </a:lnSpc>
+              <a:spcAft>
+                <a:spcPts val="600"/>
+              </a:spcAft>
+            </a:pPr>
+            <a:r>
+              <a:rPr lang="en-US" sz="2400" dirty="0">
+                <a:latin typeface="Segoe UI Semilight" panose="020B0402040204020203" pitchFamily="34" charset="0"/>
+                <a:cs typeface="Segoe UI Semilight" panose="020B0402040204020203" pitchFamily="34" charset="0"/>
+              </a:rPr>
+              <a:t>Present a solution to the target customer in a 15-minute chalk-talk format. </a:t>
+            </a:r>
+            <a:endParaRPr lang="en-US" sz="3600" dirty="0">
+              <a:latin typeface="+mj-lt"/>
+            </a:endParaRPr>
+          </a:p>
+          <a:p>
+            <a:pPr>
+              <a:lnSpc>
+                <a:spcPct val="90000"/>
+              </a:lnSpc>
+              <a:spcAft>
+                <a:spcPts val="600"/>
+              </a:spcAft>
+            </a:pPr>
+            <a:endParaRPr lang="en-US" sz="2400" dirty="0">
+              <a:latin typeface="+mj-lt"/>
+            </a:endParaRPr>
+          </a:p>
+          <a:p>
+            <a:pPr>
+              <a:lnSpc>
+                <a:spcPct val="90000"/>
+              </a:lnSpc>
+              <a:spcAft>
+                <a:spcPts val="600"/>
+              </a:spcAft>
+            </a:pPr>
+            <a:r>
+              <a:rPr lang="en-US" sz="3600" dirty="0">
+                <a:latin typeface="+mj-lt"/>
+              </a:rPr>
+              <a:t>Timeframe</a:t>
+            </a:r>
+          </a:p>
+          <a:p>
+            <a:pPr>
+              <a:lnSpc>
+                <a:spcPct val="90000"/>
+              </a:lnSpc>
+              <a:spcAft>
+                <a:spcPts val="600"/>
+              </a:spcAft>
+            </a:pPr>
+            <a:r>
+              <a:rPr lang="en-US" sz="2400" dirty="0">
+                <a:latin typeface="Segoe UI Semilight" panose="020B0402040204020203" pitchFamily="34" charset="0"/>
+                <a:cs typeface="Segoe UI Semilight" panose="020B0402040204020203" pitchFamily="34" charset="0"/>
+              </a:rPr>
+              <a:t>30 minutes (15 minutes for each team to present and receive feedback) </a:t>
+            </a:r>
+          </a:p>
+          <a:p>
+            <a:pPr>
+              <a:lnSpc>
+                <a:spcPct val="90000"/>
+              </a:lnSpc>
+              <a:spcAft>
+                <a:spcPts val="600"/>
+              </a:spcAft>
+            </a:pPr>
+            <a:endParaRPr lang="en-US" sz="2400" dirty="0">
+              <a:latin typeface="+mj-lt"/>
+            </a:endParaRPr>
+          </a:p>
+          <a:p>
+            <a:pPr>
+              <a:lnSpc>
+                <a:spcPct val="90000"/>
+              </a:lnSpc>
+              <a:spcAft>
+                <a:spcPts val="600"/>
+              </a:spcAft>
+            </a:pPr>
+            <a:r>
+              <a:rPr lang="en-US" sz="3600" dirty="0">
+                <a:latin typeface="+mj-lt"/>
+              </a:rPr>
+              <a:t>Directions</a:t>
+            </a:r>
+          </a:p>
+          <a:p>
+            <a:pPr marL="342900" lvl="0" indent="-342900">
+              <a:buFont typeface="Arial" panose="020B0604020202020204" pitchFamily="34" charset="0"/>
+              <a:buChar char="•"/>
+            </a:pPr>
+            <a:r>
+              <a:rPr lang="en-US" sz="2000" dirty="0">
+                <a:latin typeface="Segoe UI Semilight" panose="020B0402040204020203" pitchFamily="34" charset="0"/>
+                <a:cs typeface="Segoe UI Semilight" panose="020B0402040204020203" pitchFamily="34" charset="0"/>
+              </a:rPr>
+              <a:t>Pair with another table.</a:t>
+            </a:r>
+          </a:p>
+          <a:p>
+            <a:pPr marL="342900" lvl="0" indent="-342900">
+              <a:buFont typeface="Arial" panose="020B0604020202020204" pitchFamily="34" charset="0"/>
+              <a:buChar char="•"/>
+            </a:pPr>
+            <a:r>
+              <a:rPr lang="en-US" sz="2000" dirty="0">
+                <a:latin typeface="Segoe UI Semilight" panose="020B0402040204020203" pitchFamily="34" charset="0"/>
+                <a:cs typeface="Segoe UI Semilight" panose="020B0402040204020203" pitchFamily="34" charset="0"/>
+              </a:rPr>
+              <a:t>One table is the Microsoft team and the other table is the customer.</a:t>
+            </a:r>
+          </a:p>
+          <a:p>
+            <a:pPr marL="342900" lvl="0" indent="-342900">
+              <a:buFont typeface="Arial" panose="020B0604020202020204" pitchFamily="34" charset="0"/>
+              <a:buChar char="•"/>
+            </a:pPr>
+            <a:r>
+              <a:rPr lang="en-US" sz="2000" dirty="0">
+                <a:latin typeface="Segoe UI Semilight" panose="020B0402040204020203" pitchFamily="34" charset="0"/>
+                <a:cs typeface="Segoe UI Semilight" panose="020B0402040204020203" pitchFamily="34" charset="0"/>
+              </a:rPr>
+              <a:t>The Microsoft team presents their proposed solution to the customer.</a:t>
+            </a:r>
+          </a:p>
+          <a:p>
+            <a:pPr marL="342900" lvl="0" indent="-342900">
+              <a:buFont typeface="Arial" panose="020B0604020202020204" pitchFamily="34" charset="0"/>
+              <a:buChar char="•"/>
+            </a:pPr>
+            <a:r>
+              <a:rPr lang="en-US" sz="2000" dirty="0">
+                <a:latin typeface="Segoe UI Semilight" panose="020B0402040204020203" pitchFamily="34" charset="0"/>
+                <a:cs typeface="Segoe UI Semilight" panose="020B0402040204020203" pitchFamily="34" charset="0"/>
+              </a:rPr>
+              <a:t>The customer asks one of the objections from the list of objections in the case study.</a:t>
+            </a:r>
+          </a:p>
+          <a:p>
+            <a:pPr marL="342900" lvl="0" indent="-342900">
+              <a:buFont typeface="Arial" panose="020B0604020202020204" pitchFamily="34" charset="0"/>
+              <a:buChar char="•"/>
+            </a:pPr>
+            <a:r>
+              <a:rPr lang="en-US" sz="2000" dirty="0">
+                <a:latin typeface="Segoe UI Semilight" panose="020B0402040204020203" pitchFamily="34" charset="0"/>
+                <a:cs typeface="Segoe UI Semilight" panose="020B0402040204020203" pitchFamily="34" charset="0"/>
+              </a:rPr>
+              <a:t>The Microsoft team responds to the objection.</a:t>
+            </a:r>
+          </a:p>
+          <a:p>
+            <a:pPr marL="342900" lvl="0" indent="-342900">
+              <a:buFont typeface="Arial" panose="020B0604020202020204" pitchFamily="34" charset="0"/>
+              <a:buChar char="•"/>
+            </a:pPr>
+            <a:r>
+              <a:rPr lang="en-US" sz="2000" dirty="0">
+                <a:latin typeface="Segoe UI Semilight" panose="020B0402040204020203" pitchFamily="34" charset="0"/>
+                <a:cs typeface="Segoe UI Semilight" panose="020B0402040204020203" pitchFamily="34" charset="0"/>
+              </a:rPr>
+              <a:t>The customer team gives feedback to the Microsoft team.</a:t>
+            </a:r>
+            <a:endParaRPr lang="en-US" sz="2000" strike="sngStrike" dirty="0">
+              <a:latin typeface="Segoe UI Semilight" panose="020B0402040204020203" pitchFamily="34" charset="0"/>
+              <a:cs typeface="Segoe UI Semilight" panose="020B0402040204020203" pitchFamily="34" charset="0"/>
+            </a:endParaRPr>
+          </a:p>
+          <a:p>
+            <a:pPr>
+              <a:lnSpc>
+                <a:spcPct val="90000"/>
+              </a:lnSpc>
+              <a:spcAft>
+                <a:spcPts val="600"/>
+              </a:spcAft>
+            </a:pPr>
+            <a:endParaRPr lang="en-US" sz="2400" dirty="0">
+              <a:latin typeface="Segoe UI Semilight" panose="020B0402040204020203" pitchFamily="34" charset="0"/>
+              <a:cs typeface="Segoe UI Semilight" panose="020B0402040204020203" pitchFamily="34" charset="0"/>
+            </a:endParaRPr>
+          </a:p>
+        </p:txBody>
+      </p:sp>
+    </p:spTree>
+    <p:extLst>
+      <p:ext uri="{BB962C8B-B14F-4D97-AF65-F5344CB8AC3E}">
+        <p14:creationId xmlns:p14="http://schemas.microsoft.com/office/powerpoint/2010/main" val="3717261927"/>
+      </p:ext>
+    </p:extLst>
+  </p:cSld>
+  <p:clrMapOvr>
+    <a:masterClrMapping/>
+  </p:clrMapOvr>
+  <mc:AlternateContent xmlns:mc="http://schemas.openxmlformats.org/markup-compatibility/2006" xmlns:p14="http://schemas.microsoft.com/office/powerpoint/2010/main">
+    <mc:Choice Requires="p14">
+      <p:transition p14:dur="0"/>
+    </mc:Choice>
+    <mc:Fallback xmlns="">
+      <p:transition/>
+    </mc:Fallback>
+  </mc:AlternateContent>
+</p:sld>
+</file>
+
+<file path=ppt/slides/slide17.xml><?xml version="1.0" encoding="utf-8"?>
+<p:sld xmlns:a="http://schemas.openxmlformats.org/drawingml/2006/main" xmlns:r="http://schemas.openxmlformats.org/officeDocument/2006/relationships" xmlns:p="http://schemas.openxmlformats.org/presentationml/2006/main">
+  <p:cSld>
+    <p:spTree>
+      <p:nvGrpSpPr>
+        <p:cNvPr id="1" name=""/>
+        <p:cNvGrpSpPr/>
+        <p:nvPr/>
+      </p:nvGrpSpPr>
+      <p:grpSpPr>
+        <a:xfrm>
+          <a:off x="0" y="0"/>
+          <a:ext cx="0" cy="0"/>
+          <a:chOff x="0" y="0"/>
+          <a:chExt cx="0" cy="0"/>
+        </a:xfrm>
+      </p:grpSpPr>
+      <p:sp>
+        <p:nvSpPr>
+          <p:cNvPr id="2" name="Title 1"/>
+          <p:cNvSpPr>
+            <a:spLocks noGrp="1"/>
+          </p:cNvSpPr>
+          <p:nvPr>
+            <p:ph type="title"/>
+          </p:nvPr>
+        </p:nvSpPr>
+        <p:spPr/>
+        <p:txBody>
+          <a:bodyPr>
+            <a:normAutofit/>
+          </a:bodyPr>
+          <a:lstStyle/>
+          <a:p>
+            <a:r>
+              <a:rPr lang="en-US" sz="4400" dirty="0">
+                <a:solidFill>
+                  <a:schemeClr val="tx1"/>
+                </a:solidFill>
+                <a:latin typeface="Segoe UI Light" panose="020B0502040204020203" pitchFamily="34" charset="0"/>
+                <a:cs typeface="Segoe UI Light" panose="020B0502040204020203" pitchFamily="34" charset="0"/>
+              </a:rPr>
               <a:t>Wrap-up</a:t>
             </a:r>
           </a:p>
@@ -19693,7 +20494,7 @@
 </p:sld>
 </file>
 
-<file path=ppt/slides/slide17.xml><?xml version="1.0" encoding="utf-8"?>
+<file path=ppt/slides/slide18.xml><?xml version="1.0" encoding="utf-8"?>
 <p:sld xmlns:a="http://schemas.openxmlformats.org/drawingml/2006/main" xmlns:r="http://schemas.openxmlformats.org/officeDocument/2006/relationships" xmlns:p="http://schemas.openxmlformats.org/presentationml/2006/main">
   <p:cSld>
     <p:bg>
@@ -19834,7 +20635,7 @@
 </p:sld>
 </file>
 
-<file path=ppt/slides/slide18.xml><?xml version="1.0" encoding="utf-8"?>
+<file path=ppt/slides/slide19.xml><?xml version="1.0" encoding="utf-8"?>
 <p:sld xmlns:a="http://schemas.openxmlformats.org/drawingml/2006/main" xmlns:r="http://schemas.openxmlformats.org/officeDocument/2006/relationships" xmlns:p="http://schemas.openxmlformats.org/presentationml/2006/main">
   <p:cSld>
     <p:spTree>
@@ -20026,7 +20827,158 @@
 </p:sld>
 </file>
 
-<file path=ppt/slides/slide19.xml><?xml version="1.0" encoding="utf-8"?>
+<file path=ppt/slides/slide2.xml><?xml version="1.0" encoding="utf-8"?>
+<p:sld xmlns:a="http://schemas.openxmlformats.org/drawingml/2006/main" xmlns:r="http://schemas.openxmlformats.org/officeDocument/2006/relationships" xmlns:p="http://schemas.openxmlformats.org/presentationml/2006/main">
+  <p:cSld>
+    <p:bg>
+      <p:bgPr>
+        <a:solidFill>
+          <a:schemeClr val="bg2"/>
+        </a:solidFill>
+        <a:effectLst/>
+      </p:bgPr>
+    </p:bg>
+    <p:spTree>
+      <p:nvGrpSpPr>
+        <p:cNvPr id="1" name=""/>
+        <p:cNvGrpSpPr/>
+        <p:nvPr/>
+      </p:nvGrpSpPr>
+      <p:grpSpPr>
+        <a:xfrm>
+          <a:off x="0" y="0"/>
+          <a:ext cx="0" cy="0"/>
+          <a:chOff x="0" y="0"/>
+          <a:chExt cx="0" cy="0"/>
+        </a:xfrm>
+      </p:grpSpPr>
+      <p:sp>
+        <p:nvSpPr>
+          <p:cNvPr id="2" name="Title 1"/>
+          <p:cNvSpPr>
+            <a:spLocks noGrp="1"/>
+          </p:cNvSpPr>
+          <p:nvPr>
+            <p:ph type="title"/>
+          </p:nvPr>
+        </p:nvSpPr>
+        <p:spPr/>
+        <p:txBody>
+          <a:bodyPr>
+            <a:normAutofit/>
+          </a:bodyPr>
+          <a:lstStyle/>
+          <a:p>
+            <a:r>
+              <a:rPr lang="en-US" sz="4400" dirty="0">
+                <a:solidFill>
+                  <a:schemeClr val="tx1"/>
+                </a:solidFill>
+                <a:latin typeface="Segoe UI Light" panose="020B0502040204020203" pitchFamily="34" charset="0"/>
+                <a:cs typeface="Segoe UI Light" panose="020B0502040204020203" pitchFamily="34" charset="0"/>
+              </a:rPr>
+              <a:t>Abstract and learning objectives</a:t>
+            </a:r>
+          </a:p>
+        </p:txBody>
+      </p:sp>
+      <p:sp>
+        <p:nvSpPr>
+          <p:cNvPr id="9" name="TextBox 8">
+            <a:extLst>
+              <a:ext uri="{FF2B5EF4-FFF2-40B4-BE49-F238E27FC236}">
+                <a16:creationId xmlns:a16="http://schemas.microsoft.com/office/drawing/2014/main" id="{0F86F9F9-39B5-4CE6-AF48-9ADAE40EA728}"/>
+              </a:ext>
+            </a:extLst>
+          </p:cNvPr>
+          <p:cNvSpPr txBox="1"/>
+          <p:nvPr/>
+        </p:nvSpPr>
+        <p:spPr>
+          <a:xfrm>
+            <a:off x="340284" y="1284049"/>
+            <a:ext cx="10738023" cy="5102935"/>
+          </a:xfrm>
+          <a:prstGeom prst="rect">
+            <a:avLst/>
+          </a:prstGeom>
+          <a:noFill/>
+        </p:spPr>
+        <p:txBody>
+          <a:bodyPr wrap="square" lIns="182880" tIns="146304" rIns="182880" bIns="146304" rtlCol="0">
+            <a:spAutoFit/>
+          </a:bodyPr>
+          <a:lstStyle/>
+          <a:p>
+            <a:pPr>
+              <a:lnSpc>
+                <a:spcPct val="90000"/>
+              </a:lnSpc>
+              <a:spcAft>
+                <a:spcPts val="600"/>
+              </a:spcAft>
+            </a:pPr>
+            <a:r>
+              <a:rPr lang="en-US" sz="2800" dirty="0">
+                <a:latin typeface="+mj-lt"/>
+              </a:rPr>
+              <a:t>In this whiteboard design session, you will look at how to design an Azure migration for a heterogenous customer environment. The existing infrastructure comprises both Windows and Linux servers running on both VMWare and physical machines and includes some legacy servers. Throughout the whiteboard design session, you will look at the various options and services available to migrate heterogenous environments to Azure.</a:t>
+            </a:r>
+          </a:p>
+          <a:p>
+            <a:pPr>
+              <a:lnSpc>
+                <a:spcPct val="90000"/>
+              </a:lnSpc>
+              <a:spcAft>
+                <a:spcPts val="600"/>
+              </a:spcAft>
+            </a:pPr>
+            <a:endParaRPr lang="en-US" sz="2800" dirty="0">
+              <a:latin typeface="+mj-lt"/>
+            </a:endParaRPr>
+          </a:p>
+          <a:p>
+            <a:pPr>
+              <a:lnSpc>
+                <a:spcPct val="90000"/>
+              </a:lnSpc>
+              <a:spcAft>
+                <a:spcPts val="600"/>
+              </a:spcAft>
+            </a:pPr>
+            <a:r>
+              <a:rPr lang="en-US" sz="2800" dirty="0">
+                <a:latin typeface="+mj-lt"/>
+              </a:rPr>
+              <a:t>At the end of this workshop, you will be better able to design and implement the discovery and assessment of environments to evaluate their readiness for migrating to Azure using services including Azure Migrate and Azure Database Migration Service.</a:t>
+            </a:r>
+            <a:endParaRPr lang="en-US" dirty="0"/>
+          </a:p>
+        </p:txBody>
+      </p:sp>
+    </p:spTree>
+    <p:extLst>
+      <p:ext uri="{BB962C8B-B14F-4D97-AF65-F5344CB8AC3E}">
+        <p14:creationId xmlns:p14="http://schemas.microsoft.com/office/powerpoint/2010/main" val="772880493"/>
+      </p:ext>
+    </p:extLst>
+  </p:cSld>
+  <p:clrMapOvr>
+    <a:masterClrMapping/>
+  </p:clrMapOvr>
+  <mc:AlternateContent xmlns:mc="http://schemas.openxmlformats.org/markup-compatibility/2006" xmlns:p14="http://schemas.microsoft.com/office/powerpoint/2010/main">
+    <mc:Choice Requires="p14">
+      <p:transition p14:dur="0"/>
+    </mc:Choice>
+    <mc:Fallback xmlns="">
+      <p:transition/>
+    </mc:Fallback>
+  </mc:AlternateContent>
+</p:sld>
+</file>
+
+<file path=ppt/slides/slide20.xml><?xml version="1.0" encoding="utf-8"?>
 <p:sld xmlns:a="http://schemas.openxmlformats.org/drawingml/2006/main" xmlns:r="http://schemas.openxmlformats.org/officeDocument/2006/relationships" xmlns:p="http://schemas.openxmlformats.org/presentationml/2006/main">
   <p:cSld>
     <p:spTree>
@@ -20169,158 +21121,7 @@
 </p:sld>
 </file>
 
-<file path=ppt/slides/slide2.xml><?xml version="1.0" encoding="utf-8"?>
-<p:sld xmlns:a="http://schemas.openxmlformats.org/drawingml/2006/main" xmlns:r="http://schemas.openxmlformats.org/officeDocument/2006/relationships" xmlns:p="http://schemas.openxmlformats.org/presentationml/2006/main">
-  <p:cSld>
-    <p:bg>
-      <p:bgPr>
-        <a:solidFill>
-          <a:schemeClr val="bg2"/>
-        </a:solidFill>
-        <a:effectLst/>
-      </p:bgPr>
-    </p:bg>
-    <p:spTree>
-      <p:nvGrpSpPr>
-        <p:cNvPr id="1" name=""/>
-        <p:cNvGrpSpPr/>
-        <p:nvPr/>
-      </p:nvGrpSpPr>
-      <p:grpSpPr>
-        <a:xfrm>
-          <a:off x="0" y="0"/>
-          <a:ext cx="0" cy="0"/>
-          <a:chOff x="0" y="0"/>
-          <a:chExt cx="0" cy="0"/>
-        </a:xfrm>
-      </p:grpSpPr>
-      <p:sp>
-        <p:nvSpPr>
-          <p:cNvPr id="2" name="Title 1"/>
-          <p:cNvSpPr>
-            <a:spLocks noGrp="1"/>
-          </p:cNvSpPr>
-          <p:nvPr>
-            <p:ph type="title"/>
-          </p:nvPr>
-        </p:nvSpPr>
-        <p:spPr/>
-        <p:txBody>
-          <a:bodyPr>
-            <a:normAutofit/>
-          </a:bodyPr>
-          <a:lstStyle/>
-          <a:p>
-            <a:r>
-              <a:rPr lang="en-US" sz="4400" dirty="0">
-                <a:solidFill>
-                  <a:schemeClr val="tx1"/>
-                </a:solidFill>
-                <a:latin typeface="Segoe UI Light" panose="020B0502040204020203" pitchFamily="34" charset="0"/>
-                <a:cs typeface="Segoe UI Light" panose="020B0502040204020203" pitchFamily="34" charset="0"/>
-              </a:rPr>
-              <a:t>Abstract and learning objectives</a:t>
-            </a:r>
-          </a:p>
-        </p:txBody>
-      </p:sp>
-      <p:sp>
-        <p:nvSpPr>
-          <p:cNvPr id="9" name="TextBox 8">
-            <a:extLst>
-              <a:ext uri="{FF2B5EF4-FFF2-40B4-BE49-F238E27FC236}">
-                <a16:creationId xmlns:a16="http://schemas.microsoft.com/office/drawing/2014/main" id="{0F86F9F9-39B5-4CE6-AF48-9ADAE40EA728}"/>
-              </a:ext>
-            </a:extLst>
-          </p:cNvPr>
-          <p:cNvSpPr txBox="1"/>
-          <p:nvPr/>
-        </p:nvSpPr>
-        <p:spPr>
-          <a:xfrm>
-            <a:off x="340284" y="1284049"/>
-            <a:ext cx="10738023" cy="5102935"/>
-          </a:xfrm>
-          <a:prstGeom prst="rect">
-            <a:avLst/>
-          </a:prstGeom>
-          <a:noFill/>
-        </p:spPr>
-        <p:txBody>
-          <a:bodyPr wrap="square" lIns="182880" tIns="146304" rIns="182880" bIns="146304" rtlCol="0">
-            <a:spAutoFit/>
-          </a:bodyPr>
-          <a:lstStyle/>
-          <a:p>
-            <a:pPr>
-              <a:lnSpc>
-                <a:spcPct val="90000"/>
-              </a:lnSpc>
-              <a:spcAft>
-                <a:spcPts val="600"/>
-              </a:spcAft>
-            </a:pPr>
-            <a:r>
-              <a:rPr lang="en-US" sz="2800" dirty="0">
-                <a:latin typeface="+mj-lt"/>
-              </a:rPr>
-              <a:t>In this whiteboard design session, you will look at how to design an Azure migration for a heterogenous customer environment. The existing infrastructure comprises both Windows and Linux servers running on both VMWare and physical machines and includes some legacy servers. Throughout the whiteboard design session, you will look at the various options and services available to migrate heterogenous environments to Azure.</a:t>
-            </a:r>
-          </a:p>
-          <a:p>
-            <a:pPr>
-              <a:lnSpc>
-                <a:spcPct val="90000"/>
-              </a:lnSpc>
-              <a:spcAft>
-                <a:spcPts val="600"/>
-              </a:spcAft>
-            </a:pPr>
-            <a:endParaRPr lang="en-US" sz="2800" dirty="0">
-              <a:latin typeface="+mj-lt"/>
-            </a:endParaRPr>
-          </a:p>
-          <a:p>
-            <a:pPr>
-              <a:lnSpc>
-                <a:spcPct val="90000"/>
-              </a:lnSpc>
-              <a:spcAft>
-                <a:spcPts val="600"/>
-              </a:spcAft>
-            </a:pPr>
-            <a:r>
-              <a:rPr lang="en-US" sz="2800" dirty="0">
-                <a:latin typeface="+mj-lt"/>
-              </a:rPr>
-              <a:t>At the end of this workshop, you will be better able to design and implement the discovery and assessment of environments to evaluate their readiness for migrating to Azure using services including Azure Migrate and Azure Database Migration Service.</a:t>
-            </a:r>
-            <a:endParaRPr lang="en-US" dirty="0"/>
-          </a:p>
-        </p:txBody>
-      </p:sp>
-    </p:spTree>
-    <p:extLst>
-      <p:ext uri="{BB962C8B-B14F-4D97-AF65-F5344CB8AC3E}">
-        <p14:creationId xmlns:p14="http://schemas.microsoft.com/office/powerpoint/2010/main" val="772880493"/>
-      </p:ext>
-    </p:extLst>
-  </p:cSld>
-  <p:clrMapOvr>
-    <a:masterClrMapping/>
-  </p:clrMapOvr>
-  <mc:AlternateContent xmlns:mc="http://schemas.openxmlformats.org/markup-compatibility/2006" xmlns:p14="http://schemas.microsoft.com/office/powerpoint/2010/main">
-    <mc:Choice Requires="p14">
-      <p:transition p14:dur="0"/>
-    </mc:Choice>
-    <mc:Fallback xmlns="">
-      <p:transition/>
-    </mc:Fallback>
-  </mc:AlternateContent>
-</p:sld>
-</file>
-
-<file path=ppt/slides/slide20.xml><?xml version="1.0" encoding="utf-8"?>
+<file path=ppt/slides/slide21.xml><?xml version="1.0" encoding="utf-8"?>
 <p:sld xmlns:a="http://schemas.openxmlformats.org/drawingml/2006/main" xmlns:r="http://schemas.openxmlformats.org/officeDocument/2006/relationships" xmlns:p="http://schemas.openxmlformats.org/presentationml/2006/main">
   <p:cSld>
     <p:spTree>
@@ -20540,7 +21341,7 @@
 </p:sld>
 </file>
 
-<file path=ppt/slides/slide21.xml><?xml version="1.0" encoding="utf-8"?>
+<file path=ppt/slides/slide22.xml><?xml version="1.0" encoding="utf-8"?>
 <p:sld xmlns:a="http://schemas.openxmlformats.org/drawingml/2006/main" xmlns:r="http://schemas.openxmlformats.org/officeDocument/2006/relationships" xmlns:p="http://schemas.openxmlformats.org/presentationml/2006/main">
   <p:cSld>
     <p:spTree>
@@ -20692,7 +21493,7 @@
 </p:sld>
 </file>
 
-<file path=ppt/slides/slide22.xml><?xml version="1.0" encoding="utf-8"?>
+<file path=ppt/slides/slide23.xml><?xml version="1.0" encoding="utf-8"?>
 <p:sld xmlns:a="http://schemas.openxmlformats.org/drawingml/2006/main" xmlns:r="http://schemas.openxmlformats.org/officeDocument/2006/relationships" xmlns:p="http://schemas.openxmlformats.org/presentationml/2006/main">
   <p:cSld>
     <p:spTree>
@@ -20827,7 +21628,7 @@
 </p:sld>
 </file>
 
-<file path=ppt/slides/slide23.xml><?xml version="1.0" encoding="utf-8"?>
+<file path=ppt/slides/slide24.xml><?xml version="1.0" encoding="utf-8"?>
 <p:sld xmlns:a="http://schemas.openxmlformats.org/drawingml/2006/main" xmlns:r="http://schemas.openxmlformats.org/officeDocument/2006/relationships" xmlns:p="http://schemas.openxmlformats.org/presentationml/2006/main">
   <p:cSld>
     <p:spTree>
@@ -21016,7 +21817,7 @@
 </p:sld>
 </file>
 
-<file path=ppt/slides/slide24.xml><?xml version="1.0" encoding="utf-8"?>
+<file path=ppt/slides/slide25.xml><?xml version="1.0" encoding="utf-8"?>
 <p:sld xmlns:a="http://schemas.openxmlformats.org/drawingml/2006/main" xmlns:r="http://schemas.openxmlformats.org/officeDocument/2006/relationships" xmlns:p="http://schemas.openxmlformats.org/presentationml/2006/main">
   <p:cSld>
     <p:spTree>
@@ -21152,149 +21953,6 @@
 </p:sld>
 </file>
 
-<file path=ppt/slides/slide25.xml><?xml version="1.0" encoding="utf-8"?>
-<p:sld xmlns:a="http://schemas.openxmlformats.org/drawingml/2006/main" xmlns:r="http://schemas.openxmlformats.org/officeDocument/2006/relationships" xmlns:p="http://schemas.openxmlformats.org/presentationml/2006/main">
-  <p:cSld>
-    <p:spTree>
-      <p:nvGrpSpPr>
-        <p:cNvPr id="1" name=""/>
-        <p:cNvGrpSpPr/>
-        <p:nvPr/>
-      </p:nvGrpSpPr>
-      <p:grpSpPr>
-        <a:xfrm>
-          <a:off x="0" y="0"/>
-          <a:ext cx="0" cy="0"/>
-          <a:chOff x="0" y="0"/>
-          <a:chExt cx="0" cy="0"/>
-        </a:xfrm>
-      </p:grpSpPr>
-      <p:sp>
-        <p:nvSpPr>
-          <p:cNvPr id="2" name="Title 1">
-            <a:extLst>
-              <a:ext uri="{FF2B5EF4-FFF2-40B4-BE49-F238E27FC236}">
-                <a16:creationId xmlns:a16="http://schemas.microsoft.com/office/drawing/2014/main" id="{59C1FCCA-E72A-4D22-BB7E-034E6745E6AE}"/>
-              </a:ext>
-            </a:extLst>
-          </p:cNvPr>
-          <p:cNvSpPr>
-            <a:spLocks noGrp="1"/>
-          </p:cNvSpPr>
-          <p:nvPr>
-            <p:ph type="title"/>
-          </p:nvPr>
-        </p:nvSpPr>
-        <p:spPr/>
-        <p:txBody>
-          <a:bodyPr/>
-          <a:lstStyle/>
-          <a:p>
-            <a:r>
-              <a:rPr lang="en-IE" dirty="0"/>
-              <a:t>Solution Details: Migration</a:t>
-            </a:r>
-          </a:p>
-        </p:txBody>
-      </p:sp>
-      <p:sp>
-        <p:nvSpPr>
-          <p:cNvPr id="3" name="Text Placeholder 2">
-            <a:extLst>
-              <a:ext uri="{FF2B5EF4-FFF2-40B4-BE49-F238E27FC236}">
-                <a16:creationId xmlns:a16="http://schemas.microsoft.com/office/drawing/2014/main" id="{E62D2B87-13E1-4D84-A606-CB293B6C82B6}"/>
-              </a:ext>
-            </a:extLst>
-          </p:cNvPr>
-          <p:cNvSpPr>
-            <a:spLocks noGrp="1"/>
-          </p:cNvSpPr>
-          <p:nvPr>
-            <p:ph type="body" sz="quarter" idx="10"/>
-          </p:nvPr>
-        </p:nvSpPr>
-        <p:spPr>
-          <a:xfrm>
-            <a:off x="269239" y="1189177"/>
-            <a:ext cx="11653523" cy="5301388"/>
-          </a:xfrm>
-        </p:spPr>
-        <p:txBody>
-          <a:bodyPr/>
-          <a:lstStyle/>
-          <a:p>
-            <a:r>
-              <a:rPr lang="en-IE" dirty="0"/>
-              <a:t>Prepare Azure environment</a:t>
-            </a:r>
-          </a:p>
-          <a:p>
-            <a:pPr lvl="1"/>
-            <a:r>
-              <a:rPr lang="en-IE" dirty="0"/>
-              <a:t>Accounts, permissions, storage, network…everything except the VMs and their disks</a:t>
-            </a:r>
-          </a:p>
-          <a:p>
-            <a:pPr lvl="1"/>
-            <a:r>
-              <a:rPr lang="en-IE" dirty="0"/>
-              <a:t>Use Azure Landing Zones for best practices and reusable deployment artifacts</a:t>
-            </a:r>
-          </a:p>
-          <a:p>
-            <a:r>
-              <a:rPr lang="en-IE" dirty="0"/>
-              <a:t>Deploy on-premises components</a:t>
-            </a:r>
-          </a:p>
-          <a:p>
-            <a:pPr lvl="1"/>
-            <a:r>
-              <a:rPr lang="en-IE" dirty="0"/>
-              <a:t>VMware (agent-less): Azure migrate appliance VM; nothing to install on each VM</a:t>
-            </a:r>
-          </a:p>
-          <a:p>
-            <a:pPr lvl="1"/>
-            <a:r>
-              <a:rPr lang="en-IE" dirty="0"/>
-              <a:t>VMware (agent-based) or physical servers: Replication appliance VM or server; plus Mobility Service agent on each VM or machine to be migrated</a:t>
-            </a:r>
-          </a:p>
-          <a:p>
-            <a:r>
-              <a:rPr lang="en-IE" dirty="0"/>
-              <a:t>Configure replication policy and enable replication</a:t>
-            </a:r>
-          </a:p>
-          <a:p>
-            <a:r>
-              <a:rPr lang="en-IE" dirty="0"/>
-              <a:t>Perform test failover and verify</a:t>
-            </a:r>
-          </a:p>
-          <a:p>
-            <a:endParaRPr lang="en-IE" dirty="0"/>
-          </a:p>
-        </p:txBody>
-      </p:sp>
-    </p:spTree>
-    <p:extLst>
-      <p:ext uri="{BB962C8B-B14F-4D97-AF65-F5344CB8AC3E}">
-        <p14:creationId xmlns:p14="http://schemas.microsoft.com/office/powerpoint/2010/main" val="3410966198"/>
-      </p:ext>
-    </p:extLst>
-  </p:cSld>
-  <p:clrMapOvr>
-    <a:masterClrMapping/>
-  </p:clrMapOvr>
-  <p:transition>
-    <p:fade/>
-  </p:transition>
-</p:sld>
-</file>
-
 <file path=ppt/slides/slide26.xml><?xml version="1.0" encoding="utf-8"?>
 <p:sld xmlns:a="http://schemas.openxmlformats.org/drawingml/2006/main" xmlns:r="http://schemas.openxmlformats.org/officeDocument/2006/relationships" xmlns:p="http://schemas.openxmlformats.org/presentationml/2006/main">
   <p:cSld>
@@ -21359,7 +22017,7 @@
         <p:spPr>
           <a:xfrm>
             <a:off x="269239" y="1189177"/>
-            <a:ext cx="11653523" cy="6192208"/>
+            <a:ext cx="11653523" cy="5301388"/>
           </a:xfrm>
         </p:spPr>
         <p:txBody>
@@ -21368,98 +22026,53 @@
           <a:p>
             <a:r>
               <a:rPr lang="en-IE" dirty="0"/>
-              <a:t>Cut over</a:t>
+              <a:t>Prepare Azure environment</a:t>
             </a:r>
           </a:p>
           <a:p>
             <a:pPr lvl="1"/>
             <a:r>
-              <a:rPr lang="en-IE" sz="2400" dirty="0"/>
-              <a:t>Update application settings (connection strings, configurations, etc)</a:t>
+              <a:rPr lang="en-IE" dirty="0"/>
+              <a:t>Accounts, permissions, storage, network…everything except the VMs and their disks</a:t>
             </a:r>
           </a:p>
           <a:p>
             <a:pPr lvl="1"/>
             <a:r>
-              <a:rPr lang="en-IE" sz="2400" dirty="0"/>
-              <a:t>Acceptance testing</a:t>
+              <a:rPr lang="en-IE" dirty="0"/>
+              <a:t>Use Azure Landing Zones for best practices and reusable deployment artifacts</a:t>
+            </a:r>
+          </a:p>
+          <a:p>
+            <a:r>
+              <a:rPr lang="en-IE" dirty="0"/>
+              <a:t>Deploy on-premises components</a:t>
             </a:r>
           </a:p>
           <a:p>
             <a:pPr lvl="1"/>
             <a:r>
-              <a:rPr lang="en-IE" sz="2400" dirty="0"/>
-              <a:t>Endpoint update (typically DNS change)</a:t>
-            </a:r>
-          </a:p>
-          <a:p>
-            <a:r>
               <a:rPr lang="en-IE" dirty="0"/>
-              <a:t>Post-migration</a:t>
+              <a:t>VMware (agent-less): Azure migrate appliance VM; nothing to install on each VM</a:t>
             </a:r>
           </a:p>
           <a:p>
             <a:pPr lvl="1"/>
             <a:r>
-              <a:rPr lang="en-IE" sz="2400" dirty="0"/>
-              <a:t>Install VM agent / uninstall Mobility Service agent</a:t>
-            </a:r>
-          </a:p>
-          <a:p>
-            <a:pPr lvl="1"/>
-            <a:r>
-              <a:rPr lang="en-IE" sz="2400" dirty="0"/>
-              <a:t>Review Azure Advisor / Security </a:t>
-            </a:r>
-            <a:r>
-              <a:rPr lang="en-IE" sz="2400" dirty="0" err="1"/>
-              <a:t>Center</a:t>
-            </a:r>
-            <a:r>
-              <a:rPr lang="en-IE" sz="2400" dirty="0"/>
-              <a:t> recommendations</a:t>
-            </a:r>
-          </a:p>
-          <a:p>
-            <a:pPr lvl="1"/>
-            <a:r>
-              <a:rPr lang="en-IE" sz="2400" dirty="0"/>
-              <a:t>Apply principles from the Azure Well-Architected Framework</a:t>
-            </a:r>
-          </a:p>
-          <a:p>
-            <a:pPr lvl="2"/>
-            <a:r>
-              <a:rPr lang="en-IE" sz="2008" dirty="0"/>
-              <a:t>Cost optimization (e.g. right-sizing, apply discounts, shut down in off hours)</a:t>
-            </a:r>
-          </a:p>
-          <a:p>
-            <a:pPr lvl="2"/>
-            <a:r>
-              <a:rPr lang="en-IE" sz="2008" dirty="0"/>
-              <a:t>Operational excellence (e.g. monitoring)</a:t>
-            </a:r>
-          </a:p>
-          <a:p>
-            <a:pPr lvl="2"/>
-            <a:r>
-              <a:rPr lang="en-IE" sz="2008" dirty="0"/>
-              <a:t>Performance efficiency (e.g. auto-scale)</a:t>
-            </a:r>
-          </a:p>
-          <a:p>
-            <a:pPr lvl="2"/>
-            <a:r>
-              <a:rPr lang="en-IE" sz="2008" dirty="0"/>
-              <a:t>Reliability (e.g. high availability, backup and DR)</a:t>
-            </a:r>
-          </a:p>
-          <a:p>
-            <a:pPr lvl="2"/>
-            <a:r>
-              <a:rPr lang="en-IE" sz="2008" dirty="0"/>
-              <a:t>Security (e.g. enable disk encryption, network access, Azure RBAC)</a:t>
+              <a:rPr lang="en-IE" dirty="0"/>
+              <a:t>VMware (agent-based) or physical servers: Replication appliance VM or server; plus Mobility Service agent on each VM or machine to be migrated</a:t>
+            </a:r>
+          </a:p>
+          <a:p>
+            <a:r>
+              <a:rPr lang="en-IE" dirty="0"/>
+              <a:t>Configure replication policy and enable replication</a:t>
+            </a:r>
+          </a:p>
+          <a:p>
+            <a:r>
+              <a:rPr lang="en-IE" dirty="0"/>
+              <a:t>Perform test failover and verify</a:t>
             </a:r>
           </a:p>
           <a:p>
@@ -21470,7 +22083,7 @@
     </p:spTree>
     <p:extLst>
       <p:ext uri="{BB962C8B-B14F-4D97-AF65-F5344CB8AC3E}">
-        <p14:creationId xmlns:p14="http://schemas.microsoft.com/office/powerpoint/2010/main" val="1314888463"/>
+        <p14:creationId xmlns:p14="http://schemas.microsoft.com/office/powerpoint/2010/main" val="3410966198"/>
       </p:ext>
     </p:extLst>
   </p:cSld>
@@ -21522,6 +22135,194 @@
           <a:lstStyle/>
           <a:p>
             <a:r>
+              <a:rPr lang="en-IE" dirty="0"/>
+              <a:t>Solution Details: Migration</a:t>
+            </a:r>
+          </a:p>
+        </p:txBody>
+      </p:sp>
+      <p:sp>
+        <p:nvSpPr>
+          <p:cNvPr id="3" name="Text Placeholder 2">
+            <a:extLst>
+              <a:ext uri="{FF2B5EF4-FFF2-40B4-BE49-F238E27FC236}">
+                <a16:creationId xmlns:a16="http://schemas.microsoft.com/office/drawing/2014/main" id="{E62D2B87-13E1-4D84-A606-CB293B6C82B6}"/>
+              </a:ext>
+            </a:extLst>
+          </p:cNvPr>
+          <p:cNvSpPr>
+            <a:spLocks noGrp="1"/>
+          </p:cNvSpPr>
+          <p:nvPr>
+            <p:ph type="body" sz="quarter" idx="10"/>
+          </p:nvPr>
+        </p:nvSpPr>
+        <p:spPr>
+          <a:xfrm>
+            <a:off x="269239" y="1189177"/>
+            <a:ext cx="11653523" cy="6192208"/>
+          </a:xfrm>
+        </p:spPr>
+        <p:txBody>
+          <a:bodyPr/>
+          <a:lstStyle/>
+          <a:p>
+            <a:r>
+              <a:rPr lang="en-IE" dirty="0"/>
+              <a:t>Cut over</a:t>
+            </a:r>
+          </a:p>
+          <a:p>
+            <a:pPr lvl="1"/>
+            <a:r>
+              <a:rPr lang="en-IE" sz="2400" dirty="0"/>
+              <a:t>Update application settings (connection strings, configurations, etc)</a:t>
+            </a:r>
+          </a:p>
+          <a:p>
+            <a:pPr lvl="1"/>
+            <a:r>
+              <a:rPr lang="en-IE" sz="2400" dirty="0"/>
+              <a:t>Acceptance testing</a:t>
+            </a:r>
+          </a:p>
+          <a:p>
+            <a:pPr lvl="1"/>
+            <a:r>
+              <a:rPr lang="en-IE" sz="2400" dirty="0"/>
+              <a:t>Endpoint update (typically DNS change)</a:t>
+            </a:r>
+          </a:p>
+          <a:p>
+            <a:r>
+              <a:rPr lang="en-IE" dirty="0"/>
+              <a:t>Post-migration</a:t>
+            </a:r>
+          </a:p>
+          <a:p>
+            <a:pPr lvl="1"/>
+            <a:r>
+              <a:rPr lang="en-IE" sz="2400" dirty="0"/>
+              <a:t>Install VM agent / uninstall Mobility Service agent</a:t>
+            </a:r>
+          </a:p>
+          <a:p>
+            <a:pPr lvl="1"/>
+            <a:r>
+              <a:rPr lang="en-IE" sz="2400" dirty="0"/>
+              <a:t>Review Azure Advisor / Security </a:t>
+            </a:r>
+            <a:r>
+              <a:rPr lang="en-IE" sz="2400" dirty="0" err="1"/>
+              <a:t>Center</a:t>
+            </a:r>
+            <a:r>
+              <a:rPr lang="en-IE" sz="2400" dirty="0"/>
+              <a:t> recommendations</a:t>
+            </a:r>
+          </a:p>
+          <a:p>
+            <a:pPr lvl="1"/>
+            <a:r>
+              <a:rPr lang="en-IE" sz="2400" dirty="0"/>
+              <a:t>Apply principles from the Azure Well-Architected Framework</a:t>
+            </a:r>
+          </a:p>
+          <a:p>
+            <a:pPr lvl="2"/>
+            <a:r>
+              <a:rPr lang="en-IE" sz="2008" dirty="0"/>
+              <a:t>Cost optimization (e.g. right-sizing, apply discounts, shut down in off hours)</a:t>
+            </a:r>
+          </a:p>
+          <a:p>
+            <a:pPr lvl="2"/>
+            <a:r>
+              <a:rPr lang="en-IE" sz="2008" dirty="0"/>
+              <a:t>Operational excellence (e.g. monitoring)</a:t>
+            </a:r>
+          </a:p>
+          <a:p>
+            <a:pPr lvl="2"/>
+            <a:r>
+              <a:rPr lang="en-IE" sz="2008" dirty="0"/>
+              <a:t>Performance efficiency (e.g. auto-scale)</a:t>
+            </a:r>
+          </a:p>
+          <a:p>
+            <a:pPr lvl="2"/>
+            <a:r>
+              <a:rPr lang="en-IE" sz="2008" dirty="0"/>
+              <a:t>Reliability (e.g. high availability, backup and DR)</a:t>
+            </a:r>
+          </a:p>
+          <a:p>
+            <a:pPr lvl="2"/>
+            <a:r>
+              <a:rPr lang="en-IE" sz="2008" dirty="0"/>
+              <a:t>Security (e.g. enable disk encryption, network access, Azure RBAC)</a:t>
+            </a:r>
+          </a:p>
+          <a:p>
+            <a:endParaRPr lang="en-IE" dirty="0"/>
+          </a:p>
+        </p:txBody>
+      </p:sp>
+    </p:spTree>
+    <p:extLst>
+      <p:ext uri="{BB962C8B-B14F-4D97-AF65-F5344CB8AC3E}">
+        <p14:creationId xmlns:p14="http://schemas.microsoft.com/office/powerpoint/2010/main" val="1314888463"/>
+      </p:ext>
+    </p:extLst>
+  </p:cSld>
+  <p:clrMapOvr>
+    <a:masterClrMapping/>
+  </p:clrMapOvr>
+  <p:transition>
+    <p:fade/>
+  </p:transition>
+</p:sld>
+</file>
+
+<file path=ppt/slides/slide28.xml><?xml version="1.0" encoding="utf-8"?>
+<p:sld xmlns:a="http://schemas.openxmlformats.org/drawingml/2006/main" xmlns:r="http://schemas.openxmlformats.org/officeDocument/2006/relationships" xmlns:p="http://schemas.openxmlformats.org/presentationml/2006/main">
+  <p:cSld>
+    <p:spTree>
+      <p:nvGrpSpPr>
+        <p:cNvPr id="1" name=""/>
+        <p:cNvGrpSpPr/>
+        <p:nvPr/>
+      </p:nvGrpSpPr>
+      <p:grpSpPr>
+        <a:xfrm>
+          <a:off x="0" y="0"/>
+          <a:ext cx="0" cy="0"/>
+          <a:chOff x="0" y="0"/>
+          <a:chExt cx="0" cy="0"/>
+        </a:xfrm>
+      </p:grpSpPr>
+      <p:sp>
+        <p:nvSpPr>
+          <p:cNvPr id="2" name="Title 1">
+            <a:extLst>
+              <a:ext uri="{FF2B5EF4-FFF2-40B4-BE49-F238E27FC236}">
+                <a16:creationId xmlns:a16="http://schemas.microsoft.com/office/drawing/2014/main" id="{59C1FCCA-E72A-4D22-BB7E-034E6745E6AE}"/>
+              </a:ext>
+            </a:extLst>
+          </p:cNvPr>
+          <p:cNvSpPr>
+            <a:spLocks noGrp="1"/>
+          </p:cNvSpPr>
+          <p:nvPr>
+            <p:ph type="title"/>
+          </p:nvPr>
+        </p:nvSpPr>
+        <p:spPr/>
+        <p:txBody>
+          <a:bodyPr/>
+          <a:lstStyle/>
+          <a:p>
+            <a:r>
               <a:rPr lang="en-IE" sz="4400" dirty="0"/>
               <a:t>Solution Details: Database Migration Service (DMS)</a:t>
             </a:r>
@@ -21638,7 +22439,7 @@
 </p:sld>
 </file>
 
-<file path=ppt/slides/slide28.xml><?xml version="1.0" encoding="utf-8"?>
+<file path=ppt/slides/slide29.xml><?xml version="1.0" encoding="utf-8"?>
 <p:sld xmlns:a="http://schemas.openxmlformats.org/drawingml/2006/main" xmlns:r="http://schemas.openxmlformats.org/officeDocument/2006/relationships" xmlns:p="http://schemas.openxmlformats.org/presentationml/2006/main">
   <p:cSld>
     <p:spTree>
@@ -21829,165 +22630,6 @@
 </p:sld>
 </file>
 
-<file path=ppt/slides/slide29.xml><?xml version="1.0" encoding="utf-8"?>
-<p:sld xmlns:a="http://schemas.openxmlformats.org/drawingml/2006/main" xmlns:r="http://schemas.openxmlformats.org/officeDocument/2006/relationships" xmlns:p="http://schemas.openxmlformats.org/presentationml/2006/main">
-  <p:cSld>
-    <p:spTree>
-      <p:nvGrpSpPr>
-        <p:cNvPr id="1" name=""/>
-        <p:cNvGrpSpPr/>
-        <p:nvPr/>
-      </p:nvGrpSpPr>
-      <p:grpSpPr>
-        <a:xfrm>
-          <a:off x="0" y="0"/>
-          <a:ext cx="0" cy="0"/>
-          <a:chOff x="0" y="0"/>
-          <a:chExt cx="0" cy="0"/>
-        </a:xfrm>
-      </p:grpSpPr>
-      <p:sp>
-        <p:nvSpPr>
-          <p:cNvPr id="2" name="Title 1"/>
-          <p:cNvSpPr>
-            <a:spLocks noGrp="1"/>
-          </p:cNvSpPr>
-          <p:nvPr>
-            <p:ph type="title"/>
-          </p:nvPr>
-        </p:nvSpPr>
-        <p:spPr/>
-        <p:txBody>
-          <a:bodyPr/>
-          <a:lstStyle/>
-          <a:p>
-            <a:r>
-              <a:rPr lang="en-US" dirty="0"/>
-              <a:t>Preferred objections handling</a:t>
-            </a:r>
-            <a:br>
-              <a:rPr lang="en-US" dirty="0"/>
-            </a:br>
-            <a:endParaRPr lang="en-US" dirty="0"/>
-          </a:p>
-        </p:txBody>
-      </p:sp>
-      <p:sp>
-        <p:nvSpPr>
-          <p:cNvPr id="3" name="Content Placeholder 2"/>
-          <p:cNvSpPr>
-            <a:spLocks noGrp="1"/>
-          </p:cNvSpPr>
-          <p:nvPr>
-            <p:ph type="body" sz="quarter" idx="10"/>
-          </p:nvPr>
-        </p:nvSpPr>
-        <p:spPr>
-          <a:xfrm>
-            <a:off x="269239" y="1189177"/>
-            <a:ext cx="11653523" cy="5946243"/>
-          </a:xfrm>
-        </p:spPr>
-        <p:txBody>
-          <a:bodyPr/>
-          <a:lstStyle/>
-          <a:p>
-            <a:r>
-              <a:rPr lang="en-US" sz="2400" dirty="0">
-                <a:latin typeface="Segoe UI Semibold" panose="020B0702040204020203" pitchFamily="34" charset="0"/>
-                <a:cs typeface="Segoe UI Semibold" panose="020B0702040204020203" pitchFamily="34" charset="0"/>
-              </a:rPr>
-              <a:t>Objection: </a:t>
-            </a:r>
-            <a:r>
-              <a:rPr lang="en-US" sz="2400" dirty="0">
-                <a:solidFill>
-                  <a:schemeClr val="tx1"/>
-                </a:solidFill>
-              </a:rPr>
-              <a:t>Owners of each business application need to approve any substantial application change, including migration. Business owners have indicated that they will require evidence that migration will be successful before granting approval.</a:t>
-            </a:r>
-          </a:p>
-          <a:p>
-            <a:endParaRPr lang="en-US" sz="2400" dirty="0"/>
-          </a:p>
-          <a:p>
-            <a:r>
-              <a:rPr lang="en-US" sz="2400" dirty="0">
-                <a:latin typeface="Segoe UI Semibold" panose="020B0702040204020203" pitchFamily="34" charset="0"/>
-                <a:cs typeface="Segoe UI Semibold" panose="020B0702040204020203" pitchFamily="34" charset="0"/>
-              </a:rPr>
-              <a:t>Answer: </a:t>
-            </a:r>
-            <a:r>
-              <a:rPr lang="en-US" sz="2400" dirty="0">
-                <a:solidFill>
-                  <a:schemeClr val="tx1"/>
-                </a:solidFill>
-              </a:rPr>
-              <a:t>Create of a proof of concept deployment, to validate the overall architecture and any assumptions, for example regarding the impact of changes to network latency between application components.</a:t>
-            </a:r>
-          </a:p>
-          <a:p>
-            <a:br>
-              <a:rPr lang="en-US" sz="2400" dirty="0">
-                <a:solidFill>
-                  <a:schemeClr val="tx1"/>
-                </a:solidFill>
-              </a:rPr>
-            </a:br>
-            <a:r>
-              <a:rPr lang="en-US" sz="2400" dirty="0">
-                <a:solidFill>
-                  <a:schemeClr val="tx1"/>
-                </a:solidFill>
-              </a:rPr>
-              <a:t>For the migration process itself, Azure Migrate supports a 'test failover'. This creates the Azure deployment in parallel with the existing deployment, allowing the migration process to be verified without risk of production impact. Likewise, database migration using DMS does not impact the existing production database.</a:t>
-            </a:r>
-          </a:p>
-          <a:p>
-            <a:endParaRPr lang="en-US" sz="2400" dirty="0">
-              <a:solidFill>
-                <a:schemeClr val="tx1"/>
-              </a:solidFill>
-            </a:endParaRPr>
-          </a:p>
-          <a:p>
-            <a:r>
-              <a:rPr lang="en-US" sz="2400" dirty="0">
-                <a:solidFill>
-                  <a:schemeClr val="tx1"/>
-                </a:solidFill>
-              </a:rPr>
-              <a:t>Third-party migration tools used for migration of physical servers similarly support a validation step prior to committing the migration.</a:t>
-            </a:r>
-          </a:p>
-          <a:p>
-            <a:endParaRPr lang="en-US" sz="2400" dirty="0"/>
-          </a:p>
-        </p:txBody>
-      </p:sp>
-    </p:spTree>
-    <p:extLst>
-      <p:ext uri="{BB962C8B-B14F-4D97-AF65-F5344CB8AC3E}">
-        <p14:creationId xmlns:p14="http://schemas.microsoft.com/office/powerpoint/2010/main" val="2923730869"/>
-      </p:ext>
-    </p:extLst>
-  </p:cSld>
-  <p:clrMapOvr>
-    <a:masterClrMapping/>
-  </p:clrMapOvr>
-  <mc:AlternateContent xmlns:mc="http://schemas.openxmlformats.org/markup-compatibility/2006" xmlns:p14="http://schemas.microsoft.com/office/powerpoint/2010/main">
-    <mc:Choice Requires="p14">
-      <p:transition p14:dur="0"/>
-    </mc:Choice>
-    <mc:Fallback xmlns="">
-      <p:transition/>
-    </mc:Fallback>
-  </mc:AlternateContent>
-</p:sld>
-</file>
-
 <file path=ppt/slides/slide3.xml><?xml version="1.0" encoding="utf-8"?>
 <p:sld xmlns:a="http://schemas.openxmlformats.org/drawingml/2006/main" xmlns:r="http://schemas.openxmlformats.org/officeDocument/2006/relationships" xmlns:p="http://schemas.openxmlformats.org/presentationml/2006/main">
   <p:cSld>
@@ -22226,7 +22868,7 @@
         <p:spPr>
           <a:xfrm>
             <a:off x="269239" y="1189177"/>
-            <a:ext cx="11653523" cy="1994392"/>
+            <a:ext cx="11653523" cy="5946243"/>
           </a:xfrm>
         </p:spPr>
         <p:txBody>
@@ -22246,7 +22888,7 @@
                   <a:schemeClr val="tx1"/>
                 </a:solidFill>
               </a:rPr>
-              <a:t>Fabrikam have negotiated an Enterprise Agreement (EA) with Microsoft for their Azure consumption. Any cost estimates need to reflect their EA discount.</a:t>
+              <a:t>Owners of each business application need to approve any substantial application change, including migration. Business owners have indicated that they will require evidence that migration will be successful before granting approval.</a:t>
             </a:r>
           </a:p>
           <a:p>
@@ -22266,8 +22908,44 @@
                   <a:schemeClr val="tx1"/>
                 </a:solidFill>
               </a:rPr>
-              <a:t>Not a problem! Cost estimates from both Azure Migrate and the Azure Pricing Calculator can be tailored to reflect your EA discount.</a:t>
-            </a:r>
+              <a:t>Create of a proof of concept deployment, to validate the overall architecture and any assumptions, for example regarding the impact of changes to network latency between application components.</a:t>
+            </a:r>
+          </a:p>
+          <a:p>
+            <a:br>
+              <a:rPr lang="en-US" sz="2400" dirty="0">
+                <a:solidFill>
+                  <a:schemeClr val="tx1"/>
+                </a:solidFill>
+              </a:rPr>
+            </a:br>
+            <a:r>
+              <a:rPr lang="en-US" sz="2400" dirty="0">
+                <a:solidFill>
+                  <a:schemeClr val="tx1"/>
+                </a:solidFill>
+              </a:rPr>
+              <a:t>For the migration process itself, Azure Migrate supports a 'test failover'. This creates the Azure deployment in parallel with the existing deployment, allowing the migration process to be verified without risk of production impact. Likewise, database migration using DMS does not impact the existing production database.</a:t>
+            </a:r>
+          </a:p>
+          <a:p>
+            <a:endParaRPr lang="en-US" sz="2400" dirty="0">
+              <a:solidFill>
+                <a:schemeClr val="tx1"/>
+              </a:solidFill>
+            </a:endParaRPr>
+          </a:p>
+          <a:p>
+            <a:r>
+              <a:rPr lang="en-US" sz="2400" dirty="0">
+                <a:solidFill>
+                  <a:schemeClr val="tx1"/>
+                </a:solidFill>
+              </a:rPr>
+              <a:t>Third-party migration tools used for migration of physical servers similarly support a validation step prior to committing the migration.</a:t>
+            </a:r>
+          </a:p>
+          <a:p>
             <a:endParaRPr lang="en-US" sz="2400" dirty="0"/>
           </a:p>
         </p:txBody>
@@ -22275,7 +22953,7 @@
     </p:spTree>
     <p:extLst>
       <p:ext uri="{BB962C8B-B14F-4D97-AF65-F5344CB8AC3E}">
-        <p14:creationId xmlns:p14="http://schemas.microsoft.com/office/powerpoint/2010/main" val="2403139044"/>
+        <p14:creationId xmlns:p14="http://schemas.microsoft.com/office/powerpoint/2010/main" val="2923730869"/>
       </p:ext>
     </p:extLst>
   </p:cSld>
@@ -22349,7 +23027,7 @@
         <p:spPr>
           <a:xfrm>
             <a:off x="269239" y="1189177"/>
-            <a:ext cx="11653523" cy="4210383"/>
+            <a:ext cx="11653523" cy="1994392"/>
           </a:xfrm>
         </p:spPr>
         <p:txBody>
@@ -22364,8 +23042,12 @@
               <a:t>Objection: </a:t>
             </a:r>
             <a:r>
-              <a:rPr lang="en-US" sz="2400" dirty="0"/>
-              <a:t>Many applications comprise multiple components or tiers. How can you ensure that these migrations are appropriately orchestrated?</a:t>
+              <a:rPr lang="en-US" sz="2400" dirty="0">
+                <a:solidFill>
+                  <a:schemeClr val="tx1"/>
+                </a:solidFill>
+              </a:rPr>
+              <a:t>Fabrikam have negotiated an Enterprise Agreement (EA) with Microsoft for their Azure consumption. Any cost estimates need to reflect their EA discount.</a:t>
             </a:r>
           </a:p>
           <a:p>
@@ -22380,25 +23062,21 @@
               <a:t>Answer: </a:t>
             </a:r>
             <a:r>
-              <a:rPr lang="en-US" sz="2400" dirty="0"/>
-              <a:t>Using Azure Migrate, VMs can be grouped to reflect the application architecture. The dependency visualization feature of Azure Migrate helps identify and configure these groupings.</a:t>
-            </a:r>
-          </a:p>
-          <a:p>
+              <a:rPr lang="en-US" sz="2400" dirty="0">
+                <a:solidFill>
+                  <a:schemeClr val="tx1"/>
+                </a:solidFill>
+              </a:rPr>
+              <a:t>Not a problem! Cost estimates from both Azure Migrate and the Azure Pricing Calculator can be tailored to reflect your EA discount.</a:t>
+            </a:r>
             <a:endParaRPr lang="en-US" sz="2400" dirty="0"/>
-          </a:p>
-          <a:p>
-            <a:r>
-              <a:rPr lang="en-US" sz="2400" dirty="0"/>
-              <a:t>The migration process can then be staged to migrate different groups of VMs separately. Custom scripts can be used to perform custom pre- and post-migration operations. Similar orchestration is also supported by third-party migration tools, used for physical servers.</a:t>
-            </a:r>
           </a:p>
         </p:txBody>
       </p:sp>
     </p:spTree>
     <p:extLst>
       <p:ext uri="{BB962C8B-B14F-4D97-AF65-F5344CB8AC3E}">
-        <p14:creationId xmlns:p14="http://schemas.microsoft.com/office/powerpoint/2010/main" val="3692539223"/>
+        <p14:creationId xmlns:p14="http://schemas.microsoft.com/office/powerpoint/2010/main" val="2403139044"/>
       </p:ext>
     </p:extLst>
   </p:cSld>
@@ -22472,7 +23150,7 @@
         <p:spPr>
           <a:xfrm>
             <a:off x="269239" y="1189177"/>
-            <a:ext cx="11653523" cy="4949047"/>
+            <a:ext cx="11653523" cy="4210383"/>
           </a:xfrm>
         </p:spPr>
         <p:txBody>
@@ -22488,7 +23166,7 @@
             </a:r>
             <a:r>
               <a:rPr lang="en-US" sz="2400" dirty="0"/>
-              <a:t>Each migration should be designed to minimize application downtime. There must be an option to fail-back should the migration experience an unexpected problem.</a:t>
+              <a:t>Many applications comprise multiple components or tiers. How can you ensure that these migrations are appropriately orchestrated?</a:t>
             </a:r>
           </a:p>
           <a:p>
@@ -22504,7 +23182,7 @@
             </a:r>
             <a:r>
               <a:rPr lang="en-US" sz="2400" dirty="0"/>
-              <a:t>To ensure data consistency during migration, a short application downtime may be required. With Azure Migrate, incremental replication keeps the duration of this downtime to a minimum.</a:t>
+              <a:t>Using Azure Migrate, VMs can be grouped to reflect the application architecture. The dependency visualization feature of Azure Migrate helps identify and configure these groupings.</a:t>
             </a:r>
           </a:p>
           <a:p>
@@ -22513,16 +23191,7 @@
           <a:p>
             <a:r>
               <a:rPr lang="en-US" sz="2400" dirty="0"/>
-              <a:t>Similarly, data migration using DMS supports online migration, allowing you to keep your application online while data is synchronized. Only a short downtime window is required to cut over to the new database.</a:t>
-            </a:r>
-          </a:p>
-          <a:p>
-            <a:endParaRPr lang="en-US" sz="2400" dirty="0"/>
-          </a:p>
-          <a:p>
-            <a:r>
-              <a:rPr lang="en-US" sz="2400" dirty="0"/>
-              <a:t>In the event of an unexpected issue arising, the existing deployment remains available as a fail-back.</a:t>
+              <a:t>The migration process can then be staged to migrate different groups of VMs separately. Custom scripts can be used to perform custom pre- and post-migration operations. Similar orchestration is also supported by third-party migration tools, used for physical servers.</a:t>
             </a:r>
           </a:p>
         </p:txBody>
@@ -22530,7 +23199,7 @@
     </p:spTree>
     <p:extLst>
       <p:ext uri="{BB962C8B-B14F-4D97-AF65-F5344CB8AC3E}">
-        <p14:creationId xmlns:p14="http://schemas.microsoft.com/office/powerpoint/2010/main" val="1920224808"/>
+        <p14:creationId xmlns:p14="http://schemas.microsoft.com/office/powerpoint/2010/main" val="3692539223"/>
       </p:ext>
     </p:extLst>
   </p:cSld>
@@ -22604,7 +23273,7 @@
         <p:spPr>
           <a:xfrm>
             <a:off x="269239" y="1189177"/>
-            <a:ext cx="11653523" cy="5281446"/>
+            <a:ext cx="11653523" cy="4949047"/>
           </a:xfrm>
         </p:spPr>
         <p:txBody>
@@ -22620,7 +23289,7 @@
             </a:r>
             <a:r>
               <a:rPr lang="en-US" sz="2400" dirty="0"/>
-              <a:t>We are expecting to move all our existing infrastructure to Azure. Reducing our on-premises server costs should provide substantial cost savings. Can you confirm what savings we can expect?</a:t>
+              <a:t>Each migration should be designed to minimize application downtime. There must be an option to fail-back should the migration experience an unexpected problem.</a:t>
             </a:r>
           </a:p>
           <a:p>
@@ -22636,7 +23305,7 @@
             </a:r>
             <a:r>
               <a:rPr lang="en-US" sz="2400" dirty="0"/>
-              <a:t>It is a common myth that all workloads should move to the cloud, and that the cloud will automatically be cheaper. Careful planning will be required to optimize your Azure deployment, and a cost analysis performed to make sure the business case for migration is sound and fully understood.</a:t>
+              <a:t>To ensure data consistency during migration, a short application downtime may be required. With Azure Migrate, incremental replication keeps the duration of this downtime to a minimum.</a:t>
             </a:r>
           </a:p>
           <a:p>
@@ -22645,24 +23314,16 @@
           <a:p>
             <a:r>
               <a:rPr lang="en-US" sz="2400" dirty="0"/>
-              <a:t>The </a:t>
-            </a:r>
-            <a:r>
-              <a:rPr lang="en-US" sz="2400" i="1" dirty="0"/>
-              <a:t>Build a business justification for cloud migration</a:t>
-            </a:r>
+              <a:t>Similarly, data migration using DMS supports online migration, allowing you to keep your application online while data is synchronized. Only a short downtime window is required to cut over to the new database.</a:t>
+            </a:r>
+          </a:p>
+          <a:p>
+            <a:endParaRPr lang="en-US" sz="2400" dirty="0"/>
+          </a:p>
+          <a:p>
             <a:r>
               <a:rPr lang="en-US" sz="2400" dirty="0"/>
-              <a:t> guide is a useful resource for dispelling cloud adoption myths and building a realistic business case.</a:t>
-            </a:r>
-          </a:p>
-          <a:p>
-            <a:endParaRPr lang="en-US" sz="2400" dirty="0"/>
-          </a:p>
-          <a:p>
-            <a:r>
-              <a:rPr lang="en-US" sz="2400" dirty="0"/>
-              <a:t>https://docs.microsoft.com/azure/architecture/cloud-adoption/business-strategy/cloud-migration-business-case </a:t>
+              <a:t>In the event of an unexpected issue arising, the existing deployment remains available as a fail-back.</a:t>
             </a:r>
           </a:p>
         </p:txBody>
@@ -22670,7 +23331,7 @@
     </p:spTree>
     <p:extLst>
       <p:ext uri="{BB962C8B-B14F-4D97-AF65-F5344CB8AC3E}">
-        <p14:creationId xmlns:p14="http://schemas.microsoft.com/office/powerpoint/2010/main" val="541416141"/>
+        <p14:creationId xmlns:p14="http://schemas.microsoft.com/office/powerpoint/2010/main" val="1920224808"/>
       </p:ext>
     </p:extLst>
   </p:cSld>
@@ -22722,6 +23383,510 @@
           <a:p>
             <a:r>
               <a:rPr lang="en-US" dirty="0"/>
+              <a:t>Preferred objections handling</a:t>
+            </a:r>
+            <a:br>
+              <a:rPr lang="en-US" dirty="0"/>
+            </a:br>
+            <a:endParaRPr lang="en-US" dirty="0"/>
+          </a:p>
+        </p:txBody>
+      </p:sp>
+      <p:sp>
+        <p:nvSpPr>
+          <p:cNvPr id="3" name="Content Placeholder 2"/>
+          <p:cNvSpPr>
+            <a:spLocks noGrp="1"/>
+          </p:cNvSpPr>
+          <p:nvPr>
+            <p:ph type="body" sz="quarter" idx="10"/>
+          </p:nvPr>
+        </p:nvSpPr>
+        <p:spPr>
+          <a:xfrm>
+            <a:off x="269239" y="1189177"/>
+            <a:ext cx="11653523" cy="5281446"/>
+          </a:xfrm>
+        </p:spPr>
+        <p:txBody>
+          <a:bodyPr/>
+          <a:lstStyle/>
+          <a:p>
+            <a:r>
+              <a:rPr lang="en-US" sz="2400" dirty="0">
+                <a:latin typeface="Segoe UI Semibold" panose="020B0702040204020203" pitchFamily="34" charset="0"/>
+                <a:cs typeface="Segoe UI Semibold" panose="020B0702040204020203" pitchFamily="34" charset="0"/>
+              </a:rPr>
+              <a:t>Objection: </a:t>
+            </a:r>
+            <a:r>
+              <a:rPr lang="en-US" sz="2400" dirty="0"/>
+              <a:t>We are expecting to move all our existing infrastructure to Azure. Reducing our on-premises server costs should provide substantial cost savings. Can you confirm what savings we can expect?</a:t>
+            </a:r>
+          </a:p>
+          <a:p>
+            <a:endParaRPr lang="en-US" sz="2400" dirty="0"/>
+          </a:p>
+          <a:p>
+            <a:r>
+              <a:rPr lang="en-US" sz="2400" dirty="0">
+                <a:latin typeface="Segoe UI Semibold" panose="020B0702040204020203" pitchFamily="34" charset="0"/>
+                <a:cs typeface="Segoe UI Semibold" panose="020B0702040204020203" pitchFamily="34" charset="0"/>
+              </a:rPr>
+              <a:t>Answer: </a:t>
+            </a:r>
+            <a:r>
+              <a:rPr lang="en-US" sz="2400" dirty="0"/>
+              <a:t>It is a common myth that all workloads should move to the cloud, and that the cloud will automatically be cheaper. Careful planning will be required to optimize your Azure deployment, and a cost analysis performed to make sure the business case for migration is sound and fully understood.</a:t>
+            </a:r>
+          </a:p>
+          <a:p>
+            <a:endParaRPr lang="en-US" sz="2400" dirty="0"/>
+          </a:p>
+          <a:p>
+            <a:r>
+              <a:rPr lang="en-US" sz="2400" dirty="0"/>
+              <a:t>The </a:t>
+            </a:r>
+            <a:r>
+              <a:rPr lang="en-US" sz="2400" i="1" dirty="0"/>
+              <a:t>Build a business justification for cloud migration</a:t>
+            </a:r>
+            <a:r>
+              <a:rPr lang="en-US" sz="2400" dirty="0"/>
+              <a:t> guide is a useful resource for dispelling cloud adoption myths and building a realistic business case.</a:t>
+            </a:r>
+          </a:p>
+          <a:p>
+            <a:endParaRPr lang="en-US" sz="2400" dirty="0"/>
+          </a:p>
+          <a:p>
+            <a:r>
+              <a:rPr lang="en-US" sz="2400" dirty="0"/>
+              <a:t>https://docs.microsoft.com/azure/architecture/cloud-adoption/business-strategy/cloud-migration-business-case </a:t>
+            </a:r>
+          </a:p>
+        </p:txBody>
+      </p:sp>
+    </p:spTree>
+    <p:extLst>
+      <p:ext uri="{BB962C8B-B14F-4D97-AF65-F5344CB8AC3E}">
+        <p14:creationId xmlns:p14="http://schemas.microsoft.com/office/powerpoint/2010/main" val="541416141"/>
+      </p:ext>
+    </p:extLst>
+  </p:cSld>
+  <p:clrMapOvr>
+    <a:masterClrMapping/>
+  </p:clrMapOvr>
+  <mc:AlternateContent xmlns:mc="http://schemas.openxmlformats.org/markup-compatibility/2006" xmlns:p14="http://schemas.microsoft.com/office/powerpoint/2010/main">
+    <mc:Choice Requires="p14">
+      <p:transition p14:dur="0"/>
+    </mc:Choice>
+    <mc:Fallback xmlns="">
+      <p:transition/>
+    </mc:Fallback>
+  </mc:AlternateContent>
+</p:sld>
+</file>
+
+<file path=ppt/slides/slide35.xml><?xml version="1.0" encoding="utf-8"?>
+<p:sld xmlns:a="http://schemas.openxmlformats.org/drawingml/2006/main" xmlns:r="http://schemas.openxmlformats.org/officeDocument/2006/relationships" xmlns:p="http://schemas.openxmlformats.org/presentationml/2006/main">
+  <p:cSld>
+    <p:spTree>
+      <p:nvGrpSpPr>
+        <p:cNvPr id="1" name=""/>
+        <p:cNvGrpSpPr/>
+        <p:nvPr/>
+      </p:nvGrpSpPr>
+      <p:grpSpPr>
+        <a:xfrm>
+          <a:off x="0" y="0"/>
+          <a:ext cx="0" cy="0"/>
+          <a:chOff x="0" y="0"/>
+          <a:chExt cx="0" cy="0"/>
+        </a:xfrm>
+      </p:grpSpPr>
+      <p:sp>
+        <p:nvSpPr>
+          <p:cNvPr id="2" name="Title 1"/>
+          <p:cNvSpPr>
+            <a:spLocks noGrp="1"/>
+          </p:cNvSpPr>
+          <p:nvPr>
+            <p:ph type="title"/>
+          </p:nvPr>
+        </p:nvSpPr>
+        <p:spPr/>
+        <p:txBody>
+          <a:bodyPr/>
+          <a:lstStyle/>
+          <a:p>
+            <a:r>
+              <a:rPr lang="en-US" dirty="0"/>
+              <a:t>Example Service Updates</a:t>
+            </a:r>
+            <a:br>
+              <a:rPr lang="en-US" dirty="0"/>
+            </a:br>
+            <a:endParaRPr lang="en-US" dirty="0"/>
+          </a:p>
+        </p:txBody>
+      </p:sp>
+      <p:sp>
+        <p:nvSpPr>
+          <p:cNvPr id="3" name="Content Placeholder 2"/>
+          <p:cNvSpPr>
+            <a:spLocks noGrp="1"/>
+          </p:cNvSpPr>
+          <p:nvPr>
+            <p:ph type="body" sz="quarter" idx="10"/>
+          </p:nvPr>
+        </p:nvSpPr>
+        <p:spPr>
+          <a:xfrm>
+            <a:off x="269239" y="1189177"/>
+            <a:ext cx="11653523" cy="923330"/>
+          </a:xfrm>
+        </p:spPr>
+        <p:txBody>
+          <a:bodyPr/>
+          <a:lstStyle/>
+          <a:p>
+            <a:r>
+              <a:rPr lang="en-US" sz="2400" dirty="0">
+                <a:latin typeface="Segoe UI Semibold" panose="020B0702040204020203" pitchFamily="34" charset="0"/>
+                <a:cs typeface="Segoe UI Semibold" panose="020B0702040204020203" pitchFamily="34" charset="0"/>
+              </a:rPr>
+              <a:t>Services: </a:t>
+            </a:r>
+          </a:p>
+          <a:p>
+            <a:endParaRPr lang="en-US" sz="2400" dirty="0"/>
+          </a:p>
+        </p:txBody>
+      </p:sp>
+      <p:graphicFrame>
+        <p:nvGraphicFramePr>
+          <p:cNvPr id="4" name="Table 4">
+            <a:extLst>
+              <a:ext uri="{FF2B5EF4-FFF2-40B4-BE49-F238E27FC236}">
+                <a16:creationId xmlns:a16="http://schemas.microsoft.com/office/drawing/2014/main" id="{C92C1FB8-49E4-4B58-B060-8E73EE1A4020}"/>
+              </a:ext>
+            </a:extLst>
+          </p:cNvPr>
+          <p:cNvGraphicFramePr>
+            <a:graphicFrameLocks noGrp="1"/>
+          </p:cNvGraphicFramePr>
+          <p:nvPr>
+            <p:extLst>
+              <p:ext uri="{D42A27DB-BD31-4B8C-83A1-F6EECF244321}">
+                <p14:modId xmlns:p14="http://schemas.microsoft.com/office/powerpoint/2010/main" val="2395337545"/>
+              </p:ext>
+            </p:extLst>
+          </p:nvPr>
+        </p:nvGraphicFramePr>
+        <p:xfrm>
+          <a:off x="532606" y="1805516"/>
+          <a:ext cx="11126788" cy="4430487"/>
+        </p:xfrm>
+        <a:graphic>
+          <a:graphicData uri="http://schemas.openxmlformats.org/drawingml/2006/table">
+            <a:tbl>
+              <a:tblPr firstRow="1" bandRow="1">
+                <a:tableStyleId>{5C22544A-7EE6-4342-B048-85BDC9FD1C3A}</a:tableStyleId>
+              </a:tblPr>
+              <a:tblGrid>
+                <a:gridCol w="4725194">
+                  <a:extLst>
+                    <a:ext uri="{9D8B030D-6E8A-4147-A177-3AD203B41FA5}">
+                      <a16:colId xmlns:a16="http://schemas.microsoft.com/office/drawing/2014/main" val="1206363570"/>
+                    </a:ext>
+                  </a:extLst>
+                </a:gridCol>
+                <a:gridCol w="6401594">
+                  <a:extLst>
+                    <a:ext uri="{9D8B030D-6E8A-4147-A177-3AD203B41FA5}">
+                      <a16:colId xmlns:a16="http://schemas.microsoft.com/office/drawing/2014/main" val="2130160520"/>
+                    </a:ext>
+                  </a:extLst>
+                </a:gridCol>
+              </a:tblGrid>
+              <a:tr h="443014">
+                <a:tc>
+                  <a:txBody>
+                    <a:bodyPr/>
+                    <a:lstStyle/>
+                    <a:p>
+                      <a:r>
+                        <a:rPr lang="en-US" sz="2000" dirty="0"/>
+                        <a:t>Existing Service</a:t>
+                      </a:r>
+                    </a:p>
+                  </a:txBody>
+                  <a:tcPr/>
+                </a:tc>
+                <a:tc>
+                  <a:txBody>
+                    <a:bodyPr/>
+                    <a:lstStyle/>
+                    <a:p>
+                      <a:r>
+                        <a:rPr lang="en-US" sz="2000" dirty="0"/>
+                        <a:t>Azure PaaS Solution</a:t>
+                      </a:r>
+                    </a:p>
+                  </a:txBody>
+                  <a:tcPr/>
+                </a:tc>
+                <a:extLst>
+                  <a:ext uri="{0D108BD9-81ED-4DB2-BD59-A6C34878D82A}">
+                    <a16:rowId xmlns:a16="http://schemas.microsoft.com/office/drawing/2014/main" val="508112700"/>
+                  </a:ext>
+                </a:extLst>
+              </a:tr>
+              <a:tr h="696166">
+                <a:tc>
+                  <a:txBody>
+                    <a:bodyPr/>
+                    <a:lstStyle/>
+                    <a:p>
+                      <a:r>
+                        <a:rPr lang="en-US" sz="2400" dirty="0" err="1"/>
+                        <a:t>UbuntuWAF</a:t>
+                      </a:r>
+                      <a:endParaRPr lang="en-US" sz="2400" dirty="0"/>
+                    </a:p>
+                  </a:txBody>
+                  <a:tcPr/>
+                </a:tc>
+                <a:tc>
+                  <a:txBody>
+                    <a:bodyPr/>
+                    <a:lstStyle/>
+                    <a:p>
+                      <a:r>
+                        <a:rPr lang="en-US" sz="2400" dirty="0"/>
+                        <a:t>Front Door or Application Gateway with WAF</a:t>
+                      </a:r>
+                    </a:p>
+                  </a:txBody>
+                  <a:tcPr/>
+                </a:tc>
+                <a:extLst>
+                  <a:ext uri="{0D108BD9-81ED-4DB2-BD59-A6C34878D82A}">
+                    <a16:rowId xmlns:a16="http://schemas.microsoft.com/office/drawing/2014/main" val="2261740612"/>
+                  </a:ext>
+                </a:extLst>
+              </a:tr>
+              <a:tr h="1314981">
+                <a:tc>
+                  <a:txBody>
+                    <a:bodyPr/>
+                    <a:lstStyle/>
+                    <a:p>
+                      <a:r>
+                        <a:rPr lang="en-US" sz="2400" dirty="0"/>
+                        <a:t>Web site on VMs</a:t>
+                      </a:r>
+                    </a:p>
+                  </a:txBody>
+                  <a:tcPr/>
+                </a:tc>
+                <a:tc>
+                  <a:txBody>
+                    <a:bodyPr/>
+                    <a:lstStyle/>
+                    <a:p>
+                      <a:r>
+                        <a:rPr lang="en-US" sz="2400" dirty="0"/>
+                        <a:t>App Service Plan (Web App or Container)</a:t>
+                      </a:r>
+                    </a:p>
+                    <a:p>
+                      <a:r>
+                        <a:rPr lang="en-US" sz="2400" dirty="0"/>
+                        <a:t>Azure Container Instances</a:t>
+                      </a:r>
+                    </a:p>
+                    <a:p>
+                      <a:r>
+                        <a:rPr lang="en-US" sz="2400" dirty="0"/>
+                        <a:t>Azure Kubernetes Service (AKS)</a:t>
+                      </a:r>
+                    </a:p>
+                  </a:txBody>
+                  <a:tcPr/>
+                </a:tc>
+                <a:extLst>
+                  <a:ext uri="{0D108BD9-81ED-4DB2-BD59-A6C34878D82A}">
+                    <a16:rowId xmlns:a16="http://schemas.microsoft.com/office/drawing/2014/main" val="2073206720"/>
+                  </a:ext>
+                </a:extLst>
+              </a:tr>
+              <a:tr h="443014">
+                <a:tc>
+                  <a:txBody>
+                    <a:bodyPr/>
+                    <a:lstStyle/>
+                    <a:p>
+                      <a:r>
+                        <a:rPr lang="en-US" sz="2400" dirty="0"/>
+                        <a:t>VNA Firewall</a:t>
+                      </a:r>
+                    </a:p>
+                  </a:txBody>
+                  <a:tcPr/>
+                </a:tc>
+                <a:tc>
+                  <a:txBody>
+                    <a:bodyPr/>
+                    <a:lstStyle/>
+                    <a:p>
+                      <a:r>
+                        <a:rPr lang="en-US" sz="2400" dirty="0"/>
+                        <a:t>Azure Firewall</a:t>
+                      </a:r>
+                    </a:p>
+                  </a:txBody>
+                  <a:tcPr/>
+                </a:tc>
+                <a:extLst>
+                  <a:ext uri="{0D108BD9-81ED-4DB2-BD59-A6C34878D82A}">
+                    <a16:rowId xmlns:a16="http://schemas.microsoft.com/office/drawing/2014/main" val="2288768910"/>
+                  </a:ext>
+                </a:extLst>
+              </a:tr>
+              <a:tr h="751911">
+                <a:tc>
+                  <a:txBody>
+                    <a:bodyPr/>
+                    <a:lstStyle/>
+                    <a:p>
+                      <a:r>
+                        <a:rPr lang="en-US" sz="2400" dirty="0"/>
+                        <a:t>DNS on VMs</a:t>
+                      </a:r>
+                    </a:p>
+                  </a:txBody>
+                  <a:tcPr/>
+                </a:tc>
+                <a:tc>
+                  <a:txBody>
+                    <a:bodyPr/>
+                    <a:lstStyle/>
+                    <a:p>
+                      <a:r>
+                        <a:rPr lang="en-US" sz="2400" dirty="0"/>
+                        <a:t>Azure DNS Public Zones</a:t>
+                      </a:r>
+                    </a:p>
+                    <a:p>
+                      <a:r>
+                        <a:rPr lang="en-US" sz="2400" dirty="0"/>
+                        <a:t>Azure DNS Private Zones</a:t>
+                      </a:r>
+                    </a:p>
+                  </a:txBody>
+                  <a:tcPr/>
+                </a:tc>
+                <a:extLst>
+                  <a:ext uri="{0D108BD9-81ED-4DB2-BD59-A6C34878D82A}">
+                    <a16:rowId xmlns:a16="http://schemas.microsoft.com/office/drawing/2014/main" val="3083800819"/>
+                  </a:ext>
+                </a:extLst>
+              </a:tr>
+              <a:tr h="696166">
+                <a:tc>
+                  <a:txBody>
+                    <a:bodyPr/>
+                    <a:lstStyle/>
+                    <a:p>
+                      <a:r>
+                        <a:rPr lang="en-US" sz="2400" dirty="0"/>
+                        <a:t>Log and management of VMs</a:t>
+                      </a:r>
+                    </a:p>
+                  </a:txBody>
+                  <a:tcPr/>
+                </a:tc>
+                <a:tc>
+                  <a:txBody>
+                    <a:bodyPr/>
+                    <a:lstStyle/>
+                    <a:p>
+                      <a:r>
+                        <a:rPr lang="en-US" sz="2400" dirty="0"/>
+                        <a:t>Azure Monitor</a:t>
+                      </a:r>
+                    </a:p>
+                  </a:txBody>
+                  <a:tcPr/>
+                </a:tc>
+                <a:extLst>
+                  <a:ext uri="{0D108BD9-81ED-4DB2-BD59-A6C34878D82A}">
+                    <a16:rowId xmlns:a16="http://schemas.microsoft.com/office/drawing/2014/main" val="3757093965"/>
+                  </a:ext>
+                </a:extLst>
+              </a:tr>
+            </a:tbl>
+          </a:graphicData>
+        </a:graphic>
+      </p:graphicFrame>
+    </p:spTree>
+    <p:extLst>
+      <p:ext uri="{BB962C8B-B14F-4D97-AF65-F5344CB8AC3E}">
+        <p14:creationId xmlns:p14="http://schemas.microsoft.com/office/powerpoint/2010/main" val="2849909180"/>
+      </p:ext>
+    </p:extLst>
+  </p:cSld>
+  <p:clrMapOvr>
+    <a:masterClrMapping/>
+  </p:clrMapOvr>
+  <mc:AlternateContent xmlns:mc="http://schemas.openxmlformats.org/markup-compatibility/2006">
+    <mc:Choice xmlns:p14="http://schemas.microsoft.com/office/powerpoint/2010/main" Requires="p14">
+      <p:transition p14:dur="0"/>
+    </mc:Choice>
+    <mc:Fallback>
+      <p:transition/>
+    </mc:Fallback>
+  </mc:AlternateContent>
+</p:sld>
+</file>
+
+<file path=ppt/slides/slide36.xml><?xml version="1.0" encoding="utf-8"?>
+<p:sld xmlns:a="http://schemas.openxmlformats.org/drawingml/2006/main" xmlns:r="http://schemas.openxmlformats.org/officeDocument/2006/relationships" xmlns:p="http://schemas.openxmlformats.org/presentationml/2006/main">
+  <p:cSld>
+    <p:spTree>
+      <p:nvGrpSpPr>
+        <p:cNvPr id="1" name=""/>
+        <p:cNvGrpSpPr/>
+        <p:nvPr/>
+      </p:nvGrpSpPr>
+      <p:grpSpPr>
+        <a:xfrm>
+          <a:off x="0" y="0"/>
+          <a:ext cx="0" cy="0"/>
+          <a:chOff x="0" y="0"/>
+          <a:chExt cx="0" cy="0"/>
+        </a:xfrm>
+      </p:grpSpPr>
+      <p:sp>
+        <p:nvSpPr>
+          <p:cNvPr id="2" name="Title 1"/>
+          <p:cNvSpPr>
+            <a:spLocks noGrp="1"/>
+          </p:cNvSpPr>
+          <p:nvPr>
+            <p:ph type="title"/>
+          </p:nvPr>
+        </p:nvSpPr>
+        <p:spPr/>
+        <p:txBody>
+          <a:bodyPr/>
+          <a:lstStyle/>
+          <a:p>
+            <a:r>
+              <a:rPr lang="en-US" dirty="0"/>
               <a:t>Customer quote</a:t>
             </a:r>
             <a:br>
@@ -22804,7 +23969,7 @@
 </p:sld>
 </file>
 
-<file path=ppt/slides/slide35.xml><?xml version="1.0" encoding="utf-8"?>
+<file path=ppt/slides/slide37.xml><?xml version="1.0" encoding="utf-8"?>
 <p:sld xmlns:a="http://schemas.openxmlformats.org/drawingml/2006/main" xmlns:r="http://schemas.openxmlformats.org/officeDocument/2006/relationships" xmlns:p="http://schemas.openxmlformats.org/presentationml/2006/main">
   <p:cSld>
     <p:bg>
@@ -23490,7 +24655,7 @@
         <p:spPr>
           <a:xfrm>
             <a:off x="269239" y="1189177"/>
-            <a:ext cx="11653523" cy="4105739"/>
+            <a:ext cx="11653523" cy="4493538"/>
           </a:xfrm>
         </p:spPr>
         <p:txBody>
@@ -23517,7 +24682,7 @@
           <a:p>
             <a:r>
               <a:rPr lang="en-US" sz="2800" dirty="0"/>
-              <a:t>Post-migration, be able to track costs, control usage, cross-charge business owners, and identify cost-saving opportunities.</a:t>
+              <a:t>Post-migration, be able to track costs, control usage, cross-charge business owners, identify cost-saving opportunities, and provide examples of better utilizing resources.</a:t>
             </a:r>
           </a:p>
           <a:p>

--- a/Whiteboard design session/WDS trainer presentation - Line-of-business application migration.pptx
+++ b/Whiteboard design session/WDS trainer presentation - Line-of-business application migration.pptx
@@ -6,7 +6,7 @@
     <p:sldMasterId id="2147483665" r:id="rId2"/>
   </p:sldMasterIdLst>
   <p:notesMasterIdLst>
-    <p:notesMasterId r:id="rId40"/>
+    <p:notesMasterId r:id="rId39"/>
   </p:notesMasterIdLst>
   <p:sldIdLst>
     <p:sldId id="300" r:id="rId3"/>
@@ -23,29 +23,28 @@
     <p:sldId id="1935" r:id="rId14"/>
     <p:sldId id="1945" r:id="rId15"/>
     <p:sldId id="320" r:id="rId16"/>
-    <p:sldId id="1946" r:id="rId17"/>
-    <p:sldId id="322" r:id="rId18"/>
-    <p:sldId id="321" r:id="rId19"/>
-    <p:sldId id="317" r:id="rId20"/>
-    <p:sldId id="316" r:id="rId21"/>
-    <p:sldId id="333" r:id="rId22"/>
-    <p:sldId id="1936" r:id="rId23"/>
-    <p:sldId id="1937" r:id="rId24"/>
-    <p:sldId id="1932" r:id="rId25"/>
-    <p:sldId id="1933" r:id="rId26"/>
-    <p:sldId id="1934" r:id="rId27"/>
-    <p:sldId id="1938" r:id="rId28"/>
-    <p:sldId id="1939" r:id="rId29"/>
-    <p:sldId id="1940" r:id="rId30"/>
-    <p:sldId id="1941" r:id="rId31"/>
-    <p:sldId id="329" r:id="rId32"/>
-    <p:sldId id="332" r:id="rId33"/>
-    <p:sldId id="331" r:id="rId34"/>
-    <p:sldId id="330" r:id="rId35"/>
-    <p:sldId id="1943" r:id="rId36"/>
-    <p:sldId id="1947" r:id="rId37"/>
-    <p:sldId id="318" r:id="rId38"/>
-    <p:sldId id="315" r:id="rId39"/>
+    <p:sldId id="322" r:id="rId17"/>
+    <p:sldId id="321" r:id="rId18"/>
+    <p:sldId id="317" r:id="rId19"/>
+    <p:sldId id="316" r:id="rId20"/>
+    <p:sldId id="333" r:id="rId21"/>
+    <p:sldId id="1936" r:id="rId22"/>
+    <p:sldId id="1937" r:id="rId23"/>
+    <p:sldId id="1932" r:id="rId24"/>
+    <p:sldId id="1933" r:id="rId25"/>
+    <p:sldId id="1934" r:id="rId26"/>
+    <p:sldId id="1938" r:id="rId27"/>
+    <p:sldId id="1939" r:id="rId28"/>
+    <p:sldId id="1940" r:id="rId29"/>
+    <p:sldId id="1941" r:id="rId30"/>
+    <p:sldId id="329" r:id="rId31"/>
+    <p:sldId id="332" r:id="rId32"/>
+    <p:sldId id="331" r:id="rId33"/>
+    <p:sldId id="330" r:id="rId34"/>
+    <p:sldId id="1943" r:id="rId35"/>
+    <p:sldId id="1947" r:id="rId36"/>
+    <p:sldId id="318" r:id="rId37"/>
+    <p:sldId id="315" r:id="rId38"/>
   </p:sldIdLst>
   <p:sldSz cx="12192000" cy="6858000"/>
   <p:notesSz cx="6858000" cy="9144000"/>
@@ -234,7 +233,7 @@
           <a:p>
             <a:fld id="{52A13B17-C506-4D51-BB37-16B365906619}" type="datetimeFigureOut">
               <a:rPr lang="en-US" smtClean="0"/>
-              <a:t>9/9/2021</a:t>
+              <a:t>9/22/2021</a:t>
             </a:fld>
             <a:endParaRPr lang="en-US" dirty="0"/>
           </a:p>
@@ -980,7 +979,7 @@
     </p:spTree>
     <p:extLst>
       <p:ext uri="{BB962C8B-B14F-4D97-AF65-F5344CB8AC3E}">
-        <p14:creationId xmlns:p14="http://schemas.microsoft.com/office/powerpoint/2010/main" val="1503293457"/>
+        <p14:creationId xmlns:p14="http://schemas.microsoft.com/office/powerpoint/2010/main" val="251902611"/>
       </p:ext>
     </p:extLst>
   </p:cSld>
@@ -1064,7 +1063,7 @@
     </p:spTree>
     <p:extLst>
       <p:ext uri="{BB962C8B-B14F-4D97-AF65-F5344CB8AC3E}">
-        <p14:creationId xmlns:p14="http://schemas.microsoft.com/office/powerpoint/2010/main" val="251902611"/>
+        <p14:creationId xmlns:p14="http://schemas.microsoft.com/office/powerpoint/2010/main" val="1579283386"/>
       </p:ext>
     </p:extLst>
   </p:cSld>
@@ -1148,7 +1147,7 @@
     </p:spTree>
     <p:extLst>
       <p:ext uri="{BB962C8B-B14F-4D97-AF65-F5344CB8AC3E}">
-        <p14:creationId xmlns:p14="http://schemas.microsoft.com/office/powerpoint/2010/main" val="1579283386"/>
+        <p14:creationId xmlns:p14="http://schemas.microsoft.com/office/powerpoint/2010/main" val="647674203"/>
       </p:ext>
     </p:extLst>
   </p:cSld>
@@ -1232,7 +1231,7 @@
     </p:spTree>
     <p:extLst>
       <p:ext uri="{BB962C8B-B14F-4D97-AF65-F5344CB8AC3E}">
-        <p14:creationId xmlns:p14="http://schemas.microsoft.com/office/powerpoint/2010/main" val="647674203"/>
+        <p14:creationId xmlns:p14="http://schemas.microsoft.com/office/powerpoint/2010/main" val="4179281765"/>
       </p:ext>
     </p:extLst>
   </p:cSld>
@@ -1316,7 +1315,7 @@
     </p:spTree>
     <p:extLst>
       <p:ext uri="{BB962C8B-B14F-4D97-AF65-F5344CB8AC3E}">
-        <p14:creationId xmlns:p14="http://schemas.microsoft.com/office/powerpoint/2010/main" val="4179281765"/>
+        <p14:creationId xmlns:p14="http://schemas.microsoft.com/office/powerpoint/2010/main" val="2058578318"/>
       </p:ext>
     </p:extLst>
   </p:cSld>
@@ -1370,6 +1369,15 @@
           <a:bodyPr/>
           <a:lstStyle/>
           <a:p>
+            <a:r>
+              <a:rPr lang="en-US" dirty="0"/>
+              <a:t>Agentless vs agent-based comparison for VMware: https://docs.microsoft.com/azure/migrate/server-migrate-overview</a:t>
+            </a:r>
+          </a:p>
+          <a:p>
+            <a:endParaRPr lang="en-US" dirty="0"/>
+          </a:p>
+          <a:p>
             <a:endParaRPr lang="en-US" dirty="0"/>
           </a:p>
         </p:txBody>
@@ -1400,7 +1408,7 @@
     </p:spTree>
     <p:extLst>
       <p:ext uri="{BB962C8B-B14F-4D97-AF65-F5344CB8AC3E}">
-        <p14:creationId xmlns:p14="http://schemas.microsoft.com/office/powerpoint/2010/main" val="2058578318"/>
+        <p14:creationId xmlns:p14="http://schemas.microsoft.com/office/powerpoint/2010/main" val="1095388600"/>
       </p:ext>
     </p:extLst>
   </p:cSld>
@@ -1454,27 +1462,21 @@
           <a:bodyPr/>
           <a:lstStyle/>
           <a:p>
-            <a:r>
-              <a:rPr lang="en-US" dirty="0"/>
-              <a:t>Agentless vs agent-based comparison for VMware: https://docs.microsoft.com/azure/migrate/server-migrate-overview</a:t>
-            </a:r>
-          </a:p>
-          <a:p>
-            <a:endParaRPr lang="en-US" dirty="0"/>
-          </a:p>
-          <a:p>
-            <a:endParaRPr lang="en-US" dirty="0"/>
+            <a:endParaRPr lang="en-IE" dirty="0"/>
+          </a:p>
+          <a:p>
+            <a:endParaRPr lang="en-IE" dirty="0"/>
           </a:p>
         </p:txBody>
       </p:sp>
       <p:sp>
         <p:nvSpPr>
-          <p:cNvPr id="4" name="Slide Number Placeholder 3"/>
+          <p:cNvPr id="4" name="Header Placeholder 3"/>
           <p:cNvSpPr>
             <a:spLocks noGrp="1"/>
           </p:cNvSpPr>
           <p:nvPr>
-            <p:ph type="sldNum" sz="quarter" idx="10"/>
+            <p:ph type="hdr" sz="quarter"/>
           </p:nvPr>
         </p:nvSpPr>
         <p:spPr/>
@@ -1482,9 +1484,90 @@
           <a:bodyPr/>
           <a:lstStyle/>
           <a:p>
-            <a:fld id="{0998D5BB-B127-481F-BC0A-2F77C576BB34}" type="slidenum">
+            <a:endParaRPr lang="en-US" dirty="0"/>
+          </a:p>
+        </p:txBody>
+      </p:sp>
+      <p:sp>
+        <p:nvSpPr>
+          <p:cNvPr id="5" name="Footer Placeholder 4"/>
+          <p:cNvSpPr>
+            <a:spLocks noGrp="1"/>
+          </p:cNvSpPr>
+          <p:nvPr>
+            <p:ph type="ftr" sz="quarter" idx="4"/>
+          </p:nvPr>
+        </p:nvSpPr>
+        <p:spPr/>
+        <p:txBody>
+          <a:bodyPr/>
+          <a:lstStyle/>
+          <a:p>
+            <a:pPr defTabSz="914099" eaLnBrk="0" hangingPunct="0"/>
+            <a:r>
+              <a:rPr lang="en-US" sz="400" dirty="0">
+                <a:gradFill>
+                  <a:gsLst>
+                    <a:gs pos="0">
+                      <a:prstClr val="black"/>
+                    </a:gs>
+                    <a:gs pos="100000">
+                      <a:prstClr val="black"/>
+                    </a:gs>
+                  </a:gsLst>
+                  <a:lin ang="5400000" scaled="0"/>
+                </a:gradFill>
+                <a:latin typeface="Segoe UI" pitchFamily="34" charset="0"/>
+                <a:ea typeface="Segoe UI" pitchFamily="34" charset="0"/>
+                <a:cs typeface="Segoe UI" pitchFamily="34" charset="0"/>
+              </a:rPr>
+              <a:t>© Microsoft Corporation. All rights reserved. MICROSOFT MAKES NO WARRANTIES, EXPRESS, IMPLIED OR STATUTORY, AS TO THE INFORMATION IN THIS PRESENTATION.</a:t>
+            </a:r>
+          </a:p>
+        </p:txBody>
+      </p:sp>
+      <p:sp>
+        <p:nvSpPr>
+          <p:cNvPr id="6" name="Date Placeholder 5"/>
+          <p:cNvSpPr>
+            <a:spLocks noGrp="1"/>
+          </p:cNvSpPr>
+          <p:nvPr>
+            <p:ph type="dt" idx="1"/>
+          </p:nvPr>
+        </p:nvSpPr>
+        <p:spPr/>
+        <p:txBody>
+          <a:bodyPr/>
+          <a:lstStyle/>
+          <a:p>
+            <a:fld id="{386CE63F-9E7F-4C04-9D0D-FCA25A8E9E86}" type="datetime8">
               <a:rPr lang="en-US" smtClean="0"/>
-              <a:t>21</a:t>
+              <a:t>9/22/2021 2:36 PM</a:t>
+            </a:fld>
+            <a:endParaRPr lang="en-US" dirty="0"/>
+          </a:p>
+        </p:txBody>
+      </p:sp>
+      <p:sp>
+        <p:nvSpPr>
+          <p:cNvPr id="7" name="Slide Number Placeholder 6"/>
+          <p:cNvSpPr>
+            <a:spLocks noGrp="1"/>
+          </p:cNvSpPr>
+          <p:nvPr>
+            <p:ph type="sldNum" sz="quarter" idx="5"/>
+          </p:nvPr>
+        </p:nvSpPr>
+        <p:spPr/>
+        <p:txBody>
+          <a:bodyPr/>
+          <a:lstStyle/>
+          <a:p>
+            <a:fld id="{B4008EB6-D09E-4580-8CD6-DDB14511944F}" type="slidenum">
+              <a:rPr lang="en-US" smtClean="0"/>
+              <a:pPr/>
+              <a:t>22</a:t>
             </a:fld>
             <a:endParaRPr lang="en-US" dirty="0"/>
           </a:p>
@@ -1493,7 +1576,7 @@
     </p:spTree>
     <p:extLst>
       <p:ext uri="{BB962C8B-B14F-4D97-AF65-F5344CB8AC3E}">
-        <p14:creationId xmlns:p14="http://schemas.microsoft.com/office/powerpoint/2010/main" val="1095388600"/>
+        <p14:creationId xmlns:p14="http://schemas.microsoft.com/office/powerpoint/2010/main" val="3721556546"/>
       </p:ext>
     </p:extLst>
   </p:cSld>
@@ -1712,7 +1795,7 @@
           <a:p>
             <a:fld id="{386CE63F-9E7F-4C04-9D0D-FCA25A8E9E86}" type="datetime8">
               <a:rPr lang="en-US" smtClean="0"/>
-              <a:t>9/9/2021 8:49 AM</a:t>
+              <a:t>9/22/2021 2:36 PM</a:t>
             </a:fld>
             <a:endParaRPr lang="en-US" dirty="0"/>
           </a:p>
@@ -1745,7 +1828,7 @@
     </p:spTree>
     <p:extLst>
       <p:ext uri="{BB962C8B-B14F-4D97-AF65-F5344CB8AC3E}">
-        <p14:creationId xmlns:p14="http://schemas.microsoft.com/office/powerpoint/2010/main" val="3721556546"/>
+        <p14:creationId xmlns:p14="http://schemas.microsoft.com/office/powerpoint/2010/main" val="3838570697"/>
       </p:ext>
     </p:extLst>
   </p:cSld>
@@ -1804,6 +1887,15 @@
           <a:p>
             <a:endParaRPr lang="en-IE" dirty="0"/>
           </a:p>
+          <a:p>
+            <a:endParaRPr lang="en-IE" dirty="0"/>
+          </a:p>
+          <a:p>
+            <a:r>
+              <a:rPr lang="en-IE" dirty="0"/>
+              <a:t>Free for 180 days. Must use a dedicated Log Analytics workspace. No solution other than Service Map may be used with this workspace.</a:t>
+            </a:r>
+          </a:p>
         </p:txBody>
       </p:sp>
       <p:sp>
@@ -1880,7 +1972,7 @@
           <a:p>
             <a:fld id="{386CE63F-9E7F-4C04-9D0D-FCA25A8E9E86}" type="datetime8">
               <a:rPr lang="en-US" smtClean="0"/>
-              <a:t>9/9/2021 8:49 AM</a:t>
+              <a:t>9/22/2021 2:36 PM</a:t>
             </a:fld>
             <a:endParaRPr lang="en-US" dirty="0"/>
           </a:p>
@@ -1913,7 +2005,7 @@
     </p:spTree>
     <p:extLst>
       <p:ext uri="{BB962C8B-B14F-4D97-AF65-F5344CB8AC3E}">
-        <p14:creationId xmlns:p14="http://schemas.microsoft.com/office/powerpoint/2010/main" val="3838570697"/>
+        <p14:creationId xmlns:p14="http://schemas.microsoft.com/office/powerpoint/2010/main" val="3093921661"/>
       </p:ext>
     </p:extLst>
   </p:cSld>
@@ -1972,15 +2064,6 @@
           <a:p>
             <a:endParaRPr lang="en-IE" dirty="0"/>
           </a:p>
-          <a:p>
-            <a:endParaRPr lang="en-IE" dirty="0"/>
-          </a:p>
-          <a:p>
-            <a:r>
-              <a:rPr lang="en-IE" dirty="0"/>
-              <a:t>Free for 180 days. Must use a dedicated Log Analytics workspace. No solution other than Service Map may be used with this workspace.</a:t>
-            </a:r>
-          </a:p>
         </p:txBody>
       </p:sp>
       <p:sp>
@@ -2057,7 +2140,7 @@
           <a:p>
             <a:fld id="{386CE63F-9E7F-4C04-9D0D-FCA25A8E9E86}" type="datetime8">
               <a:rPr lang="en-US" smtClean="0"/>
-              <a:t>9/9/2021 8:49 AM</a:t>
+              <a:t>9/22/2021 2:36 PM</a:t>
             </a:fld>
             <a:endParaRPr lang="en-US" dirty="0"/>
           </a:p>
@@ -2090,7 +2173,7 @@
     </p:spTree>
     <p:extLst>
       <p:ext uri="{BB962C8B-B14F-4D97-AF65-F5344CB8AC3E}">
-        <p14:creationId xmlns:p14="http://schemas.microsoft.com/office/powerpoint/2010/main" val="3093921661"/>
+        <p14:creationId xmlns:p14="http://schemas.microsoft.com/office/powerpoint/2010/main" val="108880782"/>
       </p:ext>
     </p:extLst>
   </p:cSld>
@@ -2149,6 +2232,15 @@
           <a:p>
             <a:endParaRPr lang="en-IE" dirty="0"/>
           </a:p>
+          <a:p>
+            <a:endParaRPr lang="en-IE" dirty="0"/>
+          </a:p>
+          <a:p>
+            <a:r>
+              <a:rPr lang="en-IE" dirty="0"/>
+              <a:t>Free for 180 days. Must use a dedicated Log Analytics workspace. No solution other than Service Map may be used with this workspace.</a:t>
+            </a:r>
+          </a:p>
         </p:txBody>
       </p:sp>
       <p:sp>
@@ -2225,7 +2317,7 @@
           <a:p>
             <a:fld id="{386CE63F-9E7F-4C04-9D0D-FCA25A8E9E86}" type="datetime8">
               <a:rPr lang="en-US" smtClean="0"/>
-              <a:t>9/9/2021 8:49 AM</a:t>
+              <a:t>9/22/2021 2:36 PM</a:t>
             </a:fld>
             <a:endParaRPr lang="en-US" dirty="0"/>
           </a:p>
@@ -2258,7 +2350,7 @@
     </p:spTree>
     <p:extLst>
       <p:ext uri="{BB962C8B-B14F-4D97-AF65-F5344CB8AC3E}">
-        <p14:creationId xmlns:p14="http://schemas.microsoft.com/office/powerpoint/2010/main" val="108880782"/>
+        <p14:creationId xmlns:p14="http://schemas.microsoft.com/office/powerpoint/2010/main" val="217885602"/>
       </p:ext>
     </p:extLst>
   </p:cSld>
@@ -2402,7 +2494,7 @@
           <a:p>
             <a:fld id="{386CE63F-9E7F-4C04-9D0D-FCA25A8E9E86}" type="datetime8">
               <a:rPr lang="en-US" smtClean="0"/>
-              <a:t>9/9/2021 8:49 AM</a:t>
+              <a:t>9/22/2021 2:36 PM</a:t>
             </a:fld>
             <a:endParaRPr lang="en-US" dirty="0"/>
           </a:p>
@@ -2435,7 +2527,7 @@
     </p:spTree>
     <p:extLst>
       <p:ext uri="{BB962C8B-B14F-4D97-AF65-F5344CB8AC3E}">
-        <p14:creationId xmlns:p14="http://schemas.microsoft.com/office/powerpoint/2010/main" val="217885602"/>
+        <p14:creationId xmlns:p14="http://schemas.microsoft.com/office/powerpoint/2010/main" val="4178015033"/>
       </p:ext>
     </p:extLst>
   </p:cSld>
@@ -2579,7 +2671,7 @@
           <a:p>
             <a:fld id="{386CE63F-9E7F-4C04-9D0D-FCA25A8E9E86}" type="datetime8">
               <a:rPr lang="en-US" smtClean="0"/>
-              <a:t>9/9/2021 8:49 AM</a:t>
+              <a:t>9/22/2021 2:36 PM</a:t>
             </a:fld>
             <a:endParaRPr lang="en-US" dirty="0"/>
           </a:p>
@@ -2612,7 +2704,7 @@
     </p:spTree>
     <p:extLst>
       <p:ext uri="{BB962C8B-B14F-4D97-AF65-F5344CB8AC3E}">
-        <p14:creationId xmlns:p14="http://schemas.microsoft.com/office/powerpoint/2010/main" val="4178015033"/>
+        <p14:creationId xmlns:p14="http://schemas.microsoft.com/office/powerpoint/2010/main" val="3801014734"/>
       </p:ext>
     </p:extLst>
   </p:cSld>
@@ -2666,30 +2758,128 @@
           <a:bodyPr/>
           <a:lstStyle/>
           <a:p>
-            <a:endParaRPr lang="en-IE" dirty="0"/>
-          </a:p>
-          <a:p>
-            <a:endParaRPr lang="en-IE" dirty="0"/>
-          </a:p>
-          <a:p>
-            <a:endParaRPr lang="en-IE" dirty="0"/>
-          </a:p>
-          <a:p>
-            <a:r>
-              <a:rPr lang="en-IE" dirty="0"/>
-              <a:t>Free for 180 days. Must use a dedicated Log Analytics workspace. No solution other than Service Map may be used with this workspace.</a:t>
+            <a:r>
+              <a:rPr lang="en-US" sz="1200" b="1" kern="1200" dirty="0">
+                <a:solidFill>
+                  <a:schemeClr val="tx1"/>
+                </a:solidFill>
+                <a:effectLst/>
+                <a:latin typeface="+mn-lt"/>
+                <a:ea typeface="+mn-ea"/>
+                <a:cs typeface="+mn-cs"/>
+              </a:rPr>
+              <a:t>**Objection:**</a:t>
+            </a:r>
+            <a:r>
+              <a:rPr lang="en-US" sz="1200" b="0" kern="1200" dirty="0">
+                <a:solidFill>
+                  <a:schemeClr val="tx1"/>
+                </a:solidFill>
+                <a:effectLst/>
+                <a:latin typeface="+mn-lt"/>
+                <a:ea typeface="+mn-ea"/>
+                <a:cs typeface="+mn-cs"/>
+              </a:rPr>
+              <a:t> Owners of each business application need to approve any substantial application change, including migration. Business owners have indicated that they will require evidence that migration will be successful before granting approval.</a:t>
+            </a:r>
+          </a:p>
+          <a:p>
+            <a:br>
+              <a:rPr lang="en-US" sz="1200" b="0" kern="1200" dirty="0">
+                <a:solidFill>
+                  <a:schemeClr val="tx1"/>
+                </a:solidFill>
+                <a:effectLst/>
+                <a:latin typeface="+mn-lt"/>
+                <a:ea typeface="+mn-ea"/>
+                <a:cs typeface="+mn-cs"/>
+              </a:rPr>
+            </a:br>
+            <a:r>
+              <a:rPr lang="en-US" sz="1200" b="1" kern="1200" dirty="0">
+                <a:solidFill>
+                  <a:schemeClr val="tx1"/>
+                </a:solidFill>
+                <a:effectLst/>
+                <a:latin typeface="+mn-lt"/>
+                <a:ea typeface="+mn-ea"/>
+                <a:cs typeface="+mn-cs"/>
+              </a:rPr>
+              <a:t>**Answer:**</a:t>
+            </a:r>
+            <a:r>
+              <a:rPr lang="en-US" sz="1200" b="0" kern="1200" dirty="0">
+                <a:solidFill>
+                  <a:schemeClr val="tx1"/>
+                </a:solidFill>
+                <a:effectLst/>
+                <a:latin typeface="+mn-lt"/>
+                <a:ea typeface="+mn-ea"/>
+                <a:cs typeface="+mn-cs"/>
+              </a:rPr>
+              <a:t> Migration projects should include creation of a proof of concept deployment, to validate the overall architecture and any assumptions, for example regarding the impact of changes to network latency between application components. This helps build confidence in Azure as a platform for hosting the application.</a:t>
+            </a:r>
+          </a:p>
+          <a:p>
+            <a:br>
+              <a:rPr lang="en-US" sz="1200" b="0" kern="1200" dirty="0">
+                <a:solidFill>
+                  <a:schemeClr val="tx1"/>
+                </a:solidFill>
+                <a:effectLst/>
+                <a:latin typeface="+mn-lt"/>
+                <a:ea typeface="+mn-ea"/>
+                <a:cs typeface="+mn-cs"/>
+              </a:rPr>
+            </a:br>
+            <a:r>
+              <a:rPr lang="en-US" sz="1200" b="0" kern="1200" dirty="0">
+                <a:solidFill>
+                  <a:schemeClr val="tx1"/>
+                </a:solidFill>
+                <a:effectLst/>
+                <a:latin typeface="+mn-lt"/>
+                <a:ea typeface="+mn-ea"/>
+                <a:cs typeface="+mn-cs"/>
+              </a:rPr>
+              <a:t>For the migration process itself, Azure Migrate supports a 'test failover'. This creates the Azure deployment in parallel with the existing deployment, allowing the migration process to be verified without risk of production impact. Likewise, database migration using DMS does not impact the existing production database.</a:t>
+            </a:r>
+          </a:p>
+          <a:p>
+            <a:br>
+              <a:rPr lang="en-US" sz="1200" b="0" kern="1200" dirty="0">
+                <a:solidFill>
+                  <a:schemeClr val="tx1"/>
+                </a:solidFill>
+                <a:effectLst/>
+                <a:latin typeface="+mn-lt"/>
+                <a:ea typeface="+mn-ea"/>
+                <a:cs typeface="+mn-cs"/>
+              </a:rPr>
+            </a:br>
+            <a:r>
+              <a:rPr lang="en-US" sz="1200" b="0" kern="1200" dirty="0">
+                <a:solidFill>
+                  <a:schemeClr val="tx1"/>
+                </a:solidFill>
+                <a:effectLst/>
+                <a:latin typeface="+mn-lt"/>
+                <a:ea typeface="+mn-ea"/>
+                <a:cs typeface="+mn-cs"/>
+              </a:rPr>
+              <a:t>Third-party migration tools used for migration of physical servers similarly support a validation step prior to committing the migration.</a:t>
             </a:r>
           </a:p>
         </p:txBody>
       </p:sp>
       <p:sp>
         <p:nvSpPr>
-          <p:cNvPr id="4" name="Header Placeholder 3"/>
+          <p:cNvPr id="4" name="Slide Number Placeholder 3"/>
           <p:cNvSpPr>
             <a:spLocks noGrp="1"/>
           </p:cNvSpPr>
           <p:nvPr>
-            <p:ph type="hdr" sz="quarter"/>
+            <p:ph type="sldNum" sz="quarter" idx="10"/>
           </p:nvPr>
         </p:nvSpPr>
         <p:spPr/>
@@ -2697,89 +2887,8 @@
           <a:bodyPr/>
           <a:lstStyle/>
           <a:p>
-            <a:endParaRPr lang="en-US" dirty="0"/>
-          </a:p>
-        </p:txBody>
-      </p:sp>
-      <p:sp>
-        <p:nvSpPr>
-          <p:cNvPr id="5" name="Footer Placeholder 4"/>
-          <p:cNvSpPr>
-            <a:spLocks noGrp="1"/>
-          </p:cNvSpPr>
-          <p:nvPr>
-            <p:ph type="ftr" sz="quarter" idx="4"/>
-          </p:nvPr>
-        </p:nvSpPr>
-        <p:spPr/>
-        <p:txBody>
-          <a:bodyPr/>
-          <a:lstStyle/>
-          <a:p>
-            <a:pPr defTabSz="914099" eaLnBrk="0" hangingPunct="0"/>
-            <a:r>
-              <a:rPr lang="en-US" sz="400" dirty="0">
-                <a:gradFill>
-                  <a:gsLst>
-                    <a:gs pos="0">
-                      <a:prstClr val="black"/>
-                    </a:gs>
-                    <a:gs pos="100000">
-                      <a:prstClr val="black"/>
-                    </a:gs>
-                  </a:gsLst>
-                  <a:lin ang="5400000" scaled="0"/>
-                </a:gradFill>
-                <a:latin typeface="Segoe UI" pitchFamily="34" charset="0"/>
-                <a:ea typeface="Segoe UI" pitchFamily="34" charset="0"/>
-                <a:cs typeface="Segoe UI" pitchFamily="34" charset="0"/>
-              </a:rPr>
-              <a:t>© Microsoft Corporation. All rights reserved. MICROSOFT MAKES NO WARRANTIES, EXPRESS, IMPLIED OR STATUTORY, AS TO THE INFORMATION IN THIS PRESENTATION.</a:t>
-            </a:r>
-          </a:p>
-        </p:txBody>
-      </p:sp>
-      <p:sp>
-        <p:nvSpPr>
-          <p:cNvPr id="6" name="Date Placeholder 5"/>
-          <p:cNvSpPr>
-            <a:spLocks noGrp="1"/>
-          </p:cNvSpPr>
-          <p:nvPr>
-            <p:ph type="dt" idx="1"/>
-          </p:nvPr>
-        </p:nvSpPr>
-        <p:spPr/>
-        <p:txBody>
-          <a:bodyPr/>
-          <a:lstStyle/>
-          <a:p>
-            <a:fld id="{386CE63F-9E7F-4C04-9D0D-FCA25A8E9E86}" type="datetime8">
+            <a:fld id="{0998D5BB-B127-481F-BC0A-2F77C576BB34}" type="slidenum">
               <a:rPr lang="en-US" smtClean="0"/>
-              <a:t>9/9/2021 8:49 AM</a:t>
-            </a:fld>
-            <a:endParaRPr lang="en-US" dirty="0"/>
-          </a:p>
-        </p:txBody>
-      </p:sp>
-      <p:sp>
-        <p:nvSpPr>
-          <p:cNvPr id="7" name="Slide Number Placeholder 6"/>
-          <p:cNvSpPr>
-            <a:spLocks noGrp="1"/>
-          </p:cNvSpPr>
-          <p:nvPr>
-            <p:ph type="sldNum" sz="quarter" idx="5"/>
-          </p:nvPr>
-        </p:nvSpPr>
-        <p:spPr/>
-        <p:txBody>
-          <a:bodyPr/>
-          <a:lstStyle/>
-          <a:p>
-            <a:fld id="{B4008EB6-D09E-4580-8CD6-DDB14511944F}" type="slidenum">
-              <a:rPr lang="en-US" smtClean="0"/>
-              <a:pPr/>
               <a:t>29</a:t>
             </a:fld>
             <a:endParaRPr lang="en-US" dirty="0"/>
@@ -2789,7 +2898,7 @@
     </p:spTree>
     <p:extLst>
       <p:ext uri="{BB962C8B-B14F-4D97-AF65-F5344CB8AC3E}">
-        <p14:creationId xmlns:p14="http://schemas.microsoft.com/office/powerpoint/2010/main" val="3801014734"/>
+        <p14:creationId xmlns:p14="http://schemas.microsoft.com/office/powerpoint/2010/main" val="1440095304"/>
       </p:ext>
     </p:extLst>
   </p:cSld>
@@ -2865,7 +2974,7 @@
                 <a:ea typeface="+mn-ea"/>
                 <a:cs typeface="+mn-cs"/>
               </a:rPr>
-              <a:t> Owners of each business application need to approve any substantial application change, including migration. Business owners have indicated that they will require evidence that migration will be successful before granting approval.</a:t>
+              <a:t> Fabrikam have negotiated an Enterprise Agreement (EA) with Microsoft for their Azure consumption. Any cost estimates need to reflect their EA discount.</a:t>
             </a:r>
           </a:p>
           <a:p>
@@ -2902,57 +3011,7 @@
                 <a:ea typeface="+mn-ea"/>
                 <a:cs typeface="+mn-cs"/>
               </a:rPr>
-              <a:t> Migration projects should include creation of a proof of concept deployment, to validate the overall architecture and any assumptions, for example regarding the impact of changes to network latency between application components. This helps build confidence in Azure as a platform for hosting the application.</a:t>
-            </a:r>
-          </a:p>
-          <a:p>
-            <a:br>
-              <a:rPr lang="en-US" sz="1200" b="0" kern="1200" dirty="0">
-                <a:solidFill>
-                  <a:schemeClr val="tx1"/>
-                </a:solidFill>
-                <a:effectLst/>
-                <a:latin typeface="+mn-lt"/>
-                <a:ea typeface="+mn-ea"/>
-                <a:cs typeface="+mn-cs"/>
-              </a:rPr>
-            </a:br>
-            <a:r>
-              <a:rPr lang="en-US" sz="1200" b="0" kern="1200" dirty="0">
-                <a:solidFill>
-                  <a:schemeClr val="tx1"/>
-                </a:solidFill>
-                <a:effectLst/>
-                <a:latin typeface="+mn-lt"/>
-                <a:ea typeface="+mn-ea"/>
-                <a:cs typeface="+mn-cs"/>
-              </a:rPr>
-              <a:t>For the migration process itself, Azure Migrate supports a 'test failover'. This creates the Azure deployment in parallel with the existing deployment, allowing the migration process to be verified without risk of production impact. Likewise, database migration using DMS does not impact the existing production database.</a:t>
-            </a:r>
-          </a:p>
-          <a:p>
-            <a:br>
-              <a:rPr lang="en-US" sz="1200" b="0" kern="1200" dirty="0">
-                <a:solidFill>
-                  <a:schemeClr val="tx1"/>
-                </a:solidFill>
-                <a:effectLst/>
-                <a:latin typeface="+mn-lt"/>
-                <a:ea typeface="+mn-ea"/>
-                <a:cs typeface="+mn-cs"/>
-              </a:rPr>
-            </a:br>
-            <a:r>
-              <a:rPr lang="en-US" sz="1200" b="0" kern="1200" dirty="0">
-                <a:solidFill>
-                  <a:schemeClr val="tx1"/>
-                </a:solidFill>
-                <a:effectLst/>
-                <a:latin typeface="+mn-lt"/>
-                <a:ea typeface="+mn-ea"/>
-                <a:cs typeface="+mn-cs"/>
-              </a:rPr>
-              <a:t>Third-party migration tools used for migration of physical servers similarly support a validation step prior to committing the migration.</a:t>
+              <a:t> Not a problem! Cost estimates from both Azure Migrate and the Azure Pricing Calculator can be tailored to reflect your EA discount.</a:t>
             </a:r>
           </a:p>
         </p:txBody>
@@ -2983,7 +3042,7 @@
     </p:spTree>
     <p:extLst>
       <p:ext uri="{BB962C8B-B14F-4D97-AF65-F5344CB8AC3E}">
-        <p14:creationId xmlns:p14="http://schemas.microsoft.com/office/powerpoint/2010/main" val="1440095304"/>
+        <p14:creationId xmlns:p14="http://schemas.microsoft.com/office/powerpoint/2010/main" val="1807515612"/>
       </p:ext>
     </p:extLst>
   </p:cSld>
@@ -3059,7 +3118,44 @@
                 <a:ea typeface="+mn-ea"/>
                 <a:cs typeface="+mn-cs"/>
               </a:rPr>
-              <a:t> Fabrikam have negotiated an Enterprise Agreement (EA) with Microsoft for their Azure consumption. Any cost estimates need to reflect their EA discount.</a:t>
+              <a:t> Many applications comprise multiple components or tiers. How can you ensure that these migrations are appropriately orchestrated?</a:t>
+            </a:r>
+          </a:p>
+          <a:p>
+            <a:endParaRPr lang="en-US" sz="1200" b="0" kern="1200" dirty="0">
+              <a:solidFill>
+                <a:schemeClr val="tx1"/>
+              </a:solidFill>
+              <a:effectLst/>
+              <a:latin typeface="+mn-lt"/>
+              <a:ea typeface="+mn-ea"/>
+              <a:cs typeface="+mn-cs"/>
+            </a:endParaRPr>
+          </a:p>
+          <a:p>
+            <a:r>
+              <a:rPr lang="en-US" sz="1200" b="1" kern="1200" dirty="0">
+                <a:solidFill>
+                  <a:schemeClr val="tx1"/>
+                </a:solidFill>
+                <a:effectLst/>
+                <a:latin typeface="+mn-lt"/>
+                <a:ea typeface="+mn-ea"/>
+                <a:cs typeface="+mn-cs"/>
+              </a:rPr>
+              <a:t>**Answer:**</a:t>
+            </a:r>
+            <a:r>
+              <a:rPr lang="en-US" sz="1200" b="0" kern="1200" dirty="0">
+                <a:solidFill>
+                  <a:schemeClr val="tx1"/>
+                </a:solidFill>
+                <a:effectLst/>
+                <a:latin typeface="+mn-lt"/>
+                <a:ea typeface="+mn-ea"/>
+                <a:cs typeface="+mn-cs"/>
+              </a:rPr>
+              <a:t> Using Azure Migrate, VMs can be grouped to reflect the application architecture. The dependency visualization feature of Azure Migrate helps identify and configure these groupings.</a:t>
             </a:r>
           </a:p>
           <a:p>
@@ -3075,18 +3171,6 @@
               </a:rPr>
             </a:br>
             <a:r>
-              <a:rPr lang="en-US" sz="1200" b="1" kern="1200" dirty="0">
-                <a:solidFill>
-                  <a:schemeClr val="tx1"/>
-                </a:solidFill>
-                <a:effectLst/>
-                <a:latin typeface="+mn-lt"/>
-                <a:ea typeface="+mn-ea"/>
-                <a:cs typeface="+mn-cs"/>
-              </a:rPr>
-              <a:t>**Answer:**</a:t>
-            </a:r>
-            <a:r>
               <a:rPr lang="en-US" sz="1200" b="0" kern="1200" dirty="0">
                 <a:solidFill>
                   <a:schemeClr val="tx1"/>
@@ -3096,8 +3180,36 @@
                 <a:ea typeface="+mn-ea"/>
                 <a:cs typeface="+mn-cs"/>
               </a:rPr>
-              <a:t> Not a problem! Cost estimates from both Azure Migrate and the Azure Pricing Calculator can be tailored to reflect your EA discount.</a:t>
-            </a:r>
+              <a:t>The migration process can then be staged to migrate different groups of VMs separately. Custom scripts can be used to perform custom pre- and post-migration operations.</a:t>
+            </a:r>
+          </a:p>
+          <a:p>
+            <a:br>
+              <a:rPr lang="en-US" sz="1200" b="0" kern="1200" dirty="0">
+                <a:solidFill>
+                  <a:schemeClr val="tx1"/>
+                </a:solidFill>
+                <a:effectLst/>
+                <a:latin typeface="+mn-lt"/>
+                <a:ea typeface="+mn-ea"/>
+                <a:cs typeface="+mn-cs"/>
+              </a:rPr>
+            </a:br>
+            <a:r>
+              <a:rPr lang="en-US" sz="1200" b="0" kern="1200" dirty="0">
+                <a:solidFill>
+                  <a:schemeClr val="tx1"/>
+                </a:solidFill>
+                <a:effectLst/>
+                <a:latin typeface="+mn-lt"/>
+                <a:ea typeface="+mn-ea"/>
+                <a:cs typeface="+mn-cs"/>
+              </a:rPr>
+              <a:t>Similar orchestration is also supported by third-party migration tools, used for physical servers.</a:t>
+            </a:r>
+          </a:p>
+          <a:p>
+            <a:endParaRPr lang="en-US" dirty="0"/>
           </a:p>
         </p:txBody>
       </p:sp>
@@ -3127,7 +3239,7 @@
     </p:spTree>
     <p:extLst>
       <p:ext uri="{BB962C8B-B14F-4D97-AF65-F5344CB8AC3E}">
-        <p14:creationId xmlns:p14="http://schemas.microsoft.com/office/powerpoint/2010/main" val="1807515612"/>
+        <p14:creationId xmlns:p14="http://schemas.microsoft.com/office/powerpoint/2010/main" val="1536402107"/>
       </p:ext>
     </p:extLst>
   </p:cSld>
@@ -3203,7 +3315,7 @@
                 <a:ea typeface="+mn-ea"/>
                 <a:cs typeface="+mn-cs"/>
               </a:rPr>
-              <a:t> Many applications comprise multiple components or tiers. How can you ensure that these migrations are appropriately orchestrated?</a:t>
+              <a:t> To reduce business impact, each migration should be designed to minimize application downtime. In addition, to reduce risk, there must be an option to fail-back should the migration experience an unexpected problem.</a:t>
             </a:r>
           </a:p>
           <a:p>
@@ -3240,7 +3352,7 @@
                 <a:ea typeface="+mn-ea"/>
                 <a:cs typeface="+mn-cs"/>
               </a:rPr>
-              <a:t> Using Azure Migrate, VMs can be grouped to reflect the application architecture. The dependency visualization feature of Azure Migrate helps identify and configure these groupings.</a:t>
+              <a:t> Migration will always be designed to create the new application deployment in parallel with the existing deployment. This applies to all application tiers, including the database.</a:t>
             </a:r>
           </a:p>
           <a:p>
@@ -3265,7 +3377,21 @@
                 <a:ea typeface="+mn-ea"/>
                 <a:cs typeface="+mn-cs"/>
               </a:rPr>
-              <a:t>The migration process can then be staged to migrate different groups of VMs separately. Custom scripts can be used to perform custom pre- and post-migration operations.</a:t>
+              <a:t>To ensure data consistency during migration, a short application downtime may be required. For application servers migrated using Azure Migrate, incremental replication keeps the duration of this downtime to a minimum, since the initial data transfer can happen while the application is on-line so only deltas need be synchronized during the migration window.</a:t>
+            </a:r>
+          </a:p>
+          <a:p>
+            <a:r>
+              <a:rPr lang="en-US" sz="1200" b="0" kern="1200" dirty="0">
+                <a:solidFill>
+                  <a:schemeClr val="tx1"/>
+                </a:solidFill>
+                <a:effectLst/>
+                <a:latin typeface="+mn-lt"/>
+                <a:ea typeface="+mn-ea"/>
+                <a:cs typeface="+mn-cs"/>
+              </a:rPr>
+              <a:t>Similarly, data migration using DMS supports online migration, allowing you to keep your application online while data is synchronized, and to track the status of any pending changes. Only a short downtime window is required to cut over to the new database.</a:t>
             </a:r>
           </a:p>
           <a:p>
@@ -3290,7 +3416,7 @@
                 <a:ea typeface="+mn-ea"/>
                 <a:cs typeface="+mn-cs"/>
               </a:rPr>
-              <a:t>Similar orchestration is also supported by third-party migration tools, used for physical servers.</a:t>
+              <a:t>In the event of an unexpected issue arising, the existing deployment remains available as a fail-back. If the issue is detected prior to cutting over production traffic to the new service, the on-premises server can immediately pick up where it left off. If the need to fail-back is identified only after the migrated service has received production traffic, then database changes may have occurred, which will need to be reverse-migrated to the on-premises system. This scenario is best avoided by ensuring the migration is properly tested. For critical applications the reverse-migration should be tested (in a test environment) in case it is required.</a:t>
             </a:r>
           </a:p>
           <a:p>
@@ -3324,7 +3450,7 @@
     </p:spTree>
     <p:extLst>
       <p:ext uri="{BB962C8B-B14F-4D97-AF65-F5344CB8AC3E}">
-        <p14:creationId xmlns:p14="http://schemas.microsoft.com/office/powerpoint/2010/main" val="1536402107"/>
+        <p14:creationId xmlns:p14="http://schemas.microsoft.com/office/powerpoint/2010/main" val="1042991434"/>
       </p:ext>
     </p:extLst>
   </p:cSld>
@@ -3484,44 +3610,7 @@
                 <a:ea typeface="+mn-ea"/>
                 <a:cs typeface="+mn-cs"/>
               </a:rPr>
-              <a:t> To reduce business impact, each migration should be designed to minimize application downtime. In addition, to reduce risk, there must be an option to fail-back should the migration experience an unexpected problem.</a:t>
-            </a:r>
-          </a:p>
-          <a:p>
-            <a:endParaRPr lang="en-US" sz="1200" b="0" kern="1200" dirty="0">
-              <a:solidFill>
-                <a:schemeClr val="tx1"/>
-              </a:solidFill>
-              <a:effectLst/>
-              <a:latin typeface="+mn-lt"/>
-              <a:ea typeface="+mn-ea"/>
-              <a:cs typeface="+mn-cs"/>
-            </a:endParaRPr>
-          </a:p>
-          <a:p>
-            <a:r>
-              <a:rPr lang="en-US" sz="1200" b="1" kern="1200" dirty="0">
-                <a:solidFill>
-                  <a:schemeClr val="tx1"/>
-                </a:solidFill>
-                <a:effectLst/>
-                <a:latin typeface="+mn-lt"/>
-                <a:ea typeface="+mn-ea"/>
-                <a:cs typeface="+mn-cs"/>
-              </a:rPr>
-              <a:t>**Answer:**</a:t>
-            </a:r>
-            <a:r>
-              <a:rPr lang="en-US" sz="1200" b="0" kern="1200" dirty="0">
-                <a:solidFill>
-                  <a:schemeClr val="tx1"/>
-                </a:solidFill>
-                <a:effectLst/>
-                <a:latin typeface="+mn-lt"/>
-                <a:ea typeface="+mn-ea"/>
-                <a:cs typeface="+mn-cs"/>
-              </a:rPr>
-              <a:t> Migration will always be designed to create the new application deployment in parallel with the existing deployment. This applies to all application tiers, including the database.</a:t>
+              <a:t> We are expecting to move all our existing infrastructure to Azure. Reducing our on-premises server costs should provide substantial cost savings. Can you confirm what savings we can expect?</a:t>
             </a:r>
           </a:p>
           <a:p>
@@ -3537,6 +3626,18 @@
               </a:rPr>
             </a:br>
             <a:r>
+              <a:rPr lang="en-US" sz="1200" b="1" kern="1200" dirty="0">
+                <a:solidFill>
+                  <a:schemeClr val="tx1"/>
+                </a:solidFill>
+                <a:effectLst/>
+                <a:latin typeface="+mn-lt"/>
+                <a:ea typeface="+mn-ea"/>
+                <a:cs typeface="+mn-cs"/>
+              </a:rPr>
+              <a:t>**Answer:**</a:t>
+            </a:r>
+            <a:r>
               <a:rPr lang="en-US" sz="1200" b="0" kern="1200" dirty="0">
                 <a:solidFill>
                   <a:schemeClr val="tx1"/>
@@ -3546,21 +3647,7 @@
                 <a:ea typeface="+mn-ea"/>
                 <a:cs typeface="+mn-cs"/>
               </a:rPr>
-              <a:t>To ensure data consistency during migration, a short application downtime may be required. For application servers migrated using Azure Migrate, incremental replication keeps the duration of this downtime to a minimum, since the initial data transfer can happen while the application is on-line so only deltas need be synchronized during the migration window.</a:t>
-            </a:r>
-          </a:p>
-          <a:p>
-            <a:r>
-              <a:rPr lang="en-US" sz="1200" b="0" kern="1200" dirty="0">
-                <a:solidFill>
-                  <a:schemeClr val="tx1"/>
-                </a:solidFill>
-                <a:effectLst/>
-                <a:latin typeface="+mn-lt"/>
-                <a:ea typeface="+mn-ea"/>
-                <a:cs typeface="+mn-cs"/>
-              </a:rPr>
-              <a:t>Similarly, data migration using DMS supports online migration, allowing you to keep your application online while data is synchronized, and to track the status of any pending changes. Only a short downtime window is required to cut over to the new database.</a:t>
+              <a:t> It is a common myth that all workloads should move to the cloud, and that the cloud will automatically be cheaper. Careful planning will be required to optimize your Azure deployment, and a cost analysis performed to make sure the business case for migration is sound and fully understood.</a:t>
             </a:r>
           </a:p>
           <a:p>
@@ -3585,11 +3672,32 @@
                 <a:ea typeface="+mn-ea"/>
                 <a:cs typeface="+mn-cs"/>
               </a:rPr>
-              <a:t>In the event of an unexpected issue arising, the existing deployment remains available as a fail-back. If the issue is detected prior to cutting over production traffic to the new service, the on-premises server can immediately pick up where it left off. If the need to fail-back is identified only after the migrated service has received production traffic, then database changes may have occurred, which will need to be reverse-migrated to the on-premises system. This scenario is best avoided by ensuring the migration is properly tested. For critical applications the reverse-migration should be tested (in a test environment) in case it is required.</a:t>
-            </a:r>
-          </a:p>
-          <a:p>
-            <a:endParaRPr lang="en-US" dirty="0"/>
+              <a:t>The [Build a business justification for cloud migration](</a:t>
+            </a:r>
+            <a:r>
+              <a:rPr lang="en-US" sz="1200" b="0" u="sng" kern="1200" dirty="0">
+                <a:solidFill>
+                  <a:schemeClr val="tx1"/>
+                </a:solidFill>
+                <a:effectLst/>
+                <a:latin typeface="+mn-lt"/>
+                <a:ea typeface="+mn-ea"/>
+                <a:cs typeface="+mn-cs"/>
+              </a:rPr>
+              <a:t>https://docs.microsoft.com/azure/architecture/cloud-adoption/business-strategy/cloud-migration-business-case</a:t>
+            </a:r>
+            <a:r>
+              <a:rPr lang="en-US" sz="1200" b="0" kern="1200" dirty="0">
+                <a:solidFill>
+                  <a:schemeClr val="tx1"/>
+                </a:solidFill>
+                <a:effectLst/>
+                <a:latin typeface="+mn-lt"/>
+                <a:ea typeface="+mn-ea"/>
+                <a:cs typeface="+mn-cs"/>
+              </a:rPr>
+              <a:t>) guide is a useful resource for dispelling cloud adoption myths and building a realistic business case.</a:t>
+            </a:r>
           </a:p>
         </p:txBody>
       </p:sp>
@@ -3619,7 +3727,7 @@
     </p:spTree>
     <p:extLst>
       <p:ext uri="{BB962C8B-B14F-4D97-AF65-F5344CB8AC3E}">
-        <p14:creationId xmlns:p14="http://schemas.microsoft.com/office/powerpoint/2010/main" val="1042991434"/>
+        <p14:creationId xmlns:p14="http://schemas.microsoft.com/office/powerpoint/2010/main" val="2696973453"/>
       </p:ext>
     </p:extLst>
   </p:cSld>
@@ -3674,18 +3782,6 @@
           <a:lstStyle/>
           <a:p>
             <a:r>
-              <a:rPr lang="en-US" sz="1200" b="1" kern="1200" dirty="0">
-                <a:solidFill>
-                  <a:schemeClr val="tx1"/>
-                </a:solidFill>
-                <a:effectLst/>
-                <a:latin typeface="+mn-lt"/>
-                <a:ea typeface="+mn-ea"/>
-                <a:cs typeface="+mn-cs"/>
-              </a:rPr>
-              <a:t>**Objection:**</a:t>
-            </a:r>
-            <a:r>
               <a:rPr lang="en-US" sz="1200" b="0" kern="1200" dirty="0">
                 <a:solidFill>
                   <a:schemeClr val="tx1"/>
@@ -3695,11 +3791,21 @@
                 <a:ea typeface="+mn-ea"/>
                 <a:cs typeface="+mn-cs"/>
               </a:rPr>
-              <a:t> We are expecting to move all our existing infrastructure to Azure. Reducing our on-premises server costs should provide substantial cost savings. Can you confirm what savings we can expect?</a:t>
-            </a:r>
-          </a:p>
-          <a:p>
-            <a:br>
+              <a:t>Often running generic use Virtual Machines in Azure, while reliable and easy to migrate, do not offer as many service, ease of use or scaling, or </a:t>
+            </a:r>
+            <a:r>
+              <a:rPr lang="en-US" sz="1200" b="0" kern="1200" dirty="0" err="1">
+                <a:solidFill>
+                  <a:schemeClr val="tx1"/>
+                </a:solidFill>
+                <a:effectLst/>
+                <a:latin typeface="+mn-lt"/>
+                <a:ea typeface="+mn-ea"/>
+                <a:cs typeface="+mn-cs"/>
+              </a:rPr>
+              <a:t>relabiliity</a:t>
+            </a:r>
+            <a:r>
               <a:rPr lang="en-US" sz="1200" b="0" kern="1200" dirty="0">
                 <a:solidFill>
                   <a:schemeClr val="tx1"/>
@@ -3709,19 +3815,21 @@
                 <a:ea typeface="+mn-ea"/>
                 <a:cs typeface="+mn-cs"/>
               </a:rPr>
-            </a:br>
-            <a:r>
-              <a:rPr lang="en-US" sz="1200" b="1" kern="1200" dirty="0">
-                <a:solidFill>
-                  <a:schemeClr val="tx1"/>
-                </a:solidFill>
-                <a:effectLst/>
-                <a:latin typeface="+mn-lt"/>
-                <a:ea typeface="+mn-ea"/>
-                <a:cs typeface="+mn-cs"/>
-              </a:rPr>
-              <a:t>**Answer:**</a:t>
-            </a:r>
+              <a:t> as hosted PaaS services and often are less cost optimal as a general service then an optimized managed solution.  Therefore it is often helpful to identify services that could be augmented or replaced in future updates once those services are deployed in Azure.</a:t>
+            </a:r>
+          </a:p>
+          <a:p>
+            <a:endParaRPr lang="en-US" sz="1200" b="0" kern="1200" dirty="0">
+              <a:solidFill>
+                <a:schemeClr val="tx1"/>
+              </a:solidFill>
+              <a:effectLst/>
+              <a:latin typeface="+mn-lt"/>
+              <a:ea typeface="+mn-ea"/>
+              <a:cs typeface="+mn-cs"/>
+            </a:endParaRPr>
+          </a:p>
+          <a:p>
             <a:r>
               <a:rPr lang="en-US" sz="1200" b="0" kern="1200" dirty="0">
                 <a:solidFill>
@@ -3732,12 +3840,10 @@
                 <a:ea typeface="+mn-ea"/>
                 <a:cs typeface="+mn-cs"/>
               </a:rPr>
-              <a:t> It is a common myth that all workloads should move to the cloud, and that the cloud will automatically be cheaper. Careful planning will be required to optimize your Azure deployment, and a cost analysis performed to make sure the business case for migration is sound and fully understood.</a:t>
-            </a:r>
-          </a:p>
-          <a:p>
-            <a:br>
-              <a:rPr lang="en-US" sz="1200" b="0" kern="1200" dirty="0">
+              <a:t>Some service such as Azure Monitor can be deployed easily but might require more setup &amp; tuning for the environment.  Other services such as moving to AKS may require a fair amount of application redesign or rewrite, but offer a host of dynamic &amp; reliability while providing a quick update and </a:t>
+            </a:r>
+            <a:r>
+              <a:rPr lang="en-US" sz="1200" b="0" kern="1200">
                 <a:solidFill>
                   <a:schemeClr val="tx1"/>
                 </a:solidFill>
@@ -3746,43 +3852,17 @@
                 <a:ea typeface="+mn-ea"/>
                 <a:cs typeface="+mn-cs"/>
               </a:rPr>
-            </a:br>
-            <a:r>
-              <a:rPr lang="en-US" sz="1200" b="0" kern="1200" dirty="0">
-                <a:solidFill>
-                  <a:schemeClr val="tx1"/>
-                </a:solidFill>
-                <a:effectLst/>
-                <a:latin typeface="+mn-lt"/>
-                <a:ea typeface="+mn-ea"/>
-                <a:cs typeface="+mn-cs"/>
-              </a:rPr>
-              <a:t>The [Build a business justification for cloud migration](</a:t>
-            </a:r>
-            <a:r>
-              <a:rPr lang="en-US" sz="1200" b="0" u="sng" kern="1200" dirty="0">
-                <a:solidFill>
-                  <a:schemeClr val="tx1"/>
-                </a:solidFill>
-                <a:effectLst/>
-                <a:latin typeface="+mn-lt"/>
-                <a:ea typeface="+mn-ea"/>
-                <a:cs typeface="+mn-cs"/>
-              </a:rPr>
-              <a:t>https://docs.microsoft.com/azure/architecture/cloud-adoption/business-strategy/cloud-migration-business-case</a:t>
-            </a:r>
-            <a:r>
-              <a:rPr lang="en-US" sz="1200" b="0" kern="1200" dirty="0">
-                <a:solidFill>
-                  <a:schemeClr val="tx1"/>
-                </a:solidFill>
-                <a:effectLst/>
-                <a:latin typeface="+mn-lt"/>
-                <a:ea typeface="+mn-ea"/>
-                <a:cs typeface="+mn-cs"/>
-              </a:rPr>
-              <a:t>) guide is a useful resource for dispelling cloud adoption myths and building a realistic business case.</a:t>
-            </a:r>
+              <a:t>deployment solution.</a:t>
+            </a:r>
+            <a:endParaRPr lang="en-US" sz="1200" b="0" kern="1200" dirty="0">
+              <a:solidFill>
+                <a:schemeClr val="tx1"/>
+              </a:solidFill>
+              <a:effectLst/>
+              <a:latin typeface="+mn-lt"/>
+              <a:ea typeface="+mn-ea"/>
+              <a:cs typeface="+mn-cs"/>
+            </a:endParaRPr>
           </a:p>
         </p:txBody>
       </p:sp>
@@ -3812,7 +3892,7 @@
     </p:spTree>
     <p:extLst>
       <p:ext uri="{BB962C8B-B14F-4D97-AF65-F5344CB8AC3E}">
-        <p14:creationId xmlns:p14="http://schemas.microsoft.com/office/powerpoint/2010/main" val="2696973453"/>
+        <p14:creationId xmlns:p14="http://schemas.microsoft.com/office/powerpoint/2010/main" val="3272936101"/>
       </p:ext>
     </p:extLst>
   </p:cSld>
@@ -3866,88 +3946,7 @@
           <a:bodyPr/>
           <a:lstStyle/>
           <a:p>
-            <a:r>
-              <a:rPr lang="en-US" sz="1200" b="0" kern="1200" dirty="0">
-                <a:solidFill>
-                  <a:schemeClr val="tx1"/>
-                </a:solidFill>
-                <a:effectLst/>
-                <a:latin typeface="+mn-lt"/>
-                <a:ea typeface="+mn-ea"/>
-                <a:cs typeface="+mn-cs"/>
-              </a:rPr>
-              <a:t>Often running generic use Virtual Machines in Azure, while reliable and easy to migrate, do not offer as many service, ease of use or scaling, or </a:t>
-            </a:r>
-            <a:r>
-              <a:rPr lang="en-US" sz="1200" b="0" kern="1200" dirty="0" err="1">
-                <a:solidFill>
-                  <a:schemeClr val="tx1"/>
-                </a:solidFill>
-                <a:effectLst/>
-                <a:latin typeface="+mn-lt"/>
-                <a:ea typeface="+mn-ea"/>
-                <a:cs typeface="+mn-cs"/>
-              </a:rPr>
-              <a:t>relabiliity</a:t>
-            </a:r>
-            <a:r>
-              <a:rPr lang="en-US" sz="1200" b="0" kern="1200" dirty="0">
-                <a:solidFill>
-                  <a:schemeClr val="tx1"/>
-                </a:solidFill>
-                <a:effectLst/>
-                <a:latin typeface="+mn-lt"/>
-                <a:ea typeface="+mn-ea"/>
-                <a:cs typeface="+mn-cs"/>
-              </a:rPr>
-              <a:t> as hosted PaaS services and often are less cost optimal as a general service then an optimized managed solution.  Therefore it is often helpful to identify services that could be augmented or replaced in future updates once those services are deployed in Azure.</a:t>
-            </a:r>
-          </a:p>
-          <a:p>
-            <a:endParaRPr lang="en-US" sz="1200" b="0" kern="1200" dirty="0">
-              <a:solidFill>
-                <a:schemeClr val="tx1"/>
-              </a:solidFill>
-              <a:effectLst/>
-              <a:latin typeface="+mn-lt"/>
-              <a:ea typeface="+mn-ea"/>
-              <a:cs typeface="+mn-cs"/>
-            </a:endParaRPr>
-          </a:p>
-          <a:p>
-            <a:r>
-              <a:rPr lang="en-US" sz="1200" b="0" kern="1200" dirty="0">
-                <a:solidFill>
-                  <a:schemeClr val="tx1"/>
-                </a:solidFill>
-                <a:effectLst/>
-                <a:latin typeface="+mn-lt"/>
-                <a:ea typeface="+mn-ea"/>
-                <a:cs typeface="+mn-cs"/>
-              </a:rPr>
-              <a:t>Some service such as Azure Monitor can be deployed easily but might require more setup &amp; tuning for the environment.  Other services such as moving to AKS may require a fair amount of application redesign or rewrite, but offer a host of dynamic &amp; reliability while providing a quick update and </a:t>
-            </a:r>
-            <a:r>
-              <a:rPr lang="en-US" sz="1200" b="0" kern="1200">
-                <a:solidFill>
-                  <a:schemeClr val="tx1"/>
-                </a:solidFill>
-                <a:effectLst/>
-                <a:latin typeface="+mn-lt"/>
-                <a:ea typeface="+mn-ea"/>
-                <a:cs typeface="+mn-cs"/>
-              </a:rPr>
-              <a:t>deployment solution.</a:t>
-            </a:r>
-            <a:endParaRPr lang="en-US" sz="1200" b="0" kern="1200" dirty="0">
-              <a:solidFill>
-                <a:schemeClr val="tx1"/>
-              </a:solidFill>
-              <a:effectLst/>
-              <a:latin typeface="+mn-lt"/>
-              <a:ea typeface="+mn-ea"/>
-              <a:cs typeface="+mn-cs"/>
-            </a:endParaRPr>
+            <a:endParaRPr lang="en-US" dirty="0"/>
           </a:p>
         </p:txBody>
       </p:sp>
@@ -3977,7 +3976,7 @@
     </p:spTree>
     <p:extLst>
       <p:ext uri="{BB962C8B-B14F-4D97-AF65-F5344CB8AC3E}">
-        <p14:creationId xmlns:p14="http://schemas.microsoft.com/office/powerpoint/2010/main" val="3272936101"/>
+        <p14:creationId xmlns:p14="http://schemas.microsoft.com/office/powerpoint/2010/main" val="671285550"/>
       </p:ext>
     </p:extLst>
   </p:cSld>
@@ -4014,90 +4013,6 @@
             <p:ph type="sldImg"/>
           </p:nvPr>
         </p:nvSpPr>
-        <p:spPr/>
-      </p:sp>
-      <p:sp>
-        <p:nvSpPr>
-          <p:cNvPr id="3" name="Notes Placeholder 2"/>
-          <p:cNvSpPr>
-            <a:spLocks noGrp="1"/>
-          </p:cNvSpPr>
-          <p:nvPr>
-            <p:ph type="body" idx="1"/>
-          </p:nvPr>
-        </p:nvSpPr>
-        <p:spPr/>
-        <p:txBody>
-          <a:bodyPr/>
-          <a:lstStyle/>
-          <a:p>
-            <a:endParaRPr lang="en-US" dirty="0"/>
-          </a:p>
-        </p:txBody>
-      </p:sp>
-      <p:sp>
-        <p:nvSpPr>
-          <p:cNvPr id="4" name="Slide Number Placeholder 3"/>
-          <p:cNvSpPr>
-            <a:spLocks noGrp="1"/>
-          </p:cNvSpPr>
-          <p:nvPr>
-            <p:ph type="sldNum" sz="quarter" idx="10"/>
-          </p:nvPr>
-        </p:nvSpPr>
-        <p:spPr/>
-        <p:txBody>
-          <a:bodyPr/>
-          <a:lstStyle/>
-          <a:p>
-            <a:fld id="{0998D5BB-B127-481F-BC0A-2F77C576BB34}" type="slidenum">
-              <a:rPr lang="en-US" smtClean="0"/>
-              <a:t>36</a:t>
-            </a:fld>
-            <a:endParaRPr lang="en-US" dirty="0"/>
-          </a:p>
-        </p:txBody>
-      </p:sp>
-    </p:spTree>
-    <p:extLst>
-      <p:ext uri="{BB962C8B-B14F-4D97-AF65-F5344CB8AC3E}">
-        <p14:creationId xmlns:p14="http://schemas.microsoft.com/office/powerpoint/2010/main" val="671285550"/>
-      </p:ext>
-    </p:extLst>
-  </p:cSld>
-  <p:clrMapOvr>
-    <a:masterClrMapping/>
-  </p:clrMapOvr>
-</p:notes>
-</file>
-
-<file path=ppt/notesSlides/notesSlide34.xml><?xml version="1.0" encoding="utf-8"?>
-<p:notes xmlns:a="http://schemas.openxmlformats.org/drawingml/2006/main" xmlns:r="http://schemas.openxmlformats.org/officeDocument/2006/relationships" xmlns:p="http://schemas.openxmlformats.org/presentationml/2006/main">
-  <p:cSld>
-    <p:spTree>
-      <p:nvGrpSpPr>
-        <p:cNvPr id="1" name=""/>
-        <p:cNvGrpSpPr/>
-        <p:nvPr/>
-      </p:nvGrpSpPr>
-      <p:grpSpPr>
-        <a:xfrm>
-          <a:off x="0" y="0"/>
-          <a:ext cx="0" cy="0"/>
-          <a:chOff x="0" y="0"/>
-          <a:chExt cx="0" cy="0"/>
-        </a:xfrm>
-      </p:grpSpPr>
-      <p:sp>
-        <p:nvSpPr>
-          <p:cNvPr id="2" name="Slide Image Placeholder 1"/>
-          <p:cNvSpPr>
-            <a:spLocks noGrp="1" noRot="1" noChangeAspect="1"/>
-          </p:cNvSpPr>
-          <p:nvPr>
-            <p:ph type="sldImg"/>
-          </p:nvPr>
-        </p:nvSpPr>
         <p:spPr>
           <a:xfrm>
             <a:off x="381000" y="685800"/>
@@ -4178,7 +4093,7 @@
                   <a:prstClr val="black"/>
                 </a:solidFill>
               </a:rPr>
-              <a:t>9/9/2021 8:49 AM</a:t>
+              <a:t>9/22/2021 2:36 PM</a:t>
             </a:fld>
             <a:endParaRPr lang="en-US" dirty="0">
               <a:solidFill>
@@ -4210,7 +4125,7 @@
                 </a:solidFill>
               </a:rPr>
               <a:pPr/>
-              <a:t>37</a:t>
+              <a:t>36</a:t>
             </a:fld>
             <a:endParaRPr lang="en-US" dirty="0">
               <a:solidFill>
@@ -19052,7 +18967,7 @@
                 <a:latin typeface="Segoe UI Semilight" panose="020B0402040204020203" pitchFamily="34" charset="0"/>
                 <a:cs typeface="Segoe UI Semilight" panose="020B0402040204020203" pitchFamily="34" charset="0"/>
               </a:rPr>
-              <a:t>45 minutes</a:t>
+              <a:t>60 minutes</a:t>
             </a:r>
           </a:p>
         </p:txBody>
@@ -19072,14 +18987,14 @@
           <p:nvPr>
             <p:extLst>
               <p:ext uri="{D42A27DB-BD31-4B8C-83A1-F6EECF244321}">
-                <p14:modId xmlns:p14="http://schemas.microsoft.com/office/powerpoint/2010/main" val="1406366829"/>
+                <p14:modId xmlns:p14="http://schemas.microsoft.com/office/powerpoint/2010/main" val="2168869701"/>
               </p:ext>
             </p:extLst>
           </p:nvPr>
         </p:nvGraphicFramePr>
         <p:xfrm>
           <a:off x="3095545" y="3791921"/>
-          <a:ext cx="8040154" cy="2420452"/>
+          <a:ext cx="8040154" cy="2788016"/>
         </p:xfrm>
         <a:graphic>
           <a:graphicData uri="http://schemas.openxmlformats.org/drawingml/2006/table">
@@ -19198,7 +19113,7 @@
                   </a:ext>
                 </a:extLst>
               </a:tr>
-              <a:tr h="672348">
+              <a:tr h="550644">
                 <a:tc>
                   <a:txBody>
                     <a:bodyPr/>
@@ -19354,6 +19269,39 @@
                     <a:bodyPr/>
                     <a:lstStyle/>
                     <a:p>
+                      <a:pPr marL="285750" marR="0" lvl="0" indent="-285750" algn="l" defTabSz="914367" rtl="0" eaLnBrk="1" fontAlgn="auto" latinLnBrk="0" hangingPunct="1">
+                        <a:lnSpc>
+                          <a:spcPct val="100000"/>
+                        </a:lnSpc>
+                        <a:spcBef>
+                          <a:spcPts val="0"/>
+                        </a:spcBef>
+                        <a:spcAft>
+                          <a:spcPts val="0"/>
+                        </a:spcAft>
+                        <a:buClrTx/>
+                        <a:buSzTx/>
+                        <a:buFont typeface="Arial" panose="020B0604020202020204" pitchFamily="34" charset="0"/>
+                        <a:buChar char="•"/>
+                        <a:tabLst/>
+                        <a:defRPr/>
+                      </a:pPr>
+                      <a:r>
+                        <a:rPr lang="en-US" sz="1300" b="0" dirty="0">
+                          <a:solidFill>
+                            <a:schemeClr val="bg1"/>
+                          </a:solidFill>
+                          <a:latin typeface="Segoe UI" panose="020B0502040204020203" pitchFamily="34" charset="0"/>
+                          <a:cs typeface="Segoe UI" panose="020B0502040204020203" pitchFamily="34" charset="0"/>
+                        </a:rPr>
+                        <a:t>Identify future options for existing resources that are in use today that could be augmented or replaced.</a:t>
+                      </a:r>
+                      <a:endParaRPr lang="en-US" sz="1300" dirty="0">
+                        <a:latin typeface="Segoe UI" panose="020B0502040204020203" pitchFamily="34" charset="0"/>
+                        <a:cs typeface="Segoe UI" panose="020B0502040204020203" pitchFamily="34" charset="0"/>
+                      </a:endParaRPr>
+                    </a:p>
+                    <a:p>
                       <a:pPr marL="285750" lvl="0" indent="-285750">
                         <a:buFont typeface="Arial" panose="020B0604020202020204" pitchFamily="34" charset="0"/>
                         <a:buChar char="•"/>
@@ -19476,12 +19424,7 @@
             <p:ph type="title"/>
           </p:nvPr>
         </p:nvSpPr>
-        <p:spPr>
-          <a:xfrm>
-            <a:off x="291012" y="289511"/>
-            <a:ext cx="11655840" cy="899665"/>
-          </a:xfrm>
-        </p:spPr>
+        <p:spPr/>
         <p:txBody>
           <a:bodyPr>
             <a:normAutofit/>
@@ -19496,7 +19439,7 @@
                 <a:latin typeface="Segoe UI Light" panose="020B0502040204020203" pitchFamily="34" charset="0"/>
                 <a:cs typeface="Segoe UI Light" panose="020B0502040204020203" pitchFamily="34" charset="0"/>
               </a:rPr>
-              <a:t>Step 3: Future Design Proposals</a:t>
+              <a:t>Step 3: Present the solution</a:t>
             </a:r>
           </a:p>
         </p:txBody>
@@ -19515,8 +19458,8 @@
         </p:nvSpPr>
         <p:spPr>
           <a:xfrm>
-            <a:off x="362057" y="1741246"/>
-            <a:ext cx="10652686" cy="2930033"/>
+            <a:off x="340285" y="1062166"/>
+            <a:ext cx="10229103" cy="5838521"/>
           </a:xfrm>
           <a:prstGeom prst="rect">
             <a:avLst/>
@@ -19558,8 +19501,11 @@
                 <a:latin typeface="Segoe UI Semilight" panose="020B0402040204020203" pitchFamily="34" charset="0"/>
                 <a:cs typeface="Segoe UI Semilight" panose="020B0402040204020203" pitchFamily="34" charset="0"/>
               </a:rPr>
-              <a:t>Design a solution and prepare to present the solution to the target customer audience in a 15-minute chalk-talk format. </a:t>
-            </a:r>
+              <a:t>Present a solution to the target customer in a 15-minute chalk-talk format. </a:t>
+            </a:r>
+            <a:endParaRPr lang="en-US" sz="3600" dirty="0">
+              <a:latin typeface="+mj-lt"/>
+            </a:endParaRPr>
           </a:p>
           <a:p>
             <a:pPr>
@@ -19570,7 +19516,9 @@
                 <a:spcPts val="600"/>
               </a:spcAft>
             </a:pPr>
-            <a:endParaRPr lang="en-US" sz="2400" dirty="0"/>
+            <a:endParaRPr lang="en-US" sz="2400" dirty="0">
+              <a:latin typeface="+mj-lt"/>
+            </a:endParaRPr>
           </a:p>
           <a:p>
             <a:pPr>
@@ -19602,397 +19550,151 @@
                 <a:latin typeface="Segoe UI Semilight" panose="020B0402040204020203" pitchFamily="34" charset="0"/>
                 <a:cs typeface="Segoe UI Semilight" panose="020B0402040204020203" pitchFamily="34" charset="0"/>
               </a:rPr>
-              <a:t>30 minutes</a:t>
-            </a:r>
+              <a:t>30 minutes (15 minutes for each team to present and receive feedback) </a:t>
+            </a:r>
+          </a:p>
+          <a:p>
+            <a:pPr>
+              <a:lnSpc>
+                <a:spcPct val="90000"/>
+              </a:lnSpc>
+              <a:spcAft>
+                <a:spcPts val="600"/>
+              </a:spcAft>
+            </a:pPr>
+            <a:endParaRPr lang="en-US" sz="2400" dirty="0">
+              <a:latin typeface="+mj-lt"/>
+            </a:endParaRPr>
+          </a:p>
+          <a:p>
+            <a:pPr>
+              <a:lnSpc>
+                <a:spcPct val="90000"/>
+              </a:lnSpc>
+              <a:spcAft>
+                <a:spcPts val="600"/>
+              </a:spcAft>
+            </a:pPr>
+            <a:r>
+              <a:rPr lang="en-US" sz="3600" dirty="0">
+                <a:latin typeface="+mj-lt"/>
+              </a:rPr>
+              <a:t>Directions</a:t>
+            </a:r>
+          </a:p>
+          <a:p>
+            <a:pPr marL="342900" lvl="0" indent="-342900">
+              <a:buFont typeface="Arial" panose="020B0604020202020204" pitchFamily="34" charset="0"/>
+              <a:buChar char="•"/>
+            </a:pPr>
+            <a:r>
+              <a:rPr lang="en-US" sz="2000" dirty="0">
+                <a:latin typeface="Segoe UI Semilight" panose="020B0402040204020203" pitchFamily="34" charset="0"/>
+                <a:cs typeface="Segoe UI Semilight" panose="020B0402040204020203" pitchFamily="34" charset="0"/>
+              </a:rPr>
+              <a:t>Pair with another table.</a:t>
+            </a:r>
+          </a:p>
+          <a:p>
+            <a:pPr marL="342900" lvl="0" indent="-342900">
+              <a:buFont typeface="Arial" panose="020B0604020202020204" pitchFamily="34" charset="0"/>
+              <a:buChar char="•"/>
+            </a:pPr>
+            <a:r>
+              <a:rPr lang="en-US" sz="2000" dirty="0">
+                <a:latin typeface="Segoe UI Semilight" panose="020B0402040204020203" pitchFamily="34" charset="0"/>
+                <a:cs typeface="Segoe UI Semilight" panose="020B0402040204020203" pitchFamily="34" charset="0"/>
+              </a:rPr>
+              <a:t>One table is the Microsoft team and the other table is the customer.</a:t>
+            </a:r>
+          </a:p>
+          <a:p>
+            <a:pPr marL="342900" lvl="0" indent="-342900">
+              <a:buFont typeface="Arial" panose="020B0604020202020204" pitchFamily="34" charset="0"/>
+              <a:buChar char="•"/>
+            </a:pPr>
+            <a:r>
+              <a:rPr lang="en-US" sz="2000" dirty="0">
+                <a:latin typeface="Segoe UI Semilight" panose="020B0402040204020203" pitchFamily="34" charset="0"/>
+                <a:cs typeface="Segoe UI Semilight" panose="020B0402040204020203" pitchFamily="34" charset="0"/>
+              </a:rPr>
+              <a:t>The Microsoft team presents their proposed solution to the customer.</a:t>
+            </a:r>
+          </a:p>
+          <a:p>
+            <a:pPr marL="342900" lvl="0" indent="-342900">
+              <a:buFont typeface="Arial" panose="020B0604020202020204" pitchFamily="34" charset="0"/>
+              <a:buChar char="•"/>
+            </a:pPr>
+            <a:r>
+              <a:rPr lang="en-US" sz="2000" dirty="0">
+                <a:latin typeface="Segoe UI Semilight" panose="020B0402040204020203" pitchFamily="34" charset="0"/>
+                <a:cs typeface="Segoe UI Semilight" panose="020B0402040204020203" pitchFamily="34" charset="0"/>
+              </a:rPr>
+              <a:t>The customer asks one of the objections from the list of objections in the case study.</a:t>
+            </a:r>
+          </a:p>
+          <a:p>
+            <a:pPr marL="342900" lvl="0" indent="-342900">
+              <a:buFont typeface="Arial" panose="020B0604020202020204" pitchFamily="34" charset="0"/>
+              <a:buChar char="•"/>
+            </a:pPr>
+            <a:r>
+              <a:rPr lang="en-US" sz="2000" dirty="0">
+                <a:latin typeface="Segoe UI Semilight" panose="020B0402040204020203" pitchFamily="34" charset="0"/>
+                <a:cs typeface="Segoe UI Semilight" panose="020B0402040204020203" pitchFamily="34" charset="0"/>
+              </a:rPr>
+              <a:t>The Microsoft team responds to the objection.</a:t>
+            </a:r>
+          </a:p>
+          <a:p>
+            <a:pPr marL="342900" lvl="0" indent="-342900">
+              <a:buFont typeface="Arial" panose="020B0604020202020204" pitchFamily="34" charset="0"/>
+              <a:buChar char="•"/>
+            </a:pPr>
+            <a:r>
+              <a:rPr lang="en-US" sz="2000" dirty="0">
+                <a:latin typeface="Segoe UI Semilight" panose="020B0402040204020203" pitchFamily="34" charset="0"/>
+                <a:cs typeface="Segoe UI Semilight" panose="020B0402040204020203" pitchFamily="34" charset="0"/>
+              </a:rPr>
+              <a:t>The customer team gives feedback to the Microsoft team.</a:t>
+            </a:r>
+            <a:endParaRPr lang="en-US" sz="2000" strike="sngStrike" dirty="0">
+              <a:latin typeface="Segoe UI Semilight" panose="020B0402040204020203" pitchFamily="34" charset="0"/>
+              <a:cs typeface="Segoe UI Semilight" panose="020B0402040204020203" pitchFamily="34" charset="0"/>
+            </a:endParaRPr>
+          </a:p>
+          <a:p>
+            <a:pPr>
+              <a:lnSpc>
+                <a:spcPct val="90000"/>
+              </a:lnSpc>
+              <a:spcAft>
+                <a:spcPts val="600"/>
+              </a:spcAft>
+            </a:pPr>
+            <a:endParaRPr lang="en-US" sz="2400" dirty="0">
+              <a:latin typeface="Segoe UI Semilight" panose="020B0402040204020203" pitchFamily="34" charset="0"/>
+              <a:cs typeface="Segoe UI Semilight" panose="020B0402040204020203" pitchFamily="34" charset="0"/>
+            </a:endParaRPr>
           </a:p>
         </p:txBody>
       </p:sp>
-      <p:graphicFrame>
-        <p:nvGraphicFramePr>
-          <p:cNvPr id="4" name="Table 3">
-            <a:extLst>
-              <a:ext uri="{FF2B5EF4-FFF2-40B4-BE49-F238E27FC236}">
-                <a16:creationId xmlns:a16="http://schemas.microsoft.com/office/drawing/2014/main" id="{9FC7A5CD-D651-4072-A920-34F54BCBC3EF}"/>
-              </a:ext>
-            </a:extLst>
-          </p:cNvPr>
-          <p:cNvGraphicFramePr>
-            <a:graphicFrameLocks noGrp="1"/>
-          </p:cNvGraphicFramePr>
-          <p:nvPr>
-            <p:extLst>
-              <p:ext uri="{D42A27DB-BD31-4B8C-83A1-F6EECF244321}">
-                <p14:modId xmlns:p14="http://schemas.microsoft.com/office/powerpoint/2010/main" val="204715863"/>
-              </p:ext>
-            </p:extLst>
-          </p:nvPr>
-        </p:nvGraphicFramePr>
-        <p:xfrm>
-          <a:off x="3095545" y="3791921"/>
-          <a:ext cx="8040154" cy="2600650"/>
-        </p:xfrm>
-        <a:graphic>
-          <a:graphicData uri="http://schemas.openxmlformats.org/drawingml/2006/table">
-            <a:tbl>
-              <a:tblPr firstRow="1" bandRow="1">
-                <a:tableStyleId>{69CF1AB2-1976-4502-BF36-3FF5EA218861}</a:tableStyleId>
-              </a:tblPr>
-              <a:tblGrid>
-                <a:gridCol w="1758700">
-                  <a:extLst>
-                    <a:ext uri="{9D8B030D-6E8A-4147-A177-3AD203B41FA5}">
-                      <a16:colId xmlns:a16="http://schemas.microsoft.com/office/drawing/2014/main" val="20000"/>
-                    </a:ext>
-                  </a:extLst>
-                </a:gridCol>
-                <a:gridCol w="6281454">
-                  <a:extLst>
-                    <a:ext uri="{9D8B030D-6E8A-4147-A177-3AD203B41FA5}">
-                      <a16:colId xmlns:a16="http://schemas.microsoft.com/office/drawing/2014/main" val="20001"/>
-                    </a:ext>
-                  </a:extLst>
-                </a:gridCol>
-              </a:tblGrid>
-              <a:tr h="672348">
-                <a:tc>
-                  <a:txBody>
-                    <a:bodyPr/>
-                    <a:lstStyle/>
-                    <a:p>
-                      <a:r>
-                        <a:rPr lang="en-US" sz="1300" b="1" i="1" dirty="0">
-                          <a:latin typeface="Segoe UI" panose="020B0502040204020203" pitchFamily="34" charset="0"/>
-                          <a:cs typeface="Segoe UI" panose="020B0502040204020203" pitchFamily="34" charset="0"/>
-                        </a:rPr>
-                        <a:t>Business</a:t>
-                      </a:r>
-                      <a:r>
-                        <a:rPr lang="en-US" sz="1300" b="1" i="1" kern="1200" dirty="0">
-                          <a:solidFill>
-                            <a:schemeClr val="dk1"/>
-                          </a:solidFill>
-                          <a:latin typeface="Segoe UI" panose="020B0502040204020203" pitchFamily="34" charset="0"/>
-                          <a:ea typeface="+mn-ea"/>
-                          <a:cs typeface="Segoe UI" panose="020B0502040204020203" pitchFamily="34" charset="0"/>
-                        </a:rPr>
-                        <a:t> needs</a:t>
-                      </a:r>
-                    </a:p>
-                    <a:p>
-                      <a:r>
-                        <a:rPr lang="en-US" sz="1300" b="0" i="0" dirty="0">
-                          <a:latin typeface="Segoe UI" panose="020B0502040204020203" pitchFamily="34" charset="0"/>
-                          <a:cs typeface="Segoe UI" panose="020B0502040204020203" pitchFamily="34" charset="0"/>
-                        </a:rPr>
-                        <a:t>(5 minutes)</a:t>
-                      </a:r>
-                      <a:br>
-                        <a:rPr lang="en-US" sz="1300" b="0" i="0" dirty="0">
-                          <a:latin typeface="Segoe UI" panose="020B0502040204020203" pitchFamily="34" charset="0"/>
-                          <a:cs typeface="Segoe UI" panose="020B0502040204020203" pitchFamily="34" charset="0"/>
-                        </a:rPr>
-                      </a:br>
-                      <a:endParaRPr lang="en-US" sz="1300" b="0" i="0" dirty="0">
-                        <a:latin typeface="Segoe UI" panose="020B0502040204020203" pitchFamily="34" charset="0"/>
-                        <a:cs typeface="Segoe UI" panose="020B0502040204020203" pitchFamily="34" charset="0"/>
-                      </a:endParaRPr>
-                    </a:p>
-                  </a:txBody>
-                  <a:tcPr marL="67235" marR="67235" marT="33617" marB="33617"/>
-                </a:tc>
-                <a:tc>
-                  <a:txBody>
-                    <a:bodyPr/>
-                    <a:lstStyle/>
-                    <a:p>
-                      <a:pPr marL="285750" marR="0" indent="-285750" algn="l" defTabSz="932742" rtl="0" eaLnBrk="1" fontAlgn="auto" latinLnBrk="0" hangingPunct="1">
-                        <a:lnSpc>
-                          <a:spcPct val="100000"/>
-                        </a:lnSpc>
-                        <a:spcBef>
-                          <a:spcPts val="0"/>
-                        </a:spcBef>
-                        <a:spcAft>
-                          <a:spcPts val="0"/>
-                        </a:spcAft>
-                        <a:buClrTx/>
-                        <a:buSzTx/>
-                        <a:buFont typeface="Arial" panose="020B0604020202020204" pitchFamily="34" charset="0"/>
-                        <a:buChar char="•"/>
-                        <a:tabLst/>
-                        <a:defRPr/>
-                      </a:pPr>
-                      <a:r>
-                        <a:rPr lang="en-US" sz="1300" b="0" dirty="0">
-                          <a:solidFill>
-                            <a:schemeClr val="bg1"/>
-                          </a:solidFill>
-                          <a:latin typeface="Segoe UI" panose="020B0502040204020203" pitchFamily="34" charset="0"/>
-                          <a:cs typeface="Segoe UI" panose="020B0502040204020203" pitchFamily="34" charset="0"/>
-                        </a:rPr>
-                        <a:t>Identify future options for existing resources that are in use today that could be augmented or replaced.</a:t>
-                      </a:r>
-                    </a:p>
-                    <a:p>
-                      <a:endParaRPr lang="en-US" sz="1300" b="0" dirty="0">
-                        <a:latin typeface="Segoe UI" panose="020B0502040204020203" pitchFamily="34" charset="0"/>
-                        <a:cs typeface="Segoe UI" panose="020B0502040204020203" pitchFamily="34" charset="0"/>
-                      </a:endParaRPr>
-                    </a:p>
-                  </a:txBody>
-                  <a:tcPr marL="67235" marR="67235" marT="33617" marB="33617"/>
-                </a:tc>
-                <a:extLst>
-                  <a:ext uri="{0D108BD9-81ED-4DB2-BD59-A6C34878D82A}">
-                    <a16:rowId xmlns:a16="http://schemas.microsoft.com/office/drawing/2014/main" val="10000"/>
-                  </a:ext>
-                </a:extLst>
-              </a:tr>
-              <a:tr h="672348">
-                <a:tc>
-                  <a:txBody>
-                    <a:bodyPr/>
-                    <a:lstStyle/>
-                    <a:p>
-                      <a:r>
-                        <a:rPr lang="en-US" sz="1300" b="1" i="1" dirty="0">
-                          <a:latin typeface="Segoe UI" panose="020B0502040204020203" pitchFamily="34" charset="0"/>
-                          <a:cs typeface="Segoe UI" panose="020B0502040204020203" pitchFamily="34" charset="0"/>
-                        </a:rPr>
-                        <a:t>Design</a:t>
-                      </a:r>
-                    </a:p>
-                    <a:p>
-                      <a:pPr marL="0" algn="l" defTabSz="932742" rtl="0" eaLnBrk="1" latinLnBrk="0" hangingPunct="1"/>
-                      <a:r>
-                        <a:rPr lang="en-US" sz="1300" b="0" i="0" kern="1200" dirty="0">
-                          <a:solidFill>
-                            <a:schemeClr val="dk1"/>
-                          </a:solidFill>
-                          <a:latin typeface="Segoe UI" panose="020B0502040204020203" pitchFamily="34" charset="0"/>
-                          <a:ea typeface="+mn-ea"/>
-                          <a:cs typeface="Segoe UI" panose="020B0502040204020203" pitchFamily="34" charset="0"/>
-                        </a:rPr>
-                        <a:t>(15 minutes)</a:t>
-                      </a:r>
-                      <a:br>
-                        <a:rPr lang="en-US" sz="1300" b="0" i="0" kern="1200" dirty="0">
-                          <a:solidFill>
-                            <a:schemeClr val="dk1"/>
-                          </a:solidFill>
-                          <a:latin typeface="Segoe UI" panose="020B0502040204020203" pitchFamily="34" charset="0"/>
-                          <a:ea typeface="+mn-ea"/>
-                          <a:cs typeface="Segoe UI" panose="020B0502040204020203" pitchFamily="34" charset="0"/>
-                        </a:rPr>
-                      </a:br>
-                      <a:endParaRPr lang="en-US" sz="1300" b="0" i="0" kern="1200" dirty="0">
-                        <a:solidFill>
-                          <a:schemeClr val="dk1"/>
-                        </a:solidFill>
-                        <a:latin typeface="Segoe UI" panose="020B0502040204020203" pitchFamily="34" charset="0"/>
-                        <a:ea typeface="+mn-ea"/>
-                        <a:cs typeface="Segoe UI" panose="020B0502040204020203" pitchFamily="34" charset="0"/>
-                      </a:endParaRPr>
-                    </a:p>
-                  </a:txBody>
-                  <a:tcPr marL="67235" marR="67235" marT="33617" marB="33617"/>
-                </a:tc>
-                <a:tc>
-                  <a:txBody>
-                    <a:bodyPr/>
-                    <a:lstStyle/>
-                    <a:p>
-                      <a:pPr marL="285750" marR="0" indent="-285750" algn="l" defTabSz="932742" rtl="0" eaLnBrk="1" fontAlgn="auto" latinLnBrk="0" hangingPunct="1">
-                        <a:lnSpc>
-                          <a:spcPct val="100000"/>
-                        </a:lnSpc>
-                        <a:spcBef>
-                          <a:spcPts val="0"/>
-                        </a:spcBef>
-                        <a:spcAft>
-                          <a:spcPts val="0"/>
-                        </a:spcAft>
-                        <a:buClrTx/>
-                        <a:buSzTx/>
-                        <a:buFont typeface="Arial" panose="020B0604020202020204" pitchFamily="34" charset="0"/>
-                        <a:buChar char="•"/>
-                        <a:tabLst/>
-                        <a:defRPr/>
-                      </a:pPr>
-                      <a:r>
-                        <a:rPr lang="en-US" sz="1300" kern="1200" baseline="0" dirty="0">
-                          <a:solidFill>
-                            <a:schemeClr val="bg1"/>
-                          </a:solidFill>
-                          <a:latin typeface="Segoe UI" panose="020B0502040204020203" pitchFamily="34" charset="0"/>
-                          <a:ea typeface="+mn-ea"/>
-                          <a:cs typeface="Segoe UI" panose="020B0502040204020203" pitchFamily="34" charset="0"/>
-                        </a:rPr>
-                        <a:t>Design a solution for as many of the services as time allows. Show the solution on a flipchart</a:t>
-                      </a:r>
-                    </a:p>
-                    <a:p>
-                      <a:endParaRPr lang="en-US" sz="1300" dirty="0">
-                        <a:latin typeface="Segoe UI" panose="020B0502040204020203" pitchFamily="34" charset="0"/>
-                        <a:cs typeface="Segoe UI" panose="020B0502040204020203" pitchFamily="34" charset="0"/>
-                      </a:endParaRPr>
-                    </a:p>
-                  </a:txBody>
-                  <a:tcPr marL="67235" marR="67235" marT="33617" marB="33617"/>
-                </a:tc>
-                <a:extLst>
-                  <a:ext uri="{0D108BD9-81ED-4DB2-BD59-A6C34878D82A}">
-                    <a16:rowId xmlns:a16="http://schemas.microsoft.com/office/drawing/2014/main" val="10001"/>
-                  </a:ext>
-                </a:extLst>
-              </a:tr>
-              <a:tr h="1075756">
-                <a:tc>
-                  <a:txBody>
-                    <a:bodyPr/>
-                    <a:lstStyle/>
-                    <a:p>
-                      <a:r>
-                        <a:rPr lang="en-US" sz="1300" b="1" i="1" dirty="0">
-                          <a:latin typeface="Segoe UI" panose="020B0502040204020203" pitchFamily="34" charset="0"/>
-                          <a:cs typeface="Segoe UI" panose="020B0502040204020203" pitchFamily="34" charset="0"/>
-                        </a:rPr>
-                        <a:t>Prepare</a:t>
-                      </a:r>
-                    </a:p>
-                    <a:p>
-                      <a:pPr marL="0" marR="0" indent="0" algn="l" defTabSz="932742" rtl="0" eaLnBrk="1" fontAlgn="auto" latinLnBrk="0" hangingPunct="1">
-                        <a:lnSpc>
-                          <a:spcPct val="100000"/>
-                        </a:lnSpc>
-                        <a:spcBef>
-                          <a:spcPts val="0"/>
-                        </a:spcBef>
-                        <a:spcAft>
-                          <a:spcPts val="0"/>
-                        </a:spcAft>
-                        <a:buClrTx/>
-                        <a:buSzTx/>
-                        <a:buFontTx/>
-                        <a:buNone/>
-                        <a:tabLst/>
-                        <a:defRPr/>
-                      </a:pPr>
-                      <a:r>
-                        <a:rPr lang="en-US" sz="1300" b="0" i="0" kern="1200" dirty="0">
-                          <a:solidFill>
-                            <a:schemeClr val="dk1"/>
-                          </a:solidFill>
-                          <a:latin typeface="Segoe UI" panose="020B0502040204020203" pitchFamily="34" charset="0"/>
-                          <a:ea typeface="+mn-ea"/>
-                          <a:cs typeface="Segoe UI" panose="020B0502040204020203" pitchFamily="34" charset="0"/>
-                        </a:rPr>
-                        <a:t>(10 minutes)</a:t>
-                      </a:r>
-                    </a:p>
-                    <a:p>
-                      <a:endParaRPr lang="en-US" sz="1300" b="1" i="1" dirty="0">
-                        <a:latin typeface="Segoe UI" panose="020B0502040204020203" pitchFamily="34" charset="0"/>
-                        <a:cs typeface="Segoe UI" panose="020B0502040204020203" pitchFamily="34" charset="0"/>
-                      </a:endParaRPr>
-                    </a:p>
-                  </a:txBody>
-                  <a:tcPr marL="67235" marR="67235" marT="33617" marB="33617"/>
-                </a:tc>
-                <a:tc>
-                  <a:txBody>
-                    <a:bodyPr/>
-                    <a:lstStyle/>
-                    <a:p>
-                      <a:pPr marL="285750" lvl="0" indent="-285750">
-                        <a:buFont typeface="Arial" panose="020B0604020202020204" pitchFamily="34" charset="0"/>
-                        <a:buChar char="•"/>
-                      </a:pPr>
-                      <a:r>
-                        <a:rPr lang="en-US" sz="1300" dirty="0">
-                          <a:latin typeface="Segoe UI" panose="020B0502040204020203" pitchFamily="34" charset="0"/>
-                          <a:cs typeface="Segoe UI" panose="020B0502040204020203" pitchFamily="34" charset="0"/>
-                        </a:rPr>
-                        <a:t>Identify any customer services that are not addressed with the proposed solution</a:t>
-                      </a:r>
-                    </a:p>
-                    <a:p>
-                      <a:pPr marL="285750" lvl="0" indent="-285750">
-                        <a:buFont typeface="Arial" panose="020B0604020202020204" pitchFamily="34" charset="0"/>
-                        <a:buChar char="•"/>
-                      </a:pPr>
-                      <a:r>
-                        <a:rPr lang="en-US" sz="1300" dirty="0">
-                          <a:latin typeface="Segoe UI" panose="020B0502040204020203" pitchFamily="34" charset="0"/>
-                          <a:cs typeface="Segoe UI" panose="020B0502040204020203" pitchFamily="34" charset="0"/>
-                        </a:rPr>
-                        <a:t>Identify the benefits of your solution</a:t>
-                      </a:r>
-                    </a:p>
-                    <a:p>
-                      <a:pPr marL="285750" lvl="0" indent="-285750">
-                        <a:buFont typeface="Arial" panose="020B0604020202020204" pitchFamily="34" charset="0"/>
-                        <a:buChar char="•"/>
-                      </a:pPr>
-                      <a:r>
-                        <a:rPr lang="en-US" sz="1300" dirty="0">
-                          <a:latin typeface="Segoe UI" panose="020B0502040204020203" pitchFamily="34" charset="0"/>
-                          <a:cs typeface="Segoe UI" panose="020B0502040204020203" pitchFamily="34" charset="0"/>
-                        </a:rPr>
-                        <a:t>Determine how you will respond to the customer’s objections</a:t>
-                      </a:r>
-                    </a:p>
-                    <a:p>
-                      <a:pPr marL="285750" lvl="0" indent="-285750">
-                        <a:buFont typeface="Arial" panose="020B0604020202020204" pitchFamily="34" charset="0"/>
-                        <a:buChar char="•"/>
-                      </a:pPr>
-                      <a:r>
-                        <a:rPr lang="en-US" sz="1300" dirty="0">
-                          <a:latin typeface="Segoe UI" panose="020B0502040204020203" pitchFamily="34" charset="0"/>
-                          <a:cs typeface="Segoe UI" panose="020B0502040204020203" pitchFamily="34" charset="0"/>
-                        </a:rPr>
-                        <a:t>Prepare for a 15-minute presentation to the customer</a:t>
-                      </a:r>
-                      <a:br>
-                        <a:rPr lang="en-US" sz="1300" dirty="0">
-                          <a:latin typeface="Segoe UI" panose="020B0502040204020203" pitchFamily="34" charset="0"/>
-                          <a:cs typeface="Segoe UI" panose="020B0502040204020203" pitchFamily="34" charset="0"/>
-                        </a:rPr>
-                      </a:br>
-                      <a:endParaRPr lang="en-US" sz="1300" dirty="0">
-                        <a:latin typeface="Segoe UI" panose="020B0502040204020203" pitchFamily="34" charset="0"/>
-                        <a:cs typeface="Segoe UI" panose="020B0502040204020203" pitchFamily="34" charset="0"/>
-                      </a:endParaRPr>
-                    </a:p>
-                  </a:txBody>
-                  <a:tcPr marL="67235" marR="67235" marT="33617" marB="33617"/>
-                </a:tc>
-                <a:extLst>
-                  <a:ext uri="{0D108BD9-81ED-4DB2-BD59-A6C34878D82A}">
-                    <a16:rowId xmlns:a16="http://schemas.microsoft.com/office/drawing/2014/main" val="10002"/>
-                  </a:ext>
-                </a:extLst>
-              </a:tr>
-            </a:tbl>
-          </a:graphicData>
-        </a:graphic>
-      </p:graphicFrame>
     </p:spTree>
     <p:extLst>
       <p:ext uri="{BB962C8B-B14F-4D97-AF65-F5344CB8AC3E}">
-        <p14:creationId xmlns:p14="http://schemas.microsoft.com/office/powerpoint/2010/main" val="1885082407"/>
+        <p14:creationId xmlns:p14="http://schemas.microsoft.com/office/powerpoint/2010/main" val="3717261927"/>
       </p:ext>
     </p:extLst>
   </p:cSld>
   <p:clrMapOvr>
     <a:masterClrMapping/>
   </p:clrMapOvr>
-  <mc:AlternateContent xmlns:mc="http://schemas.openxmlformats.org/markup-compatibility/2006">
-    <mc:Choice xmlns:p14="http://schemas.microsoft.com/office/powerpoint/2010/main" Requires="p14">
+  <mc:AlternateContent xmlns:mc="http://schemas.openxmlformats.org/markup-compatibility/2006" xmlns:p14="http://schemas.microsoft.com/office/powerpoint/2010/main">
+    <mc:Choice Requires="p14">
       <p:transition p14:dur="0"/>
     </mc:Choice>
-    <mc:Fallback>
+    <mc:Fallback xmlns="">
       <p:transition/>
     </mc:Fallback>
   </mc:AlternateContent>
@@ -20041,310 +19743,6 @@
                 <a:latin typeface="Segoe UI Light" panose="020B0502040204020203" pitchFamily="34" charset="0"/>
                 <a:cs typeface="Segoe UI Light" panose="020B0502040204020203" pitchFamily="34" charset="0"/>
               </a:rPr>
-              <a:t>Step 4: Present the solution</a:t>
-            </a:r>
-          </a:p>
-        </p:txBody>
-      </p:sp>
-      <p:sp>
-        <p:nvSpPr>
-          <p:cNvPr id="9" name="TextBox 8">
-            <a:extLst>
-              <a:ext uri="{FF2B5EF4-FFF2-40B4-BE49-F238E27FC236}">
-                <a16:creationId xmlns:a16="http://schemas.microsoft.com/office/drawing/2014/main" id="{0F86F9F9-39B5-4CE6-AF48-9ADAE40EA728}"/>
-              </a:ext>
-            </a:extLst>
-          </p:cNvPr>
-          <p:cNvSpPr txBox="1"/>
-          <p:nvPr/>
-        </p:nvSpPr>
-        <p:spPr>
-          <a:xfrm>
-            <a:off x="340285" y="1062166"/>
-            <a:ext cx="10229103" cy="5838521"/>
-          </a:xfrm>
-          <a:prstGeom prst="rect">
-            <a:avLst/>
-          </a:prstGeom>
-          <a:noFill/>
-        </p:spPr>
-        <p:txBody>
-          <a:bodyPr wrap="square" lIns="182880" tIns="146304" rIns="182880" bIns="146304" rtlCol="0">
-            <a:spAutoFit/>
-          </a:bodyPr>
-          <a:lstStyle/>
-          <a:p>
-            <a:pPr>
-              <a:lnSpc>
-                <a:spcPct val="90000"/>
-              </a:lnSpc>
-              <a:spcAft>
-                <a:spcPts val="600"/>
-              </a:spcAft>
-            </a:pPr>
-            <a:r>
-              <a:rPr lang="en-US" sz="3600" dirty="0">
-                <a:latin typeface="+mj-lt"/>
-              </a:rPr>
-              <a:t>Outcome</a:t>
-            </a:r>
-          </a:p>
-          <a:p>
-            <a:pPr>
-              <a:lnSpc>
-                <a:spcPct val="90000"/>
-              </a:lnSpc>
-              <a:spcAft>
-                <a:spcPts val="600"/>
-              </a:spcAft>
-            </a:pPr>
-            <a:r>
-              <a:rPr lang="en-US" sz="2400" dirty="0">
-                <a:latin typeface="Segoe UI Semilight" panose="020B0402040204020203" pitchFamily="34" charset="0"/>
-                <a:cs typeface="Segoe UI Semilight" panose="020B0402040204020203" pitchFamily="34" charset="0"/>
-              </a:rPr>
-              <a:t>Present a solution to the target customer in a 15-minute chalk-talk format. </a:t>
-            </a:r>
-            <a:endParaRPr lang="en-US" sz="3600" dirty="0">
-              <a:latin typeface="+mj-lt"/>
-            </a:endParaRPr>
-          </a:p>
-          <a:p>
-            <a:pPr>
-              <a:lnSpc>
-                <a:spcPct val="90000"/>
-              </a:lnSpc>
-              <a:spcAft>
-                <a:spcPts val="600"/>
-              </a:spcAft>
-            </a:pPr>
-            <a:endParaRPr lang="en-US" sz="2400" dirty="0">
-              <a:latin typeface="+mj-lt"/>
-            </a:endParaRPr>
-          </a:p>
-          <a:p>
-            <a:pPr>
-              <a:lnSpc>
-                <a:spcPct val="90000"/>
-              </a:lnSpc>
-              <a:spcAft>
-                <a:spcPts val="600"/>
-              </a:spcAft>
-            </a:pPr>
-            <a:r>
-              <a:rPr lang="en-US" sz="3600" dirty="0">
-                <a:latin typeface="+mj-lt"/>
-              </a:rPr>
-              <a:t>Timeframe</a:t>
-            </a:r>
-          </a:p>
-          <a:p>
-            <a:pPr>
-              <a:lnSpc>
-                <a:spcPct val="90000"/>
-              </a:lnSpc>
-              <a:spcAft>
-                <a:spcPts val="600"/>
-              </a:spcAft>
-            </a:pPr>
-            <a:r>
-              <a:rPr lang="en-US" sz="2400" dirty="0">
-                <a:latin typeface="Segoe UI Semilight" panose="020B0402040204020203" pitchFamily="34" charset="0"/>
-                <a:cs typeface="Segoe UI Semilight" panose="020B0402040204020203" pitchFamily="34" charset="0"/>
-              </a:rPr>
-              <a:t>30 minutes (15 minutes for each team to present and receive feedback) </a:t>
-            </a:r>
-          </a:p>
-          <a:p>
-            <a:pPr>
-              <a:lnSpc>
-                <a:spcPct val="90000"/>
-              </a:lnSpc>
-              <a:spcAft>
-                <a:spcPts val="600"/>
-              </a:spcAft>
-            </a:pPr>
-            <a:endParaRPr lang="en-US" sz="2400" dirty="0">
-              <a:latin typeface="+mj-lt"/>
-            </a:endParaRPr>
-          </a:p>
-          <a:p>
-            <a:pPr>
-              <a:lnSpc>
-                <a:spcPct val="90000"/>
-              </a:lnSpc>
-              <a:spcAft>
-                <a:spcPts val="600"/>
-              </a:spcAft>
-            </a:pPr>
-            <a:r>
-              <a:rPr lang="en-US" sz="3600" dirty="0">
-                <a:latin typeface="+mj-lt"/>
-              </a:rPr>
-              <a:t>Directions</a:t>
-            </a:r>
-          </a:p>
-          <a:p>
-            <a:pPr marL="342900" lvl="0" indent="-342900">
-              <a:buFont typeface="Arial" panose="020B0604020202020204" pitchFamily="34" charset="0"/>
-              <a:buChar char="•"/>
-            </a:pPr>
-            <a:r>
-              <a:rPr lang="en-US" sz="2000" dirty="0">
-                <a:latin typeface="Segoe UI Semilight" panose="020B0402040204020203" pitchFamily="34" charset="0"/>
-                <a:cs typeface="Segoe UI Semilight" panose="020B0402040204020203" pitchFamily="34" charset="0"/>
-              </a:rPr>
-              <a:t>Pair with another table.</a:t>
-            </a:r>
-          </a:p>
-          <a:p>
-            <a:pPr marL="342900" lvl="0" indent="-342900">
-              <a:buFont typeface="Arial" panose="020B0604020202020204" pitchFamily="34" charset="0"/>
-              <a:buChar char="•"/>
-            </a:pPr>
-            <a:r>
-              <a:rPr lang="en-US" sz="2000" dirty="0">
-                <a:latin typeface="Segoe UI Semilight" panose="020B0402040204020203" pitchFamily="34" charset="0"/>
-                <a:cs typeface="Segoe UI Semilight" panose="020B0402040204020203" pitchFamily="34" charset="0"/>
-              </a:rPr>
-              <a:t>One table is the Microsoft team and the other table is the customer.</a:t>
-            </a:r>
-          </a:p>
-          <a:p>
-            <a:pPr marL="342900" lvl="0" indent="-342900">
-              <a:buFont typeface="Arial" panose="020B0604020202020204" pitchFamily="34" charset="0"/>
-              <a:buChar char="•"/>
-            </a:pPr>
-            <a:r>
-              <a:rPr lang="en-US" sz="2000" dirty="0">
-                <a:latin typeface="Segoe UI Semilight" panose="020B0402040204020203" pitchFamily="34" charset="0"/>
-                <a:cs typeface="Segoe UI Semilight" panose="020B0402040204020203" pitchFamily="34" charset="0"/>
-              </a:rPr>
-              <a:t>The Microsoft team presents their proposed solution to the customer.</a:t>
-            </a:r>
-          </a:p>
-          <a:p>
-            <a:pPr marL="342900" lvl="0" indent="-342900">
-              <a:buFont typeface="Arial" panose="020B0604020202020204" pitchFamily="34" charset="0"/>
-              <a:buChar char="•"/>
-            </a:pPr>
-            <a:r>
-              <a:rPr lang="en-US" sz="2000" dirty="0">
-                <a:latin typeface="Segoe UI Semilight" panose="020B0402040204020203" pitchFamily="34" charset="0"/>
-                <a:cs typeface="Segoe UI Semilight" panose="020B0402040204020203" pitchFamily="34" charset="0"/>
-              </a:rPr>
-              <a:t>The customer asks one of the objections from the list of objections in the case study.</a:t>
-            </a:r>
-          </a:p>
-          <a:p>
-            <a:pPr marL="342900" lvl="0" indent="-342900">
-              <a:buFont typeface="Arial" panose="020B0604020202020204" pitchFamily="34" charset="0"/>
-              <a:buChar char="•"/>
-            </a:pPr>
-            <a:r>
-              <a:rPr lang="en-US" sz="2000" dirty="0">
-                <a:latin typeface="Segoe UI Semilight" panose="020B0402040204020203" pitchFamily="34" charset="0"/>
-                <a:cs typeface="Segoe UI Semilight" panose="020B0402040204020203" pitchFamily="34" charset="0"/>
-              </a:rPr>
-              <a:t>The Microsoft team responds to the objection.</a:t>
-            </a:r>
-          </a:p>
-          <a:p>
-            <a:pPr marL="342900" lvl="0" indent="-342900">
-              <a:buFont typeface="Arial" panose="020B0604020202020204" pitchFamily="34" charset="0"/>
-              <a:buChar char="•"/>
-            </a:pPr>
-            <a:r>
-              <a:rPr lang="en-US" sz="2000" dirty="0">
-                <a:latin typeface="Segoe UI Semilight" panose="020B0402040204020203" pitchFamily="34" charset="0"/>
-                <a:cs typeface="Segoe UI Semilight" panose="020B0402040204020203" pitchFamily="34" charset="0"/>
-              </a:rPr>
-              <a:t>The customer team gives feedback to the Microsoft team.</a:t>
-            </a:r>
-            <a:endParaRPr lang="en-US" sz="2000" strike="sngStrike" dirty="0">
-              <a:latin typeface="Segoe UI Semilight" panose="020B0402040204020203" pitchFamily="34" charset="0"/>
-              <a:cs typeface="Segoe UI Semilight" panose="020B0402040204020203" pitchFamily="34" charset="0"/>
-            </a:endParaRPr>
-          </a:p>
-          <a:p>
-            <a:pPr>
-              <a:lnSpc>
-                <a:spcPct val="90000"/>
-              </a:lnSpc>
-              <a:spcAft>
-                <a:spcPts val="600"/>
-              </a:spcAft>
-            </a:pPr>
-            <a:endParaRPr lang="en-US" sz="2400" dirty="0">
-              <a:latin typeface="Segoe UI Semilight" panose="020B0402040204020203" pitchFamily="34" charset="0"/>
-              <a:cs typeface="Segoe UI Semilight" panose="020B0402040204020203" pitchFamily="34" charset="0"/>
-            </a:endParaRPr>
-          </a:p>
-        </p:txBody>
-      </p:sp>
-    </p:spTree>
-    <p:extLst>
-      <p:ext uri="{BB962C8B-B14F-4D97-AF65-F5344CB8AC3E}">
-        <p14:creationId xmlns:p14="http://schemas.microsoft.com/office/powerpoint/2010/main" val="3717261927"/>
-      </p:ext>
-    </p:extLst>
-  </p:cSld>
-  <p:clrMapOvr>
-    <a:masterClrMapping/>
-  </p:clrMapOvr>
-  <mc:AlternateContent xmlns:mc="http://schemas.openxmlformats.org/markup-compatibility/2006" xmlns:p14="http://schemas.microsoft.com/office/powerpoint/2010/main">
-    <mc:Choice Requires="p14">
-      <p:transition p14:dur="0"/>
-    </mc:Choice>
-    <mc:Fallback xmlns="">
-      <p:transition/>
-    </mc:Fallback>
-  </mc:AlternateContent>
-</p:sld>
-</file>
-
-<file path=ppt/slides/slide17.xml><?xml version="1.0" encoding="utf-8"?>
-<p:sld xmlns:a="http://schemas.openxmlformats.org/drawingml/2006/main" xmlns:r="http://schemas.openxmlformats.org/officeDocument/2006/relationships" xmlns:p="http://schemas.openxmlformats.org/presentationml/2006/main">
-  <p:cSld>
-    <p:spTree>
-      <p:nvGrpSpPr>
-        <p:cNvPr id="1" name=""/>
-        <p:cNvGrpSpPr/>
-        <p:nvPr/>
-      </p:nvGrpSpPr>
-      <p:grpSpPr>
-        <a:xfrm>
-          <a:off x="0" y="0"/>
-          <a:ext cx="0" cy="0"/>
-          <a:chOff x="0" y="0"/>
-          <a:chExt cx="0" cy="0"/>
-        </a:xfrm>
-      </p:grpSpPr>
-      <p:sp>
-        <p:nvSpPr>
-          <p:cNvPr id="2" name="Title 1"/>
-          <p:cNvSpPr>
-            <a:spLocks noGrp="1"/>
-          </p:cNvSpPr>
-          <p:nvPr>
-            <p:ph type="title"/>
-          </p:nvPr>
-        </p:nvSpPr>
-        <p:spPr/>
-        <p:txBody>
-          <a:bodyPr>
-            <a:normAutofit/>
-          </a:bodyPr>
-          <a:lstStyle/>
-          <a:p>
-            <a:r>
-              <a:rPr lang="en-US" sz="4400" dirty="0">
-                <a:solidFill>
-                  <a:schemeClr val="tx1"/>
-                </a:solidFill>
-                <a:latin typeface="Segoe UI Light" panose="020B0502040204020203" pitchFamily="34" charset="0"/>
-                <a:cs typeface="Segoe UI Light" panose="020B0502040204020203" pitchFamily="34" charset="0"/>
-              </a:rPr>
               <a:t>Wrap-up</a:t>
             </a:r>
           </a:p>
@@ -20494,7 +19892,7 @@
 </p:sld>
 </file>
 
-<file path=ppt/slides/slide18.xml><?xml version="1.0" encoding="utf-8"?>
+<file path=ppt/slides/slide17.xml><?xml version="1.0" encoding="utf-8"?>
 <p:sld xmlns:a="http://schemas.openxmlformats.org/drawingml/2006/main" xmlns:r="http://schemas.openxmlformats.org/officeDocument/2006/relationships" xmlns:p="http://schemas.openxmlformats.org/presentationml/2006/main">
   <p:cSld>
     <p:bg>
@@ -20635,7 +20033,7 @@
 </p:sld>
 </file>
 
-<file path=ppt/slides/slide19.xml><?xml version="1.0" encoding="utf-8"?>
+<file path=ppt/slides/slide18.xml><?xml version="1.0" encoding="utf-8"?>
 <p:sld xmlns:a="http://schemas.openxmlformats.org/drawingml/2006/main" xmlns:r="http://schemas.openxmlformats.org/officeDocument/2006/relationships" xmlns:p="http://schemas.openxmlformats.org/presentationml/2006/main">
   <p:cSld>
     <p:spTree>
@@ -20827,158 +20225,7 @@
 </p:sld>
 </file>
 
-<file path=ppt/slides/slide2.xml><?xml version="1.0" encoding="utf-8"?>
-<p:sld xmlns:a="http://schemas.openxmlformats.org/drawingml/2006/main" xmlns:r="http://schemas.openxmlformats.org/officeDocument/2006/relationships" xmlns:p="http://schemas.openxmlformats.org/presentationml/2006/main">
-  <p:cSld>
-    <p:bg>
-      <p:bgPr>
-        <a:solidFill>
-          <a:schemeClr val="bg2"/>
-        </a:solidFill>
-        <a:effectLst/>
-      </p:bgPr>
-    </p:bg>
-    <p:spTree>
-      <p:nvGrpSpPr>
-        <p:cNvPr id="1" name=""/>
-        <p:cNvGrpSpPr/>
-        <p:nvPr/>
-      </p:nvGrpSpPr>
-      <p:grpSpPr>
-        <a:xfrm>
-          <a:off x="0" y="0"/>
-          <a:ext cx="0" cy="0"/>
-          <a:chOff x="0" y="0"/>
-          <a:chExt cx="0" cy="0"/>
-        </a:xfrm>
-      </p:grpSpPr>
-      <p:sp>
-        <p:nvSpPr>
-          <p:cNvPr id="2" name="Title 1"/>
-          <p:cNvSpPr>
-            <a:spLocks noGrp="1"/>
-          </p:cNvSpPr>
-          <p:nvPr>
-            <p:ph type="title"/>
-          </p:nvPr>
-        </p:nvSpPr>
-        <p:spPr/>
-        <p:txBody>
-          <a:bodyPr>
-            <a:normAutofit/>
-          </a:bodyPr>
-          <a:lstStyle/>
-          <a:p>
-            <a:r>
-              <a:rPr lang="en-US" sz="4400" dirty="0">
-                <a:solidFill>
-                  <a:schemeClr val="tx1"/>
-                </a:solidFill>
-                <a:latin typeface="Segoe UI Light" panose="020B0502040204020203" pitchFamily="34" charset="0"/>
-                <a:cs typeface="Segoe UI Light" panose="020B0502040204020203" pitchFamily="34" charset="0"/>
-              </a:rPr>
-              <a:t>Abstract and learning objectives</a:t>
-            </a:r>
-          </a:p>
-        </p:txBody>
-      </p:sp>
-      <p:sp>
-        <p:nvSpPr>
-          <p:cNvPr id="9" name="TextBox 8">
-            <a:extLst>
-              <a:ext uri="{FF2B5EF4-FFF2-40B4-BE49-F238E27FC236}">
-                <a16:creationId xmlns:a16="http://schemas.microsoft.com/office/drawing/2014/main" id="{0F86F9F9-39B5-4CE6-AF48-9ADAE40EA728}"/>
-              </a:ext>
-            </a:extLst>
-          </p:cNvPr>
-          <p:cNvSpPr txBox="1"/>
-          <p:nvPr/>
-        </p:nvSpPr>
-        <p:spPr>
-          <a:xfrm>
-            <a:off x="340284" y="1284049"/>
-            <a:ext cx="10738023" cy="5102935"/>
-          </a:xfrm>
-          <a:prstGeom prst="rect">
-            <a:avLst/>
-          </a:prstGeom>
-          <a:noFill/>
-        </p:spPr>
-        <p:txBody>
-          <a:bodyPr wrap="square" lIns="182880" tIns="146304" rIns="182880" bIns="146304" rtlCol="0">
-            <a:spAutoFit/>
-          </a:bodyPr>
-          <a:lstStyle/>
-          <a:p>
-            <a:pPr>
-              <a:lnSpc>
-                <a:spcPct val="90000"/>
-              </a:lnSpc>
-              <a:spcAft>
-                <a:spcPts val="600"/>
-              </a:spcAft>
-            </a:pPr>
-            <a:r>
-              <a:rPr lang="en-US" sz="2800" dirty="0">
-                <a:latin typeface="+mj-lt"/>
-              </a:rPr>
-              <a:t>In this whiteboard design session, you will look at how to design an Azure migration for a heterogenous customer environment. The existing infrastructure comprises both Windows and Linux servers running on both VMWare and physical machines and includes some legacy servers. Throughout the whiteboard design session, you will look at the various options and services available to migrate heterogenous environments to Azure.</a:t>
-            </a:r>
-          </a:p>
-          <a:p>
-            <a:pPr>
-              <a:lnSpc>
-                <a:spcPct val="90000"/>
-              </a:lnSpc>
-              <a:spcAft>
-                <a:spcPts val="600"/>
-              </a:spcAft>
-            </a:pPr>
-            <a:endParaRPr lang="en-US" sz="2800" dirty="0">
-              <a:latin typeface="+mj-lt"/>
-            </a:endParaRPr>
-          </a:p>
-          <a:p>
-            <a:pPr>
-              <a:lnSpc>
-                <a:spcPct val="90000"/>
-              </a:lnSpc>
-              <a:spcAft>
-                <a:spcPts val="600"/>
-              </a:spcAft>
-            </a:pPr>
-            <a:r>
-              <a:rPr lang="en-US" sz="2800" dirty="0">
-                <a:latin typeface="+mj-lt"/>
-              </a:rPr>
-              <a:t>At the end of this workshop, you will be better able to design and implement the discovery and assessment of environments to evaluate their readiness for migrating to Azure using services including Azure Migrate and Azure Database Migration Service.</a:t>
-            </a:r>
-            <a:endParaRPr lang="en-US" dirty="0"/>
-          </a:p>
-        </p:txBody>
-      </p:sp>
-    </p:spTree>
-    <p:extLst>
-      <p:ext uri="{BB962C8B-B14F-4D97-AF65-F5344CB8AC3E}">
-        <p14:creationId xmlns:p14="http://schemas.microsoft.com/office/powerpoint/2010/main" val="772880493"/>
-      </p:ext>
-    </p:extLst>
-  </p:cSld>
-  <p:clrMapOvr>
-    <a:masterClrMapping/>
-  </p:clrMapOvr>
-  <mc:AlternateContent xmlns:mc="http://schemas.openxmlformats.org/markup-compatibility/2006" xmlns:p14="http://schemas.microsoft.com/office/powerpoint/2010/main">
-    <mc:Choice Requires="p14">
-      <p:transition p14:dur="0"/>
-    </mc:Choice>
-    <mc:Fallback xmlns="">
-      <p:transition/>
-    </mc:Fallback>
-  </mc:AlternateContent>
-</p:sld>
-</file>
-
-<file path=ppt/slides/slide20.xml><?xml version="1.0" encoding="utf-8"?>
+<file path=ppt/slides/slide19.xml><?xml version="1.0" encoding="utf-8"?>
 <p:sld xmlns:a="http://schemas.openxmlformats.org/drawingml/2006/main" xmlns:r="http://schemas.openxmlformats.org/officeDocument/2006/relationships" xmlns:p="http://schemas.openxmlformats.org/presentationml/2006/main">
   <p:cSld>
     <p:spTree>
@@ -21121,7 +20368,158 @@
 </p:sld>
 </file>
 
-<file path=ppt/slides/slide21.xml><?xml version="1.0" encoding="utf-8"?>
+<file path=ppt/slides/slide2.xml><?xml version="1.0" encoding="utf-8"?>
+<p:sld xmlns:a="http://schemas.openxmlformats.org/drawingml/2006/main" xmlns:r="http://schemas.openxmlformats.org/officeDocument/2006/relationships" xmlns:p="http://schemas.openxmlformats.org/presentationml/2006/main">
+  <p:cSld>
+    <p:bg>
+      <p:bgPr>
+        <a:solidFill>
+          <a:schemeClr val="bg2"/>
+        </a:solidFill>
+        <a:effectLst/>
+      </p:bgPr>
+    </p:bg>
+    <p:spTree>
+      <p:nvGrpSpPr>
+        <p:cNvPr id="1" name=""/>
+        <p:cNvGrpSpPr/>
+        <p:nvPr/>
+      </p:nvGrpSpPr>
+      <p:grpSpPr>
+        <a:xfrm>
+          <a:off x="0" y="0"/>
+          <a:ext cx="0" cy="0"/>
+          <a:chOff x="0" y="0"/>
+          <a:chExt cx="0" cy="0"/>
+        </a:xfrm>
+      </p:grpSpPr>
+      <p:sp>
+        <p:nvSpPr>
+          <p:cNvPr id="2" name="Title 1"/>
+          <p:cNvSpPr>
+            <a:spLocks noGrp="1"/>
+          </p:cNvSpPr>
+          <p:nvPr>
+            <p:ph type="title"/>
+          </p:nvPr>
+        </p:nvSpPr>
+        <p:spPr/>
+        <p:txBody>
+          <a:bodyPr>
+            <a:normAutofit/>
+          </a:bodyPr>
+          <a:lstStyle/>
+          <a:p>
+            <a:r>
+              <a:rPr lang="en-US" sz="4400" dirty="0">
+                <a:solidFill>
+                  <a:schemeClr val="tx1"/>
+                </a:solidFill>
+                <a:latin typeface="Segoe UI Light" panose="020B0502040204020203" pitchFamily="34" charset="0"/>
+                <a:cs typeface="Segoe UI Light" panose="020B0502040204020203" pitchFamily="34" charset="0"/>
+              </a:rPr>
+              <a:t>Abstract and learning objectives</a:t>
+            </a:r>
+          </a:p>
+        </p:txBody>
+      </p:sp>
+      <p:sp>
+        <p:nvSpPr>
+          <p:cNvPr id="9" name="TextBox 8">
+            <a:extLst>
+              <a:ext uri="{FF2B5EF4-FFF2-40B4-BE49-F238E27FC236}">
+                <a16:creationId xmlns:a16="http://schemas.microsoft.com/office/drawing/2014/main" id="{0F86F9F9-39B5-4CE6-AF48-9ADAE40EA728}"/>
+              </a:ext>
+            </a:extLst>
+          </p:cNvPr>
+          <p:cNvSpPr txBox="1"/>
+          <p:nvPr/>
+        </p:nvSpPr>
+        <p:spPr>
+          <a:xfrm>
+            <a:off x="340284" y="1284049"/>
+            <a:ext cx="10738023" cy="5102935"/>
+          </a:xfrm>
+          <a:prstGeom prst="rect">
+            <a:avLst/>
+          </a:prstGeom>
+          <a:noFill/>
+        </p:spPr>
+        <p:txBody>
+          <a:bodyPr wrap="square" lIns="182880" tIns="146304" rIns="182880" bIns="146304" rtlCol="0">
+            <a:spAutoFit/>
+          </a:bodyPr>
+          <a:lstStyle/>
+          <a:p>
+            <a:pPr>
+              <a:lnSpc>
+                <a:spcPct val="90000"/>
+              </a:lnSpc>
+              <a:spcAft>
+                <a:spcPts val="600"/>
+              </a:spcAft>
+            </a:pPr>
+            <a:r>
+              <a:rPr lang="en-US" sz="2800" dirty="0">
+                <a:latin typeface="+mj-lt"/>
+              </a:rPr>
+              <a:t>In this whiteboard design session, you will look at how to design an Azure migration for a heterogenous customer environment. The existing infrastructure comprises both Windows and Linux servers running on both VMWare and physical machines and includes some legacy servers. Throughout the whiteboard design session, you will look at the various options and services available to migrate heterogenous environments to Azure.</a:t>
+            </a:r>
+          </a:p>
+          <a:p>
+            <a:pPr>
+              <a:lnSpc>
+                <a:spcPct val="90000"/>
+              </a:lnSpc>
+              <a:spcAft>
+                <a:spcPts val="600"/>
+              </a:spcAft>
+            </a:pPr>
+            <a:endParaRPr lang="en-US" sz="2800" dirty="0">
+              <a:latin typeface="+mj-lt"/>
+            </a:endParaRPr>
+          </a:p>
+          <a:p>
+            <a:pPr>
+              <a:lnSpc>
+                <a:spcPct val="90000"/>
+              </a:lnSpc>
+              <a:spcAft>
+                <a:spcPts val="600"/>
+              </a:spcAft>
+            </a:pPr>
+            <a:r>
+              <a:rPr lang="en-US" sz="2800" dirty="0">
+                <a:latin typeface="+mj-lt"/>
+              </a:rPr>
+              <a:t>At the end of this workshop, you will be better able to design and implement the discovery and assessment of environments to evaluate their readiness for migrating to Azure using services including Azure Migrate and Azure Database Migration Service.</a:t>
+            </a:r>
+            <a:endParaRPr lang="en-US" dirty="0"/>
+          </a:p>
+        </p:txBody>
+      </p:sp>
+    </p:spTree>
+    <p:extLst>
+      <p:ext uri="{BB962C8B-B14F-4D97-AF65-F5344CB8AC3E}">
+        <p14:creationId xmlns:p14="http://schemas.microsoft.com/office/powerpoint/2010/main" val="772880493"/>
+      </p:ext>
+    </p:extLst>
+  </p:cSld>
+  <p:clrMapOvr>
+    <a:masterClrMapping/>
+  </p:clrMapOvr>
+  <mc:AlternateContent xmlns:mc="http://schemas.openxmlformats.org/markup-compatibility/2006" xmlns:p14="http://schemas.microsoft.com/office/powerpoint/2010/main">
+    <mc:Choice Requires="p14">
+      <p:transition p14:dur="0"/>
+    </mc:Choice>
+    <mc:Fallback xmlns="">
+      <p:transition/>
+    </mc:Fallback>
+  </mc:AlternateContent>
+</p:sld>
+</file>
+
+<file path=ppt/slides/slide20.xml><?xml version="1.0" encoding="utf-8"?>
 <p:sld xmlns:a="http://schemas.openxmlformats.org/drawingml/2006/main" xmlns:r="http://schemas.openxmlformats.org/officeDocument/2006/relationships" xmlns:p="http://schemas.openxmlformats.org/presentationml/2006/main">
   <p:cSld>
     <p:spTree>
@@ -21341,7 +20739,7 @@
 </p:sld>
 </file>
 
-<file path=ppt/slides/slide22.xml><?xml version="1.0" encoding="utf-8"?>
+<file path=ppt/slides/slide21.xml><?xml version="1.0" encoding="utf-8"?>
 <p:sld xmlns:a="http://schemas.openxmlformats.org/drawingml/2006/main" xmlns:r="http://schemas.openxmlformats.org/officeDocument/2006/relationships" xmlns:p="http://schemas.openxmlformats.org/presentationml/2006/main">
   <p:cSld>
     <p:spTree>
@@ -21493,7 +20891,7 @@
 </p:sld>
 </file>
 
-<file path=ppt/slides/slide23.xml><?xml version="1.0" encoding="utf-8"?>
+<file path=ppt/slides/slide22.xml><?xml version="1.0" encoding="utf-8"?>
 <p:sld xmlns:a="http://schemas.openxmlformats.org/drawingml/2006/main" xmlns:r="http://schemas.openxmlformats.org/officeDocument/2006/relationships" xmlns:p="http://schemas.openxmlformats.org/presentationml/2006/main">
   <p:cSld>
     <p:spTree>
@@ -21628,7 +21026,7 @@
 </p:sld>
 </file>
 
-<file path=ppt/slides/slide24.xml><?xml version="1.0" encoding="utf-8"?>
+<file path=ppt/slides/slide23.xml><?xml version="1.0" encoding="utf-8"?>
 <p:sld xmlns:a="http://schemas.openxmlformats.org/drawingml/2006/main" xmlns:r="http://schemas.openxmlformats.org/officeDocument/2006/relationships" xmlns:p="http://schemas.openxmlformats.org/presentationml/2006/main">
   <p:cSld>
     <p:spTree>
@@ -21817,7 +21215,7 @@
 </p:sld>
 </file>
 
-<file path=ppt/slides/slide25.xml><?xml version="1.0" encoding="utf-8"?>
+<file path=ppt/slides/slide24.xml><?xml version="1.0" encoding="utf-8"?>
 <p:sld xmlns:a="http://schemas.openxmlformats.org/drawingml/2006/main" xmlns:r="http://schemas.openxmlformats.org/officeDocument/2006/relationships" xmlns:p="http://schemas.openxmlformats.org/presentationml/2006/main">
   <p:cSld>
     <p:spTree>
@@ -21953,6 +21351,149 @@
 </p:sld>
 </file>
 
+<file path=ppt/slides/slide25.xml><?xml version="1.0" encoding="utf-8"?>
+<p:sld xmlns:a="http://schemas.openxmlformats.org/drawingml/2006/main" xmlns:r="http://schemas.openxmlformats.org/officeDocument/2006/relationships" xmlns:p="http://schemas.openxmlformats.org/presentationml/2006/main">
+  <p:cSld>
+    <p:spTree>
+      <p:nvGrpSpPr>
+        <p:cNvPr id="1" name=""/>
+        <p:cNvGrpSpPr/>
+        <p:nvPr/>
+      </p:nvGrpSpPr>
+      <p:grpSpPr>
+        <a:xfrm>
+          <a:off x="0" y="0"/>
+          <a:ext cx="0" cy="0"/>
+          <a:chOff x="0" y="0"/>
+          <a:chExt cx="0" cy="0"/>
+        </a:xfrm>
+      </p:grpSpPr>
+      <p:sp>
+        <p:nvSpPr>
+          <p:cNvPr id="2" name="Title 1">
+            <a:extLst>
+              <a:ext uri="{FF2B5EF4-FFF2-40B4-BE49-F238E27FC236}">
+                <a16:creationId xmlns:a16="http://schemas.microsoft.com/office/drawing/2014/main" id="{59C1FCCA-E72A-4D22-BB7E-034E6745E6AE}"/>
+              </a:ext>
+            </a:extLst>
+          </p:cNvPr>
+          <p:cNvSpPr>
+            <a:spLocks noGrp="1"/>
+          </p:cNvSpPr>
+          <p:nvPr>
+            <p:ph type="title"/>
+          </p:nvPr>
+        </p:nvSpPr>
+        <p:spPr/>
+        <p:txBody>
+          <a:bodyPr/>
+          <a:lstStyle/>
+          <a:p>
+            <a:r>
+              <a:rPr lang="en-IE" dirty="0"/>
+              <a:t>Solution Details: Migration</a:t>
+            </a:r>
+          </a:p>
+        </p:txBody>
+      </p:sp>
+      <p:sp>
+        <p:nvSpPr>
+          <p:cNvPr id="3" name="Text Placeholder 2">
+            <a:extLst>
+              <a:ext uri="{FF2B5EF4-FFF2-40B4-BE49-F238E27FC236}">
+                <a16:creationId xmlns:a16="http://schemas.microsoft.com/office/drawing/2014/main" id="{E62D2B87-13E1-4D84-A606-CB293B6C82B6}"/>
+              </a:ext>
+            </a:extLst>
+          </p:cNvPr>
+          <p:cNvSpPr>
+            <a:spLocks noGrp="1"/>
+          </p:cNvSpPr>
+          <p:nvPr>
+            <p:ph type="body" sz="quarter" idx="10"/>
+          </p:nvPr>
+        </p:nvSpPr>
+        <p:spPr>
+          <a:xfrm>
+            <a:off x="269239" y="1189177"/>
+            <a:ext cx="11653523" cy="5301388"/>
+          </a:xfrm>
+        </p:spPr>
+        <p:txBody>
+          <a:bodyPr/>
+          <a:lstStyle/>
+          <a:p>
+            <a:r>
+              <a:rPr lang="en-IE" dirty="0"/>
+              <a:t>Prepare Azure environment</a:t>
+            </a:r>
+          </a:p>
+          <a:p>
+            <a:pPr lvl="1"/>
+            <a:r>
+              <a:rPr lang="en-IE" dirty="0"/>
+              <a:t>Accounts, permissions, storage, network…everything except the VMs and their disks</a:t>
+            </a:r>
+          </a:p>
+          <a:p>
+            <a:pPr lvl="1"/>
+            <a:r>
+              <a:rPr lang="en-IE" dirty="0"/>
+              <a:t>Use Azure Landing Zones for best practices and reusable deployment artifacts</a:t>
+            </a:r>
+          </a:p>
+          <a:p>
+            <a:r>
+              <a:rPr lang="en-IE" dirty="0"/>
+              <a:t>Deploy on-premises components</a:t>
+            </a:r>
+          </a:p>
+          <a:p>
+            <a:pPr lvl="1"/>
+            <a:r>
+              <a:rPr lang="en-IE" dirty="0"/>
+              <a:t>VMware (agent-less): Azure migrate appliance VM; nothing to install on each VM</a:t>
+            </a:r>
+          </a:p>
+          <a:p>
+            <a:pPr lvl="1"/>
+            <a:r>
+              <a:rPr lang="en-IE" dirty="0"/>
+              <a:t>VMware (agent-based) or physical servers: Replication appliance VM or server; plus Mobility Service agent on each VM or machine to be migrated</a:t>
+            </a:r>
+          </a:p>
+          <a:p>
+            <a:r>
+              <a:rPr lang="en-IE" dirty="0"/>
+              <a:t>Configure replication policy and enable replication</a:t>
+            </a:r>
+          </a:p>
+          <a:p>
+            <a:r>
+              <a:rPr lang="en-IE" dirty="0"/>
+              <a:t>Perform test failover and verify</a:t>
+            </a:r>
+          </a:p>
+          <a:p>
+            <a:endParaRPr lang="en-IE" dirty="0"/>
+          </a:p>
+        </p:txBody>
+      </p:sp>
+    </p:spTree>
+    <p:extLst>
+      <p:ext uri="{BB962C8B-B14F-4D97-AF65-F5344CB8AC3E}">
+        <p14:creationId xmlns:p14="http://schemas.microsoft.com/office/powerpoint/2010/main" val="3410966198"/>
+      </p:ext>
+    </p:extLst>
+  </p:cSld>
+  <p:clrMapOvr>
+    <a:masterClrMapping/>
+  </p:clrMapOvr>
+  <p:transition>
+    <p:fade/>
+  </p:transition>
+</p:sld>
+</file>
+
 <file path=ppt/slides/slide26.xml><?xml version="1.0" encoding="utf-8"?>
 <p:sld xmlns:a="http://schemas.openxmlformats.org/drawingml/2006/main" xmlns:r="http://schemas.openxmlformats.org/officeDocument/2006/relationships" xmlns:p="http://schemas.openxmlformats.org/presentationml/2006/main">
   <p:cSld>
@@ -22017,7 +21558,7 @@
         <p:spPr>
           <a:xfrm>
             <a:off x="269239" y="1189177"/>
-            <a:ext cx="11653523" cy="5301388"/>
+            <a:ext cx="11653523" cy="6192208"/>
           </a:xfrm>
         </p:spPr>
         <p:txBody>
@@ -22026,53 +21567,98 @@
           <a:p>
             <a:r>
               <a:rPr lang="en-IE" dirty="0"/>
-              <a:t>Prepare Azure environment</a:t>
+              <a:t>Cut over</a:t>
             </a:r>
           </a:p>
           <a:p>
             <a:pPr lvl="1"/>
             <a:r>
+              <a:rPr lang="en-IE" sz="2400" dirty="0"/>
+              <a:t>Update application settings (connection strings, configurations, etc)</a:t>
+            </a:r>
+          </a:p>
+          <a:p>
+            <a:pPr lvl="1"/>
+            <a:r>
+              <a:rPr lang="en-IE" sz="2400" dirty="0"/>
+              <a:t>Acceptance testing</a:t>
+            </a:r>
+          </a:p>
+          <a:p>
+            <a:pPr lvl="1"/>
+            <a:r>
+              <a:rPr lang="en-IE" sz="2400" dirty="0"/>
+              <a:t>Endpoint update (typically DNS change)</a:t>
+            </a:r>
+          </a:p>
+          <a:p>
+            <a:r>
               <a:rPr lang="en-IE" dirty="0"/>
-              <a:t>Accounts, permissions, storage, network…everything except the VMs and their disks</a:t>
+              <a:t>Post-migration</a:t>
             </a:r>
           </a:p>
           <a:p>
             <a:pPr lvl="1"/>
             <a:r>
-              <a:rPr lang="en-IE" dirty="0"/>
-              <a:t>Use Azure Landing Zones for best practices and reusable deployment artifacts</a:t>
-            </a:r>
-          </a:p>
-          <a:p>
-            <a:r>
-              <a:rPr lang="en-IE" dirty="0"/>
-              <a:t>Deploy on-premises components</a:t>
+              <a:rPr lang="en-IE" sz="2400" dirty="0"/>
+              <a:t>Install VM agent / uninstall Mobility Service agent</a:t>
             </a:r>
           </a:p>
           <a:p>
             <a:pPr lvl="1"/>
             <a:r>
-              <a:rPr lang="en-IE" dirty="0"/>
-              <a:t>VMware (agent-less): Azure migrate appliance VM; nothing to install on each VM</a:t>
+              <a:rPr lang="en-IE" sz="2400" dirty="0"/>
+              <a:t>Review Azure Advisor / Security </a:t>
+            </a:r>
+            <a:r>
+              <a:rPr lang="en-IE" sz="2400" dirty="0" err="1"/>
+              <a:t>Center</a:t>
+            </a:r>
+            <a:r>
+              <a:rPr lang="en-IE" sz="2400" dirty="0"/>
+              <a:t> recommendations</a:t>
             </a:r>
           </a:p>
           <a:p>
             <a:pPr lvl="1"/>
             <a:r>
-              <a:rPr lang="en-IE" dirty="0"/>
-              <a:t>VMware (agent-based) or physical servers: Replication appliance VM or server; plus Mobility Service agent on each VM or machine to be migrated</a:t>
-            </a:r>
-          </a:p>
-          <a:p>
-            <a:r>
-              <a:rPr lang="en-IE" dirty="0"/>
-              <a:t>Configure replication policy and enable replication</a:t>
-            </a:r>
-          </a:p>
-          <a:p>
-            <a:r>
-              <a:rPr lang="en-IE" dirty="0"/>
-              <a:t>Perform test failover and verify</a:t>
+              <a:rPr lang="en-IE" sz="2400" dirty="0"/>
+              <a:t>Apply principles from the Azure Well-Architected Framework</a:t>
+            </a:r>
+          </a:p>
+          <a:p>
+            <a:pPr lvl="2"/>
+            <a:r>
+              <a:rPr lang="en-IE" sz="2008" dirty="0"/>
+              <a:t>Cost optimization (e.g. right-sizing, apply discounts, shut down in off hours)</a:t>
+            </a:r>
+          </a:p>
+          <a:p>
+            <a:pPr lvl="2"/>
+            <a:r>
+              <a:rPr lang="en-IE" sz="2008" dirty="0"/>
+              <a:t>Operational excellence (e.g. monitoring)</a:t>
+            </a:r>
+          </a:p>
+          <a:p>
+            <a:pPr lvl="2"/>
+            <a:r>
+              <a:rPr lang="en-IE" sz="2008" dirty="0"/>
+              <a:t>Performance efficiency (e.g. auto-scale)</a:t>
+            </a:r>
+          </a:p>
+          <a:p>
+            <a:pPr lvl="2"/>
+            <a:r>
+              <a:rPr lang="en-IE" sz="2008" dirty="0"/>
+              <a:t>Reliability (e.g. high availability, backup and DR)</a:t>
+            </a:r>
+          </a:p>
+          <a:p>
+            <a:pPr lvl="2"/>
+            <a:r>
+              <a:rPr lang="en-IE" sz="2008" dirty="0"/>
+              <a:t>Security (e.g. enable disk encryption, network access, Azure RBAC)</a:t>
             </a:r>
           </a:p>
           <a:p>
@@ -22083,7 +21669,7 @@
     </p:spTree>
     <p:extLst>
       <p:ext uri="{BB962C8B-B14F-4D97-AF65-F5344CB8AC3E}">
-        <p14:creationId xmlns:p14="http://schemas.microsoft.com/office/powerpoint/2010/main" val="3410966198"/>
+        <p14:creationId xmlns:p14="http://schemas.microsoft.com/office/powerpoint/2010/main" val="1314888463"/>
       </p:ext>
     </p:extLst>
   </p:cSld>
@@ -22135,194 +21721,6 @@
           <a:lstStyle/>
           <a:p>
             <a:r>
-              <a:rPr lang="en-IE" dirty="0"/>
-              <a:t>Solution Details: Migration</a:t>
-            </a:r>
-          </a:p>
-        </p:txBody>
-      </p:sp>
-      <p:sp>
-        <p:nvSpPr>
-          <p:cNvPr id="3" name="Text Placeholder 2">
-            <a:extLst>
-              <a:ext uri="{FF2B5EF4-FFF2-40B4-BE49-F238E27FC236}">
-                <a16:creationId xmlns:a16="http://schemas.microsoft.com/office/drawing/2014/main" id="{E62D2B87-13E1-4D84-A606-CB293B6C82B6}"/>
-              </a:ext>
-            </a:extLst>
-          </p:cNvPr>
-          <p:cNvSpPr>
-            <a:spLocks noGrp="1"/>
-          </p:cNvSpPr>
-          <p:nvPr>
-            <p:ph type="body" sz="quarter" idx="10"/>
-          </p:nvPr>
-        </p:nvSpPr>
-        <p:spPr>
-          <a:xfrm>
-            <a:off x="269239" y="1189177"/>
-            <a:ext cx="11653523" cy="6192208"/>
-          </a:xfrm>
-        </p:spPr>
-        <p:txBody>
-          <a:bodyPr/>
-          <a:lstStyle/>
-          <a:p>
-            <a:r>
-              <a:rPr lang="en-IE" dirty="0"/>
-              <a:t>Cut over</a:t>
-            </a:r>
-          </a:p>
-          <a:p>
-            <a:pPr lvl="1"/>
-            <a:r>
-              <a:rPr lang="en-IE" sz="2400" dirty="0"/>
-              <a:t>Update application settings (connection strings, configurations, etc)</a:t>
-            </a:r>
-          </a:p>
-          <a:p>
-            <a:pPr lvl="1"/>
-            <a:r>
-              <a:rPr lang="en-IE" sz="2400" dirty="0"/>
-              <a:t>Acceptance testing</a:t>
-            </a:r>
-          </a:p>
-          <a:p>
-            <a:pPr lvl="1"/>
-            <a:r>
-              <a:rPr lang="en-IE" sz="2400" dirty="0"/>
-              <a:t>Endpoint update (typically DNS change)</a:t>
-            </a:r>
-          </a:p>
-          <a:p>
-            <a:r>
-              <a:rPr lang="en-IE" dirty="0"/>
-              <a:t>Post-migration</a:t>
-            </a:r>
-          </a:p>
-          <a:p>
-            <a:pPr lvl="1"/>
-            <a:r>
-              <a:rPr lang="en-IE" sz="2400" dirty="0"/>
-              <a:t>Install VM agent / uninstall Mobility Service agent</a:t>
-            </a:r>
-          </a:p>
-          <a:p>
-            <a:pPr lvl="1"/>
-            <a:r>
-              <a:rPr lang="en-IE" sz="2400" dirty="0"/>
-              <a:t>Review Azure Advisor / Security </a:t>
-            </a:r>
-            <a:r>
-              <a:rPr lang="en-IE" sz="2400" dirty="0" err="1"/>
-              <a:t>Center</a:t>
-            </a:r>
-            <a:r>
-              <a:rPr lang="en-IE" sz="2400" dirty="0"/>
-              <a:t> recommendations</a:t>
-            </a:r>
-          </a:p>
-          <a:p>
-            <a:pPr lvl="1"/>
-            <a:r>
-              <a:rPr lang="en-IE" sz="2400" dirty="0"/>
-              <a:t>Apply principles from the Azure Well-Architected Framework</a:t>
-            </a:r>
-          </a:p>
-          <a:p>
-            <a:pPr lvl="2"/>
-            <a:r>
-              <a:rPr lang="en-IE" sz="2008" dirty="0"/>
-              <a:t>Cost optimization (e.g. right-sizing, apply discounts, shut down in off hours)</a:t>
-            </a:r>
-          </a:p>
-          <a:p>
-            <a:pPr lvl="2"/>
-            <a:r>
-              <a:rPr lang="en-IE" sz="2008" dirty="0"/>
-              <a:t>Operational excellence (e.g. monitoring)</a:t>
-            </a:r>
-          </a:p>
-          <a:p>
-            <a:pPr lvl="2"/>
-            <a:r>
-              <a:rPr lang="en-IE" sz="2008" dirty="0"/>
-              <a:t>Performance efficiency (e.g. auto-scale)</a:t>
-            </a:r>
-          </a:p>
-          <a:p>
-            <a:pPr lvl="2"/>
-            <a:r>
-              <a:rPr lang="en-IE" sz="2008" dirty="0"/>
-              <a:t>Reliability (e.g. high availability, backup and DR)</a:t>
-            </a:r>
-          </a:p>
-          <a:p>
-            <a:pPr lvl="2"/>
-            <a:r>
-              <a:rPr lang="en-IE" sz="2008" dirty="0"/>
-              <a:t>Security (e.g. enable disk encryption, network access, Azure RBAC)</a:t>
-            </a:r>
-          </a:p>
-          <a:p>
-            <a:endParaRPr lang="en-IE" dirty="0"/>
-          </a:p>
-        </p:txBody>
-      </p:sp>
-    </p:spTree>
-    <p:extLst>
-      <p:ext uri="{BB962C8B-B14F-4D97-AF65-F5344CB8AC3E}">
-        <p14:creationId xmlns:p14="http://schemas.microsoft.com/office/powerpoint/2010/main" val="1314888463"/>
-      </p:ext>
-    </p:extLst>
-  </p:cSld>
-  <p:clrMapOvr>
-    <a:masterClrMapping/>
-  </p:clrMapOvr>
-  <p:transition>
-    <p:fade/>
-  </p:transition>
-</p:sld>
-</file>
-
-<file path=ppt/slides/slide28.xml><?xml version="1.0" encoding="utf-8"?>
-<p:sld xmlns:a="http://schemas.openxmlformats.org/drawingml/2006/main" xmlns:r="http://schemas.openxmlformats.org/officeDocument/2006/relationships" xmlns:p="http://schemas.openxmlformats.org/presentationml/2006/main">
-  <p:cSld>
-    <p:spTree>
-      <p:nvGrpSpPr>
-        <p:cNvPr id="1" name=""/>
-        <p:cNvGrpSpPr/>
-        <p:nvPr/>
-      </p:nvGrpSpPr>
-      <p:grpSpPr>
-        <a:xfrm>
-          <a:off x="0" y="0"/>
-          <a:ext cx="0" cy="0"/>
-          <a:chOff x="0" y="0"/>
-          <a:chExt cx="0" cy="0"/>
-        </a:xfrm>
-      </p:grpSpPr>
-      <p:sp>
-        <p:nvSpPr>
-          <p:cNvPr id="2" name="Title 1">
-            <a:extLst>
-              <a:ext uri="{FF2B5EF4-FFF2-40B4-BE49-F238E27FC236}">
-                <a16:creationId xmlns:a16="http://schemas.microsoft.com/office/drawing/2014/main" id="{59C1FCCA-E72A-4D22-BB7E-034E6745E6AE}"/>
-              </a:ext>
-            </a:extLst>
-          </p:cNvPr>
-          <p:cNvSpPr>
-            <a:spLocks noGrp="1"/>
-          </p:cNvSpPr>
-          <p:nvPr>
-            <p:ph type="title"/>
-          </p:nvPr>
-        </p:nvSpPr>
-        <p:spPr/>
-        <p:txBody>
-          <a:bodyPr/>
-          <a:lstStyle/>
-          <a:p>
-            <a:r>
               <a:rPr lang="en-IE" sz="4400" dirty="0"/>
               <a:t>Solution Details: Database Migration Service (DMS)</a:t>
             </a:r>
@@ -22439,7 +21837,7 @@
 </p:sld>
 </file>
 
-<file path=ppt/slides/slide29.xml><?xml version="1.0" encoding="utf-8"?>
+<file path=ppt/slides/slide28.xml><?xml version="1.0" encoding="utf-8"?>
 <p:sld xmlns:a="http://schemas.openxmlformats.org/drawingml/2006/main" xmlns:r="http://schemas.openxmlformats.org/officeDocument/2006/relationships" xmlns:p="http://schemas.openxmlformats.org/presentationml/2006/main">
   <p:cSld>
     <p:spTree>
@@ -22630,6 +22028,165 @@
 </p:sld>
 </file>
 
+<file path=ppt/slides/slide29.xml><?xml version="1.0" encoding="utf-8"?>
+<p:sld xmlns:a="http://schemas.openxmlformats.org/drawingml/2006/main" xmlns:r="http://schemas.openxmlformats.org/officeDocument/2006/relationships" xmlns:p="http://schemas.openxmlformats.org/presentationml/2006/main">
+  <p:cSld>
+    <p:spTree>
+      <p:nvGrpSpPr>
+        <p:cNvPr id="1" name=""/>
+        <p:cNvGrpSpPr/>
+        <p:nvPr/>
+      </p:nvGrpSpPr>
+      <p:grpSpPr>
+        <a:xfrm>
+          <a:off x="0" y="0"/>
+          <a:ext cx="0" cy="0"/>
+          <a:chOff x="0" y="0"/>
+          <a:chExt cx="0" cy="0"/>
+        </a:xfrm>
+      </p:grpSpPr>
+      <p:sp>
+        <p:nvSpPr>
+          <p:cNvPr id="2" name="Title 1"/>
+          <p:cNvSpPr>
+            <a:spLocks noGrp="1"/>
+          </p:cNvSpPr>
+          <p:nvPr>
+            <p:ph type="title"/>
+          </p:nvPr>
+        </p:nvSpPr>
+        <p:spPr/>
+        <p:txBody>
+          <a:bodyPr/>
+          <a:lstStyle/>
+          <a:p>
+            <a:r>
+              <a:rPr lang="en-US" dirty="0"/>
+              <a:t>Preferred objections handling</a:t>
+            </a:r>
+            <a:br>
+              <a:rPr lang="en-US" dirty="0"/>
+            </a:br>
+            <a:endParaRPr lang="en-US" dirty="0"/>
+          </a:p>
+        </p:txBody>
+      </p:sp>
+      <p:sp>
+        <p:nvSpPr>
+          <p:cNvPr id="3" name="Content Placeholder 2"/>
+          <p:cNvSpPr>
+            <a:spLocks noGrp="1"/>
+          </p:cNvSpPr>
+          <p:nvPr>
+            <p:ph type="body" sz="quarter" idx="10"/>
+          </p:nvPr>
+        </p:nvSpPr>
+        <p:spPr>
+          <a:xfrm>
+            <a:off x="269239" y="1189177"/>
+            <a:ext cx="11653523" cy="5946243"/>
+          </a:xfrm>
+        </p:spPr>
+        <p:txBody>
+          <a:bodyPr/>
+          <a:lstStyle/>
+          <a:p>
+            <a:r>
+              <a:rPr lang="en-US" sz="2400" dirty="0">
+                <a:latin typeface="Segoe UI Semibold" panose="020B0702040204020203" pitchFamily="34" charset="0"/>
+                <a:cs typeface="Segoe UI Semibold" panose="020B0702040204020203" pitchFamily="34" charset="0"/>
+              </a:rPr>
+              <a:t>Objection: </a:t>
+            </a:r>
+            <a:r>
+              <a:rPr lang="en-US" sz="2400" dirty="0">
+                <a:solidFill>
+                  <a:schemeClr val="tx1"/>
+                </a:solidFill>
+              </a:rPr>
+              <a:t>Owners of each business application need to approve any substantial application change, including migration. Business owners have indicated that they will require evidence that migration will be successful before granting approval.</a:t>
+            </a:r>
+          </a:p>
+          <a:p>
+            <a:endParaRPr lang="en-US" sz="2400" dirty="0"/>
+          </a:p>
+          <a:p>
+            <a:r>
+              <a:rPr lang="en-US" sz="2400" dirty="0">
+                <a:latin typeface="Segoe UI Semibold" panose="020B0702040204020203" pitchFamily="34" charset="0"/>
+                <a:cs typeface="Segoe UI Semibold" panose="020B0702040204020203" pitchFamily="34" charset="0"/>
+              </a:rPr>
+              <a:t>Answer: </a:t>
+            </a:r>
+            <a:r>
+              <a:rPr lang="en-US" sz="2400" dirty="0">
+                <a:solidFill>
+                  <a:schemeClr val="tx1"/>
+                </a:solidFill>
+              </a:rPr>
+              <a:t>Create of a proof of concept deployment, to validate the overall architecture and any assumptions, for example regarding the impact of changes to network latency between application components.</a:t>
+            </a:r>
+          </a:p>
+          <a:p>
+            <a:br>
+              <a:rPr lang="en-US" sz="2400" dirty="0">
+                <a:solidFill>
+                  <a:schemeClr val="tx1"/>
+                </a:solidFill>
+              </a:rPr>
+            </a:br>
+            <a:r>
+              <a:rPr lang="en-US" sz="2400" dirty="0">
+                <a:solidFill>
+                  <a:schemeClr val="tx1"/>
+                </a:solidFill>
+              </a:rPr>
+              <a:t>For the migration process itself, Azure Migrate supports a 'test failover'. This creates the Azure deployment in parallel with the existing deployment, allowing the migration process to be verified without risk of production impact. Likewise, database migration using DMS does not impact the existing production database.</a:t>
+            </a:r>
+          </a:p>
+          <a:p>
+            <a:endParaRPr lang="en-US" sz="2400" dirty="0">
+              <a:solidFill>
+                <a:schemeClr val="tx1"/>
+              </a:solidFill>
+            </a:endParaRPr>
+          </a:p>
+          <a:p>
+            <a:r>
+              <a:rPr lang="en-US" sz="2400" dirty="0">
+                <a:solidFill>
+                  <a:schemeClr val="tx1"/>
+                </a:solidFill>
+              </a:rPr>
+              <a:t>Third-party migration tools used for migration of physical servers similarly support a validation step prior to committing the migration.</a:t>
+            </a:r>
+          </a:p>
+          <a:p>
+            <a:endParaRPr lang="en-US" sz="2400" dirty="0"/>
+          </a:p>
+        </p:txBody>
+      </p:sp>
+    </p:spTree>
+    <p:extLst>
+      <p:ext uri="{BB962C8B-B14F-4D97-AF65-F5344CB8AC3E}">
+        <p14:creationId xmlns:p14="http://schemas.microsoft.com/office/powerpoint/2010/main" val="2923730869"/>
+      </p:ext>
+    </p:extLst>
+  </p:cSld>
+  <p:clrMapOvr>
+    <a:masterClrMapping/>
+  </p:clrMapOvr>
+  <mc:AlternateContent xmlns:mc="http://schemas.openxmlformats.org/markup-compatibility/2006" xmlns:p14="http://schemas.microsoft.com/office/powerpoint/2010/main">
+    <mc:Choice Requires="p14">
+      <p:transition p14:dur="0"/>
+    </mc:Choice>
+    <mc:Fallback xmlns="">
+      <p:transition/>
+    </mc:Fallback>
+  </mc:AlternateContent>
+</p:sld>
+</file>
+
 <file path=ppt/slides/slide3.xml><?xml version="1.0" encoding="utf-8"?>
 <p:sld xmlns:a="http://schemas.openxmlformats.org/drawingml/2006/main" xmlns:r="http://schemas.openxmlformats.org/officeDocument/2006/relationships" xmlns:p="http://schemas.openxmlformats.org/presentationml/2006/main">
   <p:cSld>
@@ -22868,7 +22425,7 @@
         <p:spPr>
           <a:xfrm>
             <a:off x="269239" y="1189177"/>
-            <a:ext cx="11653523" cy="5946243"/>
+            <a:ext cx="11653523" cy="1994392"/>
           </a:xfrm>
         </p:spPr>
         <p:txBody>
@@ -22888,7 +22445,7 @@
                   <a:schemeClr val="tx1"/>
                 </a:solidFill>
               </a:rPr>
-              <a:t>Owners of each business application need to approve any substantial application change, including migration. Business owners have indicated that they will require evidence that migration will be successful before granting approval.</a:t>
+              <a:t>Fabrikam have negotiated an Enterprise Agreement (EA) with Microsoft for their Azure consumption. Any cost estimates need to reflect their EA discount.</a:t>
             </a:r>
           </a:p>
           <a:p>
@@ -22908,44 +22465,8 @@
                   <a:schemeClr val="tx1"/>
                 </a:solidFill>
               </a:rPr>
-              <a:t>Create of a proof of concept deployment, to validate the overall architecture and any assumptions, for example regarding the impact of changes to network latency between application components.</a:t>
-            </a:r>
-          </a:p>
-          <a:p>
-            <a:br>
-              <a:rPr lang="en-US" sz="2400" dirty="0">
-                <a:solidFill>
-                  <a:schemeClr val="tx1"/>
-                </a:solidFill>
-              </a:rPr>
-            </a:br>
-            <a:r>
-              <a:rPr lang="en-US" sz="2400" dirty="0">
-                <a:solidFill>
-                  <a:schemeClr val="tx1"/>
-                </a:solidFill>
-              </a:rPr>
-              <a:t>For the migration process itself, Azure Migrate supports a 'test failover'. This creates the Azure deployment in parallel with the existing deployment, allowing the migration process to be verified without risk of production impact. Likewise, database migration using DMS does not impact the existing production database.</a:t>
-            </a:r>
-          </a:p>
-          <a:p>
-            <a:endParaRPr lang="en-US" sz="2400" dirty="0">
-              <a:solidFill>
-                <a:schemeClr val="tx1"/>
-              </a:solidFill>
-            </a:endParaRPr>
-          </a:p>
-          <a:p>
-            <a:r>
-              <a:rPr lang="en-US" sz="2400" dirty="0">
-                <a:solidFill>
-                  <a:schemeClr val="tx1"/>
-                </a:solidFill>
-              </a:rPr>
-              <a:t>Third-party migration tools used for migration of physical servers similarly support a validation step prior to committing the migration.</a:t>
-            </a:r>
-          </a:p>
-          <a:p>
+              <a:t>Not a problem! Cost estimates from both Azure Migrate and the Azure Pricing Calculator can be tailored to reflect your EA discount.</a:t>
+            </a:r>
             <a:endParaRPr lang="en-US" sz="2400" dirty="0"/>
           </a:p>
         </p:txBody>
@@ -22953,7 +22474,7 @@
     </p:spTree>
     <p:extLst>
       <p:ext uri="{BB962C8B-B14F-4D97-AF65-F5344CB8AC3E}">
-        <p14:creationId xmlns:p14="http://schemas.microsoft.com/office/powerpoint/2010/main" val="2923730869"/>
+        <p14:creationId xmlns:p14="http://schemas.microsoft.com/office/powerpoint/2010/main" val="2403139044"/>
       </p:ext>
     </p:extLst>
   </p:cSld>
@@ -23027,7 +22548,7 @@
         <p:spPr>
           <a:xfrm>
             <a:off x="269239" y="1189177"/>
-            <a:ext cx="11653523" cy="1994392"/>
+            <a:ext cx="11653523" cy="4210383"/>
           </a:xfrm>
         </p:spPr>
         <p:txBody>
@@ -23042,12 +22563,8 @@
               <a:t>Objection: </a:t>
             </a:r>
             <a:r>
-              <a:rPr lang="en-US" sz="2400" dirty="0">
-                <a:solidFill>
-                  <a:schemeClr val="tx1"/>
-                </a:solidFill>
-              </a:rPr>
-              <a:t>Fabrikam have negotiated an Enterprise Agreement (EA) with Microsoft for their Azure consumption. Any cost estimates need to reflect their EA discount.</a:t>
+              <a:rPr lang="en-US" sz="2400" dirty="0"/>
+              <a:t>Many applications comprise multiple components or tiers. How can you ensure that these migrations are appropriately orchestrated?</a:t>
             </a:r>
           </a:p>
           <a:p>
@@ -23062,21 +22579,25 @@
               <a:t>Answer: </a:t>
             </a:r>
             <a:r>
-              <a:rPr lang="en-US" sz="2400" dirty="0">
-                <a:solidFill>
-                  <a:schemeClr val="tx1"/>
-                </a:solidFill>
-              </a:rPr>
-              <a:t>Not a problem! Cost estimates from both Azure Migrate and the Azure Pricing Calculator can be tailored to reflect your EA discount.</a:t>
-            </a:r>
+              <a:rPr lang="en-US" sz="2400" dirty="0"/>
+              <a:t>Using Azure Migrate, VMs can be grouped to reflect the application architecture. The dependency visualization feature of Azure Migrate helps identify and configure these groupings.</a:t>
+            </a:r>
+          </a:p>
+          <a:p>
             <a:endParaRPr lang="en-US" sz="2400" dirty="0"/>
+          </a:p>
+          <a:p>
+            <a:r>
+              <a:rPr lang="en-US" sz="2400" dirty="0"/>
+              <a:t>The migration process can then be staged to migrate different groups of VMs separately. Custom scripts can be used to perform custom pre- and post-migration operations. Similar orchestration is also supported by third-party migration tools, used for physical servers.</a:t>
+            </a:r>
           </a:p>
         </p:txBody>
       </p:sp>
     </p:spTree>
     <p:extLst>
       <p:ext uri="{BB962C8B-B14F-4D97-AF65-F5344CB8AC3E}">
-        <p14:creationId xmlns:p14="http://schemas.microsoft.com/office/powerpoint/2010/main" val="2403139044"/>
+        <p14:creationId xmlns:p14="http://schemas.microsoft.com/office/powerpoint/2010/main" val="3692539223"/>
       </p:ext>
     </p:extLst>
   </p:cSld>
@@ -23150,7 +22671,7 @@
         <p:spPr>
           <a:xfrm>
             <a:off x="269239" y="1189177"/>
-            <a:ext cx="11653523" cy="4210383"/>
+            <a:ext cx="11653523" cy="4949047"/>
           </a:xfrm>
         </p:spPr>
         <p:txBody>
@@ -23166,7 +22687,7 @@
             </a:r>
             <a:r>
               <a:rPr lang="en-US" sz="2400" dirty="0"/>
-              <a:t>Many applications comprise multiple components or tiers. How can you ensure that these migrations are appropriately orchestrated?</a:t>
+              <a:t>Each migration should be designed to minimize application downtime. There must be an option to fail-back should the migration experience an unexpected problem.</a:t>
             </a:r>
           </a:p>
           <a:p>
@@ -23182,7 +22703,7 @@
             </a:r>
             <a:r>
               <a:rPr lang="en-US" sz="2400" dirty="0"/>
-              <a:t>Using Azure Migrate, VMs can be grouped to reflect the application architecture. The dependency visualization feature of Azure Migrate helps identify and configure these groupings.</a:t>
+              <a:t>To ensure data consistency during migration, a short application downtime may be required. With Azure Migrate, incremental replication keeps the duration of this downtime to a minimum.</a:t>
             </a:r>
           </a:p>
           <a:p>
@@ -23191,7 +22712,16 @@
           <a:p>
             <a:r>
               <a:rPr lang="en-US" sz="2400" dirty="0"/>
-              <a:t>The migration process can then be staged to migrate different groups of VMs separately. Custom scripts can be used to perform custom pre- and post-migration operations. Similar orchestration is also supported by third-party migration tools, used for physical servers.</a:t>
+              <a:t>Similarly, data migration using DMS supports online migration, allowing you to keep your application online while data is synchronized. Only a short downtime window is required to cut over to the new database.</a:t>
+            </a:r>
+          </a:p>
+          <a:p>
+            <a:endParaRPr lang="en-US" sz="2400" dirty="0"/>
+          </a:p>
+          <a:p>
+            <a:r>
+              <a:rPr lang="en-US" sz="2400" dirty="0"/>
+              <a:t>In the event of an unexpected issue arising, the existing deployment remains available as a fail-back.</a:t>
             </a:r>
           </a:p>
         </p:txBody>
@@ -23199,7 +22729,7 @@
     </p:spTree>
     <p:extLst>
       <p:ext uri="{BB962C8B-B14F-4D97-AF65-F5344CB8AC3E}">
-        <p14:creationId xmlns:p14="http://schemas.microsoft.com/office/powerpoint/2010/main" val="3692539223"/>
+        <p14:creationId xmlns:p14="http://schemas.microsoft.com/office/powerpoint/2010/main" val="1920224808"/>
       </p:ext>
     </p:extLst>
   </p:cSld>
@@ -23273,138 +22803,6 @@
         <p:spPr>
           <a:xfrm>
             <a:off x="269239" y="1189177"/>
-            <a:ext cx="11653523" cy="4949047"/>
-          </a:xfrm>
-        </p:spPr>
-        <p:txBody>
-          <a:bodyPr/>
-          <a:lstStyle/>
-          <a:p>
-            <a:r>
-              <a:rPr lang="en-US" sz="2400" dirty="0">
-                <a:latin typeface="Segoe UI Semibold" panose="020B0702040204020203" pitchFamily="34" charset="0"/>
-                <a:cs typeface="Segoe UI Semibold" panose="020B0702040204020203" pitchFamily="34" charset="0"/>
-              </a:rPr>
-              <a:t>Objection: </a:t>
-            </a:r>
-            <a:r>
-              <a:rPr lang="en-US" sz="2400" dirty="0"/>
-              <a:t>Each migration should be designed to minimize application downtime. There must be an option to fail-back should the migration experience an unexpected problem.</a:t>
-            </a:r>
-          </a:p>
-          <a:p>
-            <a:endParaRPr lang="en-US" sz="2400" dirty="0"/>
-          </a:p>
-          <a:p>
-            <a:r>
-              <a:rPr lang="en-US" sz="2400" dirty="0">
-                <a:latin typeface="Segoe UI Semibold" panose="020B0702040204020203" pitchFamily="34" charset="0"/>
-                <a:cs typeface="Segoe UI Semibold" panose="020B0702040204020203" pitchFamily="34" charset="0"/>
-              </a:rPr>
-              <a:t>Answer: </a:t>
-            </a:r>
-            <a:r>
-              <a:rPr lang="en-US" sz="2400" dirty="0"/>
-              <a:t>To ensure data consistency during migration, a short application downtime may be required. With Azure Migrate, incremental replication keeps the duration of this downtime to a minimum.</a:t>
-            </a:r>
-          </a:p>
-          <a:p>
-            <a:endParaRPr lang="en-US" sz="2400" dirty="0"/>
-          </a:p>
-          <a:p>
-            <a:r>
-              <a:rPr lang="en-US" sz="2400" dirty="0"/>
-              <a:t>Similarly, data migration using DMS supports online migration, allowing you to keep your application online while data is synchronized. Only a short downtime window is required to cut over to the new database.</a:t>
-            </a:r>
-          </a:p>
-          <a:p>
-            <a:endParaRPr lang="en-US" sz="2400" dirty="0"/>
-          </a:p>
-          <a:p>
-            <a:r>
-              <a:rPr lang="en-US" sz="2400" dirty="0"/>
-              <a:t>In the event of an unexpected issue arising, the existing deployment remains available as a fail-back.</a:t>
-            </a:r>
-          </a:p>
-        </p:txBody>
-      </p:sp>
-    </p:spTree>
-    <p:extLst>
-      <p:ext uri="{BB962C8B-B14F-4D97-AF65-F5344CB8AC3E}">
-        <p14:creationId xmlns:p14="http://schemas.microsoft.com/office/powerpoint/2010/main" val="1920224808"/>
-      </p:ext>
-    </p:extLst>
-  </p:cSld>
-  <p:clrMapOvr>
-    <a:masterClrMapping/>
-  </p:clrMapOvr>
-  <mc:AlternateContent xmlns:mc="http://schemas.openxmlformats.org/markup-compatibility/2006" xmlns:p14="http://schemas.microsoft.com/office/powerpoint/2010/main">
-    <mc:Choice Requires="p14">
-      <p:transition p14:dur="0"/>
-    </mc:Choice>
-    <mc:Fallback xmlns="">
-      <p:transition/>
-    </mc:Fallback>
-  </mc:AlternateContent>
-</p:sld>
-</file>
-
-<file path=ppt/slides/slide34.xml><?xml version="1.0" encoding="utf-8"?>
-<p:sld xmlns:a="http://schemas.openxmlformats.org/drawingml/2006/main" xmlns:r="http://schemas.openxmlformats.org/officeDocument/2006/relationships" xmlns:p="http://schemas.openxmlformats.org/presentationml/2006/main">
-  <p:cSld>
-    <p:spTree>
-      <p:nvGrpSpPr>
-        <p:cNvPr id="1" name=""/>
-        <p:cNvGrpSpPr/>
-        <p:nvPr/>
-      </p:nvGrpSpPr>
-      <p:grpSpPr>
-        <a:xfrm>
-          <a:off x="0" y="0"/>
-          <a:ext cx="0" cy="0"/>
-          <a:chOff x="0" y="0"/>
-          <a:chExt cx="0" cy="0"/>
-        </a:xfrm>
-      </p:grpSpPr>
-      <p:sp>
-        <p:nvSpPr>
-          <p:cNvPr id="2" name="Title 1"/>
-          <p:cNvSpPr>
-            <a:spLocks noGrp="1"/>
-          </p:cNvSpPr>
-          <p:nvPr>
-            <p:ph type="title"/>
-          </p:nvPr>
-        </p:nvSpPr>
-        <p:spPr/>
-        <p:txBody>
-          <a:bodyPr/>
-          <a:lstStyle/>
-          <a:p>
-            <a:r>
-              <a:rPr lang="en-US" dirty="0"/>
-              <a:t>Preferred objections handling</a:t>
-            </a:r>
-            <a:br>
-              <a:rPr lang="en-US" dirty="0"/>
-            </a:br>
-            <a:endParaRPr lang="en-US" dirty="0"/>
-          </a:p>
-        </p:txBody>
-      </p:sp>
-      <p:sp>
-        <p:nvSpPr>
-          <p:cNvPr id="3" name="Content Placeholder 2"/>
-          <p:cNvSpPr>
-            <a:spLocks noGrp="1"/>
-          </p:cNvSpPr>
-          <p:nvPr>
-            <p:ph type="body" sz="quarter" idx="10"/>
-          </p:nvPr>
-        </p:nvSpPr>
-        <p:spPr>
-          <a:xfrm>
-            <a:off x="269239" y="1189177"/>
             <a:ext cx="11653523" cy="5281446"/>
           </a:xfrm>
         </p:spPr>
@@ -23489,7 +22887,7 @@
 </p:sld>
 </file>
 
-<file path=ppt/slides/slide35.xml><?xml version="1.0" encoding="utf-8"?>
+<file path=ppt/slides/slide34.xml><?xml version="1.0" encoding="utf-8"?>
 <p:sld xmlns:a="http://schemas.openxmlformats.org/drawingml/2006/main" xmlns:r="http://schemas.openxmlformats.org/officeDocument/2006/relationships" xmlns:p="http://schemas.openxmlformats.org/presentationml/2006/main">
   <p:cSld>
     <p:spTree>
@@ -23842,18 +23240,18 @@
   <p:clrMapOvr>
     <a:masterClrMapping/>
   </p:clrMapOvr>
-  <mc:AlternateContent xmlns:mc="http://schemas.openxmlformats.org/markup-compatibility/2006">
-    <mc:Choice xmlns:p14="http://schemas.microsoft.com/office/powerpoint/2010/main" Requires="p14">
+  <mc:AlternateContent xmlns:mc="http://schemas.openxmlformats.org/markup-compatibility/2006" xmlns:p14="http://schemas.microsoft.com/office/powerpoint/2010/main">
+    <mc:Choice Requires="p14">
       <p:transition p14:dur="0"/>
     </mc:Choice>
-    <mc:Fallback>
+    <mc:Fallback xmlns="">
       <p:transition/>
     </mc:Fallback>
   </mc:AlternateContent>
 </p:sld>
 </file>
 
-<file path=ppt/slides/slide36.xml><?xml version="1.0" encoding="utf-8"?>
+<file path=ppt/slides/slide35.xml><?xml version="1.0" encoding="utf-8"?>
 <p:sld xmlns:a="http://schemas.openxmlformats.org/drawingml/2006/main" xmlns:r="http://schemas.openxmlformats.org/officeDocument/2006/relationships" xmlns:p="http://schemas.openxmlformats.org/presentationml/2006/main">
   <p:cSld>
     <p:spTree>
@@ -23969,7 +23367,7 @@
 </p:sld>
 </file>
 
-<file path=ppt/slides/slide37.xml><?xml version="1.0" encoding="utf-8"?>
+<file path=ppt/slides/slide36.xml><?xml version="1.0" encoding="utf-8"?>
 <p:sld xmlns:a="http://schemas.openxmlformats.org/drawingml/2006/main" xmlns:r="http://schemas.openxmlformats.org/officeDocument/2006/relationships" xmlns:p="http://schemas.openxmlformats.org/presentationml/2006/main">
   <p:cSld>
     <p:bg>
@@ -24655,7 +24053,7 @@
         <p:spPr>
           <a:xfrm>
             <a:off x="269239" y="1189177"/>
-            <a:ext cx="11653523" cy="4493538"/>
+            <a:ext cx="11653523" cy="5829288"/>
           </a:xfrm>
         </p:spPr>
         <p:txBody>
@@ -24682,7 +24080,23 @@
           <a:p>
             <a:r>
               <a:rPr lang="en-US" sz="2800" dirty="0"/>
-              <a:t>Post-migration, be able to track costs, control usage, cross-charge business owners, identify cost-saving opportunities, and provide examples of better utilizing resources.</a:t>
+              <a:t>Post-migration, be able to track costs, control usage, cross-charge business owners, identify cost-saving opportunities, and provide examples of better utilizing </a:t>
+            </a:r>
+            <a:r>
+              <a:rPr lang="en-US" sz="2800"/>
+              <a:t>resources.</a:t>
+            </a:r>
+          </a:p>
+          <a:p>
+            <a:pPr marL="0" indent="0">
+              <a:buNone/>
+            </a:pPr>
+            <a:endParaRPr lang="en-US" sz="2800" dirty="0"/>
+          </a:p>
+          <a:p>
+            <a:r>
+              <a:rPr lang="en-US" sz="2800" dirty="0"/>
+              <a:t>What customer services could be more efficiently run or managed by moving them to Azure PaaS services?</a:t>
             </a:r>
           </a:p>
           <a:p>

--- a/Whiteboard design session/WDS trainer presentation - Line-of-business application migration.pptx
+++ b/Whiteboard design session/WDS trainer presentation - Line-of-business application migration.pptx
@@ -37,12 +37,12 @@
     <p:sldId id="1939" r:id="rId28"/>
     <p:sldId id="1940" r:id="rId29"/>
     <p:sldId id="1941" r:id="rId30"/>
-    <p:sldId id="329" r:id="rId31"/>
-    <p:sldId id="332" r:id="rId32"/>
-    <p:sldId id="331" r:id="rId33"/>
-    <p:sldId id="330" r:id="rId34"/>
-    <p:sldId id="1943" r:id="rId35"/>
-    <p:sldId id="1947" r:id="rId36"/>
+    <p:sldId id="1947" r:id="rId31"/>
+    <p:sldId id="329" r:id="rId32"/>
+    <p:sldId id="332" r:id="rId33"/>
+    <p:sldId id="331" r:id="rId34"/>
+    <p:sldId id="330" r:id="rId35"/>
+    <p:sldId id="1943" r:id="rId36"/>
     <p:sldId id="318" r:id="rId37"/>
     <p:sldId id="315" r:id="rId38"/>
   </p:sldIdLst>
@@ -1543,7 +1543,7 @@
           <a:p>
             <a:fld id="{386CE63F-9E7F-4C04-9D0D-FCA25A8E9E86}" type="datetime8">
               <a:rPr lang="en-US" smtClean="0"/>
-              <a:t>9/22/2021 2:36 PM</a:t>
+              <a:t>9/22/2021 5:04 PM</a:t>
             </a:fld>
             <a:endParaRPr lang="en-US" dirty="0"/>
           </a:p>
@@ -1795,7 +1795,7 @@
           <a:p>
             <a:fld id="{386CE63F-9E7F-4C04-9D0D-FCA25A8E9E86}" type="datetime8">
               <a:rPr lang="en-US" smtClean="0"/>
-              <a:t>9/22/2021 2:36 PM</a:t>
+              <a:t>9/22/2021 5:04 PM</a:t>
             </a:fld>
             <a:endParaRPr lang="en-US" dirty="0"/>
           </a:p>
@@ -1972,7 +1972,7 @@
           <a:p>
             <a:fld id="{386CE63F-9E7F-4C04-9D0D-FCA25A8E9E86}" type="datetime8">
               <a:rPr lang="en-US" smtClean="0"/>
-              <a:t>9/22/2021 2:36 PM</a:t>
+              <a:t>9/22/2021 5:04 PM</a:t>
             </a:fld>
             <a:endParaRPr lang="en-US" dirty="0"/>
           </a:p>
@@ -2140,7 +2140,7 @@
           <a:p>
             <a:fld id="{386CE63F-9E7F-4C04-9D0D-FCA25A8E9E86}" type="datetime8">
               <a:rPr lang="en-US" smtClean="0"/>
-              <a:t>9/22/2021 2:36 PM</a:t>
+              <a:t>9/22/2021 5:04 PM</a:t>
             </a:fld>
             <a:endParaRPr lang="en-US" dirty="0"/>
           </a:p>
@@ -2317,7 +2317,7 @@
           <a:p>
             <a:fld id="{386CE63F-9E7F-4C04-9D0D-FCA25A8E9E86}" type="datetime8">
               <a:rPr lang="en-US" smtClean="0"/>
-              <a:t>9/22/2021 2:36 PM</a:t>
+              <a:t>9/22/2021 5:04 PM</a:t>
             </a:fld>
             <a:endParaRPr lang="en-US" dirty="0"/>
           </a:p>
@@ -2494,7 +2494,7 @@
           <a:p>
             <a:fld id="{386CE63F-9E7F-4C04-9D0D-FCA25A8E9E86}" type="datetime8">
               <a:rPr lang="en-US" smtClean="0"/>
-              <a:t>9/22/2021 2:36 PM</a:t>
+              <a:t>9/22/2021 5:04 PM</a:t>
             </a:fld>
             <a:endParaRPr lang="en-US" dirty="0"/>
           </a:p>
@@ -2671,7 +2671,7 @@
           <a:p>
             <a:fld id="{386CE63F-9E7F-4C04-9D0D-FCA25A8E9E86}" type="datetime8">
               <a:rPr lang="en-US" smtClean="0"/>
-              <a:t>9/22/2021 2:36 PM</a:t>
+              <a:t>9/22/2021 5:04 PM</a:t>
             </a:fld>
             <a:endParaRPr lang="en-US" dirty="0"/>
           </a:p>
@@ -2759,18 +2759,6 @@
           <a:lstStyle/>
           <a:p>
             <a:r>
-              <a:rPr lang="en-US" sz="1200" b="1" kern="1200" dirty="0">
-                <a:solidFill>
-                  <a:schemeClr val="tx1"/>
-                </a:solidFill>
-                <a:effectLst/>
-                <a:latin typeface="+mn-lt"/>
-                <a:ea typeface="+mn-ea"/>
-                <a:cs typeface="+mn-cs"/>
-              </a:rPr>
-              <a:t>**Objection:**</a:t>
-            </a:r>
-            <a:r>
               <a:rPr lang="en-US" sz="1200" b="0" kern="1200" dirty="0">
                 <a:solidFill>
                   <a:schemeClr val="tx1"/>
@@ -2780,11 +2768,21 @@
                 <a:ea typeface="+mn-ea"/>
                 <a:cs typeface="+mn-cs"/>
               </a:rPr>
-              <a:t> Owners of each business application need to approve any substantial application change, including migration. Business owners have indicated that they will require evidence that migration will be successful before granting approval.</a:t>
-            </a:r>
-          </a:p>
-          <a:p>
-            <a:br>
+              <a:t>Often running generic use Virtual Machines in Azure, while reliable and easy to migrate, do not offer as many service, ease of use or scaling, or </a:t>
+            </a:r>
+            <a:r>
+              <a:rPr lang="en-US" sz="1200" b="0" kern="1200" dirty="0" err="1">
+                <a:solidFill>
+                  <a:schemeClr val="tx1"/>
+                </a:solidFill>
+                <a:effectLst/>
+                <a:latin typeface="+mn-lt"/>
+                <a:ea typeface="+mn-ea"/>
+                <a:cs typeface="+mn-cs"/>
+              </a:rPr>
+              <a:t>relabiliity</a:t>
+            </a:r>
+            <a:r>
               <a:rPr lang="en-US" sz="1200" b="0" kern="1200" dirty="0">
                 <a:solidFill>
                   <a:schemeClr val="tx1"/>
@@ -2794,19 +2792,21 @@
                 <a:ea typeface="+mn-ea"/>
                 <a:cs typeface="+mn-cs"/>
               </a:rPr>
-            </a:br>
-            <a:r>
-              <a:rPr lang="en-US" sz="1200" b="1" kern="1200" dirty="0">
-                <a:solidFill>
-                  <a:schemeClr val="tx1"/>
-                </a:solidFill>
-                <a:effectLst/>
-                <a:latin typeface="+mn-lt"/>
-                <a:ea typeface="+mn-ea"/>
-                <a:cs typeface="+mn-cs"/>
-              </a:rPr>
-              <a:t>**Answer:**</a:t>
-            </a:r>
+              <a:t> as hosted PaaS services and often are less cost optimal as a general service then an optimized managed solution.  Therefore it is often helpful to identify services that could be augmented or replaced in future updates once those services are deployed in Azure.</a:t>
+            </a:r>
+          </a:p>
+          <a:p>
+            <a:endParaRPr lang="en-US" sz="1200" b="0" kern="1200" dirty="0">
+              <a:solidFill>
+                <a:schemeClr val="tx1"/>
+              </a:solidFill>
+              <a:effectLst/>
+              <a:latin typeface="+mn-lt"/>
+              <a:ea typeface="+mn-ea"/>
+              <a:cs typeface="+mn-cs"/>
+            </a:endParaRPr>
+          </a:p>
+          <a:p>
             <a:r>
               <a:rPr lang="en-US" sz="1200" b="0" kern="1200" dirty="0">
                 <a:solidFill>
@@ -2817,11 +2817,22 @@
                 <a:ea typeface="+mn-ea"/>
                 <a:cs typeface="+mn-cs"/>
               </a:rPr>
-              <a:t> Migration projects should include creation of a proof of concept deployment, to validate the overall architecture and any assumptions, for example regarding the impact of changes to network latency between application components. This helps build confidence in Azure as a platform for hosting the application.</a:t>
-            </a:r>
-          </a:p>
-          <a:p>
-            <a:br>
+              <a:t>Some service such as Azure Monitor can be deployed easily but might require more setup &amp; tuning for the environment.  Other services such as moving to AKS may require a fair amount of application redesign or rewrite, but offer a host of dynamic &amp; reliability while providing a quick update and deployment solution.</a:t>
+            </a:r>
+          </a:p>
+          <a:p>
+            <a:endParaRPr lang="en-US" sz="1200" b="0" kern="1200" dirty="0">
+              <a:solidFill>
+                <a:schemeClr val="tx1"/>
+              </a:solidFill>
+              <a:effectLst/>
+              <a:latin typeface="+mn-lt"/>
+              <a:ea typeface="+mn-ea"/>
+              <a:cs typeface="+mn-cs"/>
+            </a:endParaRPr>
+          </a:p>
+          <a:p>
+            <a:r>
               <a:rPr lang="en-US" sz="1200" b="0" kern="1200" dirty="0">
                 <a:solidFill>
                   <a:schemeClr val="tx1"/>
@@ -2831,7 +2842,21 @@
                 <a:ea typeface="+mn-ea"/>
                 <a:cs typeface="+mn-cs"/>
               </a:rPr>
-            </a:br>
+              <a:t>Addressing proposed Questions:</a:t>
+            </a:r>
+          </a:p>
+          <a:p>
+            <a:endParaRPr lang="en-US" sz="1200" b="0" kern="1200" dirty="0">
+              <a:solidFill>
+                <a:schemeClr val="tx1"/>
+              </a:solidFill>
+              <a:effectLst/>
+              <a:latin typeface="+mn-lt"/>
+              <a:ea typeface="+mn-ea"/>
+              <a:cs typeface="+mn-cs"/>
+            </a:endParaRPr>
+          </a:p>
+          <a:p>
             <a:r>
               <a:rPr lang="en-US" sz="1200" b="0" kern="1200" dirty="0">
                 <a:solidFill>
@@ -2842,33 +2867,1372 @@
                 <a:ea typeface="+mn-ea"/>
                 <a:cs typeface="+mn-cs"/>
               </a:rPr>
-              <a:t>For the migration process itself, Azure Migrate supports a 'test failover'. This creates the Azure deployment in parallel with the existing deployment, allowing the migration process to be verified without risk of production impact. Likewise, database migration using DMS does not impact the existing production database.</a:t>
-            </a:r>
-          </a:p>
-          <a:p>
-            <a:br>
-              <a:rPr lang="en-US" sz="1200" b="0" kern="1200" dirty="0">
+              <a:t> </a:t>
+            </a:r>
+            <a:r>
+              <a:rPr lang="en-US" b="0" dirty="0">
                 <a:solidFill>
-                  <a:schemeClr val="tx1"/>
+                  <a:srgbClr val="6796E6"/>
                 </a:solidFill>
                 <a:effectLst/>
-                <a:latin typeface="+mn-lt"/>
-                <a:ea typeface="+mn-ea"/>
-                <a:cs typeface="+mn-cs"/>
-              </a:rPr>
-            </a:br>
-            <a:r>
-              <a:rPr lang="en-US" sz="1200" b="0" kern="1200" dirty="0">
+                <a:latin typeface="Consolas" panose="020B0609020204030204" pitchFamily="49" charset="0"/>
+              </a:rPr>
+              <a:t>1.</a:t>
+            </a:r>
+            <a:r>
+              <a:rPr lang="en-US" b="0" dirty="0">
                 <a:solidFill>
-                  <a:schemeClr val="tx1"/>
+                  <a:srgbClr val="D4D4D4"/>
                 </a:solidFill>
                 <a:effectLst/>
-                <a:latin typeface="+mn-lt"/>
-                <a:ea typeface="+mn-ea"/>
-                <a:cs typeface="+mn-cs"/>
-              </a:rPr>
-              <a:t>Third-party migration tools used for migration of physical servers similarly support a validation step prior to committing the migration.</a:t>
-            </a:r>
+                <a:latin typeface="Consolas" panose="020B0609020204030204" pitchFamily="49" charset="0"/>
+              </a:rPr>
+              <a:t>  What type of services housed in general purpose VMs used by </a:t>
+            </a:r>
+            <a:r>
+              <a:rPr lang="en-US" b="0" dirty="0" err="1">
+                <a:solidFill>
+                  <a:srgbClr val="D4D4D4"/>
+                </a:solidFill>
+                <a:effectLst/>
+                <a:latin typeface="Consolas" panose="020B0609020204030204" pitchFamily="49" charset="0"/>
+              </a:rPr>
+              <a:t>Fabrikam</a:t>
+            </a:r>
+            <a:r>
+              <a:rPr lang="en-US" b="0" dirty="0">
+                <a:solidFill>
+                  <a:srgbClr val="D4D4D4"/>
+                </a:solidFill>
+                <a:effectLst/>
+                <a:latin typeface="Consolas" panose="020B0609020204030204" pitchFamily="49" charset="0"/>
+              </a:rPr>
+              <a:t> could be replaced by Azure services? </a:t>
+            </a:r>
+          </a:p>
+          <a:p>
+            <a:endParaRPr lang="en-US" b="0" dirty="0">
+              <a:solidFill>
+                <a:srgbClr val="D4D4D4"/>
+              </a:solidFill>
+              <a:effectLst/>
+              <a:latin typeface="Consolas" panose="020B0609020204030204" pitchFamily="49" charset="0"/>
+            </a:endParaRPr>
+          </a:p>
+          <a:p>
+            <a:r>
+              <a:rPr lang="en-US" b="0" dirty="0">
+                <a:solidFill>
+                  <a:srgbClr val="D4D4D4"/>
+                </a:solidFill>
+                <a:effectLst/>
+                <a:latin typeface="Consolas" panose="020B0609020204030204" pitchFamily="49" charset="0"/>
+              </a:rPr>
+              <a:t>    *  </a:t>
+            </a:r>
+            <a:r>
+              <a:rPr lang="en-US" b="0" dirty="0" err="1">
+                <a:solidFill>
+                  <a:srgbClr val="D4D4D4"/>
+                </a:solidFill>
+                <a:effectLst/>
+                <a:latin typeface="Consolas" panose="020B0609020204030204" pitchFamily="49" charset="0"/>
+              </a:rPr>
+              <a:t>UbuntuWAF</a:t>
+            </a:r>
+            <a:r>
+              <a:rPr lang="en-US" b="0" dirty="0">
+                <a:solidFill>
+                  <a:srgbClr val="D4D4D4"/>
+                </a:solidFill>
+                <a:effectLst/>
+                <a:latin typeface="Consolas" panose="020B0609020204030204" pitchFamily="49" charset="0"/>
+              </a:rPr>
+              <a:t> -&gt;  Front Door or Application Gateway with WAF </a:t>
+            </a:r>
+          </a:p>
+          <a:p>
+            <a:r>
+              <a:rPr lang="en-US" b="0" dirty="0">
+                <a:solidFill>
+                  <a:srgbClr val="D4D4D4"/>
+                </a:solidFill>
+                <a:effectLst/>
+                <a:latin typeface="Consolas" panose="020B0609020204030204" pitchFamily="49" charset="0"/>
+              </a:rPr>
+              <a:t>    *  Web site on VMs -&gt; App Service Plan, ACI, or AKS </a:t>
+            </a:r>
+          </a:p>
+          <a:p>
+            <a:r>
+              <a:rPr lang="en-US" b="0" dirty="0">
+                <a:solidFill>
+                  <a:srgbClr val="D4D4D4"/>
+                </a:solidFill>
+                <a:effectLst/>
+                <a:latin typeface="Consolas" panose="020B0609020204030204" pitchFamily="49" charset="0"/>
+              </a:rPr>
+              <a:t>    *  VNA Firewall -&gt; Azure Firewall </a:t>
+            </a:r>
+          </a:p>
+          <a:p>
+            <a:r>
+              <a:rPr lang="en-US" b="0" dirty="0">
+                <a:solidFill>
+                  <a:srgbClr val="D4D4D4"/>
+                </a:solidFill>
+                <a:effectLst/>
+                <a:latin typeface="Consolas" panose="020B0609020204030204" pitchFamily="49" charset="0"/>
+              </a:rPr>
+              <a:t>    *  DNS on VMs -&gt; Azure DNS Public/Private Zones</a:t>
+            </a:r>
+          </a:p>
+          <a:p>
+            <a:r>
+              <a:rPr lang="en-US" b="0">
+                <a:solidFill>
+                  <a:srgbClr val="D4D4D4"/>
+                </a:solidFill>
+                <a:effectLst/>
+                <a:latin typeface="Consolas" panose="020B0609020204030204" pitchFamily="49" charset="0"/>
+              </a:rPr>
+              <a:t>    *  </a:t>
+            </a:r>
+            <a:r>
+              <a:rPr lang="en-US" b="0" dirty="0">
+                <a:solidFill>
+                  <a:srgbClr val="D4D4D4"/>
+                </a:solidFill>
+                <a:effectLst/>
+                <a:latin typeface="Consolas" panose="020B0609020204030204" pitchFamily="49" charset="0"/>
+              </a:rPr>
+              <a:t>Log and management of VMs -&gt; Azure Monitor</a:t>
+            </a:r>
+          </a:p>
+          <a:p>
+            <a:br>
+              <a:rPr lang="en-US" b="0" dirty="0">
+                <a:solidFill>
+                  <a:srgbClr val="D4D4D4"/>
+                </a:solidFill>
+                <a:effectLst/>
+                <a:latin typeface="Consolas" panose="020B0609020204030204" pitchFamily="49" charset="0"/>
+              </a:rPr>
+            </a:br>
+            <a:r>
+              <a:rPr lang="en-US" b="0" dirty="0">
+                <a:solidFill>
+                  <a:srgbClr val="6796E6"/>
+                </a:solidFill>
+                <a:effectLst/>
+                <a:latin typeface="Consolas" panose="020B0609020204030204" pitchFamily="49" charset="0"/>
+              </a:rPr>
+              <a:t>2.</a:t>
+            </a:r>
+            <a:r>
+              <a:rPr lang="en-US" b="0" dirty="0">
+                <a:solidFill>
+                  <a:srgbClr val="D4D4D4"/>
+                </a:solidFill>
+                <a:effectLst/>
+                <a:latin typeface="Consolas" panose="020B0609020204030204" pitchFamily="49" charset="0"/>
+              </a:rPr>
+              <a:t>  What are key features provided by these Azure services that could fulfill their needs?</a:t>
+            </a:r>
+          </a:p>
+          <a:p>
+            <a:br>
+              <a:rPr lang="en-US" b="0" dirty="0">
+                <a:solidFill>
+                  <a:srgbClr val="D4D4D4"/>
+                </a:solidFill>
+                <a:effectLst/>
+                <a:latin typeface="Consolas" panose="020B0609020204030204" pitchFamily="49" charset="0"/>
+              </a:rPr>
+            </a:br>
+            <a:r>
+              <a:rPr lang="en-US" b="0" dirty="0">
+                <a:solidFill>
+                  <a:srgbClr val="D4D4D4"/>
+                </a:solidFill>
+                <a:effectLst/>
+                <a:latin typeface="Consolas" panose="020B0609020204030204" pitchFamily="49" charset="0"/>
+              </a:rPr>
+              <a:t>    There are several lists of features, but here are just a few of the features by service listed above:</a:t>
+            </a:r>
+          </a:p>
+          <a:p>
+            <a:br>
+              <a:rPr lang="en-US" b="0" dirty="0">
+                <a:solidFill>
+                  <a:srgbClr val="D4D4D4"/>
+                </a:solidFill>
+                <a:effectLst/>
+                <a:latin typeface="Consolas" panose="020B0609020204030204" pitchFamily="49" charset="0"/>
+              </a:rPr>
+            </a:br>
+            <a:r>
+              <a:rPr lang="en-US" b="0" dirty="0">
+                <a:solidFill>
+                  <a:srgbClr val="D4D4D4"/>
+                </a:solidFill>
+                <a:effectLst/>
+                <a:latin typeface="Consolas" panose="020B0609020204030204" pitchFamily="49" charset="0"/>
+              </a:rPr>
+              <a:t>    </a:t>
+            </a:r>
+            <a:r>
+              <a:rPr lang="en-US" b="0" dirty="0">
+                <a:solidFill>
+                  <a:srgbClr val="6796E6"/>
+                </a:solidFill>
+                <a:effectLst/>
+                <a:latin typeface="Consolas" panose="020B0609020204030204" pitchFamily="49" charset="0"/>
+              </a:rPr>
+              <a:t>*</a:t>
+            </a:r>
+            <a:r>
+              <a:rPr lang="en-US" b="0" dirty="0">
+                <a:solidFill>
+                  <a:srgbClr val="D4D4D4"/>
+                </a:solidFill>
+                <a:effectLst/>
+                <a:latin typeface="Consolas" panose="020B0609020204030204" pitchFamily="49" charset="0"/>
+              </a:rPr>
+              <a:t> Common (all services)</a:t>
+            </a:r>
+          </a:p>
+          <a:p>
+            <a:r>
+              <a:rPr lang="en-US" b="0" dirty="0">
+                <a:solidFill>
+                  <a:srgbClr val="D4D4D4"/>
+                </a:solidFill>
+                <a:effectLst/>
+                <a:latin typeface="Consolas" panose="020B0609020204030204" pitchFamily="49" charset="0"/>
+              </a:rPr>
+              <a:t>        </a:t>
+            </a:r>
+            <a:r>
+              <a:rPr lang="en-US" b="0" dirty="0">
+                <a:solidFill>
+                  <a:srgbClr val="6796E6"/>
+                </a:solidFill>
+                <a:effectLst/>
+                <a:latin typeface="Consolas" panose="020B0609020204030204" pitchFamily="49" charset="0"/>
+              </a:rPr>
+              <a:t>*</a:t>
+            </a:r>
+            <a:r>
+              <a:rPr lang="en-US" b="0" dirty="0">
+                <a:solidFill>
+                  <a:srgbClr val="D4D4D4"/>
+                </a:solidFill>
+                <a:effectLst/>
+                <a:latin typeface="Consolas" panose="020B0609020204030204" pitchFamily="49" charset="0"/>
+              </a:rPr>
+              <a:t> Built in management and upgrading of services</a:t>
+            </a:r>
+          </a:p>
+          <a:p>
+            <a:r>
+              <a:rPr lang="en-US" b="0" dirty="0">
+                <a:solidFill>
+                  <a:srgbClr val="D4D4D4"/>
+                </a:solidFill>
+                <a:effectLst/>
+                <a:latin typeface="Consolas" panose="020B0609020204030204" pitchFamily="49" charset="0"/>
+              </a:rPr>
+              <a:t>        </a:t>
+            </a:r>
+            <a:r>
+              <a:rPr lang="en-US" b="0" dirty="0">
+                <a:solidFill>
+                  <a:srgbClr val="6796E6"/>
+                </a:solidFill>
+                <a:effectLst/>
+                <a:latin typeface="Consolas" panose="020B0609020204030204" pitchFamily="49" charset="0"/>
+              </a:rPr>
+              <a:t>*</a:t>
+            </a:r>
+            <a:r>
+              <a:rPr lang="en-US" b="0" dirty="0">
+                <a:solidFill>
+                  <a:srgbClr val="D4D4D4"/>
+                </a:solidFill>
+                <a:effectLst/>
+                <a:latin typeface="Consolas" panose="020B0609020204030204" pitchFamily="49" charset="0"/>
+              </a:rPr>
+              <a:t> Essential SLA and platform monitoring</a:t>
+            </a:r>
+          </a:p>
+          <a:p>
+            <a:r>
+              <a:rPr lang="en-US" b="0" dirty="0">
+                <a:solidFill>
+                  <a:srgbClr val="D4D4D4"/>
+                </a:solidFill>
+                <a:effectLst/>
+                <a:latin typeface="Consolas" panose="020B0609020204030204" pitchFamily="49" charset="0"/>
+              </a:rPr>
+              <a:t>    </a:t>
+            </a:r>
+            <a:r>
+              <a:rPr lang="en-US" b="0" dirty="0">
+                <a:solidFill>
+                  <a:srgbClr val="6796E6"/>
+                </a:solidFill>
+                <a:effectLst/>
+                <a:latin typeface="Consolas" panose="020B0609020204030204" pitchFamily="49" charset="0"/>
+              </a:rPr>
+              <a:t>*</a:t>
+            </a:r>
+            <a:r>
+              <a:rPr lang="en-US" b="0" dirty="0">
+                <a:solidFill>
+                  <a:srgbClr val="D4D4D4"/>
+                </a:solidFill>
+                <a:effectLst/>
+                <a:latin typeface="Consolas" panose="020B0609020204030204" pitchFamily="49" charset="0"/>
+              </a:rPr>
+              <a:t> Front Door</a:t>
+            </a:r>
+          </a:p>
+          <a:p>
+            <a:r>
+              <a:rPr lang="en-US" b="0" dirty="0">
+                <a:solidFill>
+                  <a:srgbClr val="D4D4D4"/>
+                </a:solidFill>
+                <a:effectLst/>
+                <a:latin typeface="Consolas" panose="020B0609020204030204" pitchFamily="49" charset="0"/>
+              </a:rPr>
+              <a:t>        </a:t>
+            </a:r>
+            <a:r>
+              <a:rPr lang="en-US" b="0" dirty="0">
+                <a:solidFill>
+                  <a:srgbClr val="6796E6"/>
+                </a:solidFill>
+                <a:effectLst/>
+                <a:latin typeface="Consolas" panose="020B0609020204030204" pitchFamily="49" charset="0"/>
+              </a:rPr>
+              <a:t>*</a:t>
+            </a:r>
+            <a:r>
+              <a:rPr lang="en-US" b="0" dirty="0">
+                <a:solidFill>
+                  <a:srgbClr val="D4D4D4"/>
+                </a:solidFill>
+                <a:effectLst/>
+                <a:latin typeface="Consolas" panose="020B0609020204030204" pitchFamily="49" charset="0"/>
+              </a:rPr>
+              <a:t> Built in global redundancy and scaling</a:t>
+            </a:r>
+          </a:p>
+          <a:p>
+            <a:r>
+              <a:rPr lang="en-US" b="0" dirty="0">
+                <a:solidFill>
+                  <a:srgbClr val="D4D4D4"/>
+                </a:solidFill>
+                <a:effectLst/>
+                <a:latin typeface="Consolas" panose="020B0609020204030204" pitchFamily="49" charset="0"/>
+              </a:rPr>
+              <a:t>        </a:t>
+            </a:r>
+            <a:r>
+              <a:rPr lang="en-US" b="0" dirty="0">
+                <a:solidFill>
+                  <a:srgbClr val="6796E6"/>
+                </a:solidFill>
+                <a:effectLst/>
+                <a:latin typeface="Consolas" panose="020B0609020204030204" pitchFamily="49" charset="0"/>
+              </a:rPr>
+              <a:t>*</a:t>
+            </a:r>
+            <a:r>
+              <a:rPr lang="en-US" b="0" dirty="0">
+                <a:solidFill>
+                  <a:srgbClr val="D4D4D4"/>
+                </a:solidFill>
+                <a:effectLst/>
+                <a:latin typeface="Consolas" panose="020B0609020204030204" pitchFamily="49" charset="0"/>
+              </a:rPr>
+              <a:t> More advanced rule routing</a:t>
+            </a:r>
+          </a:p>
+          <a:p>
+            <a:r>
+              <a:rPr lang="en-US" b="0" dirty="0">
+                <a:solidFill>
+                  <a:srgbClr val="D4D4D4"/>
+                </a:solidFill>
+                <a:effectLst/>
+                <a:latin typeface="Consolas" panose="020B0609020204030204" pitchFamily="49" charset="0"/>
+              </a:rPr>
+              <a:t>    </a:t>
+            </a:r>
+            <a:r>
+              <a:rPr lang="en-US" b="0" dirty="0">
+                <a:solidFill>
+                  <a:srgbClr val="6796E6"/>
+                </a:solidFill>
+                <a:effectLst/>
+                <a:latin typeface="Consolas" panose="020B0609020204030204" pitchFamily="49" charset="0"/>
+              </a:rPr>
+              <a:t>*</a:t>
+            </a:r>
+            <a:r>
+              <a:rPr lang="en-US" b="0" dirty="0">
+                <a:solidFill>
+                  <a:srgbClr val="D4D4D4"/>
+                </a:solidFill>
+                <a:effectLst/>
+                <a:latin typeface="Consolas" panose="020B0609020204030204" pitchFamily="49" charset="0"/>
+              </a:rPr>
+              <a:t> Application Gateway</a:t>
+            </a:r>
+          </a:p>
+          <a:p>
+            <a:r>
+              <a:rPr lang="en-US" b="0" dirty="0">
+                <a:solidFill>
+                  <a:srgbClr val="D4D4D4"/>
+                </a:solidFill>
+                <a:effectLst/>
+                <a:latin typeface="Consolas" panose="020B0609020204030204" pitchFamily="49" charset="0"/>
+              </a:rPr>
+              <a:t>        </a:t>
+            </a:r>
+            <a:r>
+              <a:rPr lang="en-US" b="0" dirty="0">
+                <a:solidFill>
+                  <a:srgbClr val="6796E6"/>
+                </a:solidFill>
+                <a:effectLst/>
+                <a:latin typeface="Consolas" panose="020B0609020204030204" pitchFamily="49" charset="0"/>
+              </a:rPr>
+              <a:t>*</a:t>
+            </a:r>
+            <a:r>
+              <a:rPr lang="en-US" b="0" dirty="0">
+                <a:solidFill>
+                  <a:srgbClr val="D4D4D4"/>
+                </a:solidFill>
+                <a:effectLst/>
+                <a:latin typeface="Consolas" panose="020B0609020204030204" pitchFamily="49" charset="0"/>
+              </a:rPr>
+              <a:t> Built in scaling</a:t>
+            </a:r>
+          </a:p>
+          <a:p>
+            <a:r>
+              <a:rPr lang="en-US" b="0" dirty="0">
+                <a:solidFill>
+                  <a:srgbClr val="D4D4D4"/>
+                </a:solidFill>
+                <a:effectLst/>
+                <a:latin typeface="Consolas" panose="020B0609020204030204" pitchFamily="49" charset="0"/>
+              </a:rPr>
+              <a:t>        </a:t>
+            </a:r>
+            <a:r>
+              <a:rPr lang="en-US" b="0" dirty="0">
+                <a:solidFill>
+                  <a:srgbClr val="6796E6"/>
+                </a:solidFill>
+                <a:effectLst/>
+                <a:latin typeface="Consolas" panose="020B0609020204030204" pitchFamily="49" charset="0"/>
+              </a:rPr>
+              <a:t>*</a:t>
+            </a:r>
+            <a:r>
+              <a:rPr lang="en-US" b="0" dirty="0">
+                <a:solidFill>
+                  <a:srgbClr val="D4D4D4"/>
+                </a:solidFill>
+                <a:effectLst/>
+                <a:latin typeface="Consolas" panose="020B0609020204030204" pitchFamily="49" charset="0"/>
+              </a:rPr>
+              <a:t> Web routing</a:t>
+            </a:r>
+          </a:p>
+          <a:p>
+            <a:r>
+              <a:rPr lang="en-US" b="0" dirty="0">
+                <a:solidFill>
+                  <a:srgbClr val="D4D4D4"/>
+                </a:solidFill>
+                <a:effectLst/>
+                <a:latin typeface="Consolas" panose="020B0609020204030204" pitchFamily="49" charset="0"/>
+              </a:rPr>
+              <a:t>    </a:t>
+            </a:r>
+            <a:r>
+              <a:rPr lang="en-US" b="0" dirty="0">
+                <a:solidFill>
+                  <a:srgbClr val="6796E6"/>
+                </a:solidFill>
+                <a:effectLst/>
+                <a:latin typeface="Consolas" panose="020B0609020204030204" pitchFamily="49" charset="0"/>
+              </a:rPr>
+              <a:t>*</a:t>
+            </a:r>
+            <a:r>
+              <a:rPr lang="en-US" b="0" dirty="0">
+                <a:solidFill>
+                  <a:srgbClr val="D4D4D4"/>
+                </a:solidFill>
+                <a:effectLst/>
+                <a:latin typeface="Consolas" panose="020B0609020204030204" pitchFamily="49" charset="0"/>
+              </a:rPr>
+              <a:t> App Service Plan</a:t>
+            </a:r>
+          </a:p>
+          <a:p>
+            <a:r>
+              <a:rPr lang="en-US" b="0" dirty="0">
+                <a:solidFill>
+                  <a:srgbClr val="D4D4D4"/>
+                </a:solidFill>
+                <a:effectLst/>
+                <a:latin typeface="Consolas" panose="020B0609020204030204" pitchFamily="49" charset="0"/>
+              </a:rPr>
+              <a:t>        </a:t>
+            </a:r>
+            <a:r>
+              <a:rPr lang="en-US" b="0" dirty="0">
+                <a:solidFill>
+                  <a:srgbClr val="6796E6"/>
+                </a:solidFill>
+                <a:effectLst/>
+                <a:latin typeface="Consolas" panose="020B0609020204030204" pitchFamily="49" charset="0"/>
+              </a:rPr>
+              <a:t>*</a:t>
+            </a:r>
+            <a:r>
+              <a:rPr lang="en-US" b="0" dirty="0">
+                <a:solidFill>
+                  <a:srgbClr val="D4D4D4"/>
+                </a:solidFill>
+                <a:effectLst/>
+                <a:latin typeface="Consolas" panose="020B0609020204030204" pitchFamily="49" charset="0"/>
+              </a:rPr>
+              <a:t> Built in scaling</a:t>
+            </a:r>
+          </a:p>
+          <a:p>
+            <a:r>
+              <a:rPr lang="en-US" b="0" dirty="0">
+                <a:solidFill>
+                  <a:srgbClr val="D4D4D4"/>
+                </a:solidFill>
+                <a:effectLst/>
+                <a:latin typeface="Consolas" panose="020B0609020204030204" pitchFamily="49" charset="0"/>
+              </a:rPr>
+              <a:t>        </a:t>
+            </a:r>
+            <a:r>
+              <a:rPr lang="en-US" b="0" dirty="0">
+                <a:solidFill>
+                  <a:srgbClr val="6796E6"/>
+                </a:solidFill>
+                <a:effectLst/>
+                <a:latin typeface="Consolas" panose="020B0609020204030204" pitchFamily="49" charset="0"/>
+              </a:rPr>
+              <a:t>*</a:t>
+            </a:r>
+            <a:r>
+              <a:rPr lang="en-US" b="0" dirty="0">
+                <a:solidFill>
+                  <a:srgbClr val="D4D4D4"/>
+                </a:solidFill>
+                <a:effectLst/>
+                <a:latin typeface="Consolas" panose="020B0609020204030204" pitchFamily="49" charset="0"/>
+              </a:rPr>
+              <a:t> CI/CD integration</a:t>
+            </a:r>
+          </a:p>
+          <a:p>
+            <a:r>
+              <a:rPr lang="en-US" b="0" dirty="0">
+                <a:solidFill>
+                  <a:srgbClr val="D4D4D4"/>
+                </a:solidFill>
+                <a:effectLst/>
+                <a:latin typeface="Consolas" panose="020B0609020204030204" pitchFamily="49" charset="0"/>
+              </a:rPr>
+              <a:t>        </a:t>
+            </a:r>
+            <a:r>
+              <a:rPr lang="en-US" b="0" dirty="0">
+                <a:solidFill>
+                  <a:srgbClr val="6796E6"/>
+                </a:solidFill>
+                <a:effectLst/>
+                <a:latin typeface="Consolas" panose="020B0609020204030204" pitchFamily="49" charset="0"/>
+              </a:rPr>
+              <a:t>*</a:t>
+            </a:r>
+            <a:r>
+              <a:rPr lang="en-US" b="0" dirty="0">
+                <a:solidFill>
+                  <a:srgbClr val="D4D4D4"/>
+                </a:solidFill>
+                <a:effectLst/>
+                <a:latin typeface="Consolas" panose="020B0609020204030204" pitchFamily="49" charset="0"/>
+              </a:rPr>
+              <a:t> Deployment services</a:t>
+            </a:r>
+          </a:p>
+          <a:p>
+            <a:r>
+              <a:rPr lang="en-US" b="0" dirty="0">
+                <a:solidFill>
+                  <a:srgbClr val="D4D4D4"/>
+                </a:solidFill>
+                <a:effectLst/>
+                <a:latin typeface="Consolas" panose="020B0609020204030204" pitchFamily="49" charset="0"/>
+              </a:rPr>
+              <a:t>    </a:t>
+            </a:r>
+            <a:r>
+              <a:rPr lang="en-US" b="0" dirty="0">
+                <a:solidFill>
+                  <a:srgbClr val="6796E6"/>
+                </a:solidFill>
+                <a:effectLst/>
+                <a:latin typeface="Consolas" panose="020B0609020204030204" pitchFamily="49" charset="0"/>
+              </a:rPr>
+              <a:t>*</a:t>
+            </a:r>
+            <a:r>
+              <a:rPr lang="en-US" b="0" dirty="0">
+                <a:solidFill>
+                  <a:srgbClr val="D4D4D4"/>
+                </a:solidFill>
+                <a:effectLst/>
+                <a:latin typeface="Consolas" panose="020B0609020204030204" pitchFamily="49" charset="0"/>
+              </a:rPr>
+              <a:t> Azure Firewall</a:t>
+            </a:r>
+          </a:p>
+          <a:p>
+            <a:r>
+              <a:rPr lang="en-US" b="0" dirty="0">
+                <a:solidFill>
+                  <a:srgbClr val="D4D4D4"/>
+                </a:solidFill>
+                <a:effectLst/>
+                <a:latin typeface="Consolas" panose="020B0609020204030204" pitchFamily="49" charset="0"/>
+              </a:rPr>
+              <a:t>        </a:t>
+            </a:r>
+            <a:r>
+              <a:rPr lang="en-US" b="0" dirty="0">
+                <a:solidFill>
+                  <a:srgbClr val="6796E6"/>
+                </a:solidFill>
+                <a:effectLst/>
+                <a:latin typeface="Consolas" panose="020B0609020204030204" pitchFamily="49" charset="0"/>
+              </a:rPr>
+              <a:t>*</a:t>
+            </a:r>
+            <a:r>
+              <a:rPr lang="en-US" b="0" dirty="0">
+                <a:solidFill>
+                  <a:srgbClr val="D4D4D4"/>
+                </a:solidFill>
+                <a:effectLst/>
+                <a:latin typeface="Consolas" panose="020B0609020204030204" pitchFamily="49" charset="0"/>
+              </a:rPr>
+              <a:t> Infinite scaling</a:t>
+            </a:r>
+          </a:p>
+          <a:p>
+            <a:r>
+              <a:rPr lang="en-US" b="0" dirty="0">
+                <a:solidFill>
+                  <a:srgbClr val="D4D4D4"/>
+                </a:solidFill>
+                <a:effectLst/>
+                <a:latin typeface="Consolas" panose="020B0609020204030204" pitchFamily="49" charset="0"/>
+              </a:rPr>
+              <a:t>        </a:t>
+            </a:r>
+            <a:r>
+              <a:rPr lang="en-US" b="0" dirty="0">
+                <a:solidFill>
+                  <a:srgbClr val="6796E6"/>
+                </a:solidFill>
+                <a:effectLst/>
+                <a:latin typeface="Consolas" panose="020B0609020204030204" pitchFamily="49" charset="0"/>
+              </a:rPr>
+              <a:t>*</a:t>
+            </a:r>
+            <a:r>
+              <a:rPr lang="en-US" b="0" dirty="0">
+                <a:solidFill>
+                  <a:srgbClr val="D4D4D4"/>
+                </a:solidFill>
+                <a:effectLst/>
+                <a:latin typeface="Consolas" panose="020B0609020204030204" pitchFamily="49" charset="0"/>
+              </a:rPr>
+              <a:t> Integrated AI Traffic Monitoring option</a:t>
+            </a:r>
+          </a:p>
+          <a:p>
+            <a:r>
+              <a:rPr lang="en-US" b="0" dirty="0">
+                <a:solidFill>
+                  <a:srgbClr val="D4D4D4"/>
+                </a:solidFill>
+                <a:effectLst/>
+                <a:latin typeface="Consolas" panose="020B0609020204030204" pitchFamily="49" charset="0"/>
+              </a:rPr>
+              <a:t>    </a:t>
+            </a:r>
+            <a:r>
+              <a:rPr lang="en-US" b="0" dirty="0">
+                <a:solidFill>
+                  <a:srgbClr val="6796E6"/>
+                </a:solidFill>
+                <a:effectLst/>
+                <a:latin typeface="Consolas" panose="020B0609020204030204" pitchFamily="49" charset="0"/>
+              </a:rPr>
+              <a:t>*</a:t>
+            </a:r>
+            <a:r>
+              <a:rPr lang="en-US" b="0" dirty="0">
+                <a:solidFill>
+                  <a:srgbClr val="D4D4D4"/>
+                </a:solidFill>
+                <a:effectLst/>
+                <a:latin typeface="Consolas" panose="020B0609020204030204" pitchFamily="49" charset="0"/>
+              </a:rPr>
+              <a:t> Azure DNS</a:t>
+            </a:r>
+          </a:p>
+          <a:p>
+            <a:r>
+              <a:rPr lang="en-US" b="0" dirty="0">
+                <a:solidFill>
+                  <a:srgbClr val="D4D4D4"/>
+                </a:solidFill>
+                <a:effectLst/>
+                <a:latin typeface="Consolas" panose="020B0609020204030204" pitchFamily="49" charset="0"/>
+              </a:rPr>
+              <a:t>        </a:t>
+            </a:r>
+            <a:r>
+              <a:rPr lang="en-US" b="0" dirty="0">
+                <a:solidFill>
+                  <a:srgbClr val="6796E6"/>
+                </a:solidFill>
+                <a:effectLst/>
+                <a:latin typeface="Consolas" panose="020B0609020204030204" pitchFamily="49" charset="0"/>
+              </a:rPr>
+              <a:t>*</a:t>
+            </a:r>
+            <a:r>
+              <a:rPr lang="en-US" b="0" dirty="0">
+                <a:solidFill>
+                  <a:srgbClr val="D4D4D4"/>
+                </a:solidFill>
+                <a:effectLst/>
+                <a:latin typeface="Consolas" panose="020B0609020204030204" pitchFamily="49" charset="0"/>
+              </a:rPr>
+              <a:t> Integration with Azure services</a:t>
+            </a:r>
+          </a:p>
+          <a:p>
+            <a:r>
+              <a:rPr lang="en-US" b="0" dirty="0">
+                <a:solidFill>
+                  <a:srgbClr val="D4D4D4"/>
+                </a:solidFill>
+                <a:effectLst/>
+                <a:latin typeface="Consolas" panose="020B0609020204030204" pitchFamily="49" charset="0"/>
+              </a:rPr>
+              <a:t>        </a:t>
+            </a:r>
+            <a:r>
+              <a:rPr lang="en-US" b="0" dirty="0">
+                <a:solidFill>
+                  <a:srgbClr val="6796E6"/>
+                </a:solidFill>
+                <a:effectLst/>
+                <a:latin typeface="Consolas" panose="020B0609020204030204" pitchFamily="49" charset="0"/>
+              </a:rPr>
+              <a:t>*</a:t>
+            </a:r>
+            <a:r>
+              <a:rPr lang="en-US" b="0" dirty="0">
+                <a:solidFill>
+                  <a:srgbClr val="D4D4D4"/>
+                </a:solidFill>
+                <a:effectLst/>
+                <a:latin typeface="Consolas" panose="020B0609020204030204" pitchFamily="49" charset="0"/>
+              </a:rPr>
+              <a:t> Global redundancy and scaling</a:t>
+            </a:r>
+          </a:p>
+          <a:p>
+            <a:r>
+              <a:rPr lang="en-US" b="0" dirty="0">
+                <a:solidFill>
+                  <a:srgbClr val="D4D4D4"/>
+                </a:solidFill>
+                <a:effectLst/>
+                <a:latin typeface="Consolas" panose="020B0609020204030204" pitchFamily="49" charset="0"/>
+              </a:rPr>
+              <a:t>        </a:t>
+            </a:r>
+            <a:r>
+              <a:rPr lang="en-US" b="0" dirty="0">
+                <a:solidFill>
+                  <a:srgbClr val="6796E6"/>
+                </a:solidFill>
+                <a:effectLst/>
+                <a:latin typeface="Consolas" panose="020B0609020204030204" pitchFamily="49" charset="0"/>
+              </a:rPr>
+              <a:t>*</a:t>
+            </a:r>
+            <a:r>
+              <a:rPr lang="en-US" b="0" dirty="0">
+                <a:solidFill>
+                  <a:srgbClr val="D4D4D4"/>
+                </a:solidFill>
+                <a:effectLst/>
+                <a:latin typeface="Consolas" panose="020B0609020204030204" pitchFamily="49" charset="0"/>
+              </a:rPr>
+              <a:t> Multi-root TLD support (ie: .com, </a:t>
+            </a:r>
+            <a:r>
+              <a:rPr lang="en-US" b="0" dirty="0" err="1">
+                <a:solidFill>
+                  <a:srgbClr val="D4D4D4"/>
+                </a:solidFill>
+                <a:effectLst/>
+                <a:latin typeface="Consolas" panose="020B0609020204030204" pitchFamily="49" charset="0"/>
+              </a:rPr>
+              <a:t>.net</a:t>
+            </a:r>
+            <a:r>
+              <a:rPr lang="en-US" b="0" dirty="0">
+                <a:solidFill>
+                  <a:srgbClr val="D4D4D4"/>
+                </a:solidFill>
+                <a:effectLst/>
+                <a:latin typeface="Consolas" panose="020B0609020204030204" pitchFamily="49" charset="0"/>
+              </a:rPr>
+              <a:t>, .org roots)</a:t>
+            </a:r>
+          </a:p>
+          <a:p>
+            <a:br>
+              <a:rPr lang="en-US" b="0" dirty="0">
+                <a:solidFill>
+                  <a:srgbClr val="D4D4D4"/>
+                </a:solidFill>
+                <a:effectLst/>
+                <a:latin typeface="Consolas" panose="020B0609020204030204" pitchFamily="49" charset="0"/>
+              </a:rPr>
+            </a:br>
+            <a:r>
+              <a:rPr lang="en-US" b="0" dirty="0">
+                <a:solidFill>
+                  <a:srgbClr val="6796E6"/>
+                </a:solidFill>
+                <a:effectLst/>
+                <a:latin typeface="Consolas" panose="020B0609020204030204" pitchFamily="49" charset="0"/>
+              </a:rPr>
+              <a:t>3.</a:t>
+            </a:r>
+            <a:r>
+              <a:rPr lang="en-US" b="0" dirty="0">
+                <a:solidFill>
+                  <a:srgbClr val="D4D4D4"/>
+                </a:solidFill>
+                <a:effectLst/>
+                <a:latin typeface="Consolas" panose="020B0609020204030204" pitchFamily="49" charset="0"/>
+              </a:rPr>
+              <a:t>  How would these services perform better than they would do today?</a:t>
+            </a:r>
+          </a:p>
+          <a:p>
+            <a:br>
+              <a:rPr lang="en-US" b="0" dirty="0">
+                <a:solidFill>
+                  <a:srgbClr val="D4D4D4"/>
+                </a:solidFill>
+                <a:effectLst/>
+                <a:latin typeface="Consolas" panose="020B0609020204030204" pitchFamily="49" charset="0"/>
+              </a:rPr>
+            </a:br>
+            <a:r>
+              <a:rPr lang="en-US" b="0" dirty="0">
+                <a:solidFill>
+                  <a:srgbClr val="D4D4D4"/>
+                </a:solidFill>
+                <a:effectLst/>
+                <a:latin typeface="Consolas" panose="020B0609020204030204" pitchFamily="49" charset="0"/>
+              </a:rPr>
+              <a:t>    In addition to the features listed above, for the most part, specialized services in Azure will give you more compute power and features for the same cost as a Virtual Machine providing better cost efficiencies.</a:t>
+            </a:r>
+          </a:p>
+          <a:p>
+            <a:br>
+              <a:rPr lang="en-US" b="0" dirty="0">
+                <a:solidFill>
+                  <a:srgbClr val="D4D4D4"/>
+                </a:solidFill>
+                <a:effectLst/>
+                <a:latin typeface="Consolas" panose="020B0609020204030204" pitchFamily="49" charset="0"/>
+              </a:rPr>
+            </a:br>
+            <a:r>
+              <a:rPr lang="en-US" b="0" dirty="0">
+                <a:solidFill>
+                  <a:srgbClr val="6796E6"/>
+                </a:solidFill>
+                <a:effectLst/>
+                <a:latin typeface="Consolas" panose="020B0609020204030204" pitchFamily="49" charset="0"/>
+              </a:rPr>
+              <a:t>4.</a:t>
+            </a:r>
+            <a:r>
+              <a:rPr lang="en-US" b="0" dirty="0">
+                <a:solidFill>
+                  <a:srgbClr val="D4D4D4"/>
+                </a:solidFill>
+                <a:effectLst/>
+                <a:latin typeface="Consolas" panose="020B0609020204030204" pitchFamily="49" charset="0"/>
+              </a:rPr>
+              <a:t>  What additional services or features introduced by integrating with the Azure platform could they utilize to better manage the environment?</a:t>
+            </a:r>
+          </a:p>
+          <a:p>
+            <a:br>
+              <a:rPr lang="en-US" b="0" dirty="0">
+                <a:solidFill>
+                  <a:srgbClr val="D4D4D4"/>
+                </a:solidFill>
+                <a:effectLst/>
+                <a:latin typeface="Consolas" panose="020B0609020204030204" pitchFamily="49" charset="0"/>
+              </a:rPr>
+            </a:br>
+            <a:r>
+              <a:rPr lang="en-US" b="0" dirty="0">
+                <a:solidFill>
+                  <a:srgbClr val="D4D4D4"/>
+                </a:solidFill>
+                <a:effectLst/>
+                <a:latin typeface="Consolas" panose="020B0609020204030204" pitchFamily="49" charset="0"/>
+              </a:rPr>
+              <a:t>    </a:t>
+            </a:r>
+            <a:r>
+              <a:rPr lang="en-US" b="0" dirty="0">
+                <a:solidFill>
+                  <a:srgbClr val="6796E6"/>
+                </a:solidFill>
+                <a:effectLst/>
+                <a:latin typeface="Consolas" panose="020B0609020204030204" pitchFamily="49" charset="0"/>
+              </a:rPr>
+              <a:t>*</a:t>
+            </a:r>
+            <a:r>
+              <a:rPr lang="en-US" b="0" dirty="0">
+                <a:solidFill>
+                  <a:srgbClr val="D4D4D4"/>
+                </a:solidFill>
+                <a:effectLst/>
+                <a:latin typeface="Consolas" panose="020B0609020204030204" pitchFamily="49" charset="0"/>
+              </a:rPr>
+              <a:t> Azure Monitor</a:t>
+            </a:r>
+          </a:p>
+          <a:p>
+            <a:r>
+              <a:rPr lang="en-US" b="0" dirty="0">
+                <a:solidFill>
+                  <a:srgbClr val="D4D4D4"/>
+                </a:solidFill>
+                <a:effectLst/>
+                <a:latin typeface="Consolas" panose="020B0609020204030204" pitchFamily="49" charset="0"/>
+              </a:rPr>
+              <a:t>        </a:t>
+            </a:r>
+            <a:r>
+              <a:rPr lang="en-US" b="0" dirty="0">
+                <a:solidFill>
+                  <a:srgbClr val="6796E6"/>
+                </a:solidFill>
+                <a:effectLst/>
+                <a:latin typeface="Consolas" panose="020B0609020204030204" pitchFamily="49" charset="0"/>
+              </a:rPr>
+              <a:t>*</a:t>
+            </a:r>
+            <a:r>
+              <a:rPr lang="en-US" b="0" dirty="0">
+                <a:solidFill>
+                  <a:srgbClr val="D4D4D4"/>
+                </a:solidFill>
+                <a:effectLst/>
+                <a:latin typeface="Consolas" panose="020B0609020204030204" pitchFamily="49" charset="0"/>
+              </a:rPr>
+              <a:t> Centralized fast log queries</a:t>
+            </a:r>
+          </a:p>
+          <a:p>
+            <a:r>
+              <a:rPr lang="en-US" b="0" dirty="0">
+                <a:solidFill>
+                  <a:srgbClr val="D4D4D4"/>
+                </a:solidFill>
+                <a:effectLst/>
+                <a:latin typeface="Consolas" panose="020B0609020204030204" pitchFamily="49" charset="0"/>
+              </a:rPr>
+              <a:t>        </a:t>
+            </a:r>
+            <a:r>
+              <a:rPr lang="en-US" b="0" dirty="0">
+                <a:solidFill>
+                  <a:srgbClr val="6796E6"/>
+                </a:solidFill>
+                <a:effectLst/>
+                <a:latin typeface="Consolas" panose="020B0609020204030204" pitchFamily="49" charset="0"/>
+              </a:rPr>
+              <a:t>*</a:t>
+            </a:r>
+            <a:r>
+              <a:rPr lang="en-US" b="0" dirty="0">
+                <a:solidFill>
+                  <a:srgbClr val="D4D4D4"/>
+                </a:solidFill>
+                <a:effectLst/>
+                <a:latin typeface="Consolas" panose="020B0609020204030204" pitchFamily="49" charset="0"/>
+              </a:rPr>
+              <a:t> Built-in visualizations</a:t>
+            </a:r>
+          </a:p>
+          <a:p>
+            <a:r>
+              <a:rPr lang="en-US" b="0" dirty="0">
+                <a:solidFill>
+                  <a:srgbClr val="D4D4D4"/>
+                </a:solidFill>
+                <a:effectLst/>
+                <a:latin typeface="Consolas" panose="020B0609020204030204" pitchFamily="49" charset="0"/>
+              </a:rPr>
+              <a:t>        </a:t>
+            </a:r>
+            <a:r>
+              <a:rPr lang="en-US" b="0" dirty="0">
+                <a:solidFill>
+                  <a:srgbClr val="6796E6"/>
+                </a:solidFill>
+                <a:effectLst/>
+                <a:latin typeface="Consolas" panose="020B0609020204030204" pitchFamily="49" charset="0"/>
+              </a:rPr>
+              <a:t>*</a:t>
+            </a:r>
+            <a:r>
+              <a:rPr lang="en-US" b="0" dirty="0">
+                <a:solidFill>
+                  <a:srgbClr val="D4D4D4"/>
+                </a:solidFill>
+                <a:effectLst/>
+                <a:latin typeface="Consolas" panose="020B0609020204030204" pitchFamily="49" charset="0"/>
+              </a:rPr>
+              <a:t> Integration with Azure services</a:t>
+            </a:r>
+          </a:p>
+          <a:p>
+            <a:r>
+              <a:rPr lang="en-US" b="0" dirty="0">
+                <a:solidFill>
+                  <a:srgbClr val="D4D4D4"/>
+                </a:solidFill>
+                <a:effectLst/>
+                <a:latin typeface="Consolas" panose="020B0609020204030204" pitchFamily="49" charset="0"/>
+              </a:rPr>
+              <a:t>        </a:t>
+            </a:r>
+            <a:r>
+              <a:rPr lang="en-US" b="0" dirty="0">
+                <a:solidFill>
+                  <a:srgbClr val="6796E6"/>
+                </a:solidFill>
+                <a:effectLst/>
+                <a:latin typeface="Consolas" panose="020B0609020204030204" pitchFamily="49" charset="0"/>
+              </a:rPr>
+              <a:t>*</a:t>
+            </a:r>
+            <a:r>
+              <a:rPr lang="en-US" b="0" dirty="0">
+                <a:solidFill>
+                  <a:srgbClr val="D4D4D4"/>
+                </a:solidFill>
+                <a:effectLst/>
+                <a:latin typeface="Consolas" panose="020B0609020204030204" pitchFamily="49" charset="0"/>
+              </a:rPr>
+              <a:t> Built-in alerting and ITSM integration</a:t>
+            </a:r>
+          </a:p>
+          <a:p>
+            <a:br>
+              <a:rPr lang="en-US" b="0" dirty="0">
+                <a:solidFill>
+                  <a:srgbClr val="D4D4D4"/>
+                </a:solidFill>
+                <a:effectLst/>
+                <a:latin typeface="Consolas" panose="020B0609020204030204" pitchFamily="49" charset="0"/>
+              </a:rPr>
+            </a:br>
+            <a:r>
+              <a:rPr lang="en-US" b="0" dirty="0">
+                <a:solidFill>
+                  <a:srgbClr val="6796E6"/>
+                </a:solidFill>
+                <a:effectLst/>
+                <a:latin typeface="Consolas" panose="020B0609020204030204" pitchFamily="49" charset="0"/>
+              </a:rPr>
+              <a:t>5.</a:t>
+            </a:r>
+            <a:r>
+              <a:rPr lang="en-US" b="0" dirty="0">
+                <a:solidFill>
+                  <a:srgbClr val="D4D4D4"/>
+                </a:solidFill>
+                <a:effectLst/>
+                <a:latin typeface="Consolas" panose="020B0609020204030204" pitchFamily="49" charset="0"/>
+              </a:rPr>
+              <a:t>  What type of advantages could be found by utilizing these Azure services:</a:t>
+            </a:r>
+          </a:p>
+          <a:p>
+            <a:r>
+              <a:rPr lang="en-US" b="0" dirty="0">
+                <a:solidFill>
+                  <a:srgbClr val="D4D4D4"/>
+                </a:solidFill>
+                <a:effectLst/>
+                <a:latin typeface="Consolas" panose="020B0609020204030204" pitchFamily="49" charset="0"/>
+              </a:rPr>
+              <a:t>    </a:t>
+            </a:r>
+            <a:r>
+              <a:rPr lang="en-US" b="0" dirty="0">
+                <a:solidFill>
+                  <a:srgbClr val="6796E6"/>
+                </a:solidFill>
+                <a:effectLst/>
+                <a:latin typeface="Consolas" panose="020B0609020204030204" pitchFamily="49" charset="0"/>
+              </a:rPr>
+              <a:t>*</a:t>
+            </a:r>
+            <a:r>
+              <a:rPr lang="en-US" b="0" dirty="0">
+                <a:solidFill>
+                  <a:srgbClr val="D4D4D4"/>
+                </a:solidFill>
+                <a:effectLst/>
+                <a:latin typeface="Consolas" panose="020B0609020204030204" pitchFamily="49" charset="0"/>
+              </a:rPr>
+              <a:t> Application Gateway with Web Application Firewall (WAF)</a:t>
+            </a:r>
+          </a:p>
+          <a:p>
+            <a:r>
+              <a:rPr lang="en-US" b="0" dirty="0">
+                <a:solidFill>
+                  <a:srgbClr val="D4D4D4"/>
+                </a:solidFill>
+                <a:effectLst/>
+                <a:latin typeface="Consolas" panose="020B0609020204030204" pitchFamily="49" charset="0"/>
+              </a:rPr>
+              <a:t>    </a:t>
+            </a:r>
+            <a:r>
+              <a:rPr lang="en-US" b="0" dirty="0">
+                <a:solidFill>
+                  <a:srgbClr val="6796E6"/>
+                </a:solidFill>
+                <a:effectLst/>
+                <a:latin typeface="Consolas" panose="020B0609020204030204" pitchFamily="49" charset="0"/>
+              </a:rPr>
+              <a:t>*</a:t>
+            </a:r>
+            <a:r>
+              <a:rPr lang="en-US" b="0" dirty="0">
+                <a:solidFill>
+                  <a:srgbClr val="D4D4D4"/>
+                </a:solidFill>
+                <a:effectLst/>
+                <a:latin typeface="Consolas" panose="020B0609020204030204" pitchFamily="49" charset="0"/>
+              </a:rPr>
+              <a:t> App Service Plan (Web App or Containers)</a:t>
+            </a:r>
+          </a:p>
+          <a:p>
+            <a:r>
+              <a:rPr lang="en-US" b="0" dirty="0">
+                <a:solidFill>
+                  <a:srgbClr val="D4D4D4"/>
+                </a:solidFill>
+                <a:effectLst/>
+                <a:latin typeface="Consolas" panose="020B0609020204030204" pitchFamily="49" charset="0"/>
+              </a:rPr>
+              <a:t>    </a:t>
+            </a:r>
+            <a:r>
+              <a:rPr lang="en-US" b="0" dirty="0">
+                <a:solidFill>
+                  <a:srgbClr val="6796E6"/>
+                </a:solidFill>
+                <a:effectLst/>
+                <a:latin typeface="Consolas" panose="020B0609020204030204" pitchFamily="49" charset="0"/>
+              </a:rPr>
+              <a:t>*</a:t>
+            </a:r>
+            <a:r>
+              <a:rPr lang="en-US" b="0" dirty="0">
+                <a:solidFill>
+                  <a:srgbClr val="D4D4D4"/>
+                </a:solidFill>
+                <a:effectLst/>
+                <a:latin typeface="Consolas" panose="020B0609020204030204" pitchFamily="49" charset="0"/>
+              </a:rPr>
+              <a:t> Firewall</a:t>
+            </a:r>
+          </a:p>
+          <a:p>
+            <a:r>
+              <a:rPr lang="en-US" b="0" dirty="0">
+                <a:solidFill>
+                  <a:srgbClr val="D4D4D4"/>
+                </a:solidFill>
+                <a:effectLst/>
+                <a:latin typeface="Consolas" panose="020B0609020204030204" pitchFamily="49" charset="0"/>
+              </a:rPr>
+              <a:t>    </a:t>
+            </a:r>
+            <a:r>
+              <a:rPr lang="en-US" b="0" dirty="0">
+                <a:solidFill>
+                  <a:srgbClr val="6796E6"/>
+                </a:solidFill>
+                <a:effectLst/>
+                <a:latin typeface="Consolas" panose="020B0609020204030204" pitchFamily="49" charset="0"/>
+              </a:rPr>
+              <a:t>*</a:t>
+            </a:r>
+            <a:r>
+              <a:rPr lang="en-US" b="0" dirty="0">
+                <a:solidFill>
+                  <a:srgbClr val="D4D4D4"/>
+                </a:solidFill>
+                <a:effectLst/>
+                <a:latin typeface="Consolas" panose="020B0609020204030204" pitchFamily="49" charset="0"/>
+              </a:rPr>
+              <a:t> Front Door</a:t>
+            </a:r>
+          </a:p>
+          <a:p>
+            <a:r>
+              <a:rPr lang="en-US" b="0" dirty="0">
+                <a:solidFill>
+                  <a:srgbClr val="D4D4D4"/>
+                </a:solidFill>
+                <a:effectLst/>
+                <a:latin typeface="Consolas" panose="020B0609020204030204" pitchFamily="49" charset="0"/>
+              </a:rPr>
+              <a:t>    </a:t>
+            </a:r>
+            <a:r>
+              <a:rPr lang="en-US" b="0" dirty="0">
+                <a:solidFill>
+                  <a:srgbClr val="6796E6"/>
+                </a:solidFill>
+                <a:effectLst/>
+                <a:latin typeface="Consolas" panose="020B0609020204030204" pitchFamily="49" charset="0"/>
+              </a:rPr>
+              <a:t>*</a:t>
+            </a:r>
+            <a:r>
+              <a:rPr lang="en-US" b="0" dirty="0">
+                <a:solidFill>
+                  <a:srgbClr val="D4D4D4"/>
+                </a:solidFill>
+                <a:effectLst/>
+                <a:latin typeface="Consolas" panose="020B0609020204030204" pitchFamily="49" charset="0"/>
+              </a:rPr>
+              <a:t> Monitor</a:t>
+            </a:r>
+          </a:p>
+          <a:p>
+            <a:r>
+              <a:rPr lang="en-US" b="0" dirty="0">
+                <a:solidFill>
+                  <a:srgbClr val="D4D4D4"/>
+                </a:solidFill>
+                <a:effectLst/>
+                <a:latin typeface="Consolas" panose="020B0609020204030204" pitchFamily="49" charset="0"/>
+              </a:rPr>
+              <a:t>    </a:t>
+            </a:r>
+            <a:r>
+              <a:rPr lang="en-US" b="0" dirty="0">
+                <a:solidFill>
+                  <a:srgbClr val="6796E6"/>
+                </a:solidFill>
+                <a:effectLst/>
+                <a:latin typeface="Consolas" panose="020B0609020204030204" pitchFamily="49" charset="0"/>
+              </a:rPr>
+              <a:t>*</a:t>
+            </a:r>
+            <a:r>
+              <a:rPr lang="en-US" b="0" dirty="0">
+                <a:solidFill>
+                  <a:srgbClr val="D4D4D4"/>
+                </a:solidFill>
+                <a:effectLst/>
+                <a:latin typeface="Consolas" panose="020B0609020204030204" pitchFamily="49" charset="0"/>
+              </a:rPr>
+              <a:t> Public DNS</a:t>
+            </a:r>
+          </a:p>
+          <a:p>
+            <a:br>
+              <a:rPr lang="en-US" b="0" dirty="0">
+                <a:solidFill>
+                  <a:srgbClr val="D4D4D4"/>
+                </a:solidFill>
+                <a:effectLst/>
+                <a:latin typeface="Consolas" panose="020B0609020204030204" pitchFamily="49" charset="0"/>
+              </a:rPr>
+            </a:br>
+            <a:endParaRPr lang="en-US" b="0" dirty="0">
+              <a:solidFill>
+                <a:srgbClr val="D4D4D4"/>
+              </a:solidFill>
+              <a:effectLst/>
+              <a:latin typeface="Consolas" panose="020B0609020204030204" pitchFamily="49" charset="0"/>
+            </a:endParaRPr>
+          </a:p>
+          <a:p>
+            <a:endParaRPr lang="en-US" sz="1200" b="0" kern="1200" dirty="0">
+              <a:solidFill>
+                <a:schemeClr val="tx1"/>
+              </a:solidFill>
+              <a:effectLst/>
+              <a:latin typeface="+mn-lt"/>
+              <a:ea typeface="+mn-ea"/>
+              <a:cs typeface="+mn-cs"/>
+            </a:endParaRPr>
           </a:p>
         </p:txBody>
       </p:sp>
@@ -2898,7 +4262,7 @@
     </p:spTree>
     <p:extLst>
       <p:ext uri="{BB962C8B-B14F-4D97-AF65-F5344CB8AC3E}">
-        <p14:creationId xmlns:p14="http://schemas.microsoft.com/office/powerpoint/2010/main" val="1440095304"/>
+        <p14:creationId xmlns:p14="http://schemas.microsoft.com/office/powerpoint/2010/main" val="3272936101"/>
       </p:ext>
     </p:extLst>
   </p:cSld>
@@ -2974,7 +4338,7 @@
                 <a:ea typeface="+mn-ea"/>
                 <a:cs typeface="+mn-cs"/>
               </a:rPr>
-              <a:t> Fabrikam have negotiated an Enterprise Agreement (EA) with Microsoft for their Azure consumption. Any cost estimates need to reflect their EA discount.</a:t>
+              <a:t> Owners of each business application need to approve any substantial application change, including migration. Business owners have indicated that they will require evidence that migration will be successful before granting approval.</a:t>
             </a:r>
           </a:p>
           <a:p>
@@ -3011,7 +4375,57 @@
                 <a:ea typeface="+mn-ea"/>
                 <a:cs typeface="+mn-cs"/>
               </a:rPr>
-              <a:t> Not a problem! Cost estimates from both Azure Migrate and the Azure Pricing Calculator can be tailored to reflect your EA discount.</a:t>
+              <a:t> Migration projects should include creation of a proof of concept deployment, to validate the overall architecture and any assumptions, for example regarding the impact of changes to network latency between application components. This helps build confidence in Azure as a platform for hosting the application.</a:t>
+            </a:r>
+          </a:p>
+          <a:p>
+            <a:br>
+              <a:rPr lang="en-US" sz="1200" b="0" kern="1200" dirty="0">
+                <a:solidFill>
+                  <a:schemeClr val="tx1"/>
+                </a:solidFill>
+                <a:effectLst/>
+                <a:latin typeface="+mn-lt"/>
+                <a:ea typeface="+mn-ea"/>
+                <a:cs typeface="+mn-cs"/>
+              </a:rPr>
+            </a:br>
+            <a:r>
+              <a:rPr lang="en-US" sz="1200" b="0" kern="1200" dirty="0">
+                <a:solidFill>
+                  <a:schemeClr val="tx1"/>
+                </a:solidFill>
+                <a:effectLst/>
+                <a:latin typeface="+mn-lt"/>
+                <a:ea typeface="+mn-ea"/>
+                <a:cs typeface="+mn-cs"/>
+              </a:rPr>
+              <a:t>For the migration process itself, Azure Migrate supports a 'test failover'. This creates the Azure deployment in parallel with the existing deployment, allowing the migration process to be verified without risk of production impact. Likewise, database migration using DMS does not impact the existing production database.</a:t>
+            </a:r>
+          </a:p>
+          <a:p>
+            <a:br>
+              <a:rPr lang="en-US" sz="1200" b="0" kern="1200" dirty="0">
+                <a:solidFill>
+                  <a:schemeClr val="tx1"/>
+                </a:solidFill>
+                <a:effectLst/>
+                <a:latin typeface="+mn-lt"/>
+                <a:ea typeface="+mn-ea"/>
+                <a:cs typeface="+mn-cs"/>
+              </a:rPr>
+            </a:br>
+            <a:r>
+              <a:rPr lang="en-US" sz="1200" b="0" kern="1200" dirty="0">
+                <a:solidFill>
+                  <a:schemeClr val="tx1"/>
+                </a:solidFill>
+                <a:effectLst/>
+                <a:latin typeface="+mn-lt"/>
+                <a:ea typeface="+mn-ea"/>
+                <a:cs typeface="+mn-cs"/>
+              </a:rPr>
+              <a:t>Third-party migration tools used for migration of physical servers similarly support a validation step prior to committing the migration.</a:t>
             </a:r>
           </a:p>
         </p:txBody>
@@ -3042,7 +4456,7 @@
     </p:spTree>
     <p:extLst>
       <p:ext uri="{BB962C8B-B14F-4D97-AF65-F5344CB8AC3E}">
-        <p14:creationId xmlns:p14="http://schemas.microsoft.com/office/powerpoint/2010/main" val="1807515612"/>
+        <p14:creationId xmlns:p14="http://schemas.microsoft.com/office/powerpoint/2010/main" val="1440095304"/>
       </p:ext>
     </p:extLst>
   </p:cSld>
@@ -3118,44 +4532,7 @@
                 <a:ea typeface="+mn-ea"/>
                 <a:cs typeface="+mn-cs"/>
               </a:rPr>
-              <a:t> Many applications comprise multiple components or tiers. How can you ensure that these migrations are appropriately orchestrated?</a:t>
-            </a:r>
-          </a:p>
-          <a:p>
-            <a:endParaRPr lang="en-US" sz="1200" b="0" kern="1200" dirty="0">
-              <a:solidFill>
-                <a:schemeClr val="tx1"/>
-              </a:solidFill>
-              <a:effectLst/>
-              <a:latin typeface="+mn-lt"/>
-              <a:ea typeface="+mn-ea"/>
-              <a:cs typeface="+mn-cs"/>
-            </a:endParaRPr>
-          </a:p>
-          <a:p>
-            <a:r>
-              <a:rPr lang="en-US" sz="1200" b="1" kern="1200" dirty="0">
-                <a:solidFill>
-                  <a:schemeClr val="tx1"/>
-                </a:solidFill>
-                <a:effectLst/>
-                <a:latin typeface="+mn-lt"/>
-                <a:ea typeface="+mn-ea"/>
-                <a:cs typeface="+mn-cs"/>
-              </a:rPr>
-              <a:t>**Answer:**</a:t>
-            </a:r>
-            <a:r>
-              <a:rPr lang="en-US" sz="1200" b="0" kern="1200" dirty="0">
-                <a:solidFill>
-                  <a:schemeClr val="tx1"/>
-                </a:solidFill>
-                <a:effectLst/>
-                <a:latin typeface="+mn-lt"/>
-                <a:ea typeface="+mn-ea"/>
-                <a:cs typeface="+mn-cs"/>
-              </a:rPr>
-              <a:t> Using Azure Migrate, VMs can be grouped to reflect the application architecture. The dependency visualization feature of Azure Migrate helps identify and configure these groupings.</a:t>
+              <a:t> Fabrikam have negotiated an Enterprise Agreement (EA) with Microsoft for their Azure consumption. Any cost estimates need to reflect their EA discount.</a:t>
             </a:r>
           </a:p>
           <a:p>
@@ -3171,6 +4548,18 @@
               </a:rPr>
             </a:br>
             <a:r>
+              <a:rPr lang="en-US" sz="1200" b="1" kern="1200" dirty="0">
+                <a:solidFill>
+                  <a:schemeClr val="tx1"/>
+                </a:solidFill>
+                <a:effectLst/>
+                <a:latin typeface="+mn-lt"/>
+                <a:ea typeface="+mn-ea"/>
+                <a:cs typeface="+mn-cs"/>
+              </a:rPr>
+              <a:t>**Answer:**</a:t>
+            </a:r>
+            <a:r>
               <a:rPr lang="en-US" sz="1200" b="0" kern="1200" dirty="0">
                 <a:solidFill>
                   <a:schemeClr val="tx1"/>
@@ -3180,36 +4569,8 @@
                 <a:ea typeface="+mn-ea"/>
                 <a:cs typeface="+mn-cs"/>
               </a:rPr>
-              <a:t>The migration process can then be staged to migrate different groups of VMs separately. Custom scripts can be used to perform custom pre- and post-migration operations.</a:t>
-            </a:r>
-          </a:p>
-          <a:p>
-            <a:br>
-              <a:rPr lang="en-US" sz="1200" b="0" kern="1200" dirty="0">
-                <a:solidFill>
-                  <a:schemeClr val="tx1"/>
-                </a:solidFill>
-                <a:effectLst/>
-                <a:latin typeface="+mn-lt"/>
-                <a:ea typeface="+mn-ea"/>
-                <a:cs typeface="+mn-cs"/>
-              </a:rPr>
-            </a:br>
-            <a:r>
-              <a:rPr lang="en-US" sz="1200" b="0" kern="1200" dirty="0">
-                <a:solidFill>
-                  <a:schemeClr val="tx1"/>
-                </a:solidFill>
-                <a:effectLst/>
-                <a:latin typeface="+mn-lt"/>
-                <a:ea typeface="+mn-ea"/>
-                <a:cs typeface="+mn-cs"/>
-              </a:rPr>
-              <a:t>Similar orchestration is also supported by third-party migration tools, used for physical servers.</a:t>
-            </a:r>
-          </a:p>
-          <a:p>
-            <a:endParaRPr lang="en-US" dirty="0"/>
+              <a:t> Not a problem! Cost estimates from both Azure Migrate and the Azure Pricing Calculator can be tailored to reflect your EA discount.</a:t>
+            </a:r>
           </a:p>
         </p:txBody>
       </p:sp>
@@ -3239,7 +4600,7 @@
     </p:spTree>
     <p:extLst>
       <p:ext uri="{BB962C8B-B14F-4D97-AF65-F5344CB8AC3E}">
-        <p14:creationId xmlns:p14="http://schemas.microsoft.com/office/powerpoint/2010/main" val="1536402107"/>
+        <p14:creationId xmlns:p14="http://schemas.microsoft.com/office/powerpoint/2010/main" val="1807515612"/>
       </p:ext>
     </p:extLst>
   </p:cSld>
@@ -3315,7 +4676,7 @@
                 <a:ea typeface="+mn-ea"/>
                 <a:cs typeface="+mn-cs"/>
               </a:rPr>
-              <a:t> To reduce business impact, each migration should be designed to minimize application downtime. In addition, to reduce risk, there must be an option to fail-back should the migration experience an unexpected problem.</a:t>
+              <a:t> Many applications comprise multiple components or tiers. How can you ensure that these migrations are appropriately orchestrated?</a:t>
             </a:r>
           </a:p>
           <a:p>
@@ -3352,7 +4713,7 @@
                 <a:ea typeface="+mn-ea"/>
                 <a:cs typeface="+mn-cs"/>
               </a:rPr>
-              <a:t> Migration will always be designed to create the new application deployment in parallel with the existing deployment. This applies to all application tiers, including the database.</a:t>
+              <a:t> Using Azure Migrate, VMs can be grouped to reflect the application architecture. The dependency visualization feature of Azure Migrate helps identify and configure these groupings.</a:t>
             </a:r>
           </a:p>
           <a:p>
@@ -3377,21 +4738,7 @@
                 <a:ea typeface="+mn-ea"/>
                 <a:cs typeface="+mn-cs"/>
               </a:rPr>
-              <a:t>To ensure data consistency during migration, a short application downtime may be required. For application servers migrated using Azure Migrate, incremental replication keeps the duration of this downtime to a minimum, since the initial data transfer can happen while the application is on-line so only deltas need be synchronized during the migration window.</a:t>
-            </a:r>
-          </a:p>
-          <a:p>
-            <a:r>
-              <a:rPr lang="en-US" sz="1200" b="0" kern="1200" dirty="0">
-                <a:solidFill>
-                  <a:schemeClr val="tx1"/>
-                </a:solidFill>
-                <a:effectLst/>
-                <a:latin typeface="+mn-lt"/>
-                <a:ea typeface="+mn-ea"/>
-                <a:cs typeface="+mn-cs"/>
-              </a:rPr>
-              <a:t>Similarly, data migration using DMS supports online migration, allowing you to keep your application online while data is synchronized, and to track the status of any pending changes. Only a short downtime window is required to cut over to the new database.</a:t>
+              <a:t>The migration process can then be staged to migrate different groups of VMs separately. Custom scripts can be used to perform custom pre- and post-migration operations.</a:t>
             </a:r>
           </a:p>
           <a:p>
@@ -3416,7 +4763,7 @@
                 <a:ea typeface="+mn-ea"/>
                 <a:cs typeface="+mn-cs"/>
               </a:rPr>
-              <a:t>In the event of an unexpected issue arising, the existing deployment remains available as a fail-back. If the issue is detected prior to cutting over production traffic to the new service, the on-premises server can immediately pick up where it left off. If the need to fail-back is identified only after the migrated service has received production traffic, then database changes may have occurred, which will need to be reverse-migrated to the on-premises system. This scenario is best avoided by ensuring the migration is properly tested. For critical applications the reverse-migration should be tested (in a test environment) in case it is required.</a:t>
+              <a:t>Similar orchestration is also supported by third-party migration tools, used for physical servers.</a:t>
             </a:r>
           </a:p>
           <a:p>
@@ -3450,7 +4797,7 @@
     </p:spTree>
     <p:extLst>
       <p:ext uri="{BB962C8B-B14F-4D97-AF65-F5344CB8AC3E}">
-        <p14:creationId xmlns:p14="http://schemas.microsoft.com/office/powerpoint/2010/main" val="1042991434"/>
+        <p14:creationId xmlns:p14="http://schemas.microsoft.com/office/powerpoint/2010/main" val="1536402107"/>
       </p:ext>
     </p:extLst>
   </p:cSld>
@@ -3610,7 +4957,44 @@
                 <a:ea typeface="+mn-ea"/>
                 <a:cs typeface="+mn-cs"/>
               </a:rPr>
-              <a:t> We are expecting to move all our existing infrastructure to Azure. Reducing our on-premises server costs should provide substantial cost savings. Can you confirm what savings we can expect?</a:t>
+              <a:t> To reduce business impact, each migration should be designed to minimize application downtime. In addition, to reduce risk, there must be an option to fail-back should the migration experience an unexpected problem.</a:t>
+            </a:r>
+          </a:p>
+          <a:p>
+            <a:endParaRPr lang="en-US" sz="1200" b="0" kern="1200" dirty="0">
+              <a:solidFill>
+                <a:schemeClr val="tx1"/>
+              </a:solidFill>
+              <a:effectLst/>
+              <a:latin typeface="+mn-lt"/>
+              <a:ea typeface="+mn-ea"/>
+              <a:cs typeface="+mn-cs"/>
+            </a:endParaRPr>
+          </a:p>
+          <a:p>
+            <a:r>
+              <a:rPr lang="en-US" sz="1200" b="1" kern="1200" dirty="0">
+                <a:solidFill>
+                  <a:schemeClr val="tx1"/>
+                </a:solidFill>
+                <a:effectLst/>
+                <a:latin typeface="+mn-lt"/>
+                <a:ea typeface="+mn-ea"/>
+                <a:cs typeface="+mn-cs"/>
+              </a:rPr>
+              <a:t>**Answer:**</a:t>
+            </a:r>
+            <a:r>
+              <a:rPr lang="en-US" sz="1200" b="0" kern="1200" dirty="0">
+                <a:solidFill>
+                  <a:schemeClr val="tx1"/>
+                </a:solidFill>
+                <a:effectLst/>
+                <a:latin typeface="+mn-lt"/>
+                <a:ea typeface="+mn-ea"/>
+                <a:cs typeface="+mn-cs"/>
+              </a:rPr>
+              <a:t> Migration will always be designed to create the new application deployment in parallel with the existing deployment. This applies to all application tiers, including the database.</a:t>
             </a:r>
           </a:p>
           <a:p>
@@ -3626,18 +5010,6 @@
               </a:rPr>
             </a:br>
             <a:r>
-              <a:rPr lang="en-US" sz="1200" b="1" kern="1200" dirty="0">
-                <a:solidFill>
-                  <a:schemeClr val="tx1"/>
-                </a:solidFill>
-                <a:effectLst/>
-                <a:latin typeface="+mn-lt"/>
-                <a:ea typeface="+mn-ea"/>
-                <a:cs typeface="+mn-cs"/>
-              </a:rPr>
-              <a:t>**Answer:**</a:t>
-            </a:r>
-            <a:r>
               <a:rPr lang="en-US" sz="1200" b="0" kern="1200" dirty="0">
                 <a:solidFill>
                   <a:schemeClr val="tx1"/>
@@ -3647,7 +5019,21 @@
                 <a:ea typeface="+mn-ea"/>
                 <a:cs typeface="+mn-cs"/>
               </a:rPr>
-              <a:t> It is a common myth that all workloads should move to the cloud, and that the cloud will automatically be cheaper. Careful planning will be required to optimize your Azure deployment, and a cost analysis performed to make sure the business case for migration is sound and fully understood.</a:t>
+              <a:t>To ensure data consistency during migration, a short application downtime may be required. For application servers migrated using Azure Migrate, incremental replication keeps the duration of this downtime to a minimum, since the initial data transfer can happen while the application is on-line so only deltas need be synchronized during the migration window.</a:t>
+            </a:r>
+          </a:p>
+          <a:p>
+            <a:r>
+              <a:rPr lang="en-US" sz="1200" b="0" kern="1200" dirty="0">
+                <a:solidFill>
+                  <a:schemeClr val="tx1"/>
+                </a:solidFill>
+                <a:effectLst/>
+                <a:latin typeface="+mn-lt"/>
+                <a:ea typeface="+mn-ea"/>
+                <a:cs typeface="+mn-cs"/>
+              </a:rPr>
+              <a:t>Similarly, data migration using DMS supports online migration, allowing you to keep your application online while data is synchronized, and to track the status of any pending changes. Only a short downtime window is required to cut over to the new database.</a:t>
             </a:r>
           </a:p>
           <a:p>
@@ -3672,32 +5058,11 @@
                 <a:ea typeface="+mn-ea"/>
                 <a:cs typeface="+mn-cs"/>
               </a:rPr>
-              <a:t>The [Build a business justification for cloud migration](</a:t>
-            </a:r>
-            <a:r>
-              <a:rPr lang="en-US" sz="1200" b="0" u="sng" kern="1200" dirty="0">
-                <a:solidFill>
-                  <a:schemeClr val="tx1"/>
-                </a:solidFill>
-                <a:effectLst/>
-                <a:latin typeface="+mn-lt"/>
-                <a:ea typeface="+mn-ea"/>
-                <a:cs typeface="+mn-cs"/>
-              </a:rPr>
-              <a:t>https://docs.microsoft.com/azure/architecture/cloud-adoption/business-strategy/cloud-migration-business-case</a:t>
-            </a:r>
-            <a:r>
-              <a:rPr lang="en-US" sz="1200" b="0" kern="1200" dirty="0">
-                <a:solidFill>
-                  <a:schemeClr val="tx1"/>
-                </a:solidFill>
-                <a:effectLst/>
-                <a:latin typeface="+mn-lt"/>
-                <a:ea typeface="+mn-ea"/>
-                <a:cs typeface="+mn-cs"/>
-              </a:rPr>
-              <a:t>) guide is a useful resource for dispelling cloud adoption myths and building a realistic business case.</a:t>
-            </a:r>
+              <a:t>In the event of an unexpected issue arising, the existing deployment remains available as a fail-back. If the issue is detected prior to cutting over production traffic to the new service, the on-premises server can immediately pick up where it left off. If the need to fail-back is identified only after the migrated service has received production traffic, then database changes may have occurred, which will need to be reverse-migrated to the on-premises system. This scenario is best avoided by ensuring the migration is properly tested. For critical applications the reverse-migration should be tested (in a test environment) in case it is required.</a:t>
+            </a:r>
+          </a:p>
+          <a:p>
+            <a:endParaRPr lang="en-US" dirty="0"/>
           </a:p>
         </p:txBody>
       </p:sp>
@@ -3727,7 +5092,7 @@
     </p:spTree>
     <p:extLst>
       <p:ext uri="{BB962C8B-B14F-4D97-AF65-F5344CB8AC3E}">
-        <p14:creationId xmlns:p14="http://schemas.microsoft.com/office/powerpoint/2010/main" val="2696973453"/>
+        <p14:creationId xmlns:p14="http://schemas.microsoft.com/office/powerpoint/2010/main" val="1042991434"/>
       </p:ext>
     </p:extLst>
   </p:cSld>
@@ -3782,6 +5147,18 @@
           <a:lstStyle/>
           <a:p>
             <a:r>
+              <a:rPr lang="en-US" sz="1200" b="1" kern="1200" dirty="0">
+                <a:solidFill>
+                  <a:schemeClr val="tx1"/>
+                </a:solidFill>
+                <a:effectLst/>
+                <a:latin typeface="+mn-lt"/>
+                <a:ea typeface="+mn-ea"/>
+                <a:cs typeface="+mn-cs"/>
+              </a:rPr>
+              <a:t>**Objection:**</a:t>
+            </a:r>
+            <a:r>
               <a:rPr lang="en-US" sz="1200" b="0" kern="1200" dirty="0">
                 <a:solidFill>
                   <a:schemeClr val="tx1"/>
@@ -3791,21 +5168,11 @@
                 <a:ea typeface="+mn-ea"/>
                 <a:cs typeface="+mn-cs"/>
               </a:rPr>
-              <a:t>Often running generic use Virtual Machines in Azure, while reliable and easy to migrate, do not offer as many service, ease of use or scaling, or </a:t>
-            </a:r>
-            <a:r>
-              <a:rPr lang="en-US" sz="1200" b="0" kern="1200" dirty="0" err="1">
-                <a:solidFill>
-                  <a:schemeClr val="tx1"/>
-                </a:solidFill>
-                <a:effectLst/>
-                <a:latin typeface="+mn-lt"/>
-                <a:ea typeface="+mn-ea"/>
-                <a:cs typeface="+mn-cs"/>
-              </a:rPr>
-              <a:t>relabiliity</a:t>
-            </a:r>
-            <a:r>
+              <a:t> We are expecting to move all our existing infrastructure to Azure. Reducing our on-premises server costs should provide substantial cost savings. Can you confirm what savings we can expect?</a:t>
+            </a:r>
+          </a:p>
+          <a:p>
+            <a:br>
               <a:rPr lang="en-US" sz="1200" b="0" kern="1200" dirty="0">
                 <a:solidFill>
                   <a:schemeClr val="tx1"/>
@@ -3815,21 +5182,19 @@
                 <a:ea typeface="+mn-ea"/>
                 <a:cs typeface="+mn-cs"/>
               </a:rPr>
-              <a:t> as hosted PaaS services and often are less cost optimal as a general service then an optimized managed solution.  Therefore it is often helpful to identify services that could be augmented or replaced in future updates once those services are deployed in Azure.</a:t>
-            </a:r>
-          </a:p>
-          <a:p>
-            <a:endParaRPr lang="en-US" sz="1200" b="0" kern="1200" dirty="0">
-              <a:solidFill>
-                <a:schemeClr val="tx1"/>
-              </a:solidFill>
-              <a:effectLst/>
-              <a:latin typeface="+mn-lt"/>
-              <a:ea typeface="+mn-ea"/>
-              <a:cs typeface="+mn-cs"/>
-            </a:endParaRPr>
-          </a:p>
-          <a:p>
+            </a:br>
+            <a:r>
+              <a:rPr lang="en-US" sz="1200" b="1" kern="1200" dirty="0">
+                <a:solidFill>
+                  <a:schemeClr val="tx1"/>
+                </a:solidFill>
+                <a:effectLst/>
+                <a:latin typeface="+mn-lt"/>
+                <a:ea typeface="+mn-ea"/>
+                <a:cs typeface="+mn-cs"/>
+              </a:rPr>
+              <a:t>**Answer:**</a:t>
+            </a:r>
             <a:r>
               <a:rPr lang="en-US" sz="1200" b="0" kern="1200" dirty="0">
                 <a:solidFill>
@@ -3840,10 +5205,12 @@
                 <a:ea typeface="+mn-ea"/>
                 <a:cs typeface="+mn-cs"/>
               </a:rPr>
-              <a:t>Some service such as Azure Monitor can be deployed easily but might require more setup &amp; tuning for the environment.  Other services such as moving to AKS may require a fair amount of application redesign or rewrite, but offer a host of dynamic &amp; reliability while providing a quick update and </a:t>
-            </a:r>
-            <a:r>
-              <a:rPr lang="en-US" sz="1200" b="0" kern="1200">
+              <a:t> It is a common myth that all workloads should move to the cloud, and that the cloud will automatically be cheaper. Careful planning will be required to optimize your Azure deployment, and a cost analysis performed to make sure the business case for migration is sound and fully understood.</a:t>
+            </a:r>
+          </a:p>
+          <a:p>
+            <a:br>
+              <a:rPr lang="en-US" sz="1200" b="0" kern="1200" dirty="0">
                 <a:solidFill>
                   <a:schemeClr val="tx1"/>
                 </a:solidFill>
@@ -3852,17 +5219,43 @@
                 <a:ea typeface="+mn-ea"/>
                 <a:cs typeface="+mn-cs"/>
               </a:rPr>
-              <a:t>deployment solution.</a:t>
-            </a:r>
-            <a:endParaRPr lang="en-US" sz="1200" b="0" kern="1200" dirty="0">
-              <a:solidFill>
-                <a:schemeClr val="tx1"/>
-              </a:solidFill>
-              <a:effectLst/>
-              <a:latin typeface="+mn-lt"/>
-              <a:ea typeface="+mn-ea"/>
-              <a:cs typeface="+mn-cs"/>
-            </a:endParaRPr>
+            </a:br>
+            <a:r>
+              <a:rPr lang="en-US" sz="1200" b="0" kern="1200" dirty="0">
+                <a:solidFill>
+                  <a:schemeClr val="tx1"/>
+                </a:solidFill>
+                <a:effectLst/>
+                <a:latin typeface="+mn-lt"/>
+                <a:ea typeface="+mn-ea"/>
+                <a:cs typeface="+mn-cs"/>
+              </a:rPr>
+              <a:t>The [Build a business justification for cloud migration](</a:t>
+            </a:r>
+            <a:r>
+              <a:rPr lang="en-US" sz="1200" b="0" u="sng" kern="1200" dirty="0">
+                <a:solidFill>
+                  <a:schemeClr val="tx1"/>
+                </a:solidFill>
+                <a:effectLst/>
+                <a:latin typeface="+mn-lt"/>
+                <a:ea typeface="+mn-ea"/>
+                <a:cs typeface="+mn-cs"/>
+              </a:rPr>
+              <a:t>https://docs.microsoft.com/azure/architecture/cloud-adoption/business-strategy/cloud-migration-business-case</a:t>
+            </a:r>
+            <a:r>
+              <a:rPr lang="en-US" sz="1200" b="0" kern="1200" dirty="0">
+                <a:solidFill>
+                  <a:schemeClr val="tx1"/>
+                </a:solidFill>
+                <a:effectLst/>
+                <a:latin typeface="+mn-lt"/>
+                <a:ea typeface="+mn-ea"/>
+                <a:cs typeface="+mn-cs"/>
+              </a:rPr>
+              <a:t>) guide is a useful resource for dispelling cloud adoption myths and building a realistic business case.</a:t>
+            </a:r>
           </a:p>
         </p:txBody>
       </p:sp>
@@ -3892,7 +5285,7 @@
     </p:spTree>
     <p:extLst>
       <p:ext uri="{BB962C8B-B14F-4D97-AF65-F5344CB8AC3E}">
-        <p14:creationId xmlns:p14="http://schemas.microsoft.com/office/powerpoint/2010/main" val="3272936101"/>
+        <p14:creationId xmlns:p14="http://schemas.microsoft.com/office/powerpoint/2010/main" val="2696973453"/>
       </p:ext>
     </p:extLst>
   </p:cSld>
@@ -4093,7 +5486,7 @@
                   <a:prstClr val="black"/>
                 </a:solidFill>
               </a:rPr>
-              <a:t>9/22/2021 2:36 PM</a:t>
+              <a:t>9/22/2021 5:04 PM</a:t>
             </a:fld>
             <a:endParaRPr lang="en-US" dirty="0">
               <a:solidFill>
@@ -22062,866 +23455,7 @@
           <a:p>
             <a:r>
               <a:rPr lang="en-US" dirty="0"/>
-              <a:t>Preferred objections handling</a:t>
-            </a:r>
-            <a:br>
-              <a:rPr lang="en-US" dirty="0"/>
-            </a:br>
-            <a:endParaRPr lang="en-US" dirty="0"/>
-          </a:p>
-        </p:txBody>
-      </p:sp>
-      <p:sp>
-        <p:nvSpPr>
-          <p:cNvPr id="3" name="Content Placeholder 2"/>
-          <p:cNvSpPr>
-            <a:spLocks noGrp="1"/>
-          </p:cNvSpPr>
-          <p:nvPr>
-            <p:ph type="body" sz="quarter" idx="10"/>
-          </p:nvPr>
-        </p:nvSpPr>
-        <p:spPr>
-          <a:xfrm>
-            <a:off x="269239" y="1189177"/>
-            <a:ext cx="11653523" cy="5946243"/>
-          </a:xfrm>
-        </p:spPr>
-        <p:txBody>
-          <a:bodyPr/>
-          <a:lstStyle/>
-          <a:p>
-            <a:r>
-              <a:rPr lang="en-US" sz="2400" dirty="0">
-                <a:latin typeface="Segoe UI Semibold" panose="020B0702040204020203" pitchFamily="34" charset="0"/>
-                <a:cs typeface="Segoe UI Semibold" panose="020B0702040204020203" pitchFamily="34" charset="0"/>
-              </a:rPr>
-              <a:t>Objection: </a:t>
-            </a:r>
-            <a:r>
-              <a:rPr lang="en-US" sz="2400" dirty="0">
-                <a:solidFill>
-                  <a:schemeClr val="tx1"/>
-                </a:solidFill>
-              </a:rPr>
-              <a:t>Owners of each business application need to approve any substantial application change, including migration. Business owners have indicated that they will require evidence that migration will be successful before granting approval.</a:t>
-            </a:r>
-          </a:p>
-          <a:p>
-            <a:endParaRPr lang="en-US" sz="2400" dirty="0"/>
-          </a:p>
-          <a:p>
-            <a:r>
-              <a:rPr lang="en-US" sz="2400" dirty="0">
-                <a:latin typeface="Segoe UI Semibold" panose="020B0702040204020203" pitchFamily="34" charset="0"/>
-                <a:cs typeface="Segoe UI Semibold" panose="020B0702040204020203" pitchFamily="34" charset="0"/>
-              </a:rPr>
-              <a:t>Answer: </a:t>
-            </a:r>
-            <a:r>
-              <a:rPr lang="en-US" sz="2400" dirty="0">
-                <a:solidFill>
-                  <a:schemeClr val="tx1"/>
-                </a:solidFill>
-              </a:rPr>
-              <a:t>Create of a proof of concept deployment, to validate the overall architecture and any assumptions, for example regarding the impact of changes to network latency between application components.</a:t>
-            </a:r>
-          </a:p>
-          <a:p>
-            <a:br>
-              <a:rPr lang="en-US" sz="2400" dirty="0">
-                <a:solidFill>
-                  <a:schemeClr val="tx1"/>
-                </a:solidFill>
-              </a:rPr>
-            </a:br>
-            <a:r>
-              <a:rPr lang="en-US" sz="2400" dirty="0">
-                <a:solidFill>
-                  <a:schemeClr val="tx1"/>
-                </a:solidFill>
-              </a:rPr>
-              <a:t>For the migration process itself, Azure Migrate supports a 'test failover'. This creates the Azure deployment in parallel with the existing deployment, allowing the migration process to be verified without risk of production impact. Likewise, database migration using DMS does not impact the existing production database.</a:t>
-            </a:r>
-          </a:p>
-          <a:p>
-            <a:endParaRPr lang="en-US" sz="2400" dirty="0">
-              <a:solidFill>
-                <a:schemeClr val="tx1"/>
-              </a:solidFill>
-            </a:endParaRPr>
-          </a:p>
-          <a:p>
-            <a:r>
-              <a:rPr lang="en-US" sz="2400" dirty="0">
-                <a:solidFill>
-                  <a:schemeClr val="tx1"/>
-                </a:solidFill>
-              </a:rPr>
-              <a:t>Third-party migration tools used for migration of physical servers similarly support a validation step prior to committing the migration.</a:t>
-            </a:r>
-          </a:p>
-          <a:p>
-            <a:endParaRPr lang="en-US" sz="2400" dirty="0"/>
-          </a:p>
-        </p:txBody>
-      </p:sp>
-    </p:spTree>
-    <p:extLst>
-      <p:ext uri="{BB962C8B-B14F-4D97-AF65-F5344CB8AC3E}">
-        <p14:creationId xmlns:p14="http://schemas.microsoft.com/office/powerpoint/2010/main" val="2923730869"/>
-      </p:ext>
-    </p:extLst>
-  </p:cSld>
-  <p:clrMapOvr>
-    <a:masterClrMapping/>
-  </p:clrMapOvr>
-  <mc:AlternateContent xmlns:mc="http://schemas.openxmlformats.org/markup-compatibility/2006" xmlns:p14="http://schemas.microsoft.com/office/powerpoint/2010/main">
-    <mc:Choice Requires="p14">
-      <p:transition p14:dur="0"/>
-    </mc:Choice>
-    <mc:Fallback xmlns="">
-      <p:transition/>
-    </mc:Fallback>
-  </mc:AlternateContent>
-</p:sld>
-</file>
-
-<file path=ppt/slides/slide3.xml><?xml version="1.0" encoding="utf-8"?>
-<p:sld xmlns:a="http://schemas.openxmlformats.org/drawingml/2006/main" xmlns:r="http://schemas.openxmlformats.org/officeDocument/2006/relationships" xmlns:p="http://schemas.openxmlformats.org/presentationml/2006/main">
-  <p:cSld>
-    <p:bg>
-      <p:bgPr>
-        <a:solidFill>
-          <a:schemeClr val="bg2"/>
-        </a:solidFill>
-        <a:effectLst/>
-      </p:bgPr>
-    </p:bg>
-    <p:spTree>
-      <p:nvGrpSpPr>
-        <p:cNvPr id="1" name=""/>
-        <p:cNvGrpSpPr/>
-        <p:nvPr/>
-      </p:nvGrpSpPr>
-      <p:grpSpPr>
-        <a:xfrm>
-          <a:off x="0" y="0"/>
-          <a:ext cx="0" cy="0"/>
-          <a:chOff x="0" y="0"/>
-          <a:chExt cx="0" cy="0"/>
-        </a:xfrm>
-      </p:grpSpPr>
-      <p:sp>
-        <p:nvSpPr>
-          <p:cNvPr id="2" name="Title 1"/>
-          <p:cNvSpPr>
-            <a:spLocks noGrp="1"/>
-          </p:cNvSpPr>
-          <p:nvPr>
-            <p:ph type="title"/>
-          </p:nvPr>
-        </p:nvSpPr>
-        <p:spPr/>
-        <p:txBody>
-          <a:bodyPr>
-            <a:normAutofit/>
-          </a:bodyPr>
-          <a:lstStyle/>
-          <a:p>
-            <a:r>
-              <a:rPr lang="en-US" sz="4400" dirty="0">
-                <a:solidFill>
-                  <a:schemeClr val="tx1"/>
-                </a:solidFill>
-                <a:latin typeface="Segoe UI Light" panose="020B0502040204020203" pitchFamily="34" charset="0"/>
-                <a:cs typeface="Segoe UI Light" panose="020B0502040204020203" pitchFamily="34" charset="0"/>
-              </a:rPr>
-              <a:t>Step 1: Review the customer case study</a:t>
-            </a:r>
-          </a:p>
-        </p:txBody>
-      </p:sp>
-      <p:sp>
-        <p:nvSpPr>
-          <p:cNvPr id="9" name="TextBox 8">
-            <a:extLst>
-              <a:ext uri="{FF2B5EF4-FFF2-40B4-BE49-F238E27FC236}">
-                <a16:creationId xmlns:a16="http://schemas.microsoft.com/office/drawing/2014/main" id="{0F86F9F9-39B5-4CE6-AF48-9ADAE40EA728}"/>
-              </a:ext>
-            </a:extLst>
-          </p:cNvPr>
-          <p:cNvSpPr txBox="1"/>
-          <p:nvPr/>
-        </p:nvSpPr>
-        <p:spPr>
-          <a:xfrm>
-            <a:off x="340285" y="1741246"/>
-            <a:ext cx="7247965" cy="2597634"/>
-          </a:xfrm>
-          <a:prstGeom prst="rect">
-            <a:avLst/>
-          </a:prstGeom>
-          <a:noFill/>
-        </p:spPr>
-        <p:txBody>
-          <a:bodyPr wrap="square" lIns="182880" tIns="146304" rIns="182880" bIns="146304" rtlCol="0">
-            <a:spAutoFit/>
-          </a:bodyPr>
-          <a:lstStyle/>
-          <a:p>
-            <a:pPr>
-              <a:lnSpc>
-                <a:spcPct val="90000"/>
-              </a:lnSpc>
-              <a:spcAft>
-                <a:spcPts val="600"/>
-              </a:spcAft>
-            </a:pPr>
-            <a:r>
-              <a:rPr lang="en-US" sz="3600" dirty="0">
-                <a:latin typeface="+mj-lt"/>
-              </a:rPr>
-              <a:t>Outcome</a:t>
-            </a:r>
-          </a:p>
-          <a:p>
-            <a:pPr>
-              <a:lnSpc>
-                <a:spcPct val="90000"/>
-              </a:lnSpc>
-              <a:spcAft>
-                <a:spcPts val="600"/>
-              </a:spcAft>
-            </a:pPr>
-            <a:r>
-              <a:rPr lang="en-US" sz="2400" dirty="0">
-                <a:latin typeface="Segoe UI Semilight" panose="020B0402040204020203" pitchFamily="34" charset="0"/>
-                <a:cs typeface="Segoe UI Semilight" panose="020B0402040204020203" pitchFamily="34" charset="0"/>
-              </a:rPr>
-              <a:t>Analyze your customer needs.</a:t>
-            </a:r>
-          </a:p>
-          <a:p>
-            <a:pPr>
-              <a:lnSpc>
-                <a:spcPct val="90000"/>
-              </a:lnSpc>
-              <a:spcAft>
-                <a:spcPts val="600"/>
-              </a:spcAft>
-            </a:pPr>
-            <a:endParaRPr lang="en-US" sz="2400" dirty="0"/>
-          </a:p>
-          <a:p>
-            <a:pPr>
-              <a:lnSpc>
-                <a:spcPct val="90000"/>
-              </a:lnSpc>
-              <a:spcAft>
-                <a:spcPts val="600"/>
-              </a:spcAft>
-            </a:pPr>
-            <a:r>
-              <a:rPr lang="en-US" sz="3600" dirty="0">
-                <a:latin typeface="+mj-lt"/>
-              </a:rPr>
-              <a:t>Timeframe</a:t>
-            </a:r>
-          </a:p>
-          <a:p>
-            <a:pPr>
-              <a:lnSpc>
-                <a:spcPct val="90000"/>
-              </a:lnSpc>
-              <a:spcAft>
-                <a:spcPts val="600"/>
-              </a:spcAft>
-            </a:pPr>
-            <a:r>
-              <a:rPr lang="en-US" sz="2400" dirty="0">
-                <a:latin typeface="Segoe UI Semilight" panose="020B0402040204020203" pitchFamily="34" charset="0"/>
-                <a:cs typeface="Segoe UI Semilight" panose="020B0402040204020203" pitchFamily="34" charset="0"/>
-              </a:rPr>
-              <a:t>15 minutes</a:t>
-            </a:r>
-          </a:p>
-        </p:txBody>
-      </p:sp>
-    </p:spTree>
-    <p:extLst>
-      <p:ext uri="{BB962C8B-B14F-4D97-AF65-F5344CB8AC3E}">
-        <p14:creationId xmlns:p14="http://schemas.microsoft.com/office/powerpoint/2010/main" val="2071289292"/>
-      </p:ext>
-    </p:extLst>
-  </p:cSld>
-  <p:clrMapOvr>
-    <a:masterClrMapping/>
-  </p:clrMapOvr>
-  <mc:AlternateContent xmlns:mc="http://schemas.openxmlformats.org/markup-compatibility/2006" xmlns:p14="http://schemas.microsoft.com/office/powerpoint/2010/main">
-    <mc:Choice Requires="p14">
-      <p:transition p14:dur="0"/>
-    </mc:Choice>
-    <mc:Fallback xmlns="">
-      <p:transition/>
-    </mc:Fallback>
-  </mc:AlternateContent>
-</p:sld>
-</file>
-
-<file path=ppt/slides/slide30.xml><?xml version="1.0" encoding="utf-8"?>
-<p:sld xmlns:a="http://schemas.openxmlformats.org/drawingml/2006/main" xmlns:r="http://schemas.openxmlformats.org/officeDocument/2006/relationships" xmlns:p="http://schemas.openxmlformats.org/presentationml/2006/main">
-  <p:cSld>
-    <p:spTree>
-      <p:nvGrpSpPr>
-        <p:cNvPr id="1" name=""/>
-        <p:cNvGrpSpPr/>
-        <p:nvPr/>
-      </p:nvGrpSpPr>
-      <p:grpSpPr>
-        <a:xfrm>
-          <a:off x="0" y="0"/>
-          <a:ext cx="0" cy="0"/>
-          <a:chOff x="0" y="0"/>
-          <a:chExt cx="0" cy="0"/>
-        </a:xfrm>
-      </p:grpSpPr>
-      <p:sp>
-        <p:nvSpPr>
-          <p:cNvPr id="2" name="Title 1"/>
-          <p:cNvSpPr>
-            <a:spLocks noGrp="1"/>
-          </p:cNvSpPr>
-          <p:nvPr>
-            <p:ph type="title"/>
-          </p:nvPr>
-        </p:nvSpPr>
-        <p:spPr/>
-        <p:txBody>
-          <a:bodyPr/>
-          <a:lstStyle/>
-          <a:p>
-            <a:r>
-              <a:rPr lang="en-US" dirty="0"/>
-              <a:t>Preferred objections handling</a:t>
-            </a:r>
-            <a:br>
-              <a:rPr lang="en-US" dirty="0"/>
-            </a:br>
-            <a:endParaRPr lang="en-US" dirty="0"/>
-          </a:p>
-        </p:txBody>
-      </p:sp>
-      <p:sp>
-        <p:nvSpPr>
-          <p:cNvPr id="3" name="Content Placeholder 2"/>
-          <p:cNvSpPr>
-            <a:spLocks noGrp="1"/>
-          </p:cNvSpPr>
-          <p:nvPr>
-            <p:ph type="body" sz="quarter" idx="10"/>
-          </p:nvPr>
-        </p:nvSpPr>
-        <p:spPr>
-          <a:xfrm>
-            <a:off x="269239" y="1189177"/>
-            <a:ext cx="11653523" cy="1994392"/>
-          </a:xfrm>
-        </p:spPr>
-        <p:txBody>
-          <a:bodyPr/>
-          <a:lstStyle/>
-          <a:p>
-            <a:r>
-              <a:rPr lang="en-US" sz="2400" dirty="0">
-                <a:latin typeface="Segoe UI Semibold" panose="020B0702040204020203" pitchFamily="34" charset="0"/>
-                <a:cs typeface="Segoe UI Semibold" panose="020B0702040204020203" pitchFamily="34" charset="0"/>
-              </a:rPr>
-              <a:t>Objection: </a:t>
-            </a:r>
-            <a:r>
-              <a:rPr lang="en-US" sz="2400" dirty="0">
-                <a:solidFill>
-                  <a:schemeClr val="tx1"/>
-                </a:solidFill>
-              </a:rPr>
-              <a:t>Fabrikam have negotiated an Enterprise Agreement (EA) with Microsoft for their Azure consumption. Any cost estimates need to reflect their EA discount.</a:t>
-            </a:r>
-          </a:p>
-          <a:p>
-            <a:endParaRPr lang="en-US" sz="2400" dirty="0"/>
-          </a:p>
-          <a:p>
-            <a:r>
-              <a:rPr lang="en-US" sz="2400" dirty="0">
-                <a:latin typeface="Segoe UI Semibold" panose="020B0702040204020203" pitchFamily="34" charset="0"/>
-                <a:cs typeface="Segoe UI Semibold" panose="020B0702040204020203" pitchFamily="34" charset="0"/>
-              </a:rPr>
-              <a:t>Answer: </a:t>
-            </a:r>
-            <a:r>
-              <a:rPr lang="en-US" sz="2400" dirty="0">
-                <a:solidFill>
-                  <a:schemeClr val="tx1"/>
-                </a:solidFill>
-              </a:rPr>
-              <a:t>Not a problem! Cost estimates from both Azure Migrate and the Azure Pricing Calculator can be tailored to reflect your EA discount.</a:t>
-            </a:r>
-            <a:endParaRPr lang="en-US" sz="2400" dirty="0"/>
-          </a:p>
-        </p:txBody>
-      </p:sp>
-    </p:spTree>
-    <p:extLst>
-      <p:ext uri="{BB962C8B-B14F-4D97-AF65-F5344CB8AC3E}">
-        <p14:creationId xmlns:p14="http://schemas.microsoft.com/office/powerpoint/2010/main" val="2403139044"/>
-      </p:ext>
-    </p:extLst>
-  </p:cSld>
-  <p:clrMapOvr>
-    <a:masterClrMapping/>
-  </p:clrMapOvr>
-  <mc:AlternateContent xmlns:mc="http://schemas.openxmlformats.org/markup-compatibility/2006" xmlns:p14="http://schemas.microsoft.com/office/powerpoint/2010/main">
-    <mc:Choice Requires="p14">
-      <p:transition p14:dur="0"/>
-    </mc:Choice>
-    <mc:Fallback xmlns="">
-      <p:transition/>
-    </mc:Fallback>
-  </mc:AlternateContent>
-</p:sld>
-</file>
-
-<file path=ppt/slides/slide31.xml><?xml version="1.0" encoding="utf-8"?>
-<p:sld xmlns:a="http://schemas.openxmlformats.org/drawingml/2006/main" xmlns:r="http://schemas.openxmlformats.org/officeDocument/2006/relationships" xmlns:p="http://schemas.openxmlformats.org/presentationml/2006/main">
-  <p:cSld>
-    <p:spTree>
-      <p:nvGrpSpPr>
-        <p:cNvPr id="1" name=""/>
-        <p:cNvGrpSpPr/>
-        <p:nvPr/>
-      </p:nvGrpSpPr>
-      <p:grpSpPr>
-        <a:xfrm>
-          <a:off x="0" y="0"/>
-          <a:ext cx="0" cy="0"/>
-          <a:chOff x="0" y="0"/>
-          <a:chExt cx="0" cy="0"/>
-        </a:xfrm>
-      </p:grpSpPr>
-      <p:sp>
-        <p:nvSpPr>
-          <p:cNvPr id="2" name="Title 1"/>
-          <p:cNvSpPr>
-            <a:spLocks noGrp="1"/>
-          </p:cNvSpPr>
-          <p:nvPr>
-            <p:ph type="title"/>
-          </p:nvPr>
-        </p:nvSpPr>
-        <p:spPr/>
-        <p:txBody>
-          <a:bodyPr/>
-          <a:lstStyle/>
-          <a:p>
-            <a:r>
-              <a:rPr lang="en-US" dirty="0"/>
-              <a:t>Preferred objections handling</a:t>
-            </a:r>
-            <a:br>
-              <a:rPr lang="en-US" dirty="0"/>
-            </a:br>
-            <a:endParaRPr lang="en-US" dirty="0"/>
-          </a:p>
-        </p:txBody>
-      </p:sp>
-      <p:sp>
-        <p:nvSpPr>
-          <p:cNvPr id="3" name="Content Placeholder 2"/>
-          <p:cNvSpPr>
-            <a:spLocks noGrp="1"/>
-          </p:cNvSpPr>
-          <p:nvPr>
-            <p:ph type="body" sz="quarter" idx="10"/>
-          </p:nvPr>
-        </p:nvSpPr>
-        <p:spPr>
-          <a:xfrm>
-            <a:off x="269239" y="1189177"/>
-            <a:ext cx="11653523" cy="4210383"/>
-          </a:xfrm>
-        </p:spPr>
-        <p:txBody>
-          <a:bodyPr/>
-          <a:lstStyle/>
-          <a:p>
-            <a:r>
-              <a:rPr lang="en-US" sz="2400" dirty="0">
-                <a:latin typeface="Segoe UI Semibold" panose="020B0702040204020203" pitchFamily="34" charset="0"/>
-                <a:cs typeface="Segoe UI Semibold" panose="020B0702040204020203" pitchFamily="34" charset="0"/>
-              </a:rPr>
-              <a:t>Objection: </a:t>
-            </a:r>
-            <a:r>
-              <a:rPr lang="en-US" sz="2400" dirty="0"/>
-              <a:t>Many applications comprise multiple components or tiers. How can you ensure that these migrations are appropriately orchestrated?</a:t>
-            </a:r>
-          </a:p>
-          <a:p>
-            <a:endParaRPr lang="en-US" sz="2400" dirty="0"/>
-          </a:p>
-          <a:p>
-            <a:r>
-              <a:rPr lang="en-US" sz="2400" dirty="0">
-                <a:latin typeface="Segoe UI Semibold" panose="020B0702040204020203" pitchFamily="34" charset="0"/>
-                <a:cs typeface="Segoe UI Semibold" panose="020B0702040204020203" pitchFamily="34" charset="0"/>
-              </a:rPr>
-              <a:t>Answer: </a:t>
-            </a:r>
-            <a:r>
-              <a:rPr lang="en-US" sz="2400" dirty="0"/>
-              <a:t>Using Azure Migrate, VMs can be grouped to reflect the application architecture. The dependency visualization feature of Azure Migrate helps identify and configure these groupings.</a:t>
-            </a:r>
-          </a:p>
-          <a:p>
-            <a:endParaRPr lang="en-US" sz="2400" dirty="0"/>
-          </a:p>
-          <a:p>
-            <a:r>
-              <a:rPr lang="en-US" sz="2400" dirty="0"/>
-              <a:t>The migration process can then be staged to migrate different groups of VMs separately. Custom scripts can be used to perform custom pre- and post-migration operations. Similar orchestration is also supported by third-party migration tools, used for physical servers.</a:t>
-            </a:r>
-          </a:p>
-        </p:txBody>
-      </p:sp>
-    </p:spTree>
-    <p:extLst>
-      <p:ext uri="{BB962C8B-B14F-4D97-AF65-F5344CB8AC3E}">
-        <p14:creationId xmlns:p14="http://schemas.microsoft.com/office/powerpoint/2010/main" val="3692539223"/>
-      </p:ext>
-    </p:extLst>
-  </p:cSld>
-  <p:clrMapOvr>
-    <a:masterClrMapping/>
-  </p:clrMapOvr>
-  <mc:AlternateContent xmlns:mc="http://schemas.openxmlformats.org/markup-compatibility/2006" xmlns:p14="http://schemas.microsoft.com/office/powerpoint/2010/main">
-    <mc:Choice Requires="p14">
-      <p:transition p14:dur="0"/>
-    </mc:Choice>
-    <mc:Fallback xmlns="">
-      <p:transition/>
-    </mc:Fallback>
-  </mc:AlternateContent>
-</p:sld>
-</file>
-
-<file path=ppt/slides/slide32.xml><?xml version="1.0" encoding="utf-8"?>
-<p:sld xmlns:a="http://schemas.openxmlformats.org/drawingml/2006/main" xmlns:r="http://schemas.openxmlformats.org/officeDocument/2006/relationships" xmlns:p="http://schemas.openxmlformats.org/presentationml/2006/main">
-  <p:cSld>
-    <p:spTree>
-      <p:nvGrpSpPr>
-        <p:cNvPr id="1" name=""/>
-        <p:cNvGrpSpPr/>
-        <p:nvPr/>
-      </p:nvGrpSpPr>
-      <p:grpSpPr>
-        <a:xfrm>
-          <a:off x="0" y="0"/>
-          <a:ext cx="0" cy="0"/>
-          <a:chOff x="0" y="0"/>
-          <a:chExt cx="0" cy="0"/>
-        </a:xfrm>
-      </p:grpSpPr>
-      <p:sp>
-        <p:nvSpPr>
-          <p:cNvPr id="2" name="Title 1"/>
-          <p:cNvSpPr>
-            <a:spLocks noGrp="1"/>
-          </p:cNvSpPr>
-          <p:nvPr>
-            <p:ph type="title"/>
-          </p:nvPr>
-        </p:nvSpPr>
-        <p:spPr/>
-        <p:txBody>
-          <a:bodyPr/>
-          <a:lstStyle/>
-          <a:p>
-            <a:r>
-              <a:rPr lang="en-US" dirty="0"/>
-              <a:t>Preferred objections handling</a:t>
-            </a:r>
-            <a:br>
-              <a:rPr lang="en-US" dirty="0"/>
-            </a:br>
-            <a:endParaRPr lang="en-US" dirty="0"/>
-          </a:p>
-        </p:txBody>
-      </p:sp>
-      <p:sp>
-        <p:nvSpPr>
-          <p:cNvPr id="3" name="Content Placeholder 2"/>
-          <p:cNvSpPr>
-            <a:spLocks noGrp="1"/>
-          </p:cNvSpPr>
-          <p:nvPr>
-            <p:ph type="body" sz="quarter" idx="10"/>
-          </p:nvPr>
-        </p:nvSpPr>
-        <p:spPr>
-          <a:xfrm>
-            <a:off x="269239" y="1189177"/>
-            <a:ext cx="11653523" cy="4949047"/>
-          </a:xfrm>
-        </p:spPr>
-        <p:txBody>
-          <a:bodyPr/>
-          <a:lstStyle/>
-          <a:p>
-            <a:r>
-              <a:rPr lang="en-US" sz="2400" dirty="0">
-                <a:latin typeface="Segoe UI Semibold" panose="020B0702040204020203" pitchFamily="34" charset="0"/>
-                <a:cs typeface="Segoe UI Semibold" panose="020B0702040204020203" pitchFamily="34" charset="0"/>
-              </a:rPr>
-              <a:t>Objection: </a:t>
-            </a:r>
-            <a:r>
-              <a:rPr lang="en-US" sz="2400" dirty="0"/>
-              <a:t>Each migration should be designed to minimize application downtime. There must be an option to fail-back should the migration experience an unexpected problem.</a:t>
-            </a:r>
-          </a:p>
-          <a:p>
-            <a:endParaRPr lang="en-US" sz="2400" dirty="0"/>
-          </a:p>
-          <a:p>
-            <a:r>
-              <a:rPr lang="en-US" sz="2400" dirty="0">
-                <a:latin typeface="Segoe UI Semibold" panose="020B0702040204020203" pitchFamily="34" charset="0"/>
-                <a:cs typeface="Segoe UI Semibold" panose="020B0702040204020203" pitchFamily="34" charset="0"/>
-              </a:rPr>
-              <a:t>Answer: </a:t>
-            </a:r>
-            <a:r>
-              <a:rPr lang="en-US" sz="2400" dirty="0"/>
-              <a:t>To ensure data consistency during migration, a short application downtime may be required. With Azure Migrate, incremental replication keeps the duration of this downtime to a minimum.</a:t>
-            </a:r>
-          </a:p>
-          <a:p>
-            <a:endParaRPr lang="en-US" sz="2400" dirty="0"/>
-          </a:p>
-          <a:p>
-            <a:r>
-              <a:rPr lang="en-US" sz="2400" dirty="0"/>
-              <a:t>Similarly, data migration using DMS supports online migration, allowing you to keep your application online while data is synchronized. Only a short downtime window is required to cut over to the new database.</a:t>
-            </a:r>
-          </a:p>
-          <a:p>
-            <a:endParaRPr lang="en-US" sz="2400" dirty="0"/>
-          </a:p>
-          <a:p>
-            <a:r>
-              <a:rPr lang="en-US" sz="2400" dirty="0"/>
-              <a:t>In the event of an unexpected issue arising, the existing deployment remains available as a fail-back.</a:t>
-            </a:r>
-          </a:p>
-        </p:txBody>
-      </p:sp>
-    </p:spTree>
-    <p:extLst>
-      <p:ext uri="{BB962C8B-B14F-4D97-AF65-F5344CB8AC3E}">
-        <p14:creationId xmlns:p14="http://schemas.microsoft.com/office/powerpoint/2010/main" val="1920224808"/>
-      </p:ext>
-    </p:extLst>
-  </p:cSld>
-  <p:clrMapOvr>
-    <a:masterClrMapping/>
-  </p:clrMapOvr>
-  <mc:AlternateContent xmlns:mc="http://schemas.openxmlformats.org/markup-compatibility/2006" xmlns:p14="http://schemas.microsoft.com/office/powerpoint/2010/main">
-    <mc:Choice Requires="p14">
-      <p:transition p14:dur="0"/>
-    </mc:Choice>
-    <mc:Fallback xmlns="">
-      <p:transition/>
-    </mc:Fallback>
-  </mc:AlternateContent>
-</p:sld>
-</file>
-
-<file path=ppt/slides/slide33.xml><?xml version="1.0" encoding="utf-8"?>
-<p:sld xmlns:a="http://schemas.openxmlformats.org/drawingml/2006/main" xmlns:r="http://schemas.openxmlformats.org/officeDocument/2006/relationships" xmlns:p="http://schemas.openxmlformats.org/presentationml/2006/main">
-  <p:cSld>
-    <p:spTree>
-      <p:nvGrpSpPr>
-        <p:cNvPr id="1" name=""/>
-        <p:cNvGrpSpPr/>
-        <p:nvPr/>
-      </p:nvGrpSpPr>
-      <p:grpSpPr>
-        <a:xfrm>
-          <a:off x="0" y="0"/>
-          <a:ext cx="0" cy="0"/>
-          <a:chOff x="0" y="0"/>
-          <a:chExt cx="0" cy="0"/>
-        </a:xfrm>
-      </p:grpSpPr>
-      <p:sp>
-        <p:nvSpPr>
-          <p:cNvPr id="2" name="Title 1"/>
-          <p:cNvSpPr>
-            <a:spLocks noGrp="1"/>
-          </p:cNvSpPr>
-          <p:nvPr>
-            <p:ph type="title"/>
-          </p:nvPr>
-        </p:nvSpPr>
-        <p:spPr/>
-        <p:txBody>
-          <a:bodyPr/>
-          <a:lstStyle/>
-          <a:p>
-            <a:r>
-              <a:rPr lang="en-US" dirty="0"/>
-              <a:t>Preferred objections handling</a:t>
-            </a:r>
-            <a:br>
-              <a:rPr lang="en-US" dirty="0"/>
-            </a:br>
-            <a:endParaRPr lang="en-US" dirty="0"/>
-          </a:p>
-        </p:txBody>
-      </p:sp>
-      <p:sp>
-        <p:nvSpPr>
-          <p:cNvPr id="3" name="Content Placeholder 2"/>
-          <p:cNvSpPr>
-            <a:spLocks noGrp="1"/>
-          </p:cNvSpPr>
-          <p:nvPr>
-            <p:ph type="body" sz="quarter" idx="10"/>
-          </p:nvPr>
-        </p:nvSpPr>
-        <p:spPr>
-          <a:xfrm>
-            <a:off x="269239" y="1189177"/>
-            <a:ext cx="11653523" cy="5281446"/>
-          </a:xfrm>
-        </p:spPr>
-        <p:txBody>
-          <a:bodyPr/>
-          <a:lstStyle/>
-          <a:p>
-            <a:r>
-              <a:rPr lang="en-US" sz="2400" dirty="0">
-                <a:latin typeface="Segoe UI Semibold" panose="020B0702040204020203" pitchFamily="34" charset="0"/>
-                <a:cs typeface="Segoe UI Semibold" panose="020B0702040204020203" pitchFamily="34" charset="0"/>
-              </a:rPr>
-              <a:t>Objection: </a:t>
-            </a:r>
-            <a:r>
-              <a:rPr lang="en-US" sz="2400" dirty="0"/>
-              <a:t>We are expecting to move all our existing infrastructure to Azure. Reducing our on-premises server costs should provide substantial cost savings. Can you confirm what savings we can expect?</a:t>
-            </a:r>
-          </a:p>
-          <a:p>
-            <a:endParaRPr lang="en-US" sz="2400" dirty="0"/>
-          </a:p>
-          <a:p>
-            <a:r>
-              <a:rPr lang="en-US" sz="2400" dirty="0">
-                <a:latin typeface="Segoe UI Semibold" panose="020B0702040204020203" pitchFamily="34" charset="0"/>
-                <a:cs typeface="Segoe UI Semibold" panose="020B0702040204020203" pitchFamily="34" charset="0"/>
-              </a:rPr>
-              <a:t>Answer: </a:t>
-            </a:r>
-            <a:r>
-              <a:rPr lang="en-US" sz="2400" dirty="0"/>
-              <a:t>It is a common myth that all workloads should move to the cloud, and that the cloud will automatically be cheaper. Careful planning will be required to optimize your Azure deployment, and a cost analysis performed to make sure the business case for migration is sound and fully understood.</a:t>
-            </a:r>
-          </a:p>
-          <a:p>
-            <a:endParaRPr lang="en-US" sz="2400" dirty="0"/>
-          </a:p>
-          <a:p>
-            <a:r>
-              <a:rPr lang="en-US" sz="2400" dirty="0"/>
-              <a:t>The </a:t>
-            </a:r>
-            <a:r>
-              <a:rPr lang="en-US" sz="2400" i="1" dirty="0"/>
-              <a:t>Build a business justification for cloud migration</a:t>
-            </a:r>
-            <a:r>
-              <a:rPr lang="en-US" sz="2400" dirty="0"/>
-              <a:t> guide is a useful resource for dispelling cloud adoption myths and building a realistic business case.</a:t>
-            </a:r>
-          </a:p>
-          <a:p>
-            <a:endParaRPr lang="en-US" sz="2400" dirty="0"/>
-          </a:p>
-          <a:p>
-            <a:r>
-              <a:rPr lang="en-US" sz="2400" dirty="0"/>
-              <a:t>https://docs.microsoft.com/azure/architecture/cloud-adoption/business-strategy/cloud-migration-business-case </a:t>
-            </a:r>
-          </a:p>
-        </p:txBody>
-      </p:sp>
-    </p:spTree>
-    <p:extLst>
-      <p:ext uri="{BB962C8B-B14F-4D97-AF65-F5344CB8AC3E}">
-        <p14:creationId xmlns:p14="http://schemas.microsoft.com/office/powerpoint/2010/main" val="541416141"/>
-      </p:ext>
-    </p:extLst>
-  </p:cSld>
-  <p:clrMapOvr>
-    <a:masterClrMapping/>
-  </p:clrMapOvr>
-  <mc:AlternateContent xmlns:mc="http://schemas.openxmlformats.org/markup-compatibility/2006" xmlns:p14="http://schemas.microsoft.com/office/powerpoint/2010/main">
-    <mc:Choice Requires="p14">
-      <p:transition p14:dur="0"/>
-    </mc:Choice>
-    <mc:Fallback xmlns="">
-      <p:transition/>
-    </mc:Fallback>
-  </mc:AlternateContent>
-</p:sld>
-</file>
-
-<file path=ppt/slides/slide34.xml><?xml version="1.0" encoding="utf-8"?>
-<p:sld xmlns:a="http://schemas.openxmlformats.org/drawingml/2006/main" xmlns:r="http://schemas.openxmlformats.org/officeDocument/2006/relationships" xmlns:p="http://schemas.openxmlformats.org/presentationml/2006/main">
-  <p:cSld>
-    <p:spTree>
-      <p:nvGrpSpPr>
-        <p:cNvPr id="1" name=""/>
-        <p:cNvGrpSpPr/>
-        <p:nvPr/>
-      </p:nvGrpSpPr>
-      <p:grpSpPr>
-        <a:xfrm>
-          <a:off x="0" y="0"/>
-          <a:ext cx="0" cy="0"/>
-          <a:chOff x="0" y="0"/>
-          <a:chExt cx="0" cy="0"/>
-        </a:xfrm>
-      </p:grpSpPr>
-      <p:sp>
-        <p:nvSpPr>
-          <p:cNvPr id="2" name="Title 1"/>
-          <p:cNvSpPr>
-            <a:spLocks noGrp="1"/>
-          </p:cNvSpPr>
-          <p:nvPr>
-            <p:ph type="title"/>
-          </p:nvPr>
-        </p:nvSpPr>
-        <p:spPr/>
-        <p:txBody>
-          <a:bodyPr/>
-          <a:lstStyle/>
-          <a:p>
-            <a:r>
-              <a:rPr lang="en-US" dirty="0"/>
-              <a:t>Example Service Updates</a:t>
+              <a:t>Solution Details: Future Updates</a:t>
             </a:r>
             <a:br>
               <a:rPr lang="en-US" dirty="0"/>
@@ -23234,6 +23768,865 @@
     <p:extLst>
       <p:ext uri="{BB962C8B-B14F-4D97-AF65-F5344CB8AC3E}">
         <p14:creationId xmlns:p14="http://schemas.microsoft.com/office/powerpoint/2010/main" val="2849909180"/>
+      </p:ext>
+    </p:extLst>
+  </p:cSld>
+  <p:clrMapOvr>
+    <a:masterClrMapping/>
+  </p:clrMapOvr>
+  <mc:AlternateContent xmlns:mc="http://schemas.openxmlformats.org/markup-compatibility/2006" xmlns:p14="http://schemas.microsoft.com/office/powerpoint/2010/main">
+    <mc:Choice Requires="p14">
+      <p:transition p14:dur="0"/>
+    </mc:Choice>
+    <mc:Fallback xmlns="">
+      <p:transition/>
+    </mc:Fallback>
+  </mc:AlternateContent>
+</p:sld>
+</file>
+
+<file path=ppt/slides/slide3.xml><?xml version="1.0" encoding="utf-8"?>
+<p:sld xmlns:a="http://schemas.openxmlformats.org/drawingml/2006/main" xmlns:r="http://schemas.openxmlformats.org/officeDocument/2006/relationships" xmlns:p="http://schemas.openxmlformats.org/presentationml/2006/main">
+  <p:cSld>
+    <p:bg>
+      <p:bgPr>
+        <a:solidFill>
+          <a:schemeClr val="bg2"/>
+        </a:solidFill>
+        <a:effectLst/>
+      </p:bgPr>
+    </p:bg>
+    <p:spTree>
+      <p:nvGrpSpPr>
+        <p:cNvPr id="1" name=""/>
+        <p:cNvGrpSpPr/>
+        <p:nvPr/>
+      </p:nvGrpSpPr>
+      <p:grpSpPr>
+        <a:xfrm>
+          <a:off x="0" y="0"/>
+          <a:ext cx="0" cy="0"/>
+          <a:chOff x="0" y="0"/>
+          <a:chExt cx="0" cy="0"/>
+        </a:xfrm>
+      </p:grpSpPr>
+      <p:sp>
+        <p:nvSpPr>
+          <p:cNvPr id="2" name="Title 1"/>
+          <p:cNvSpPr>
+            <a:spLocks noGrp="1"/>
+          </p:cNvSpPr>
+          <p:nvPr>
+            <p:ph type="title"/>
+          </p:nvPr>
+        </p:nvSpPr>
+        <p:spPr/>
+        <p:txBody>
+          <a:bodyPr>
+            <a:normAutofit/>
+          </a:bodyPr>
+          <a:lstStyle/>
+          <a:p>
+            <a:r>
+              <a:rPr lang="en-US" sz="4400" dirty="0">
+                <a:solidFill>
+                  <a:schemeClr val="tx1"/>
+                </a:solidFill>
+                <a:latin typeface="Segoe UI Light" panose="020B0502040204020203" pitchFamily="34" charset="0"/>
+                <a:cs typeface="Segoe UI Light" panose="020B0502040204020203" pitchFamily="34" charset="0"/>
+              </a:rPr>
+              <a:t>Step 1: Review the customer case study</a:t>
+            </a:r>
+          </a:p>
+        </p:txBody>
+      </p:sp>
+      <p:sp>
+        <p:nvSpPr>
+          <p:cNvPr id="9" name="TextBox 8">
+            <a:extLst>
+              <a:ext uri="{FF2B5EF4-FFF2-40B4-BE49-F238E27FC236}">
+                <a16:creationId xmlns:a16="http://schemas.microsoft.com/office/drawing/2014/main" id="{0F86F9F9-39B5-4CE6-AF48-9ADAE40EA728}"/>
+              </a:ext>
+            </a:extLst>
+          </p:cNvPr>
+          <p:cNvSpPr txBox="1"/>
+          <p:nvPr/>
+        </p:nvSpPr>
+        <p:spPr>
+          <a:xfrm>
+            <a:off x="340285" y="1741246"/>
+            <a:ext cx="7247965" cy="2597634"/>
+          </a:xfrm>
+          <a:prstGeom prst="rect">
+            <a:avLst/>
+          </a:prstGeom>
+          <a:noFill/>
+        </p:spPr>
+        <p:txBody>
+          <a:bodyPr wrap="square" lIns="182880" tIns="146304" rIns="182880" bIns="146304" rtlCol="0">
+            <a:spAutoFit/>
+          </a:bodyPr>
+          <a:lstStyle/>
+          <a:p>
+            <a:pPr>
+              <a:lnSpc>
+                <a:spcPct val="90000"/>
+              </a:lnSpc>
+              <a:spcAft>
+                <a:spcPts val="600"/>
+              </a:spcAft>
+            </a:pPr>
+            <a:r>
+              <a:rPr lang="en-US" sz="3600" dirty="0">
+                <a:latin typeface="+mj-lt"/>
+              </a:rPr>
+              <a:t>Outcome</a:t>
+            </a:r>
+          </a:p>
+          <a:p>
+            <a:pPr>
+              <a:lnSpc>
+                <a:spcPct val="90000"/>
+              </a:lnSpc>
+              <a:spcAft>
+                <a:spcPts val="600"/>
+              </a:spcAft>
+            </a:pPr>
+            <a:r>
+              <a:rPr lang="en-US" sz="2400" dirty="0">
+                <a:latin typeface="Segoe UI Semilight" panose="020B0402040204020203" pitchFamily="34" charset="0"/>
+                <a:cs typeface="Segoe UI Semilight" panose="020B0402040204020203" pitchFamily="34" charset="0"/>
+              </a:rPr>
+              <a:t>Analyze your customer needs.</a:t>
+            </a:r>
+          </a:p>
+          <a:p>
+            <a:pPr>
+              <a:lnSpc>
+                <a:spcPct val="90000"/>
+              </a:lnSpc>
+              <a:spcAft>
+                <a:spcPts val="600"/>
+              </a:spcAft>
+            </a:pPr>
+            <a:endParaRPr lang="en-US" sz="2400" dirty="0"/>
+          </a:p>
+          <a:p>
+            <a:pPr>
+              <a:lnSpc>
+                <a:spcPct val="90000"/>
+              </a:lnSpc>
+              <a:spcAft>
+                <a:spcPts val="600"/>
+              </a:spcAft>
+            </a:pPr>
+            <a:r>
+              <a:rPr lang="en-US" sz="3600" dirty="0">
+                <a:latin typeface="+mj-lt"/>
+              </a:rPr>
+              <a:t>Timeframe</a:t>
+            </a:r>
+          </a:p>
+          <a:p>
+            <a:pPr>
+              <a:lnSpc>
+                <a:spcPct val="90000"/>
+              </a:lnSpc>
+              <a:spcAft>
+                <a:spcPts val="600"/>
+              </a:spcAft>
+            </a:pPr>
+            <a:r>
+              <a:rPr lang="en-US" sz="2400" dirty="0">
+                <a:latin typeface="Segoe UI Semilight" panose="020B0402040204020203" pitchFamily="34" charset="0"/>
+                <a:cs typeface="Segoe UI Semilight" panose="020B0402040204020203" pitchFamily="34" charset="0"/>
+              </a:rPr>
+              <a:t>15 minutes</a:t>
+            </a:r>
+          </a:p>
+        </p:txBody>
+      </p:sp>
+    </p:spTree>
+    <p:extLst>
+      <p:ext uri="{BB962C8B-B14F-4D97-AF65-F5344CB8AC3E}">
+        <p14:creationId xmlns:p14="http://schemas.microsoft.com/office/powerpoint/2010/main" val="2071289292"/>
+      </p:ext>
+    </p:extLst>
+  </p:cSld>
+  <p:clrMapOvr>
+    <a:masterClrMapping/>
+  </p:clrMapOvr>
+  <mc:AlternateContent xmlns:mc="http://schemas.openxmlformats.org/markup-compatibility/2006" xmlns:p14="http://schemas.microsoft.com/office/powerpoint/2010/main">
+    <mc:Choice Requires="p14">
+      <p:transition p14:dur="0"/>
+    </mc:Choice>
+    <mc:Fallback xmlns="">
+      <p:transition/>
+    </mc:Fallback>
+  </mc:AlternateContent>
+</p:sld>
+</file>
+
+<file path=ppt/slides/slide30.xml><?xml version="1.0" encoding="utf-8"?>
+<p:sld xmlns:a="http://schemas.openxmlformats.org/drawingml/2006/main" xmlns:r="http://schemas.openxmlformats.org/officeDocument/2006/relationships" xmlns:p="http://schemas.openxmlformats.org/presentationml/2006/main">
+  <p:cSld>
+    <p:spTree>
+      <p:nvGrpSpPr>
+        <p:cNvPr id="1" name=""/>
+        <p:cNvGrpSpPr/>
+        <p:nvPr/>
+      </p:nvGrpSpPr>
+      <p:grpSpPr>
+        <a:xfrm>
+          <a:off x="0" y="0"/>
+          <a:ext cx="0" cy="0"/>
+          <a:chOff x="0" y="0"/>
+          <a:chExt cx="0" cy="0"/>
+        </a:xfrm>
+      </p:grpSpPr>
+      <p:sp>
+        <p:nvSpPr>
+          <p:cNvPr id="2" name="Title 1"/>
+          <p:cNvSpPr>
+            <a:spLocks noGrp="1"/>
+          </p:cNvSpPr>
+          <p:nvPr>
+            <p:ph type="title"/>
+          </p:nvPr>
+        </p:nvSpPr>
+        <p:spPr/>
+        <p:txBody>
+          <a:bodyPr/>
+          <a:lstStyle/>
+          <a:p>
+            <a:r>
+              <a:rPr lang="en-US" dirty="0"/>
+              <a:t>Preferred objections handling</a:t>
+            </a:r>
+            <a:br>
+              <a:rPr lang="en-US" dirty="0"/>
+            </a:br>
+            <a:endParaRPr lang="en-US" dirty="0"/>
+          </a:p>
+        </p:txBody>
+      </p:sp>
+      <p:sp>
+        <p:nvSpPr>
+          <p:cNvPr id="3" name="Content Placeholder 2"/>
+          <p:cNvSpPr>
+            <a:spLocks noGrp="1"/>
+          </p:cNvSpPr>
+          <p:nvPr>
+            <p:ph type="body" sz="quarter" idx="10"/>
+          </p:nvPr>
+        </p:nvSpPr>
+        <p:spPr>
+          <a:xfrm>
+            <a:off x="269239" y="1189177"/>
+            <a:ext cx="11653523" cy="5946243"/>
+          </a:xfrm>
+        </p:spPr>
+        <p:txBody>
+          <a:bodyPr/>
+          <a:lstStyle/>
+          <a:p>
+            <a:r>
+              <a:rPr lang="en-US" sz="2400" dirty="0">
+                <a:latin typeface="Segoe UI Semibold" panose="020B0702040204020203" pitchFamily="34" charset="0"/>
+                <a:cs typeface="Segoe UI Semibold" panose="020B0702040204020203" pitchFamily="34" charset="0"/>
+              </a:rPr>
+              <a:t>Objection: </a:t>
+            </a:r>
+            <a:r>
+              <a:rPr lang="en-US" sz="2400" dirty="0">
+                <a:solidFill>
+                  <a:schemeClr val="tx1"/>
+                </a:solidFill>
+              </a:rPr>
+              <a:t>Owners of each business application need to approve any substantial application change, including migration. Business owners have indicated that they will require evidence that migration will be successful before granting approval.</a:t>
+            </a:r>
+          </a:p>
+          <a:p>
+            <a:endParaRPr lang="en-US" sz="2400" dirty="0"/>
+          </a:p>
+          <a:p>
+            <a:r>
+              <a:rPr lang="en-US" sz="2400" dirty="0">
+                <a:latin typeface="Segoe UI Semibold" panose="020B0702040204020203" pitchFamily="34" charset="0"/>
+                <a:cs typeface="Segoe UI Semibold" panose="020B0702040204020203" pitchFamily="34" charset="0"/>
+              </a:rPr>
+              <a:t>Answer: </a:t>
+            </a:r>
+            <a:r>
+              <a:rPr lang="en-US" sz="2400" dirty="0">
+                <a:solidFill>
+                  <a:schemeClr val="tx1"/>
+                </a:solidFill>
+              </a:rPr>
+              <a:t>Create of a proof of concept deployment, to validate the overall architecture and any assumptions, for example regarding the impact of changes to network latency between application components.</a:t>
+            </a:r>
+          </a:p>
+          <a:p>
+            <a:br>
+              <a:rPr lang="en-US" sz="2400" dirty="0">
+                <a:solidFill>
+                  <a:schemeClr val="tx1"/>
+                </a:solidFill>
+              </a:rPr>
+            </a:br>
+            <a:r>
+              <a:rPr lang="en-US" sz="2400" dirty="0">
+                <a:solidFill>
+                  <a:schemeClr val="tx1"/>
+                </a:solidFill>
+              </a:rPr>
+              <a:t>For the migration process itself, Azure Migrate supports a 'test failover'. This creates the Azure deployment in parallel with the existing deployment, allowing the migration process to be verified without risk of production impact. Likewise, database migration using DMS does not impact the existing production database.</a:t>
+            </a:r>
+          </a:p>
+          <a:p>
+            <a:endParaRPr lang="en-US" sz="2400" dirty="0">
+              <a:solidFill>
+                <a:schemeClr val="tx1"/>
+              </a:solidFill>
+            </a:endParaRPr>
+          </a:p>
+          <a:p>
+            <a:r>
+              <a:rPr lang="en-US" sz="2400" dirty="0">
+                <a:solidFill>
+                  <a:schemeClr val="tx1"/>
+                </a:solidFill>
+              </a:rPr>
+              <a:t>Third-party migration tools used for migration of physical servers similarly support a validation step prior to committing the migration.</a:t>
+            </a:r>
+          </a:p>
+          <a:p>
+            <a:endParaRPr lang="en-US" sz="2400" dirty="0"/>
+          </a:p>
+        </p:txBody>
+      </p:sp>
+    </p:spTree>
+    <p:extLst>
+      <p:ext uri="{BB962C8B-B14F-4D97-AF65-F5344CB8AC3E}">
+        <p14:creationId xmlns:p14="http://schemas.microsoft.com/office/powerpoint/2010/main" val="2923730869"/>
+      </p:ext>
+    </p:extLst>
+  </p:cSld>
+  <p:clrMapOvr>
+    <a:masterClrMapping/>
+  </p:clrMapOvr>
+  <mc:AlternateContent xmlns:mc="http://schemas.openxmlformats.org/markup-compatibility/2006" xmlns:p14="http://schemas.microsoft.com/office/powerpoint/2010/main">
+    <mc:Choice Requires="p14">
+      <p:transition p14:dur="0"/>
+    </mc:Choice>
+    <mc:Fallback xmlns="">
+      <p:transition/>
+    </mc:Fallback>
+  </mc:AlternateContent>
+</p:sld>
+</file>
+
+<file path=ppt/slides/slide31.xml><?xml version="1.0" encoding="utf-8"?>
+<p:sld xmlns:a="http://schemas.openxmlformats.org/drawingml/2006/main" xmlns:r="http://schemas.openxmlformats.org/officeDocument/2006/relationships" xmlns:p="http://schemas.openxmlformats.org/presentationml/2006/main">
+  <p:cSld>
+    <p:spTree>
+      <p:nvGrpSpPr>
+        <p:cNvPr id="1" name=""/>
+        <p:cNvGrpSpPr/>
+        <p:nvPr/>
+      </p:nvGrpSpPr>
+      <p:grpSpPr>
+        <a:xfrm>
+          <a:off x="0" y="0"/>
+          <a:ext cx="0" cy="0"/>
+          <a:chOff x="0" y="0"/>
+          <a:chExt cx="0" cy="0"/>
+        </a:xfrm>
+      </p:grpSpPr>
+      <p:sp>
+        <p:nvSpPr>
+          <p:cNvPr id="2" name="Title 1"/>
+          <p:cNvSpPr>
+            <a:spLocks noGrp="1"/>
+          </p:cNvSpPr>
+          <p:nvPr>
+            <p:ph type="title"/>
+          </p:nvPr>
+        </p:nvSpPr>
+        <p:spPr/>
+        <p:txBody>
+          <a:bodyPr/>
+          <a:lstStyle/>
+          <a:p>
+            <a:r>
+              <a:rPr lang="en-US" dirty="0"/>
+              <a:t>Preferred objections handling</a:t>
+            </a:r>
+            <a:br>
+              <a:rPr lang="en-US" dirty="0"/>
+            </a:br>
+            <a:endParaRPr lang="en-US" dirty="0"/>
+          </a:p>
+        </p:txBody>
+      </p:sp>
+      <p:sp>
+        <p:nvSpPr>
+          <p:cNvPr id="3" name="Content Placeholder 2"/>
+          <p:cNvSpPr>
+            <a:spLocks noGrp="1"/>
+          </p:cNvSpPr>
+          <p:nvPr>
+            <p:ph type="body" sz="quarter" idx="10"/>
+          </p:nvPr>
+        </p:nvSpPr>
+        <p:spPr>
+          <a:xfrm>
+            <a:off x="269239" y="1189177"/>
+            <a:ext cx="11653523" cy="1994392"/>
+          </a:xfrm>
+        </p:spPr>
+        <p:txBody>
+          <a:bodyPr/>
+          <a:lstStyle/>
+          <a:p>
+            <a:r>
+              <a:rPr lang="en-US" sz="2400" dirty="0">
+                <a:latin typeface="Segoe UI Semibold" panose="020B0702040204020203" pitchFamily="34" charset="0"/>
+                <a:cs typeface="Segoe UI Semibold" panose="020B0702040204020203" pitchFamily="34" charset="0"/>
+              </a:rPr>
+              <a:t>Objection: </a:t>
+            </a:r>
+            <a:r>
+              <a:rPr lang="en-US" sz="2400" dirty="0">
+                <a:solidFill>
+                  <a:schemeClr val="tx1"/>
+                </a:solidFill>
+              </a:rPr>
+              <a:t>Fabrikam have negotiated an Enterprise Agreement (EA) with Microsoft for their Azure consumption. Any cost estimates need to reflect their EA discount.</a:t>
+            </a:r>
+          </a:p>
+          <a:p>
+            <a:endParaRPr lang="en-US" sz="2400" dirty="0"/>
+          </a:p>
+          <a:p>
+            <a:r>
+              <a:rPr lang="en-US" sz="2400" dirty="0">
+                <a:latin typeface="Segoe UI Semibold" panose="020B0702040204020203" pitchFamily="34" charset="0"/>
+                <a:cs typeface="Segoe UI Semibold" panose="020B0702040204020203" pitchFamily="34" charset="0"/>
+              </a:rPr>
+              <a:t>Answer: </a:t>
+            </a:r>
+            <a:r>
+              <a:rPr lang="en-US" sz="2400" dirty="0">
+                <a:solidFill>
+                  <a:schemeClr val="tx1"/>
+                </a:solidFill>
+              </a:rPr>
+              <a:t>Not a problem! Cost estimates from both Azure Migrate and the Azure Pricing Calculator can be tailored to reflect your EA discount.</a:t>
+            </a:r>
+            <a:endParaRPr lang="en-US" sz="2400" dirty="0"/>
+          </a:p>
+        </p:txBody>
+      </p:sp>
+    </p:spTree>
+    <p:extLst>
+      <p:ext uri="{BB962C8B-B14F-4D97-AF65-F5344CB8AC3E}">
+        <p14:creationId xmlns:p14="http://schemas.microsoft.com/office/powerpoint/2010/main" val="2403139044"/>
+      </p:ext>
+    </p:extLst>
+  </p:cSld>
+  <p:clrMapOvr>
+    <a:masterClrMapping/>
+  </p:clrMapOvr>
+  <mc:AlternateContent xmlns:mc="http://schemas.openxmlformats.org/markup-compatibility/2006" xmlns:p14="http://schemas.microsoft.com/office/powerpoint/2010/main">
+    <mc:Choice Requires="p14">
+      <p:transition p14:dur="0"/>
+    </mc:Choice>
+    <mc:Fallback xmlns="">
+      <p:transition/>
+    </mc:Fallback>
+  </mc:AlternateContent>
+</p:sld>
+</file>
+
+<file path=ppt/slides/slide32.xml><?xml version="1.0" encoding="utf-8"?>
+<p:sld xmlns:a="http://schemas.openxmlformats.org/drawingml/2006/main" xmlns:r="http://schemas.openxmlformats.org/officeDocument/2006/relationships" xmlns:p="http://schemas.openxmlformats.org/presentationml/2006/main">
+  <p:cSld>
+    <p:spTree>
+      <p:nvGrpSpPr>
+        <p:cNvPr id="1" name=""/>
+        <p:cNvGrpSpPr/>
+        <p:nvPr/>
+      </p:nvGrpSpPr>
+      <p:grpSpPr>
+        <a:xfrm>
+          <a:off x="0" y="0"/>
+          <a:ext cx="0" cy="0"/>
+          <a:chOff x="0" y="0"/>
+          <a:chExt cx="0" cy="0"/>
+        </a:xfrm>
+      </p:grpSpPr>
+      <p:sp>
+        <p:nvSpPr>
+          <p:cNvPr id="2" name="Title 1"/>
+          <p:cNvSpPr>
+            <a:spLocks noGrp="1"/>
+          </p:cNvSpPr>
+          <p:nvPr>
+            <p:ph type="title"/>
+          </p:nvPr>
+        </p:nvSpPr>
+        <p:spPr/>
+        <p:txBody>
+          <a:bodyPr/>
+          <a:lstStyle/>
+          <a:p>
+            <a:r>
+              <a:rPr lang="en-US" dirty="0"/>
+              <a:t>Preferred objections handling</a:t>
+            </a:r>
+            <a:br>
+              <a:rPr lang="en-US" dirty="0"/>
+            </a:br>
+            <a:endParaRPr lang="en-US" dirty="0"/>
+          </a:p>
+        </p:txBody>
+      </p:sp>
+      <p:sp>
+        <p:nvSpPr>
+          <p:cNvPr id="3" name="Content Placeholder 2"/>
+          <p:cNvSpPr>
+            <a:spLocks noGrp="1"/>
+          </p:cNvSpPr>
+          <p:nvPr>
+            <p:ph type="body" sz="quarter" idx="10"/>
+          </p:nvPr>
+        </p:nvSpPr>
+        <p:spPr>
+          <a:xfrm>
+            <a:off x="269239" y="1189177"/>
+            <a:ext cx="11653523" cy="4210383"/>
+          </a:xfrm>
+        </p:spPr>
+        <p:txBody>
+          <a:bodyPr/>
+          <a:lstStyle/>
+          <a:p>
+            <a:r>
+              <a:rPr lang="en-US" sz="2400" dirty="0">
+                <a:latin typeface="Segoe UI Semibold" panose="020B0702040204020203" pitchFamily="34" charset="0"/>
+                <a:cs typeface="Segoe UI Semibold" panose="020B0702040204020203" pitchFamily="34" charset="0"/>
+              </a:rPr>
+              <a:t>Objection: </a:t>
+            </a:r>
+            <a:r>
+              <a:rPr lang="en-US" sz="2400" dirty="0"/>
+              <a:t>Many applications comprise multiple components or tiers. How can you ensure that these migrations are appropriately orchestrated?</a:t>
+            </a:r>
+          </a:p>
+          <a:p>
+            <a:endParaRPr lang="en-US" sz="2400" dirty="0"/>
+          </a:p>
+          <a:p>
+            <a:r>
+              <a:rPr lang="en-US" sz="2400" dirty="0">
+                <a:latin typeface="Segoe UI Semibold" panose="020B0702040204020203" pitchFamily="34" charset="0"/>
+                <a:cs typeface="Segoe UI Semibold" panose="020B0702040204020203" pitchFamily="34" charset="0"/>
+              </a:rPr>
+              <a:t>Answer: </a:t>
+            </a:r>
+            <a:r>
+              <a:rPr lang="en-US" sz="2400" dirty="0"/>
+              <a:t>Using Azure Migrate, VMs can be grouped to reflect the application architecture. The dependency visualization feature of Azure Migrate helps identify and configure these groupings.</a:t>
+            </a:r>
+          </a:p>
+          <a:p>
+            <a:endParaRPr lang="en-US" sz="2400" dirty="0"/>
+          </a:p>
+          <a:p>
+            <a:r>
+              <a:rPr lang="en-US" sz="2400" dirty="0"/>
+              <a:t>The migration process can then be staged to migrate different groups of VMs separately. Custom scripts can be used to perform custom pre- and post-migration operations. Similar orchestration is also supported by third-party migration tools, used for physical servers.</a:t>
+            </a:r>
+          </a:p>
+        </p:txBody>
+      </p:sp>
+    </p:spTree>
+    <p:extLst>
+      <p:ext uri="{BB962C8B-B14F-4D97-AF65-F5344CB8AC3E}">
+        <p14:creationId xmlns:p14="http://schemas.microsoft.com/office/powerpoint/2010/main" val="3692539223"/>
+      </p:ext>
+    </p:extLst>
+  </p:cSld>
+  <p:clrMapOvr>
+    <a:masterClrMapping/>
+  </p:clrMapOvr>
+  <mc:AlternateContent xmlns:mc="http://schemas.openxmlformats.org/markup-compatibility/2006" xmlns:p14="http://schemas.microsoft.com/office/powerpoint/2010/main">
+    <mc:Choice Requires="p14">
+      <p:transition p14:dur="0"/>
+    </mc:Choice>
+    <mc:Fallback xmlns="">
+      <p:transition/>
+    </mc:Fallback>
+  </mc:AlternateContent>
+</p:sld>
+</file>
+
+<file path=ppt/slides/slide33.xml><?xml version="1.0" encoding="utf-8"?>
+<p:sld xmlns:a="http://schemas.openxmlformats.org/drawingml/2006/main" xmlns:r="http://schemas.openxmlformats.org/officeDocument/2006/relationships" xmlns:p="http://schemas.openxmlformats.org/presentationml/2006/main">
+  <p:cSld>
+    <p:spTree>
+      <p:nvGrpSpPr>
+        <p:cNvPr id="1" name=""/>
+        <p:cNvGrpSpPr/>
+        <p:nvPr/>
+      </p:nvGrpSpPr>
+      <p:grpSpPr>
+        <a:xfrm>
+          <a:off x="0" y="0"/>
+          <a:ext cx="0" cy="0"/>
+          <a:chOff x="0" y="0"/>
+          <a:chExt cx="0" cy="0"/>
+        </a:xfrm>
+      </p:grpSpPr>
+      <p:sp>
+        <p:nvSpPr>
+          <p:cNvPr id="2" name="Title 1"/>
+          <p:cNvSpPr>
+            <a:spLocks noGrp="1"/>
+          </p:cNvSpPr>
+          <p:nvPr>
+            <p:ph type="title"/>
+          </p:nvPr>
+        </p:nvSpPr>
+        <p:spPr/>
+        <p:txBody>
+          <a:bodyPr/>
+          <a:lstStyle/>
+          <a:p>
+            <a:r>
+              <a:rPr lang="en-US" dirty="0"/>
+              <a:t>Preferred objections handling</a:t>
+            </a:r>
+            <a:br>
+              <a:rPr lang="en-US" dirty="0"/>
+            </a:br>
+            <a:endParaRPr lang="en-US" dirty="0"/>
+          </a:p>
+        </p:txBody>
+      </p:sp>
+      <p:sp>
+        <p:nvSpPr>
+          <p:cNvPr id="3" name="Content Placeholder 2"/>
+          <p:cNvSpPr>
+            <a:spLocks noGrp="1"/>
+          </p:cNvSpPr>
+          <p:nvPr>
+            <p:ph type="body" sz="quarter" idx="10"/>
+          </p:nvPr>
+        </p:nvSpPr>
+        <p:spPr>
+          <a:xfrm>
+            <a:off x="269239" y="1189177"/>
+            <a:ext cx="11653523" cy="4949047"/>
+          </a:xfrm>
+        </p:spPr>
+        <p:txBody>
+          <a:bodyPr/>
+          <a:lstStyle/>
+          <a:p>
+            <a:r>
+              <a:rPr lang="en-US" sz="2400" dirty="0">
+                <a:latin typeface="Segoe UI Semibold" panose="020B0702040204020203" pitchFamily="34" charset="0"/>
+                <a:cs typeface="Segoe UI Semibold" panose="020B0702040204020203" pitchFamily="34" charset="0"/>
+              </a:rPr>
+              <a:t>Objection: </a:t>
+            </a:r>
+            <a:r>
+              <a:rPr lang="en-US" sz="2400" dirty="0"/>
+              <a:t>Each migration should be designed to minimize application downtime. There must be an option to fail-back should the migration experience an unexpected problem.</a:t>
+            </a:r>
+          </a:p>
+          <a:p>
+            <a:endParaRPr lang="en-US" sz="2400" dirty="0"/>
+          </a:p>
+          <a:p>
+            <a:r>
+              <a:rPr lang="en-US" sz="2400" dirty="0">
+                <a:latin typeface="Segoe UI Semibold" panose="020B0702040204020203" pitchFamily="34" charset="0"/>
+                <a:cs typeface="Segoe UI Semibold" panose="020B0702040204020203" pitchFamily="34" charset="0"/>
+              </a:rPr>
+              <a:t>Answer: </a:t>
+            </a:r>
+            <a:r>
+              <a:rPr lang="en-US" sz="2400" dirty="0"/>
+              <a:t>To ensure data consistency during migration, a short application downtime may be required. With Azure Migrate, incremental replication keeps the duration of this downtime to a minimum.</a:t>
+            </a:r>
+          </a:p>
+          <a:p>
+            <a:endParaRPr lang="en-US" sz="2400" dirty="0"/>
+          </a:p>
+          <a:p>
+            <a:r>
+              <a:rPr lang="en-US" sz="2400" dirty="0"/>
+              <a:t>Similarly, data migration using DMS supports online migration, allowing you to keep your application online while data is synchronized. Only a short downtime window is required to cut over to the new database.</a:t>
+            </a:r>
+          </a:p>
+          <a:p>
+            <a:endParaRPr lang="en-US" sz="2400" dirty="0"/>
+          </a:p>
+          <a:p>
+            <a:r>
+              <a:rPr lang="en-US" sz="2400" dirty="0"/>
+              <a:t>In the event of an unexpected issue arising, the existing deployment remains available as a fail-back.</a:t>
+            </a:r>
+          </a:p>
+        </p:txBody>
+      </p:sp>
+    </p:spTree>
+    <p:extLst>
+      <p:ext uri="{BB962C8B-B14F-4D97-AF65-F5344CB8AC3E}">
+        <p14:creationId xmlns:p14="http://schemas.microsoft.com/office/powerpoint/2010/main" val="1920224808"/>
+      </p:ext>
+    </p:extLst>
+  </p:cSld>
+  <p:clrMapOvr>
+    <a:masterClrMapping/>
+  </p:clrMapOvr>
+  <mc:AlternateContent xmlns:mc="http://schemas.openxmlformats.org/markup-compatibility/2006" xmlns:p14="http://schemas.microsoft.com/office/powerpoint/2010/main">
+    <mc:Choice Requires="p14">
+      <p:transition p14:dur="0"/>
+    </mc:Choice>
+    <mc:Fallback xmlns="">
+      <p:transition/>
+    </mc:Fallback>
+  </mc:AlternateContent>
+</p:sld>
+</file>
+
+<file path=ppt/slides/slide34.xml><?xml version="1.0" encoding="utf-8"?>
+<p:sld xmlns:a="http://schemas.openxmlformats.org/drawingml/2006/main" xmlns:r="http://schemas.openxmlformats.org/officeDocument/2006/relationships" xmlns:p="http://schemas.openxmlformats.org/presentationml/2006/main">
+  <p:cSld>
+    <p:spTree>
+      <p:nvGrpSpPr>
+        <p:cNvPr id="1" name=""/>
+        <p:cNvGrpSpPr/>
+        <p:nvPr/>
+      </p:nvGrpSpPr>
+      <p:grpSpPr>
+        <a:xfrm>
+          <a:off x="0" y="0"/>
+          <a:ext cx="0" cy="0"/>
+          <a:chOff x="0" y="0"/>
+          <a:chExt cx="0" cy="0"/>
+        </a:xfrm>
+      </p:grpSpPr>
+      <p:sp>
+        <p:nvSpPr>
+          <p:cNvPr id="2" name="Title 1"/>
+          <p:cNvSpPr>
+            <a:spLocks noGrp="1"/>
+          </p:cNvSpPr>
+          <p:nvPr>
+            <p:ph type="title"/>
+          </p:nvPr>
+        </p:nvSpPr>
+        <p:spPr/>
+        <p:txBody>
+          <a:bodyPr/>
+          <a:lstStyle/>
+          <a:p>
+            <a:r>
+              <a:rPr lang="en-US" dirty="0"/>
+              <a:t>Preferred objections handling</a:t>
+            </a:r>
+            <a:br>
+              <a:rPr lang="en-US" dirty="0"/>
+            </a:br>
+            <a:endParaRPr lang="en-US" dirty="0"/>
+          </a:p>
+        </p:txBody>
+      </p:sp>
+      <p:sp>
+        <p:nvSpPr>
+          <p:cNvPr id="3" name="Content Placeholder 2"/>
+          <p:cNvSpPr>
+            <a:spLocks noGrp="1"/>
+          </p:cNvSpPr>
+          <p:nvPr>
+            <p:ph type="body" sz="quarter" idx="10"/>
+          </p:nvPr>
+        </p:nvSpPr>
+        <p:spPr>
+          <a:xfrm>
+            <a:off x="269239" y="1189177"/>
+            <a:ext cx="11653523" cy="5281446"/>
+          </a:xfrm>
+        </p:spPr>
+        <p:txBody>
+          <a:bodyPr/>
+          <a:lstStyle/>
+          <a:p>
+            <a:r>
+              <a:rPr lang="en-US" sz="2400" dirty="0">
+                <a:latin typeface="Segoe UI Semibold" panose="020B0702040204020203" pitchFamily="34" charset="0"/>
+                <a:cs typeface="Segoe UI Semibold" panose="020B0702040204020203" pitchFamily="34" charset="0"/>
+              </a:rPr>
+              <a:t>Objection: </a:t>
+            </a:r>
+            <a:r>
+              <a:rPr lang="en-US" sz="2400" dirty="0"/>
+              <a:t>We are expecting to move all our existing infrastructure to Azure. Reducing our on-premises server costs should provide substantial cost savings. Can you confirm what savings we can expect?</a:t>
+            </a:r>
+          </a:p>
+          <a:p>
+            <a:endParaRPr lang="en-US" sz="2400" dirty="0"/>
+          </a:p>
+          <a:p>
+            <a:r>
+              <a:rPr lang="en-US" sz="2400" dirty="0">
+                <a:latin typeface="Segoe UI Semibold" panose="020B0702040204020203" pitchFamily="34" charset="0"/>
+                <a:cs typeface="Segoe UI Semibold" panose="020B0702040204020203" pitchFamily="34" charset="0"/>
+              </a:rPr>
+              <a:t>Answer: </a:t>
+            </a:r>
+            <a:r>
+              <a:rPr lang="en-US" sz="2400" dirty="0"/>
+              <a:t>It is a common myth that all workloads should move to the cloud, and that the cloud will automatically be cheaper. Careful planning will be required to optimize your Azure deployment, and a cost analysis performed to make sure the business case for migration is sound and fully understood.</a:t>
+            </a:r>
+          </a:p>
+          <a:p>
+            <a:endParaRPr lang="en-US" sz="2400" dirty="0"/>
+          </a:p>
+          <a:p>
+            <a:r>
+              <a:rPr lang="en-US" sz="2400" dirty="0"/>
+              <a:t>The </a:t>
+            </a:r>
+            <a:r>
+              <a:rPr lang="en-US" sz="2400" i="1" dirty="0"/>
+              <a:t>Build a business justification for cloud migration</a:t>
+            </a:r>
+            <a:r>
+              <a:rPr lang="en-US" sz="2400" dirty="0"/>
+              <a:t> guide is a useful resource for dispelling cloud adoption myths and building a realistic business case.</a:t>
+            </a:r>
+          </a:p>
+          <a:p>
+            <a:endParaRPr lang="en-US" sz="2400" dirty="0"/>
+          </a:p>
+          <a:p>
+            <a:r>
+              <a:rPr lang="en-US" sz="2400" dirty="0"/>
+              <a:t>https://docs.microsoft.com/azure/architecture/cloud-adoption/business-strategy/cloud-migration-business-case </a:t>
+            </a:r>
+          </a:p>
+        </p:txBody>
+      </p:sp>
+    </p:spTree>
+    <p:extLst>
+      <p:ext uri="{BB962C8B-B14F-4D97-AF65-F5344CB8AC3E}">
+        <p14:creationId xmlns:p14="http://schemas.microsoft.com/office/powerpoint/2010/main" val="541416141"/>
       </p:ext>
     </p:extLst>
   </p:cSld>
